--- a/Datapath.pptx
+++ b/Datapath.pptx
@@ -199,7 +199,7 @@
           <a:p>
             <a:fld id="{631C766A-3B72-4D88-9BA8-D886AD3D465D}" type="datetimeFigureOut">
               <a:rPr lang="en-US" smtClean="0"/>
-              <a:t>1/27/2015</a:t>
+              <a:t>1/28/2015</a:t>
             </a:fld>
             <a:endParaRPr lang="en-US"/>
           </a:p>
@@ -766,7 +766,7 @@
           <a:p>
             <a:fld id="{ECD777CA-A7A1-4380-A570-7BE1625326AC}" type="datetimeFigureOut">
               <a:rPr lang="en-US" smtClean="0"/>
-              <a:t>1/27/2015</a:t>
+              <a:t>1/28/2015</a:t>
             </a:fld>
             <a:endParaRPr lang="en-US"/>
           </a:p>
@@ -936,7 +936,7 @@
           <a:p>
             <a:fld id="{ECD777CA-A7A1-4380-A570-7BE1625326AC}" type="datetimeFigureOut">
               <a:rPr lang="en-US" smtClean="0"/>
-              <a:t>1/27/2015</a:t>
+              <a:t>1/28/2015</a:t>
             </a:fld>
             <a:endParaRPr lang="en-US"/>
           </a:p>
@@ -1116,7 +1116,7 @@
           <a:p>
             <a:fld id="{ECD777CA-A7A1-4380-A570-7BE1625326AC}" type="datetimeFigureOut">
               <a:rPr lang="en-US" smtClean="0"/>
-              <a:t>1/27/2015</a:t>
+              <a:t>1/28/2015</a:t>
             </a:fld>
             <a:endParaRPr lang="en-US"/>
           </a:p>
@@ -1286,7 +1286,7 @@
           <a:p>
             <a:fld id="{ECD777CA-A7A1-4380-A570-7BE1625326AC}" type="datetimeFigureOut">
               <a:rPr lang="en-US" smtClean="0"/>
-              <a:t>1/27/2015</a:t>
+              <a:t>1/28/2015</a:t>
             </a:fld>
             <a:endParaRPr lang="en-US"/>
           </a:p>
@@ -1532,7 +1532,7 @@
           <a:p>
             <a:fld id="{ECD777CA-A7A1-4380-A570-7BE1625326AC}" type="datetimeFigureOut">
               <a:rPr lang="en-US" smtClean="0"/>
-              <a:t>1/27/2015</a:t>
+              <a:t>1/28/2015</a:t>
             </a:fld>
             <a:endParaRPr lang="en-US"/>
           </a:p>
@@ -1764,7 +1764,7 @@
           <a:p>
             <a:fld id="{ECD777CA-A7A1-4380-A570-7BE1625326AC}" type="datetimeFigureOut">
               <a:rPr lang="en-US" smtClean="0"/>
-              <a:t>1/27/2015</a:t>
+              <a:t>1/28/2015</a:t>
             </a:fld>
             <a:endParaRPr lang="en-US"/>
           </a:p>
@@ -2131,7 +2131,7 @@
           <a:p>
             <a:fld id="{ECD777CA-A7A1-4380-A570-7BE1625326AC}" type="datetimeFigureOut">
               <a:rPr lang="en-US" smtClean="0"/>
-              <a:t>1/27/2015</a:t>
+              <a:t>1/28/2015</a:t>
             </a:fld>
             <a:endParaRPr lang="en-US"/>
           </a:p>
@@ -2249,7 +2249,7 @@
           <a:p>
             <a:fld id="{ECD777CA-A7A1-4380-A570-7BE1625326AC}" type="datetimeFigureOut">
               <a:rPr lang="en-US" smtClean="0"/>
-              <a:t>1/27/2015</a:t>
+              <a:t>1/28/2015</a:t>
             </a:fld>
             <a:endParaRPr lang="en-US"/>
           </a:p>
@@ -2344,7 +2344,7 @@
           <a:p>
             <a:fld id="{ECD777CA-A7A1-4380-A570-7BE1625326AC}" type="datetimeFigureOut">
               <a:rPr lang="en-US" smtClean="0"/>
-              <a:t>1/27/2015</a:t>
+              <a:t>1/28/2015</a:t>
             </a:fld>
             <a:endParaRPr lang="en-US"/>
           </a:p>
@@ -2621,7 +2621,7 @@
           <a:p>
             <a:fld id="{ECD777CA-A7A1-4380-A570-7BE1625326AC}" type="datetimeFigureOut">
               <a:rPr lang="en-US" smtClean="0"/>
-              <a:t>1/27/2015</a:t>
+              <a:t>1/28/2015</a:t>
             </a:fld>
             <a:endParaRPr lang="en-US"/>
           </a:p>
@@ -2874,7 +2874,7 @@
           <a:p>
             <a:fld id="{ECD777CA-A7A1-4380-A570-7BE1625326AC}" type="datetimeFigureOut">
               <a:rPr lang="en-US" smtClean="0"/>
-              <a:t>1/27/2015</a:t>
+              <a:t>1/28/2015</a:t>
             </a:fld>
             <a:endParaRPr lang="en-US"/>
           </a:p>
@@ -3087,7 +3087,7 @@
           <a:p>
             <a:fld id="{ECD777CA-A7A1-4380-A570-7BE1625326AC}" type="datetimeFigureOut">
               <a:rPr lang="en-US" smtClean="0"/>
-              <a:t>1/27/2015</a:t>
+              <a:t>1/28/2015</a:t>
             </a:fld>
             <a:endParaRPr lang="en-US"/>
           </a:p>
@@ -3542,9 +3542,9 @@
         <p:grpSpPr>
           <a:xfrm>
             <a:off x="207033" y="5347043"/>
-            <a:ext cx="1133470" cy="1278181"/>
+            <a:ext cx="1173584" cy="1278181"/>
             <a:chOff x="138021" y="5317673"/>
-            <a:chExt cx="1255720" cy="1416039"/>
+            <a:chExt cx="1300160" cy="1416039"/>
           </a:xfrm>
         </p:grpSpPr>
         <p:sp>
@@ -3556,7 +3556,7 @@
           <p:spPr>
             <a:xfrm>
               <a:off x="138021" y="5317673"/>
-              <a:ext cx="1212575" cy="1416039"/>
+              <a:ext cx="1300160" cy="1416039"/>
             </a:xfrm>
             <a:prstGeom prst="rect">
               <a:avLst/>
@@ -4398,7 +4398,7 @@
         </p:nvSpPr>
         <p:spPr>
           <a:xfrm>
-            <a:off x="4643899" y="1121117"/>
+            <a:off x="6430084" y="769479"/>
             <a:ext cx="1502813" cy="583995"/>
           </a:xfrm>
           <a:prstGeom prst="ellipse">
@@ -4450,12 +4450,12 @@
         </p:nvCxnSpPr>
         <p:spPr>
           <a:xfrm flipV="1">
-            <a:off x="3103635" y="1413115"/>
-            <a:ext cx="1540264" cy="633856"/>
+            <a:off x="3103635" y="1061477"/>
+            <a:ext cx="3326449" cy="985494"/>
           </a:xfrm>
           <a:prstGeom prst="bentConnector3">
             <a:avLst>
-              <a:gd name="adj1" fmla="val 50000"/>
+              <a:gd name="adj1" fmla="val 40924"/>
             </a:avLst>
           </a:prstGeom>
           <a:ln>
@@ -4539,8 +4539,8 @@
         </p:nvCxnSpPr>
         <p:spPr>
           <a:xfrm flipV="1">
-            <a:off x="3103635" y="1070506"/>
-            <a:ext cx="3043076" cy="976465"/>
+            <a:off x="3103635" y="392258"/>
+            <a:ext cx="3358569" cy="1654713"/>
           </a:xfrm>
           <a:prstGeom prst="bentConnector3">
             <a:avLst>
@@ -4577,7 +4577,7 @@
         </p:nvSpPr>
         <p:spPr>
           <a:xfrm>
-            <a:off x="6146711" y="778508"/>
+            <a:off x="6462204" y="100260"/>
             <a:ext cx="1502813" cy="583995"/>
           </a:xfrm>
           <a:prstGeom prst="ellipse">
@@ -5308,7 +5308,7 @@
           </a:xfrm>
           <a:prstGeom prst="bentConnector3">
             <a:avLst>
-              <a:gd name="adj1" fmla="val 50000"/>
+              <a:gd name="adj1" fmla="val 67273"/>
             </a:avLst>
           </a:prstGeom>
           <a:ln>
@@ -6254,8 +6254,8 @@
         </p:nvCxnSpPr>
         <p:spPr>
           <a:xfrm>
-            <a:off x="7649524" y="1070505"/>
-            <a:ext cx="1762015" cy="1118305"/>
+            <a:off x="7965017" y="392258"/>
+            <a:ext cx="1446523" cy="1796553"/>
           </a:xfrm>
           <a:prstGeom prst="bentConnector2">
             <a:avLst/>
@@ -6915,7 +6915,7 @@
         </p:nvSpPr>
         <p:spPr>
           <a:xfrm>
-            <a:off x="10214145" y="2172629"/>
+            <a:off x="11510792" y="2044978"/>
             <a:ext cx="479228" cy="236141"/>
           </a:xfrm>
           <a:prstGeom prst="rect">
@@ -7609,14 +7609,14 @@
         <p:nvCxnSpPr>
           <p:cNvPr id="329" name="Straight Arrow Connector 328"/>
           <p:cNvCxnSpPr>
-            <a:endCxn id="264" idx="1"/>
+            <a:endCxn id="6" idx="3"/>
           </p:cNvCxnSpPr>
           <p:nvPr/>
         </p:nvCxnSpPr>
         <p:spPr>
           <a:xfrm>
-            <a:off x="9793077" y="2290699"/>
-            <a:ext cx="421069" cy="0"/>
+            <a:off x="9735410" y="2290713"/>
+            <a:ext cx="505166" cy="0"/>
           </a:xfrm>
           <a:prstGeom prst="straightConnector1">
             <a:avLst/>
@@ -7651,7 +7651,7 @@
         </p:nvSpPr>
         <p:spPr>
           <a:xfrm>
-            <a:off x="4636667" y="3281356"/>
+            <a:off x="4880561" y="3292018"/>
             <a:ext cx="579183" cy="277813"/>
           </a:xfrm>
           <a:prstGeom prst="rect">
@@ -7686,7 +7686,7 @@
         </p:nvSpPr>
         <p:spPr>
           <a:xfrm>
-            <a:off x="5135916" y="4250413"/>
+            <a:off x="5196127" y="4723875"/>
             <a:ext cx="513897" cy="277813"/>
           </a:xfrm>
           <a:prstGeom prst="rect">
@@ -7721,7 +7721,7 @@
         </p:nvSpPr>
         <p:spPr>
           <a:xfrm>
-            <a:off x="5352188" y="1769222"/>
+            <a:off x="5229806" y="1337591"/>
             <a:ext cx="708912" cy="307777"/>
           </a:xfrm>
           <a:prstGeom prst="rect">
@@ -7791,7 +7791,7 @@
         </p:nvSpPr>
         <p:spPr>
           <a:xfrm>
-            <a:off x="2454637" y="108224"/>
+            <a:off x="2757781" y="203412"/>
             <a:ext cx="728084" cy="415498"/>
           </a:xfrm>
           <a:prstGeom prst="rect">
@@ -7877,7 +7877,7 @@
         </p:nvSpPr>
         <p:spPr>
           <a:xfrm>
-            <a:off x="3971062" y="2209258"/>
+            <a:off x="3952155" y="2131457"/>
             <a:ext cx="465192" cy="246221"/>
           </a:xfrm>
           <a:prstGeom prst="rect">
@@ -7912,7 +7912,7 @@
         </p:nvSpPr>
         <p:spPr>
           <a:xfrm>
-            <a:off x="8166346" y="1669859"/>
+            <a:off x="8250339" y="1623789"/>
             <a:ext cx="437940" cy="246221"/>
           </a:xfrm>
           <a:prstGeom prst="rect">
@@ -7951,7 +7951,7 @@
         </p:nvSpPr>
         <p:spPr>
           <a:xfrm>
-            <a:off x="8164374" y="3219554"/>
+            <a:off x="8206815" y="3245549"/>
             <a:ext cx="434734" cy="246221"/>
           </a:xfrm>
           <a:prstGeom prst="rect">
@@ -8021,7 +8021,7 @@
         </p:nvSpPr>
         <p:spPr>
           <a:xfrm>
-            <a:off x="6462204" y="1596849"/>
+            <a:off x="6133514" y="1613958"/>
             <a:ext cx="580608" cy="246221"/>
           </a:xfrm>
           <a:prstGeom prst="rect">
@@ -8056,7 +8056,7 @@
         </p:nvSpPr>
         <p:spPr>
           <a:xfrm>
-            <a:off x="4649294" y="5498967"/>
+            <a:off x="4761846" y="5490561"/>
             <a:ext cx="505267" cy="246221"/>
           </a:xfrm>
           <a:prstGeom prst="rect">
@@ -8091,7 +8091,7 @@
         </p:nvSpPr>
         <p:spPr>
           <a:xfrm>
-            <a:off x="9206098" y="772948"/>
+            <a:off x="9452586" y="1567481"/>
             <a:ext cx="529312" cy="246221"/>
           </a:xfrm>
           <a:prstGeom prst="rect">
@@ -8126,7 +8126,7 @@
         </p:nvSpPr>
         <p:spPr>
           <a:xfrm>
-            <a:off x="7547929" y="3274915"/>
+            <a:off x="7358274" y="3521792"/>
             <a:ext cx="346109" cy="277813"/>
           </a:xfrm>
           <a:prstGeom prst="rect">
@@ -9136,7 +9136,7 @@
         </p:nvSpPr>
         <p:spPr>
           <a:xfrm>
-            <a:off x="5294186" y="2553723"/>
+            <a:off x="5456850" y="2544183"/>
             <a:ext cx="1021242" cy="307777"/>
           </a:xfrm>
           <a:prstGeom prst="rect">
@@ -9381,7 +9381,7 @@
           </a:xfrm>
           <a:prstGeom prst="bentConnector3">
             <a:avLst>
-              <a:gd name="adj1" fmla="val 36460"/>
+              <a:gd name="adj1" fmla="val 48872"/>
             </a:avLst>
           </a:prstGeom>
           <a:ln>
@@ -9432,10 +9432,1173 @@
               <a:rPr lang="en-US" sz="1050" dirty="0" smtClean="0"/>
               <a:t>Zero[2:0]</a:t>
             </a:r>
-            <a:endParaRPr lang="en-US" sz="1050" dirty="0" smtClean="0"/>
-          </a:p>
-        </p:txBody>
-      </p:sp>
+          </a:p>
+        </p:txBody>
+      </p:sp>
+      <p:sp>
+        <p:nvSpPr>
+          <p:cNvPr id="171" name="TextBox 170"/>
+          <p:cNvSpPr txBox="1"/>
+          <p:nvPr/>
+        </p:nvSpPr>
+        <p:spPr>
+          <a:xfrm>
+            <a:off x="10388991" y="1503340"/>
+            <a:ext cx="667170" cy="246221"/>
+          </a:xfrm>
+          <a:prstGeom prst="rect">
+            <a:avLst/>
+          </a:prstGeom>
+          <a:noFill/>
+          <a:ln w="38100">
+            <a:solidFill>
+              <a:srgbClr val="385723"/>
+            </a:solidFill>
+          </a:ln>
+        </p:spPr>
+        <p:txBody>
+          <a:bodyPr wrap="none" rtlCol="0">
+            <a:spAutoFit/>
+          </a:bodyPr>
+          <a:lstStyle/>
+          <a:p>
+            <a:r>
+              <a:rPr lang="en-US" sz="1000" dirty="0" err="1" smtClean="0"/>
+              <a:t>bneObeq</a:t>
+            </a:r>
+            <a:endParaRPr lang="en-US" sz="1000" dirty="0"/>
+          </a:p>
+        </p:txBody>
+      </p:sp>
+      <p:grpSp>
+        <p:nvGrpSpPr>
+          <p:cNvPr id="172" name="Group 171"/>
+          <p:cNvGrpSpPr/>
+          <p:nvPr/>
+        </p:nvGrpSpPr>
+        <p:grpSpPr>
+          <a:xfrm>
+            <a:off x="10850113" y="1776178"/>
+            <a:ext cx="256727" cy="819398"/>
+            <a:chOff x="194423" y="4609425"/>
+            <a:chExt cx="284416" cy="907774"/>
+          </a:xfrm>
+        </p:grpSpPr>
+        <p:sp>
+          <p:nvSpPr>
+            <p:cNvPr id="173" name="Rounded Rectangle 172"/>
+            <p:cNvSpPr/>
+            <p:nvPr/>
+          </p:nvSpPr>
+          <p:spPr>
+            <a:xfrm rot="16200000">
+              <a:off x="-51654" y="4899604"/>
+              <a:ext cx="776570" cy="284416"/>
+            </a:xfrm>
+            <a:prstGeom prst="roundRect">
+              <a:avLst/>
+            </a:prstGeom>
+          </p:spPr>
+          <p:style>
+            <a:lnRef idx="2">
+              <a:schemeClr val="accent1">
+                <a:shade val="50000"/>
+              </a:schemeClr>
+            </a:lnRef>
+            <a:fillRef idx="1">
+              <a:schemeClr val="accent1"/>
+            </a:fillRef>
+            <a:effectRef idx="0">
+              <a:schemeClr val="accent1"/>
+            </a:effectRef>
+            <a:fontRef idx="minor">
+              <a:schemeClr val="lt1"/>
+            </a:fontRef>
+          </p:style>
+          <p:txBody>
+            <a:bodyPr rtlCol="0" anchor="ctr"/>
+            <a:lstStyle/>
+            <a:p>
+              <a:pPr algn="ctr"/>
+              <a:r>
+                <a:rPr lang="en-US" sz="1100" dirty="0" smtClean="0"/>
+                <a:t>Mux</a:t>
+              </a:r>
+              <a:endParaRPr lang="en-US" dirty="0"/>
+            </a:p>
+          </p:txBody>
+        </p:sp>
+        <p:sp>
+          <p:nvSpPr>
+            <p:cNvPr id="174" name="TextBox 173"/>
+            <p:cNvSpPr txBox="1"/>
+            <p:nvPr/>
+          </p:nvSpPr>
+          <p:spPr>
+            <a:xfrm>
+              <a:off x="230590" y="5143625"/>
+              <a:ext cx="211681" cy="373574"/>
+            </a:xfrm>
+            <a:prstGeom prst="rect">
+              <a:avLst/>
+            </a:prstGeom>
+            <a:noFill/>
+          </p:spPr>
+          <p:txBody>
+            <a:bodyPr wrap="none" rtlCol="0">
+              <a:spAutoFit/>
+            </a:bodyPr>
+            <a:lstStyle/>
+            <a:p>
+              <a:r>
+                <a:rPr lang="en-US" dirty="0" smtClean="0"/>
+                <a:t>1</a:t>
+              </a:r>
+              <a:endParaRPr lang="en-US" dirty="0"/>
+            </a:p>
+          </p:txBody>
+        </p:sp>
+        <p:sp>
+          <p:nvSpPr>
+            <p:cNvPr id="175" name="TextBox 174"/>
+            <p:cNvSpPr txBox="1"/>
+            <p:nvPr/>
+          </p:nvSpPr>
+          <p:spPr>
+            <a:xfrm>
+              <a:off x="208978" y="4609425"/>
+              <a:ext cx="211681" cy="373574"/>
+            </a:xfrm>
+            <a:prstGeom prst="rect">
+              <a:avLst/>
+            </a:prstGeom>
+            <a:noFill/>
+          </p:spPr>
+          <p:txBody>
+            <a:bodyPr wrap="none" rtlCol="0">
+              <a:spAutoFit/>
+            </a:bodyPr>
+            <a:lstStyle/>
+            <a:p>
+              <a:r>
+                <a:rPr lang="en-US" dirty="0"/>
+                <a:t>0</a:t>
+              </a:r>
+            </a:p>
+          </p:txBody>
+        </p:sp>
+      </p:grpSp>
+      <p:sp>
+        <p:nvSpPr>
+          <p:cNvPr id="6" name="Isosceles Triangle 5"/>
+          <p:cNvSpPr/>
+          <p:nvPr/>
+        </p:nvSpPr>
+        <p:spPr>
+          <a:xfrm rot="5400000">
+            <a:off x="10213932" y="2199321"/>
+            <a:ext cx="236072" cy="182784"/>
+          </a:xfrm>
+          <a:prstGeom prst="triangle">
+            <a:avLst/>
+          </a:prstGeom>
+          <a:ln>
+            <a:solidFill>
+              <a:schemeClr val="tx1"/>
+            </a:solidFill>
+          </a:ln>
+        </p:spPr>
+        <p:style>
+          <a:lnRef idx="2">
+            <a:schemeClr val="accent1">
+              <a:shade val="50000"/>
+            </a:schemeClr>
+          </a:lnRef>
+          <a:fillRef idx="1">
+            <a:schemeClr val="accent1"/>
+          </a:fillRef>
+          <a:effectRef idx="0">
+            <a:schemeClr val="accent1"/>
+          </a:effectRef>
+          <a:fontRef idx="minor">
+            <a:schemeClr val="lt1"/>
+          </a:fontRef>
+        </p:style>
+        <p:txBody>
+          <a:bodyPr rtlCol="0" anchor="ctr"/>
+          <a:lstStyle/>
+          <a:p>
+            <a:pPr algn="ctr"/>
+            <a:endParaRPr lang="en-US" dirty="0"/>
+          </a:p>
+        </p:txBody>
+      </p:sp>
+      <p:cxnSp>
+        <p:nvCxnSpPr>
+          <p:cNvPr id="15" name="Elbow Connector 14"/>
+          <p:cNvCxnSpPr>
+            <a:stCxn id="6" idx="0"/>
+            <a:endCxn id="174" idx="1"/>
+          </p:cNvCxnSpPr>
+          <p:nvPr/>
+        </p:nvCxnSpPr>
+        <p:spPr>
+          <a:xfrm>
+            <a:off x="10423360" y="2290713"/>
+            <a:ext cx="459399" cy="136261"/>
+          </a:xfrm>
+          <a:prstGeom prst="bentConnector3">
+            <a:avLst/>
+          </a:prstGeom>
+          <a:ln>
+            <a:solidFill>
+              <a:schemeClr val="tx1"/>
+            </a:solidFill>
+            <a:tailEnd type="triangle"/>
+          </a:ln>
+        </p:spPr>
+        <p:style>
+          <a:lnRef idx="1">
+            <a:schemeClr val="accent1"/>
+          </a:lnRef>
+          <a:fillRef idx="0">
+            <a:schemeClr val="accent1"/>
+          </a:fillRef>
+          <a:effectRef idx="0">
+            <a:schemeClr val="accent1"/>
+          </a:effectRef>
+          <a:fontRef idx="minor">
+            <a:schemeClr val="tx1"/>
+          </a:fontRef>
+        </p:style>
+      </p:cxnSp>
+      <p:cxnSp>
+        <p:nvCxnSpPr>
+          <p:cNvPr id="21" name="Elbow Connector 20"/>
+          <p:cNvCxnSpPr>
+            <a:endCxn id="175" idx="1"/>
+          </p:cNvCxnSpPr>
+          <p:nvPr/>
+        </p:nvCxnSpPr>
+        <p:spPr>
+          <a:xfrm flipV="1">
+            <a:off x="9962087" y="1944781"/>
+            <a:ext cx="901164" cy="348737"/>
+          </a:xfrm>
+          <a:prstGeom prst="bentConnector3">
+            <a:avLst>
+              <a:gd name="adj1" fmla="val 1180"/>
+            </a:avLst>
+          </a:prstGeom>
+          <a:ln>
+            <a:solidFill>
+              <a:schemeClr val="tx1"/>
+            </a:solidFill>
+            <a:tailEnd type="triangle"/>
+          </a:ln>
+        </p:spPr>
+        <p:style>
+          <a:lnRef idx="1">
+            <a:schemeClr val="accent1"/>
+          </a:lnRef>
+          <a:fillRef idx="0">
+            <a:schemeClr val="accent1"/>
+          </a:fillRef>
+          <a:effectRef idx="0">
+            <a:schemeClr val="accent1"/>
+          </a:effectRef>
+          <a:fontRef idx="minor">
+            <a:schemeClr val="tx1"/>
+          </a:fontRef>
+        </p:style>
+      </p:cxnSp>
+      <p:cxnSp>
+        <p:nvCxnSpPr>
+          <p:cNvPr id="229" name="Straight Arrow Connector 228"/>
+          <p:cNvCxnSpPr>
+            <a:stCxn id="173" idx="2"/>
+            <a:endCxn id="264" idx="1"/>
+          </p:cNvCxnSpPr>
+          <p:nvPr/>
+        </p:nvCxnSpPr>
+        <p:spPr>
+          <a:xfrm flipV="1">
+            <a:off x="11106840" y="2163049"/>
+            <a:ext cx="403952" cy="3421"/>
+          </a:xfrm>
+          <a:prstGeom prst="straightConnector1">
+            <a:avLst/>
+          </a:prstGeom>
+          <a:ln>
+            <a:solidFill>
+              <a:schemeClr val="tx1"/>
+            </a:solidFill>
+            <a:tailEnd type="triangle"/>
+          </a:ln>
+        </p:spPr>
+        <p:style>
+          <a:lnRef idx="1">
+            <a:schemeClr val="accent1"/>
+          </a:lnRef>
+          <a:fillRef idx="0">
+            <a:schemeClr val="accent1"/>
+          </a:fillRef>
+          <a:effectRef idx="0">
+            <a:schemeClr val="accent1"/>
+          </a:effectRef>
+          <a:fontRef idx="minor">
+            <a:schemeClr val="tx1"/>
+          </a:fontRef>
+        </p:style>
+      </p:cxnSp>
+      <p:sp>
+        <p:nvSpPr>
+          <p:cNvPr id="2" name="TextBox 1"/>
+          <p:cNvSpPr txBox="1"/>
+          <p:nvPr/>
+        </p:nvSpPr>
+        <p:spPr>
+          <a:xfrm>
+            <a:off x="24952" y="29668"/>
+            <a:ext cx="1222487" cy="954107"/>
+          </a:xfrm>
+          <a:prstGeom prst="rect">
+            <a:avLst/>
+          </a:prstGeom>
+          <a:noFill/>
+          <a:ln w="76200">
+            <a:solidFill>
+              <a:schemeClr val="tx1"/>
+            </a:solidFill>
+          </a:ln>
+        </p:spPr>
+        <p:txBody>
+          <a:bodyPr wrap="square" rtlCol="0">
+            <a:spAutoFit/>
+          </a:bodyPr>
+          <a:lstStyle/>
+          <a:p>
+            <a:r>
+              <a:rPr lang="en-US" sz="1400" dirty="0" smtClean="0"/>
+              <a:t>TODO</a:t>
+            </a:r>
+          </a:p>
+          <a:p>
+            <a:r>
+              <a:rPr lang="en-US" sz="1400" dirty="0" smtClean="0"/>
+              <a:t>Implement </a:t>
+            </a:r>
+            <a:r>
+              <a:rPr lang="en-US" sz="1400" dirty="0" err="1" smtClean="0"/>
+              <a:t>func</a:t>
+            </a:r>
+            <a:r>
+              <a:rPr lang="en-US" sz="1400" dirty="0" smtClean="0"/>
+              <a:t> code moved to end</a:t>
+            </a:r>
+            <a:endParaRPr lang="en-US" sz="1400" dirty="0"/>
+          </a:p>
+        </p:txBody>
+      </p:sp>
+      <p:sp>
+        <p:nvSpPr>
+          <p:cNvPr id="178" name="Oval 177"/>
+          <p:cNvSpPr/>
+          <p:nvPr/>
+        </p:nvSpPr>
+        <p:spPr>
+          <a:xfrm>
+            <a:off x="9935810" y="2260935"/>
+            <a:ext cx="70080" cy="70080"/>
+          </a:xfrm>
+          <a:prstGeom prst="ellipse">
+            <a:avLst/>
+          </a:prstGeom>
+          <a:solidFill>
+            <a:schemeClr val="tx1"/>
+          </a:solidFill>
+          <a:ln>
+            <a:solidFill>
+              <a:schemeClr val="tx1"/>
+            </a:solidFill>
+          </a:ln>
+        </p:spPr>
+        <p:style>
+          <a:lnRef idx="2">
+            <a:schemeClr val="accent1">
+              <a:shade val="50000"/>
+            </a:schemeClr>
+          </a:lnRef>
+          <a:fillRef idx="1">
+            <a:schemeClr val="accent1"/>
+          </a:fillRef>
+          <a:effectRef idx="0">
+            <a:schemeClr val="accent1"/>
+          </a:effectRef>
+          <a:fontRef idx="minor">
+            <a:schemeClr val="lt1"/>
+          </a:fontRef>
+        </p:style>
+        <p:txBody>
+          <a:bodyPr rtlCol="0" anchor="ctr"/>
+          <a:lstStyle/>
+          <a:p>
+            <a:pPr algn="ctr"/>
+            <a:endParaRPr lang="en-US"/>
+          </a:p>
+        </p:txBody>
+      </p:sp>
+      <p:sp>
+        <p:nvSpPr>
+          <p:cNvPr id="180" name="TextBox 179"/>
+          <p:cNvSpPr txBox="1"/>
+          <p:nvPr/>
+        </p:nvSpPr>
+        <p:spPr>
+          <a:xfrm>
+            <a:off x="4222941" y="3671047"/>
+            <a:ext cx="688009" cy="253916"/>
+          </a:xfrm>
+          <a:prstGeom prst="rect">
+            <a:avLst/>
+          </a:prstGeom>
+          <a:noFill/>
+        </p:spPr>
+        <p:txBody>
+          <a:bodyPr wrap="none" rtlCol="0">
+            <a:spAutoFit/>
+          </a:bodyPr>
+          <a:lstStyle/>
+          <a:p>
+            <a:r>
+              <a:rPr lang="en-US" sz="1050" dirty="0" smtClean="0"/>
+              <a:t>Zero[2:0]</a:t>
+            </a:r>
+          </a:p>
+        </p:txBody>
+      </p:sp>
+      <p:cxnSp>
+        <p:nvCxnSpPr>
+          <p:cNvPr id="8" name="Straight Connector 7"/>
+          <p:cNvCxnSpPr>
+            <a:stCxn id="337" idx="1"/>
+            <a:endCxn id="307" idx="3"/>
+          </p:cNvCxnSpPr>
+          <p:nvPr/>
+        </p:nvCxnSpPr>
+        <p:spPr>
+          <a:xfrm flipH="1">
+            <a:off x="4137770" y="123111"/>
+            <a:ext cx="216684" cy="114105"/>
+          </a:xfrm>
+          <a:prstGeom prst="line">
+            <a:avLst/>
+          </a:prstGeom>
+          <a:ln w="28575">
+            <a:solidFill>
+              <a:srgbClr val="385723"/>
+            </a:solidFill>
+          </a:ln>
+        </p:spPr>
+        <p:style>
+          <a:lnRef idx="1">
+            <a:schemeClr val="accent1"/>
+          </a:lnRef>
+          <a:fillRef idx="0">
+            <a:schemeClr val="accent1"/>
+          </a:fillRef>
+          <a:effectRef idx="0">
+            <a:schemeClr val="accent1"/>
+          </a:effectRef>
+          <a:fontRef idx="minor">
+            <a:schemeClr val="tx1"/>
+          </a:fontRef>
+        </p:style>
+      </p:cxnSp>
+      <p:cxnSp>
+        <p:nvCxnSpPr>
+          <p:cNvPr id="19" name="Straight Connector 18"/>
+          <p:cNvCxnSpPr>
+            <a:stCxn id="338" idx="1"/>
+            <a:endCxn id="69" idx="2"/>
+          </p:cNvCxnSpPr>
+          <p:nvPr/>
+        </p:nvCxnSpPr>
+        <p:spPr>
+          <a:xfrm flipH="1">
+            <a:off x="2446061" y="411161"/>
+            <a:ext cx="311720" cy="310328"/>
+          </a:xfrm>
+          <a:prstGeom prst="line">
+            <a:avLst/>
+          </a:prstGeom>
+          <a:ln w="28575">
+            <a:solidFill>
+              <a:srgbClr val="385723"/>
+            </a:solidFill>
+          </a:ln>
+        </p:spPr>
+        <p:style>
+          <a:lnRef idx="1">
+            <a:schemeClr val="accent1"/>
+          </a:lnRef>
+          <a:fillRef idx="0">
+            <a:schemeClr val="accent1"/>
+          </a:fillRef>
+          <a:effectRef idx="0">
+            <a:schemeClr val="accent1"/>
+          </a:effectRef>
+          <a:fontRef idx="minor">
+            <a:schemeClr val="tx1"/>
+          </a:fontRef>
+        </p:style>
+      </p:cxnSp>
+      <p:cxnSp>
+        <p:nvCxnSpPr>
+          <p:cNvPr id="225" name="Straight Connector 224"/>
+          <p:cNvCxnSpPr>
+            <a:stCxn id="340" idx="2"/>
+            <a:endCxn id="5" idx="0"/>
+          </p:cNvCxnSpPr>
+          <p:nvPr/>
+        </p:nvCxnSpPr>
+        <p:spPr>
+          <a:xfrm>
+            <a:off x="1241872" y="1724777"/>
+            <a:ext cx="103834" cy="76845"/>
+          </a:xfrm>
+          <a:prstGeom prst="line">
+            <a:avLst/>
+          </a:prstGeom>
+          <a:ln w="28575">
+            <a:solidFill>
+              <a:srgbClr val="385723"/>
+            </a:solidFill>
+          </a:ln>
+        </p:spPr>
+        <p:style>
+          <a:lnRef idx="1">
+            <a:schemeClr val="accent1"/>
+          </a:lnRef>
+          <a:fillRef idx="0">
+            <a:schemeClr val="accent1"/>
+          </a:fillRef>
+          <a:effectRef idx="0">
+            <a:schemeClr val="accent1"/>
+          </a:effectRef>
+          <a:fontRef idx="minor">
+            <a:schemeClr val="tx1"/>
+          </a:fontRef>
+        </p:style>
+      </p:cxnSp>
+      <p:cxnSp>
+        <p:nvCxnSpPr>
+          <p:cNvPr id="232" name="Straight Connector 231"/>
+          <p:cNvCxnSpPr>
+            <a:stCxn id="328" idx="3"/>
+            <a:endCxn id="203" idx="0"/>
+          </p:cNvCxnSpPr>
+          <p:nvPr/>
+        </p:nvCxnSpPr>
+        <p:spPr>
+          <a:xfrm flipV="1">
+            <a:off x="1570823" y="2560352"/>
+            <a:ext cx="246533" cy="54591"/>
+          </a:xfrm>
+          <a:prstGeom prst="line">
+            <a:avLst/>
+          </a:prstGeom>
+          <a:ln w="28575">
+            <a:solidFill>
+              <a:srgbClr val="385723"/>
+            </a:solidFill>
+          </a:ln>
+        </p:spPr>
+        <p:style>
+          <a:lnRef idx="1">
+            <a:schemeClr val="accent1"/>
+          </a:lnRef>
+          <a:fillRef idx="0">
+            <a:schemeClr val="accent1"/>
+          </a:fillRef>
+          <a:effectRef idx="0">
+            <a:schemeClr val="accent1"/>
+          </a:effectRef>
+          <a:fontRef idx="minor">
+            <a:schemeClr val="tx1"/>
+          </a:fontRef>
+        </p:style>
+      </p:cxnSp>
+      <p:cxnSp>
+        <p:nvCxnSpPr>
+          <p:cNvPr id="234" name="Straight Connector 233"/>
+          <p:cNvCxnSpPr>
+            <a:stCxn id="341" idx="2"/>
+            <a:endCxn id="10" idx="0"/>
+          </p:cNvCxnSpPr>
+          <p:nvPr/>
+        </p:nvCxnSpPr>
+        <p:spPr>
+          <a:xfrm>
+            <a:off x="4184751" y="2377678"/>
+            <a:ext cx="110721" cy="89751"/>
+          </a:xfrm>
+          <a:prstGeom prst="line">
+            <a:avLst/>
+          </a:prstGeom>
+          <a:ln w="28575">
+            <a:solidFill>
+              <a:srgbClr val="385723"/>
+            </a:solidFill>
+          </a:ln>
+        </p:spPr>
+        <p:style>
+          <a:lnRef idx="1">
+            <a:schemeClr val="accent1"/>
+          </a:lnRef>
+          <a:fillRef idx="0">
+            <a:schemeClr val="accent1"/>
+          </a:fillRef>
+          <a:effectRef idx="0">
+            <a:schemeClr val="accent1"/>
+          </a:effectRef>
+          <a:fontRef idx="minor">
+            <a:schemeClr val="tx1"/>
+          </a:fontRef>
+        </p:style>
+      </p:cxnSp>
+      <p:cxnSp>
+        <p:nvCxnSpPr>
+          <p:cNvPr id="237" name="Straight Connector 236"/>
+          <p:cNvCxnSpPr>
+            <a:stCxn id="239" idx="0"/>
+            <a:endCxn id="230" idx="2"/>
+          </p:cNvCxnSpPr>
+          <p:nvPr/>
+        </p:nvCxnSpPr>
+        <p:spPr>
+          <a:xfrm flipV="1">
+            <a:off x="3724311" y="4371751"/>
+            <a:ext cx="42545" cy="145009"/>
+          </a:xfrm>
+          <a:prstGeom prst="line">
+            <a:avLst/>
+          </a:prstGeom>
+          <a:ln w="28575">
+            <a:solidFill>
+              <a:srgbClr val="385723"/>
+            </a:solidFill>
+          </a:ln>
+        </p:spPr>
+        <p:style>
+          <a:lnRef idx="1">
+            <a:schemeClr val="accent1"/>
+          </a:lnRef>
+          <a:fillRef idx="0">
+            <a:schemeClr val="accent1"/>
+          </a:fillRef>
+          <a:effectRef idx="0">
+            <a:schemeClr val="accent1"/>
+          </a:effectRef>
+          <a:fontRef idx="minor">
+            <a:schemeClr val="tx1"/>
+          </a:fontRef>
+        </p:style>
+      </p:cxnSp>
+      <p:cxnSp>
+        <p:nvCxnSpPr>
+          <p:cNvPr id="240" name="Straight Connector 239"/>
+          <p:cNvCxnSpPr>
+            <a:stCxn id="169" idx="0"/>
+            <a:endCxn id="4" idx="2"/>
+          </p:cNvCxnSpPr>
+          <p:nvPr/>
+        </p:nvCxnSpPr>
+        <p:spPr>
+          <a:xfrm flipV="1">
+            <a:off x="2553801" y="4178025"/>
+            <a:ext cx="125567" cy="102888"/>
+          </a:xfrm>
+          <a:prstGeom prst="line">
+            <a:avLst/>
+          </a:prstGeom>
+          <a:ln w="28575">
+            <a:solidFill>
+              <a:srgbClr val="385723"/>
+            </a:solidFill>
+          </a:ln>
+        </p:spPr>
+        <p:style>
+          <a:lnRef idx="1">
+            <a:schemeClr val="accent1"/>
+          </a:lnRef>
+          <a:fillRef idx="0">
+            <a:schemeClr val="accent1"/>
+          </a:fillRef>
+          <a:effectRef idx="0">
+            <a:schemeClr val="accent1"/>
+          </a:effectRef>
+          <a:fontRef idx="minor">
+            <a:schemeClr val="tx1"/>
+          </a:fontRef>
+        </p:style>
+      </p:cxnSp>
+      <p:cxnSp>
+        <p:nvCxnSpPr>
+          <p:cNvPr id="242" name="Straight Connector 241"/>
+          <p:cNvCxnSpPr>
+            <a:stCxn id="342" idx="2"/>
+            <a:endCxn id="134" idx="0"/>
+          </p:cNvCxnSpPr>
+          <p:nvPr/>
+        </p:nvCxnSpPr>
+        <p:spPr>
+          <a:xfrm flipH="1">
+            <a:off x="8414330" y="1870010"/>
+            <a:ext cx="54979" cy="130632"/>
+          </a:xfrm>
+          <a:prstGeom prst="line">
+            <a:avLst/>
+          </a:prstGeom>
+          <a:ln w="28575">
+            <a:solidFill>
+              <a:srgbClr val="385723"/>
+            </a:solidFill>
+          </a:ln>
+        </p:spPr>
+        <p:style>
+          <a:lnRef idx="1">
+            <a:schemeClr val="accent1"/>
+          </a:lnRef>
+          <a:fillRef idx="0">
+            <a:schemeClr val="accent1"/>
+          </a:fillRef>
+          <a:effectRef idx="0">
+            <a:schemeClr val="accent1"/>
+          </a:effectRef>
+          <a:fontRef idx="minor">
+            <a:schemeClr val="tx1"/>
+          </a:fontRef>
+        </p:style>
+      </p:cxnSp>
+      <p:cxnSp>
+        <p:nvCxnSpPr>
+          <p:cNvPr id="245" name="Straight Connector 244"/>
+          <p:cNvCxnSpPr>
+            <a:stCxn id="343" idx="0"/>
+            <a:endCxn id="135" idx="2"/>
+          </p:cNvCxnSpPr>
+          <p:nvPr/>
+        </p:nvCxnSpPr>
+        <p:spPr>
+          <a:xfrm flipH="1" flipV="1">
+            <a:off x="8414330" y="3166585"/>
+            <a:ext cx="9852" cy="78964"/>
+          </a:xfrm>
+          <a:prstGeom prst="line">
+            <a:avLst/>
+          </a:prstGeom>
+          <a:ln w="28575">
+            <a:solidFill>
+              <a:srgbClr val="385723"/>
+            </a:solidFill>
+          </a:ln>
+        </p:spPr>
+        <p:style>
+          <a:lnRef idx="1">
+            <a:schemeClr val="accent1"/>
+          </a:lnRef>
+          <a:fillRef idx="0">
+            <a:schemeClr val="accent1"/>
+          </a:fillRef>
+          <a:effectRef idx="0">
+            <a:schemeClr val="accent1"/>
+          </a:effectRef>
+          <a:fontRef idx="minor">
+            <a:schemeClr val="tx1"/>
+          </a:fontRef>
+        </p:style>
+      </p:cxnSp>
+      <p:cxnSp>
+        <p:nvCxnSpPr>
+          <p:cNvPr id="250" name="Straight Connector 249"/>
+          <p:cNvCxnSpPr>
+            <a:stCxn id="150" idx="0"/>
+            <a:endCxn id="144" idx="0"/>
+          </p:cNvCxnSpPr>
+          <p:nvPr/>
+        </p:nvCxnSpPr>
+        <p:spPr>
+          <a:xfrm flipV="1">
+            <a:off x="7531329" y="2848174"/>
+            <a:ext cx="130965" cy="673618"/>
+          </a:xfrm>
+          <a:prstGeom prst="line">
+            <a:avLst/>
+          </a:prstGeom>
+          <a:ln w="28575">
+            <a:solidFill>
+              <a:srgbClr val="385723"/>
+            </a:solidFill>
+          </a:ln>
+        </p:spPr>
+        <p:style>
+          <a:lnRef idx="1">
+            <a:schemeClr val="accent1"/>
+          </a:lnRef>
+          <a:fillRef idx="0">
+            <a:schemeClr val="accent1"/>
+          </a:fillRef>
+          <a:effectRef idx="0">
+            <a:schemeClr val="accent1"/>
+          </a:effectRef>
+          <a:fontRef idx="minor">
+            <a:schemeClr val="tx1"/>
+          </a:fontRef>
+        </p:style>
+      </p:cxnSp>
+      <p:cxnSp>
+        <p:nvCxnSpPr>
+          <p:cNvPr id="254" name="Straight Connector 253"/>
+          <p:cNvCxnSpPr>
+            <a:stCxn id="344" idx="1"/>
+            <a:endCxn id="164" idx="3"/>
+          </p:cNvCxnSpPr>
+          <p:nvPr/>
+        </p:nvCxnSpPr>
+        <p:spPr>
+          <a:xfrm flipH="1" flipV="1">
+            <a:off x="10846628" y="3079389"/>
+            <a:ext cx="89968" cy="3608"/>
+          </a:xfrm>
+          <a:prstGeom prst="line">
+            <a:avLst/>
+          </a:prstGeom>
+          <a:ln w="28575">
+            <a:solidFill>
+              <a:srgbClr val="385723"/>
+            </a:solidFill>
+          </a:ln>
+        </p:spPr>
+        <p:style>
+          <a:lnRef idx="1">
+            <a:schemeClr val="accent1"/>
+          </a:lnRef>
+          <a:fillRef idx="0">
+            <a:schemeClr val="accent1"/>
+          </a:fillRef>
+          <a:effectRef idx="0">
+            <a:schemeClr val="accent1"/>
+          </a:effectRef>
+          <a:fontRef idx="minor">
+            <a:schemeClr val="tx1"/>
+          </a:fontRef>
+        </p:style>
+      </p:cxnSp>
+      <p:cxnSp>
+        <p:nvCxnSpPr>
+          <p:cNvPr id="256" name="Straight Connector 255"/>
+          <p:cNvCxnSpPr>
+            <a:stCxn id="347" idx="2"/>
+            <a:endCxn id="136" idx="0"/>
+          </p:cNvCxnSpPr>
+          <p:nvPr/>
+        </p:nvCxnSpPr>
+        <p:spPr>
+          <a:xfrm flipH="1">
+            <a:off x="9411540" y="1813702"/>
+            <a:ext cx="305702" cy="375109"/>
+          </a:xfrm>
+          <a:prstGeom prst="line">
+            <a:avLst/>
+          </a:prstGeom>
+          <a:ln w="28575">
+            <a:solidFill>
+              <a:srgbClr val="385723"/>
+            </a:solidFill>
+          </a:ln>
+        </p:spPr>
+        <p:style>
+          <a:lnRef idx="1">
+            <a:schemeClr val="accent1"/>
+          </a:lnRef>
+          <a:fillRef idx="0">
+            <a:schemeClr val="accent1"/>
+          </a:fillRef>
+          <a:effectRef idx="0">
+            <a:schemeClr val="accent1"/>
+          </a:effectRef>
+          <a:fontRef idx="minor">
+            <a:schemeClr val="tx1"/>
+          </a:fontRef>
+        </p:style>
+      </p:cxnSp>
+      <p:cxnSp>
+        <p:nvCxnSpPr>
+          <p:cNvPr id="263" name="Straight Connector 262"/>
+          <p:cNvCxnSpPr>
+            <a:stCxn id="171" idx="2"/>
+            <a:endCxn id="173" idx="0"/>
+          </p:cNvCxnSpPr>
+          <p:nvPr/>
+        </p:nvCxnSpPr>
+        <p:spPr>
+          <a:xfrm>
+            <a:off x="10722576" y="1749561"/>
+            <a:ext cx="127537" cy="416909"/>
+          </a:xfrm>
+          <a:prstGeom prst="line">
+            <a:avLst/>
+          </a:prstGeom>
+          <a:ln w="28575">
+            <a:solidFill>
+              <a:srgbClr val="385723"/>
+            </a:solidFill>
+          </a:ln>
+        </p:spPr>
+        <p:style>
+          <a:lnRef idx="1">
+            <a:schemeClr val="accent1"/>
+          </a:lnRef>
+          <a:fillRef idx="0">
+            <a:schemeClr val="accent1"/>
+          </a:fillRef>
+          <a:effectRef idx="0">
+            <a:schemeClr val="accent1"/>
+          </a:effectRef>
+          <a:fontRef idx="minor">
+            <a:schemeClr val="tx1"/>
+          </a:fontRef>
+        </p:style>
+      </p:cxnSp>
+      <p:cxnSp>
+        <p:nvCxnSpPr>
+          <p:cNvPr id="271" name="Straight Connector 270"/>
+          <p:cNvCxnSpPr>
+            <a:stCxn id="346" idx="3"/>
+            <a:endCxn id="88" idx="0"/>
+          </p:cNvCxnSpPr>
+          <p:nvPr/>
+        </p:nvCxnSpPr>
+        <p:spPr>
+          <a:xfrm>
+            <a:off x="5267113" y="5613672"/>
+            <a:ext cx="182751" cy="22865"/>
+          </a:xfrm>
+          <a:prstGeom prst="line">
+            <a:avLst/>
+          </a:prstGeom>
+          <a:ln w="28575">
+            <a:solidFill>
+              <a:srgbClr val="385723"/>
+            </a:solidFill>
+          </a:ln>
+        </p:spPr>
+        <p:style>
+          <a:lnRef idx="1">
+            <a:schemeClr val="accent1"/>
+          </a:lnRef>
+          <a:fillRef idx="0">
+            <a:schemeClr val="accent1"/>
+          </a:fillRef>
+          <a:effectRef idx="0">
+            <a:schemeClr val="accent1"/>
+          </a:effectRef>
+          <a:fontRef idx="minor">
+            <a:schemeClr val="tx1"/>
+          </a:fontRef>
+        </p:style>
+      </p:cxnSp>
+      <p:cxnSp>
+        <p:nvCxnSpPr>
+          <p:cNvPr id="275" name="Straight Connector 274"/>
+          <p:cNvCxnSpPr>
+            <a:stCxn id="335" idx="0"/>
+            <a:endCxn id="177" idx="2"/>
+          </p:cNvCxnSpPr>
+          <p:nvPr/>
+        </p:nvCxnSpPr>
+        <p:spPr>
+          <a:xfrm flipH="1" flipV="1">
+            <a:off x="5066359" y="4636581"/>
+            <a:ext cx="386717" cy="87294"/>
+          </a:xfrm>
+          <a:prstGeom prst="line">
+            <a:avLst/>
+          </a:prstGeom>
+          <a:ln w="28575">
+            <a:solidFill>
+              <a:srgbClr val="385723"/>
+            </a:solidFill>
+          </a:ln>
+        </p:spPr>
+        <p:style>
+          <a:lnRef idx="1">
+            <a:schemeClr val="accent1"/>
+          </a:lnRef>
+          <a:fillRef idx="0">
+            <a:schemeClr val="accent1"/>
+          </a:fillRef>
+          <a:effectRef idx="0">
+            <a:schemeClr val="accent1"/>
+          </a:effectRef>
+          <a:fontRef idx="minor">
+            <a:schemeClr val="tx1"/>
+          </a:fontRef>
+        </p:style>
+      </p:cxnSp>
+      <p:cxnSp>
+        <p:nvCxnSpPr>
+          <p:cNvPr id="278" name="Straight Connector 277"/>
+          <p:cNvCxnSpPr>
+            <a:stCxn id="334" idx="2"/>
+            <a:endCxn id="65" idx="2"/>
+          </p:cNvCxnSpPr>
+          <p:nvPr/>
+        </p:nvCxnSpPr>
+        <p:spPr>
+          <a:xfrm flipH="1">
+            <a:off x="5060079" y="3569831"/>
+            <a:ext cx="110074" cy="337808"/>
+          </a:xfrm>
+          <a:prstGeom prst="line">
+            <a:avLst/>
+          </a:prstGeom>
+          <a:ln w="28575">
+            <a:solidFill>
+              <a:srgbClr val="385723"/>
+            </a:solidFill>
+          </a:ln>
+        </p:spPr>
+        <p:style>
+          <a:lnRef idx="1">
+            <a:schemeClr val="accent1"/>
+          </a:lnRef>
+          <a:fillRef idx="0">
+            <a:schemeClr val="accent1"/>
+          </a:fillRef>
+          <a:effectRef idx="0">
+            <a:schemeClr val="accent1"/>
+          </a:effectRef>
+          <a:fontRef idx="minor">
+            <a:schemeClr val="tx1"/>
+          </a:fontRef>
+        </p:style>
+      </p:cxnSp>
+      <p:cxnSp>
+        <p:nvCxnSpPr>
+          <p:cNvPr id="281" name="Straight Connector 280"/>
+          <p:cNvCxnSpPr>
+            <a:stCxn id="336" idx="2"/>
+            <a:endCxn id="73" idx="2"/>
+          </p:cNvCxnSpPr>
+          <p:nvPr/>
+        </p:nvCxnSpPr>
+        <p:spPr>
+          <a:xfrm flipH="1">
+            <a:off x="5258813" y="1645368"/>
+            <a:ext cx="325449" cy="463981"/>
+          </a:xfrm>
+          <a:prstGeom prst="line">
+            <a:avLst/>
+          </a:prstGeom>
+          <a:ln w="28575">
+            <a:solidFill>
+              <a:srgbClr val="385723"/>
+            </a:solidFill>
+          </a:ln>
+        </p:spPr>
+        <p:style>
+          <a:lnRef idx="1">
+            <a:schemeClr val="accent1"/>
+          </a:lnRef>
+          <a:fillRef idx="0">
+            <a:schemeClr val="accent1"/>
+          </a:fillRef>
+          <a:effectRef idx="0">
+            <a:schemeClr val="accent1"/>
+          </a:effectRef>
+          <a:fontRef idx="minor">
+            <a:schemeClr val="tx1"/>
+          </a:fontRef>
+        </p:style>
+      </p:cxnSp>
+      <p:cxnSp>
+        <p:nvCxnSpPr>
+          <p:cNvPr id="283" name="Straight Connector 282"/>
+          <p:cNvCxnSpPr>
+            <a:stCxn id="345" idx="2"/>
+            <a:endCxn id="25" idx="0"/>
+          </p:cNvCxnSpPr>
+          <p:nvPr/>
+        </p:nvCxnSpPr>
+        <p:spPr>
+          <a:xfrm flipH="1">
+            <a:off x="6407562" y="1860179"/>
+            <a:ext cx="16256" cy="109678"/>
+          </a:xfrm>
+          <a:prstGeom prst="line">
+            <a:avLst/>
+          </a:prstGeom>
+          <a:ln w="28575">
+            <a:solidFill>
+              <a:srgbClr val="385723"/>
+            </a:solidFill>
+          </a:ln>
+        </p:spPr>
+        <p:style>
+          <a:lnRef idx="1">
+            <a:schemeClr val="accent1"/>
+          </a:lnRef>
+          <a:fillRef idx="0">
+            <a:schemeClr val="accent1"/>
+          </a:fillRef>
+          <a:effectRef idx="0">
+            <a:schemeClr val="accent1"/>
+          </a:effectRef>
+          <a:fontRef idx="minor">
+            <a:schemeClr val="tx1"/>
+          </a:fontRef>
+        </p:style>
+      </p:cxnSp>
+      <p:cxnSp>
+        <p:nvCxnSpPr>
+          <p:cNvPr id="34" name="Straight Connector 33"/>
+          <p:cNvCxnSpPr>
+            <a:stCxn id="165" idx="1"/>
+            <a:endCxn id="157" idx="2"/>
+          </p:cNvCxnSpPr>
+          <p:nvPr/>
+        </p:nvCxnSpPr>
+        <p:spPr>
+          <a:xfrm flipH="1">
+            <a:off x="5275137" y="2698072"/>
+            <a:ext cx="181713" cy="161915"/>
+          </a:xfrm>
+          <a:prstGeom prst="line">
+            <a:avLst/>
+          </a:prstGeom>
+          <a:ln w="28575">
+            <a:solidFill>
+              <a:srgbClr val="385723"/>
+            </a:solidFill>
+          </a:ln>
+        </p:spPr>
+        <p:style>
+          <a:lnRef idx="1">
+            <a:schemeClr val="accent1"/>
+          </a:lnRef>
+          <a:fillRef idx="0">
+            <a:schemeClr val="accent1"/>
+          </a:fillRef>
+          <a:effectRef idx="0">
+            <a:schemeClr val="accent1"/>
+          </a:effectRef>
+          <a:fontRef idx="minor">
+            <a:schemeClr val="tx1"/>
+          </a:fontRef>
+        </p:style>
+      </p:cxnSp>
     </p:spTree>
     <p:extLst>
       <p:ext uri="{BB962C8B-B14F-4D97-AF65-F5344CB8AC3E}">

--- a/Datapath.pptx
+++ b/Datapath.pptx
@@ -5,12 +5,14 @@
     <p:sldMasterId id="2147483648" r:id="rId1"/>
   </p:sldMasterIdLst>
   <p:notesMasterIdLst>
-    <p:notesMasterId r:id="rId5"/>
+    <p:notesMasterId r:id="rId7"/>
   </p:notesMasterIdLst>
   <p:sldIdLst>
     <p:sldId id="257" r:id="rId2"/>
-    <p:sldId id="256" r:id="rId3"/>
-    <p:sldId id="258" r:id="rId4"/>
+    <p:sldId id="260" r:id="rId3"/>
+    <p:sldId id="259" r:id="rId4"/>
+    <p:sldId id="256" r:id="rId5"/>
+    <p:sldId id="258" r:id="rId6"/>
   </p:sldIdLst>
   <p:sldSz cx="12192000" cy="6858000"/>
   <p:notesSz cx="6858000" cy="9144000"/>
@@ -616,7 +618,7 @@
           <a:p>
             <a:fld id="{843E8869-3019-4D27-B58E-7B4B7AF4CB26}" type="slidenum">
               <a:rPr lang="en-US" smtClean="0"/>
-              <a:t>2</a:t>
+              <a:t>4</a:t>
             </a:fld>
             <a:endParaRPr lang="en-US"/>
           </a:p>
@@ -3535,447 +3537,6 @@
       </p:cxnSp>
       <p:grpSp>
         <p:nvGrpSpPr>
-          <p:cNvPr id="260" name="Group 259"/>
-          <p:cNvGrpSpPr/>
-          <p:nvPr/>
-        </p:nvGrpSpPr>
-        <p:grpSpPr>
-          <a:xfrm>
-            <a:off x="207033" y="5347043"/>
-            <a:ext cx="1173584" cy="1278181"/>
-            <a:chOff x="138021" y="5317673"/>
-            <a:chExt cx="1300160" cy="1416039"/>
-          </a:xfrm>
-        </p:grpSpPr>
-        <p:sp>
-          <p:nvSpPr>
-            <p:cNvPr id="101" name="Rectangle 100"/>
-            <p:cNvSpPr/>
-            <p:nvPr/>
-          </p:nvSpPr>
-          <p:spPr>
-            <a:xfrm>
-              <a:off x="138021" y="5317673"/>
-              <a:ext cx="1300160" cy="1416039"/>
-            </a:xfrm>
-            <a:prstGeom prst="rect">
-              <a:avLst/>
-            </a:prstGeom>
-            <a:noFill/>
-            <a:ln>
-              <a:solidFill>
-                <a:schemeClr val="tx1"/>
-              </a:solidFill>
-            </a:ln>
-          </p:spPr>
-          <p:style>
-            <a:lnRef idx="2">
-              <a:schemeClr val="accent1">
-                <a:shade val="50000"/>
-              </a:schemeClr>
-            </a:lnRef>
-            <a:fillRef idx="1">
-              <a:schemeClr val="accent1"/>
-            </a:fillRef>
-            <a:effectRef idx="0">
-              <a:schemeClr val="accent1"/>
-            </a:effectRef>
-            <a:fontRef idx="minor">
-              <a:schemeClr val="lt1"/>
-            </a:fontRef>
-          </p:style>
-          <p:txBody>
-            <a:bodyPr rtlCol="0" anchor="ctr"/>
-            <a:lstStyle/>
-            <a:p>
-              <a:pPr algn="ctr"/>
-              <a:endParaRPr lang="en-US"/>
-            </a:p>
-          </p:txBody>
-        </p:sp>
-        <p:grpSp>
-          <p:nvGrpSpPr>
-            <p:cNvPr id="104" name="Group 103"/>
-            <p:cNvGrpSpPr/>
-            <p:nvPr/>
-          </p:nvGrpSpPr>
-          <p:grpSpPr>
-            <a:xfrm>
-              <a:off x="232911" y="5421541"/>
-              <a:ext cx="1108879" cy="307777"/>
-              <a:chOff x="638353" y="4675868"/>
-              <a:chExt cx="1108879" cy="307777"/>
-            </a:xfrm>
-          </p:grpSpPr>
-          <p:sp>
-            <p:nvSpPr>
-              <p:cNvPr id="102" name="Rectangle 101"/>
-              <p:cNvSpPr/>
-              <p:nvPr/>
-            </p:nvSpPr>
-            <p:spPr>
-              <a:xfrm>
-                <a:off x="638353" y="4734867"/>
-                <a:ext cx="189781" cy="189781"/>
-              </a:xfrm>
-              <a:prstGeom prst="rect">
-                <a:avLst/>
-              </a:prstGeom>
-              <a:solidFill>
-                <a:srgbClr val="385723"/>
-              </a:solidFill>
-              <a:ln>
-                <a:solidFill>
-                  <a:schemeClr val="tx1"/>
-                </a:solidFill>
-              </a:ln>
-            </p:spPr>
-            <p:style>
-              <a:lnRef idx="2">
-                <a:schemeClr val="accent1">
-                  <a:shade val="50000"/>
-                </a:schemeClr>
-              </a:lnRef>
-              <a:fillRef idx="1">
-                <a:schemeClr val="accent1"/>
-              </a:fillRef>
-              <a:effectRef idx="0">
-                <a:schemeClr val="accent1"/>
-              </a:effectRef>
-              <a:fontRef idx="minor">
-                <a:schemeClr val="lt1"/>
-              </a:fontRef>
-            </p:style>
-            <p:txBody>
-              <a:bodyPr rtlCol="0" anchor="ctr"/>
-              <a:lstStyle/>
-              <a:p>
-                <a:pPr algn="ctr"/>
-                <a:endParaRPr lang="en-US"/>
-              </a:p>
-            </p:txBody>
-          </p:sp>
-          <p:sp>
-            <p:nvSpPr>
-              <p:cNvPr id="103" name="TextBox 102"/>
-              <p:cNvSpPr txBox="1"/>
-              <p:nvPr/>
-            </p:nvSpPr>
-            <p:spPr>
-              <a:xfrm>
-                <a:off x="828134" y="4675868"/>
-                <a:ext cx="919098" cy="307777"/>
-              </a:xfrm>
-              <a:prstGeom prst="rect">
-                <a:avLst/>
-              </a:prstGeom>
-              <a:noFill/>
-            </p:spPr>
-            <p:txBody>
-              <a:bodyPr wrap="none" rtlCol="0">
-                <a:spAutoFit/>
-              </a:bodyPr>
-              <a:lstStyle/>
-              <a:p>
-                <a:r>
-                  <a:rPr lang="en-US" sz="1400" dirty="0" smtClean="0"/>
-                  <a:t>Controller</a:t>
-                </a:r>
-                <a:endParaRPr lang="en-US" sz="1400" dirty="0"/>
-              </a:p>
-            </p:txBody>
-          </p:sp>
-        </p:grpSp>
-        <p:grpSp>
-          <p:nvGrpSpPr>
-            <p:cNvPr id="105" name="Group 104"/>
-            <p:cNvGrpSpPr/>
-            <p:nvPr/>
-          </p:nvGrpSpPr>
-          <p:grpSpPr>
-            <a:xfrm>
-              <a:off x="241717" y="5735129"/>
-              <a:ext cx="1113432" cy="307777"/>
-              <a:chOff x="638353" y="4675868"/>
-              <a:chExt cx="1113432" cy="307777"/>
-            </a:xfrm>
-          </p:grpSpPr>
-          <p:sp>
-            <p:nvSpPr>
-              <p:cNvPr id="106" name="Rectangle 105"/>
-              <p:cNvSpPr/>
-              <p:nvPr/>
-            </p:nvSpPr>
-            <p:spPr>
-              <a:xfrm>
-                <a:off x="638353" y="4734867"/>
-                <a:ext cx="189781" cy="189781"/>
-              </a:xfrm>
-              <a:prstGeom prst="rect">
-                <a:avLst/>
-              </a:prstGeom>
-              <a:solidFill>
-                <a:srgbClr val="5B9BD5"/>
-              </a:solidFill>
-              <a:ln>
-                <a:solidFill>
-                  <a:schemeClr val="tx1"/>
-                </a:solidFill>
-              </a:ln>
-            </p:spPr>
-            <p:style>
-              <a:lnRef idx="2">
-                <a:schemeClr val="accent1">
-                  <a:shade val="50000"/>
-                </a:schemeClr>
-              </a:lnRef>
-              <a:fillRef idx="1">
-                <a:schemeClr val="accent1"/>
-              </a:fillRef>
-              <a:effectRef idx="0">
-                <a:schemeClr val="accent1"/>
-              </a:effectRef>
-              <a:fontRef idx="minor">
-                <a:schemeClr val="lt1"/>
-              </a:fontRef>
-            </p:style>
-            <p:txBody>
-              <a:bodyPr rtlCol="0" anchor="ctr"/>
-              <a:lstStyle/>
-              <a:p>
-                <a:pPr algn="ctr"/>
-                <a:endParaRPr lang="en-US"/>
-              </a:p>
-            </p:txBody>
-          </p:sp>
-          <p:sp>
-            <p:nvSpPr>
-              <p:cNvPr id="107" name="TextBox 106"/>
-              <p:cNvSpPr txBox="1"/>
-              <p:nvPr/>
-            </p:nvSpPr>
-            <p:spPr>
-              <a:xfrm>
-                <a:off x="828134" y="4675868"/>
-                <a:ext cx="923651" cy="307777"/>
-              </a:xfrm>
-              <a:prstGeom prst="rect">
-                <a:avLst/>
-              </a:prstGeom>
-              <a:noFill/>
-            </p:spPr>
-            <p:txBody>
-              <a:bodyPr wrap="none" rtlCol="0">
-                <a:spAutoFit/>
-              </a:bodyPr>
-              <a:lstStyle/>
-              <a:p>
-                <a:r>
-                  <a:rPr lang="en-US" sz="1400" dirty="0" smtClean="0"/>
-                  <a:t>Misc. Unit</a:t>
-                </a:r>
-                <a:endParaRPr lang="en-US" sz="1400" dirty="0"/>
-              </a:p>
-            </p:txBody>
-          </p:sp>
-        </p:grpSp>
-        <p:grpSp>
-          <p:nvGrpSpPr>
-            <p:cNvPr id="108" name="Group 107"/>
-            <p:cNvGrpSpPr/>
-            <p:nvPr/>
-          </p:nvGrpSpPr>
-          <p:grpSpPr>
-            <a:xfrm>
-              <a:off x="251888" y="6045241"/>
-              <a:ext cx="965314" cy="307777"/>
-              <a:chOff x="638353" y="4675868"/>
-              <a:chExt cx="965314" cy="307777"/>
-            </a:xfrm>
-            <a:solidFill>
-              <a:srgbClr val="FFC000"/>
-            </a:solidFill>
-          </p:grpSpPr>
-          <p:sp>
-            <p:nvSpPr>
-              <p:cNvPr id="109" name="Rectangle 108"/>
-              <p:cNvSpPr/>
-              <p:nvPr/>
-            </p:nvSpPr>
-            <p:spPr>
-              <a:xfrm>
-                <a:off x="638353" y="4734867"/>
-                <a:ext cx="189781" cy="189781"/>
-              </a:xfrm>
-              <a:prstGeom prst="rect">
-                <a:avLst/>
-              </a:prstGeom>
-              <a:grpFill/>
-              <a:ln>
-                <a:solidFill>
-                  <a:schemeClr val="tx1"/>
-                </a:solidFill>
-              </a:ln>
-            </p:spPr>
-            <p:style>
-              <a:lnRef idx="2">
-                <a:schemeClr val="accent1">
-                  <a:shade val="50000"/>
-                </a:schemeClr>
-              </a:lnRef>
-              <a:fillRef idx="1">
-                <a:schemeClr val="accent1"/>
-              </a:fillRef>
-              <a:effectRef idx="0">
-                <a:schemeClr val="accent1"/>
-              </a:effectRef>
-              <a:fontRef idx="minor">
-                <a:schemeClr val="lt1"/>
-              </a:fontRef>
-            </p:style>
-            <p:txBody>
-              <a:bodyPr rtlCol="0" anchor="ctr"/>
-              <a:lstStyle/>
-              <a:p>
-                <a:pPr algn="ctr"/>
-                <a:endParaRPr lang="en-US"/>
-              </a:p>
-            </p:txBody>
-          </p:sp>
-          <p:sp>
-            <p:nvSpPr>
-              <p:cNvPr id="110" name="TextBox 109"/>
-              <p:cNvSpPr txBox="1"/>
-              <p:nvPr/>
-            </p:nvSpPr>
-            <p:spPr>
-              <a:xfrm>
-                <a:off x="828134" y="4675868"/>
-                <a:ext cx="775533" cy="307777"/>
-              </a:xfrm>
-              <a:prstGeom prst="rect">
-                <a:avLst/>
-              </a:prstGeom>
-              <a:noFill/>
-            </p:spPr>
-            <p:txBody>
-              <a:bodyPr wrap="none" rtlCol="0">
-                <a:spAutoFit/>
-              </a:bodyPr>
-              <a:lstStyle/>
-              <a:p>
-                <a:r>
-                  <a:rPr lang="en-US" sz="1400" dirty="0" smtClean="0"/>
-                  <a:t>Register</a:t>
-                </a:r>
-                <a:endParaRPr lang="en-US" sz="1400" dirty="0"/>
-              </a:p>
-            </p:txBody>
-          </p:sp>
-        </p:grpSp>
-        <p:grpSp>
-          <p:nvGrpSpPr>
-            <p:cNvPr id="257" name="Group 256"/>
-            <p:cNvGrpSpPr/>
-            <p:nvPr/>
-          </p:nvGrpSpPr>
-          <p:grpSpPr>
-            <a:xfrm>
-              <a:off x="261651" y="6347941"/>
-              <a:ext cx="1132090" cy="307777"/>
-              <a:chOff x="638353" y="4675868"/>
-              <a:chExt cx="1132090" cy="307777"/>
-            </a:xfrm>
-            <a:solidFill>
-              <a:srgbClr val="FFC000"/>
-            </a:solidFill>
-          </p:grpSpPr>
-          <p:sp>
-            <p:nvSpPr>
-              <p:cNvPr id="258" name="Rectangle 257"/>
-              <p:cNvSpPr/>
-              <p:nvPr/>
-            </p:nvSpPr>
-            <p:spPr>
-              <a:xfrm>
-                <a:off x="638353" y="4734867"/>
-                <a:ext cx="189781" cy="189781"/>
-              </a:xfrm>
-              <a:prstGeom prst="rect">
-                <a:avLst/>
-              </a:prstGeom>
-              <a:solidFill>
-                <a:srgbClr val="C00000"/>
-              </a:solidFill>
-              <a:ln>
-                <a:solidFill>
-                  <a:schemeClr val="tx1"/>
-                </a:solidFill>
-              </a:ln>
-            </p:spPr>
-            <p:style>
-              <a:lnRef idx="2">
-                <a:schemeClr val="accent1">
-                  <a:shade val="50000"/>
-                </a:schemeClr>
-              </a:lnRef>
-              <a:fillRef idx="1">
-                <a:schemeClr val="accent1"/>
-              </a:fillRef>
-              <a:effectRef idx="0">
-                <a:schemeClr val="accent1"/>
-              </a:effectRef>
-              <a:fontRef idx="minor">
-                <a:schemeClr val="lt1"/>
-              </a:fontRef>
-            </p:style>
-            <p:txBody>
-              <a:bodyPr rtlCol="0" anchor="ctr"/>
-              <a:lstStyle/>
-              <a:p>
-                <a:pPr algn="ctr"/>
-                <a:endParaRPr lang="en-US"/>
-              </a:p>
-            </p:txBody>
-          </p:sp>
-          <p:sp>
-            <p:nvSpPr>
-              <p:cNvPr id="259" name="TextBox 258"/>
-              <p:cNvSpPr txBox="1"/>
-              <p:nvPr/>
-            </p:nvSpPr>
-            <p:spPr>
-              <a:xfrm>
-                <a:off x="828134" y="4675868"/>
-                <a:ext cx="942309" cy="307777"/>
-              </a:xfrm>
-              <a:prstGeom prst="rect">
-                <a:avLst/>
-              </a:prstGeom>
-              <a:noFill/>
-            </p:spPr>
-            <p:txBody>
-              <a:bodyPr wrap="none" rtlCol="0">
-                <a:spAutoFit/>
-              </a:bodyPr>
-              <a:lstStyle/>
-              <a:p>
-                <a:r>
-                  <a:rPr lang="en-US" sz="1400" dirty="0" smtClean="0"/>
-                  <a:t>Static. </a:t>
-                </a:r>
-                <a:r>
-                  <a:rPr lang="en-US" sz="1400" dirty="0" err="1" smtClean="0"/>
-                  <a:t>Reg</a:t>
-                </a:r>
-                <a:endParaRPr lang="en-US" sz="1400" dirty="0"/>
-              </a:p>
-            </p:txBody>
-          </p:sp>
-        </p:grpSp>
-      </p:grpSp>
-      <p:grpSp>
-        <p:nvGrpSpPr>
           <p:cNvPr id="221" name="Group 220"/>
           <p:cNvGrpSpPr/>
           <p:nvPr/>
@@ -4094,16 +3655,16 @@
       </p:grpSp>
       <p:sp>
         <p:nvSpPr>
-          <p:cNvPr id="220" name="Rounded Rectangle 219"/>
+          <p:cNvPr id="4" name="Rectangle 3"/>
           <p:cNvSpPr/>
           <p:nvPr/>
         </p:nvSpPr>
         <p:spPr>
-          <a:xfrm rot="16200000">
-            <a:off x="329754" y="3694093"/>
-            <a:ext cx="700967" cy="256727"/>
-          </a:xfrm>
-          <a:prstGeom prst="roundRect">
+          <a:xfrm>
+            <a:off x="2240336" y="1702124"/>
+            <a:ext cx="878063" cy="2475901"/>
+          </a:xfrm>
+          <a:prstGeom prst="rect">
             <a:avLst/>
           </a:prstGeom>
         </p:spPr>
@@ -4129,27 +3690,43 @@
           <a:p>
             <a:pPr algn="ctr"/>
             <a:r>
-              <a:rPr lang="en-US" sz="1100" dirty="0" smtClean="0"/>
-              <a:t>Mux</a:t>
-            </a:r>
-            <a:endParaRPr lang="en-US" dirty="0"/>
-          </a:p>
-        </p:txBody>
-      </p:sp>
-      <p:sp>
-        <p:nvSpPr>
-          <p:cNvPr id="4" name="Rectangle 3"/>
+              <a:rPr lang="en-US" sz="2400" dirty="0" smtClean="0">
+                <a:solidFill>
+                  <a:schemeClr val="bg1"/>
+                </a:solidFill>
+              </a:rPr>
+              <a:t>Mem</a:t>
+            </a:r>
+            <a:endParaRPr lang="en-US" sz="2400" dirty="0">
+              <a:solidFill>
+                <a:schemeClr val="bg1"/>
+              </a:solidFill>
+            </a:endParaRPr>
+          </a:p>
+        </p:txBody>
+      </p:sp>
+      <p:sp>
+        <p:nvSpPr>
+          <p:cNvPr id="5" name="Rectangle 4"/>
           <p:cNvSpPr/>
           <p:nvPr/>
         </p:nvSpPr>
         <p:spPr>
           <a:xfrm>
-            <a:off x="2240336" y="1702124"/>
-            <a:ext cx="878063" cy="2475901"/>
+            <a:off x="1159892" y="1801622"/>
+            <a:ext cx="371627" cy="371625"/>
           </a:xfrm>
           <a:prstGeom prst="rect">
             <a:avLst/>
           </a:prstGeom>
+          <a:solidFill>
+            <a:srgbClr val="FFC000"/>
+          </a:solidFill>
+          <a:ln>
+            <a:solidFill>
+              <a:schemeClr val="tx1"/>
+            </a:solidFill>
+          </a:ln>
         </p:spPr>
         <p:style>
           <a:lnRef idx="2">
@@ -4173,31 +3750,72 @@
           <a:p>
             <a:pPr algn="ctr"/>
             <a:r>
-              <a:rPr lang="en-US" sz="2400" dirty="0" smtClean="0">
+              <a:rPr lang="en-US" sz="1400" dirty="0" smtClean="0">
                 <a:solidFill>
-                  <a:schemeClr val="bg1"/>
+                  <a:schemeClr val="tx1"/>
                 </a:solidFill>
               </a:rPr>
-              <a:t>Mem</a:t>
-            </a:r>
-            <a:endParaRPr lang="en-US" sz="2400" dirty="0">
+              <a:t>PC</a:t>
+            </a:r>
+            <a:endParaRPr lang="en-US" sz="1400" dirty="0">
               <a:solidFill>
-                <a:schemeClr val="bg1"/>
+                <a:schemeClr val="tx1"/>
               </a:solidFill>
             </a:endParaRPr>
           </a:p>
         </p:txBody>
       </p:sp>
-      <p:sp>
-        <p:nvSpPr>
-          <p:cNvPr id="5" name="Rectangle 4"/>
+      <p:cxnSp>
+        <p:nvCxnSpPr>
+          <p:cNvPr id="7" name="Elbow Connector 6"/>
+          <p:cNvCxnSpPr>
+            <a:stCxn id="5" idx="3"/>
+            <a:endCxn id="205" idx="1"/>
+          </p:cNvCxnSpPr>
+          <p:nvPr/>
+        </p:nvCxnSpPr>
+        <p:spPr>
+          <a:xfrm>
+            <a:off x="1531519" y="1987435"/>
+            <a:ext cx="298975" cy="351228"/>
+          </a:xfrm>
+          <a:prstGeom prst="bentConnector3">
+            <a:avLst>
+              <a:gd name="adj1" fmla="val 50000"/>
+            </a:avLst>
+          </a:prstGeom>
+          <a:ln>
+            <a:solidFill>
+              <a:schemeClr val="tx1"/>
+            </a:solidFill>
+            <a:tailEnd type="triangle"/>
+          </a:ln>
+        </p:spPr>
+        <p:style>
+          <a:lnRef idx="1">
+            <a:schemeClr val="accent1"/>
+          </a:lnRef>
+          <a:fillRef idx="0">
+            <a:schemeClr val="accent1"/>
+          </a:fillRef>
+          <a:effectRef idx="0">
+            <a:schemeClr val="accent1"/>
+          </a:effectRef>
+          <a:fontRef idx="minor">
+            <a:schemeClr val="tx1"/>
+          </a:fontRef>
+        </p:style>
+      </p:cxnSp>
+      <p:sp>
+        <p:nvSpPr>
+          <p:cNvPr id="10" name="Rectangle 9"/>
           <p:cNvSpPr/>
           <p:nvPr/>
         </p:nvSpPr>
         <p:spPr>
           <a:xfrm>
-            <a:off x="1159892" y="1801622"/>
-            <a:ext cx="371627" cy="371625"/>
+            <a:off x="4120272" y="2467429"/>
+            <a:ext cx="350400" cy="350398"/>
           </a:xfrm>
           <a:prstGeom prst="rect">
             <a:avLst/>
@@ -4238,7 +3856,7 @@
                   <a:schemeClr val="tx1"/>
                 </a:solidFill>
               </a:rPr>
-              <a:t>PC</a:t>
+              <a:t>IR</a:t>
             </a:r>
             <a:endParaRPr lang="en-US" sz="1400" dirty="0">
               <a:solidFill>
@@ -4250,17 +3868,17 @@
       </p:sp>
       <p:cxnSp>
         <p:nvCxnSpPr>
-          <p:cNvPr id="7" name="Elbow Connector 6"/>
+          <p:cNvPr id="12" name="Elbow Connector 11"/>
           <p:cNvCxnSpPr>
-            <a:stCxn id="5" idx="3"/>
-            <a:endCxn id="205" idx="1"/>
+            <a:stCxn id="33" idx="3"/>
+            <a:endCxn id="10" idx="1"/>
           </p:cNvCxnSpPr>
           <p:nvPr/>
         </p:nvCxnSpPr>
         <p:spPr>
           <a:xfrm>
-            <a:off x="1531519" y="1987435"/>
-            <a:ext cx="298975" cy="351228"/>
+            <a:off x="3103635" y="2046971"/>
+            <a:ext cx="1016637" cy="595657"/>
           </a:xfrm>
           <a:prstGeom prst="bentConnector3">
             <a:avLst>
@@ -4291,26 +3909,23 @@
       </p:cxnSp>
       <p:sp>
         <p:nvSpPr>
-          <p:cNvPr id="10" name="Rectangle 9"/>
+          <p:cNvPr id="14" name="Oval 13"/>
           <p:cNvSpPr/>
           <p:nvPr/>
         </p:nvSpPr>
         <p:spPr>
           <a:xfrm>
-            <a:off x="4120272" y="2467429"/>
-            <a:ext cx="350400" cy="350398"/>
-          </a:xfrm>
-          <a:prstGeom prst="rect">
+            <a:off x="6430084" y="769479"/>
+            <a:ext cx="1502813" cy="583995"/>
+          </a:xfrm>
+          <a:prstGeom prst="ellipse">
             <a:avLst/>
           </a:prstGeom>
           <a:solidFill>
-            <a:srgbClr val="FFC000"/>
+            <a:schemeClr val="accent6">
+              <a:lumMod val="50000"/>
+            </a:schemeClr>
           </a:solidFill>
-          <a:ln>
-            <a:solidFill>
-              <a:schemeClr val="tx1"/>
-            </a:solidFill>
-          </a:ln>
         </p:spPr>
         <p:style>
           <a:lnRef idx="2">
@@ -4334,104 +3949,6 @@
           <a:p>
             <a:pPr algn="ctr"/>
             <a:r>
-              <a:rPr lang="en-US" sz="1400" dirty="0" smtClean="0">
-                <a:solidFill>
-                  <a:schemeClr val="tx1"/>
-                </a:solidFill>
-              </a:rPr>
-              <a:t>IR</a:t>
-            </a:r>
-            <a:endParaRPr lang="en-US" sz="1400" dirty="0">
-              <a:solidFill>
-                <a:schemeClr val="tx1"/>
-              </a:solidFill>
-            </a:endParaRPr>
-          </a:p>
-        </p:txBody>
-      </p:sp>
-      <p:cxnSp>
-        <p:nvCxnSpPr>
-          <p:cNvPr id="12" name="Elbow Connector 11"/>
-          <p:cNvCxnSpPr>
-            <a:stCxn id="33" idx="3"/>
-            <a:endCxn id="10" idx="1"/>
-          </p:cNvCxnSpPr>
-          <p:nvPr/>
-        </p:nvCxnSpPr>
-        <p:spPr>
-          <a:xfrm>
-            <a:off x="3103635" y="2046971"/>
-            <a:ext cx="1016637" cy="595657"/>
-          </a:xfrm>
-          <a:prstGeom prst="bentConnector3">
-            <a:avLst>
-              <a:gd name="adj1" fmla="val 50000"/>
-            </a:avLst>
-          </a:prstGeom>
-          <a:ln>
-            <a:solidFill>
-              <a:schemeClr val="tx1"/>
-            </a:solidFill>
-            <a:tailEnd type="triangle"/>
-          </a:ln>
-        </p:spPr>
-        <p:style>
-          <a:lnRef idx="1">
-            <a:schemeClr val="accent1"/>
-          </a:lnRef>
-          <a:fillRef idx="0">
-            <a:schemeClr val="accent1"/>
-          </a:fillRef>
-          <a:effectRef idx="0">
-            <a:schemeClr val="accent1"/>
-          </a:effectRef>
-          <a:fontRef idx="minor">
-            <a:schemeClr val="tx1"/>
-          </a:fontRef>
-        </p:style>
-      </p:cxnSp>
-      <p:sp>
-        <p:nvSpPr>
-          <p:cNvPr id="14" name="Oval 13"/>
-          <p:cNvSpPr/>
-          <p:nvPr/>
-        </p:nvSpPr>
-        <p:spPr>
-          <a:xfrm>
-            <a:off x="6430084" y="769479"/>
-            <a:ext cx="1502813" cy="583995"/>
-          </a:xfrm>
-          <a:prstGeom prst="ellipse">
-            <a:avLst/>
-          </a:prstGeom>
-          <a:solidFill>
-            <a:schemeClr val="accent6">
-              <a:lumMod val="50000"/>
-            </a:schemeClr>
-          </a:solidFill>
-        </p:spPr>
-        <p:style>
-          <a:lnRef idx="2">
-            <a:schemeClr val="accent1">
-              <a:shade val="50000"/>
-            </a:schemeClr>
-          </a:lnRef>
-          <a:fillRef idx="1">
-            <a:schemeClr val="accent1"/>
-          </a:fillRef>
-          <a:effectRef idx="0">
-            <a:schemeClr val="accent1"/>
-          </a:effectRef>
-          <a:fontRef idx="minor">
-            <a:schemeClr val="lt1"/>
-          </a:fontRef>
-        </p:style>
-        <p:txBody>
-          <a:bodyPr rtlCol="0" anchor="ctr"/>
-          <a:lstStyle/>
-          <a:p>
-            <a:pPr algn="ctr"/>
-            <a:r>
               <a:rPr lang="en-US" dirty="0" smtClean="0"/>
               <a:t>Main CTRL</a:t>
             </a:r>
@@ -4488,8 +4005,8 @@
         </p:nvSpPr>
         <p:spPr>
           <a:xfrm>
-            <a:off x="5027082" y="737468"/>
-            <a:ext cx="803343" cy="375047"/>
+            <a:off x="5055042" y="660167"/>
+            <a:ext cx="912429" cy="415498"/>
           </a:xfrm>
           <a:prstGeom prst="rect">
             <a:avLst/>
@@ -4503,26 +4020,18 @@
           <a:lstStyle/>
           <a:p>
             <a:r>
+              <a:rPr lang="en-US" sz="1050" dirty="0" smtClean="0"/>
+              <a:t>Op: IR[15:12]</a:t>
+            </a:r>
+          </a:p>
+          <a:p>
+            <a:r>
               <a:rPr lang="en-US" sz="1050" dirty="0" err="1" smtClean="0"/>
-              <a:t>I.mem</a:t>
+              <a:t>Func</a:t>
             </a:r>
             <a:r>
               <a:rPr lang="en-US" sz="1050" dirty="0" smtClean="0"/>
-              <a:t> [15:8]</a:t>
-            </a:r>
-          </a:p>
-          <a:p>
-            <a:r>
-              <a:rPr lang="en-US" sz="1050" dirty="0" smtClean="0"/>
-              <a:t>(op/</a:t>
-            </a:r>
-            <a:r>
-              <a:rPr lang="en-US" sz="1050" dirty="0" err="1" smtClean="0"/>
-              <a:t>func</a:t>
-            </a:r>
-            <a:r>
-              <a:rPr lang="en-US" sz="1050" dirty="0" smtClean="0"/>
-              <a:t>)</a:t>
+              <a:t>: IR[5:2]</a:t>
             </a:r>
             <a:endParaRPr lang="en-US" sz="1050" dirty="0"/>
           </a:p>
@@ -4902,8 +4411,8 @@
         </p:nvSpPr>
         <p:spPr>
           <a:xfrm>
-            <a:off x="4576431" y="2134787"/>
-            <a:ext cx="495144" cy="229196"/>
+            <a:off x="4499088" y="2134725"/>
+            <a:ext cx="617477" cy="253916"/>
           </a:xfrm>
           <a:prstGeom prst="rect">
             <a:avLst/>
@@ -4918,8 +4427,9 @@
           <a:p>
             <a:r>
               <a:rPr lang="en-US" sz="1050" dirty="0" smtClean="0"/>
-              <a:t>IR[7:5]</a:t>
-            </a:r>
+              <a:t>IR[11:9]</a:t>
+            </a:r>
+            <a:endParaRPr lang="en-US" sz="1050" dirty="0" smtClean="0"/>
           </a:p>
         </p:txBody>
       </p:sp>
@@ -4932,7 +4442,7 @@
         <p:spPr>
           <a:xfrm>
             <a:off x="4309796" y="2933959"/>
-            <a:ext cx="500932" cy="229196"/>
+            <a:ext cx="548548" cy="253916"/>
           </a:xfrm>
           <a:prstGeom prst="rect">
             <a:avLst/>
@@ -4947,8 +4457,9 @@
           <a:p>
             <a:r>
               <a:rPr lang="en-US" sz="1050" dirty="0" smtClean="0"/>
-              <a:t>IR[4:2]</a:t>
-            </a:r>
+              <a:t>IR[8:6]</a:t>
+            </a:r>
+            <a:endParaRPr lang="en-US" sz="1050" dirty="0" smtClean="0"/>
           </a:p>
         </p:txBody>
       </p:sp>
@@ -5070,50 +4581,6 @@
           </p:txBody>
         </p:sp>
       </p:grpSp>
-      <p:sp>
-        <p:nvSpPr>
-          <p:cNvPr id="177" name="Rounded Rectangle 176"/>
-          <p:cNvSpPr/>
-          <p:nvPr/>
-        </p:nvSpPr>
-        <p:spPr>
-          <a:xfrm rot="16200000">
-            <a:off x="4587512" y="4508218"/>
-            <a:ext cx="700967" cy="256727"/>
-          </a:xfrm>
-          <a:prstGeom prst="roundRect">
-            <a:avLst/>
-          </a:prstGeom>
-        </p:spPr>
-        <p:style>
-          <a:lnRef idx="2">
-            <a:schemeClr val="accent1">
-              <a:shade val="50000"/>
-            </a:schemeClr>
-          </a:lnRef>
-          <a:fillRef idx="1">
-            <a:schemeClr val="accent1"/>
-          </a:fillRef>
-          <a:effectRef idx="0">
-            <a:schemeClr val="accent1"/>
-          </a:effectRef>
-          <a:fontRef idx="minor">
-            <a:schemeClr val="lt1"/>
-          </a:fontRef>
-        </p:style>
-        <p:txBody>
-          <a:bodyPr rtlCol="0" anchor="ctr"/>
-          <a:lstStyle/>
-          <a:p>
-            <a:pPr algn="ctr"/>
-            <a:r>
-              <a:rPr lang="en-US" sz="1100" dirty="0" smtClean="0"/>
-              <a:t>Mux</a:t>
-            </a:r>
-            <a:endParaRPr lang="en-US" dirty="0"/>
-          </a:p>
-        </p:txBody>
-      </p:sp>
       <p:grpSp>
         <p:nvGrpSpPr>
           <p:cNvPr id="72" name="Group 71"/>
@@ -5381,7 +4848,7 @@
         <p:spPr>
           <a:xfrm>
             <a:off x="4187080" y="3969040"/>
-            <a:ext cx="500932" cy="229196"/>
+            <a:ext cx="548548" cy="253916"/>
           </a:xfrm>
           <a:prstGeom prst="rect">
             <a:avLst/>
@@ -5396,8 +4863,9 @@
           <a:p>
             <a:r>
               <a:rPr lang="en-US" sz="1050" dirty="0" smtClean="0"/>
-              <a:t>IR[4:2]</a:t>
-            </a:r>
+              <a:t>IR[8:6]</a:t>
+            </a:r>
+            <a:endParaRPr lang="en-US" sz="1050" dirty="0" smtClean="0"/>
           </a:p>
         </p:txBody>
       </p:sp>
@@ -6655,20 +6123,20 @@
           <p:cNvPr id="179" name="Elbow Connector 178"/>
           <p:cNvCxnSpPr>
             <a:stCxn id="129" idx="6"/>
-            <a:endCxn id="177" idx="0"/>
+            <a:endCxn id="215" idx="1"/>
           </p:cNvCxnSpPr>
           <p:nvPr/>
         </p:nvCxnSpPr>
         <p:spPr>
           <a:xfrm flipH="1" flipV="1">
-            <a:off x="4809633" y="4636581"/>
-            <a:ext cx="1837645" cy="931598"/>
+            <a:off x="4783264" y="4964444"/>
+            <a:ext cx="1864014" cy="603735"/>
           </a:xfrm>
           <a:prstGeom prst="bentConnector5">
             <a:avLst>
-              <a:gd name="adj1" fmla="val -11229"/>
-              <a:gd name="adj2" fmla="val 36089"/>
-              <a:gd name="adj3" fmla="val 111229"/>
+              <a:gd name="adj1" fmla="val -12264"/>
+              <a:gd name="adj2" fmla="val 66371"/>
+              <a:gd name="adj3" fmla="val 117383"/>
             </a:avLst>
           </a:prstGeom>
           <a:ln>
@@ -6698,20 +6166,20 @@
           <p:cNvPr id="182" name="Elbow Connector 181"/>
           <p:cNvCxnSpPr>
             <a:stCxn id="134" idx="3"/>
-            <a:endCxn id="177" idx="0"/>
+            <a:endCxn id="214" idx="1"/>
           </p:cNvCxnSpPr>
           <p:nvPr/>
         </p:nvCxnSpPr>
         <p:spPr>
           <a:xfrm flipH="1">
-            <a:off x="4809633" y="2188811"/>
-            <a:ext cx="3815412" cy="2447770"/>
+            <a:off x="4779010" y="2188811"/>
+            <a:ext cx="3846035" cy="2642616"/>
           </a:xfrm>
           <a:prstGeom prst="bentConnector5">
             <a:avLst>
-              <a:gd name="adj1" fmla="val -2803"/>
-              <a:gd name="adj2" fmla="val 118343"/>
-              <a:gd name="adj3" fmla="val 104695"/>
+              <a:gd name="adj1" fmla="val -5944"/>
+              <a:gd name="adj2" fmla="val 109603"/>
+              <a:gd name="adj3" fmla="val 106151"/>
             </a:avLst>
           </a:prstGeom>
           <a:ln>
@@ -6741,19 +6209,19 @@
           <p:cNvPr id="188" name="Elbow Connector 187"/>
           <p:cNvCxnSpPr>
             <a:stCxn id="164" idx="2"/>
-            <a:endCxn id="177" idx="0"/>
+            <a:endCxn id="213" idx="1"/>
           </p:cNvCxnSpPr>
           <p:nvPr/>
         </p:nvCxnSpPr>
         <p:spPr>
           <a:xfrm rot="5400000">
-            <a:off x="7032185" y="1146434"/>
-            <a:ext cx="1267595" cy="5712699"/>
+            <a:off x="7097332" y="1064575"/>
+            <a:ext cx="1120588" cy="5729411"/>
           </a:xfrm>
           <a:prstGeom prst="bentConnector4">
             <a:avLst>
-              <a:gd name="adj1" fmla="val 150006"/>
-              <a:gd name="adj2" fmla="val 104002"/>
+              <a:gd name="adj1" fmla="val 155199"/>
+              <a:gd name="adj2" fmla="val 105100"/>
             </a:avLst>
           </a:prstGeom>
           <a:ln>
@@ -6782,7 +6250,6 @@
         <p:nvCxnSpPr>
           <p:cNvPr id="191" name="Elbow Connector 190"/>
           <p:cNvCxnSpPr>
-            <a:stCxn id="177" idx="2"/>
             <a:endCxn id="30" idx="1"/>
           </p:cNvCxnSpPr>
           <p:nvPr/>
@@ -6855,7 +6322,7 @@
         </p:nvSpPr>
         <p:spPr>
           <a:xfrm>
-            <a:off x="7894038" y="4909080"/>
+            <a:off x="7886012" y="4876940"/>
             <a:ext cx="709292" cy="236141"/>
           </a:xfrm>
           <a:prstGeom prst="rect">
@@ -6885,7 +6352,7 @@
         </p:nvSpPr>
         <p:spPr>
           <a:xfrm>
-            <a:off x="5584473" y="5037117"/>
+            <a:off x="4915020" y="5084381"/>
             <a:ext cx="1405271" cy="236141"/>
           </a:xfrm>
           <a:prstGeom prst="rect">
@@ -7336,7 +6803,7 @@
         </p:nvGrpSpPr>
         <p:grpSpPr>
           <a:xfrm>
-            <a:off x="574408" y="4306354"/>
+            <a:off x="212050" y="3969040"/>
             <a:ext cx="256727" cy="819398"/>
             <a:chOff x="194423" y="4609425"/>
             <a:chExt cx="284416" cy="907774"/>
@@ -7686,7 +7153,7 @@
         </p:nvSpPr>
         <p:spPr>
           <a:xfrm>
-            <a:off x="5196127" y="4723875"/>
+            <a:off x="5144014" y="4810413"/>
             <a:ext cx="513897" cy="277813"/>
           </a:xfrm>
           <a:prstGeom prst="rect">
@@ -8633,14 +8100,14 @@
           <p:cNvPr id="226" name="Elbow Connector 225"/>
           <p:cNvCxnSpPr>
             <a:stCxn id="230" idx="3"/>
-            <a:endCxn id="177" idx="0"/>
+            <a:endCxn id="255" idx="1"/>
           </p:cNvCxnSpPr>
           <p:nvPr/>
         </p:nvCxnSpPr>
         <p:spPr>
           <a:xfrm>
             <a:off x="4069540" y="4239067"/>
-            <a:ext cx="740092" cy="397514"/>
+            <a:ext cx="723380" cy="111069"/>
           </a:xfrm>
           <a:prstGeom prst="bentConnector3">
             <a:avLst/>
@@ -9061,8 +8528,8 @@
         </p:nvCxnSpPr>
         <p:spPr>
           <a:xfrm rot="16200000" flipH="1">
-            <a:off x="4790618" y="2397367"/>
-            <a:ext cx="274315" cy="207545"/>
+            <a:off x="4794859" y="2401608"/>
+            <a:ext cx="249657" cy="223721"/>
           </a:xfrm>
           <a:prstGeom prst="bentConnector2">
             <a:avLst/>
@@ -10414,13 +9881,12 @@
           <p:cNvPr id="275" name="Straight Connector 274"/>
           <p:cNvCxnSpPr>
             <a:stCxn id="335" idx="0"/>
-            <a:endCxn id="177" idx="2"/>
           </p:cNvCxnSpPr>
           <p:nvPr/>
         </p:nvCxnSpPr>
         <p:spPr>
           <a:xfrm flipH="1" flipV="1">
-            <a:off x="5066359" y="4636581"/>
+            <a:off x="5014246" y="4723119"/>
             <a:ext cx="386717" cy="87294"/>
           </a:xfrm>
           <a:prstGeom prst="line">
@@ -10599,6 +10065,886 @@
           </a:fontRef>
         </p:style>
       </p:cxnSp>
+      <p:grpSp>
+        <p:nvGrpSpPr>
+          <p:cNvPr id="261" name="Group 260"/>
+          <p:cNvGrpSpPr/>
+          <p:nvPr/>
+        </p:nvGrpSpPr>
+        <p:grpSpPr>
+          <a:xfrm>
+            <a:off x="4779010" y="4227025"/>
+            <a:ext cx="334398" cy="860529"/>
+            <a:chOff x="2489579" y="5069820"/>
+            <a:chExt cx="334398" cy="860529"/>
+          </a:xfrm>
+        </p:grpSpPr>
+        <p:sp>
+          <p:nvSpPr>
+            <p:cNvPr id="210" name="Rounded Rectangle 209"/>
+            <p:cNvSpPr/>
+            <p:nvPr/>
+          </p:nvSpPr>
+          <p:spPr>
+            <a:xfrm rot="16200000">
+              <a:off x="2345130" y="5383917"/>
+              <a:ext cx="700967" cy="256727"/>
+            </a:xfrm>
+            <a:prstGeom prst="roundRect">
+              <a:avLst/>
+            </a:prstGeom>
+          </p:spPr>
+          <p:style>
+            <a:lnRef idx="2">
+              <a:schemeClr val="accent1">
+                <a:shade val="50000"/>
+              </a:schemeClr>
+            </a:lnRef>
+            <a:fillRef idx="1">
+              <a:schemeClr val="accent1"/>
+            </a:fillRef>
+            <a:effectRef idx="0">
+              <a:schemeClr val="accent1"/>
+            </a:effectRef>
+            <a:fontRef idx="minor">
+              <a:schemeClr val="lt1"/>
+            </a:fontRef>
+          </p:style>
+          <p:txBody>
+            <a:bodyPr rtlCol="0" anchor="ctr"/>
+            <a:lstStyle/>
+            <a:p>
+              <a:pPr algn="ctr"/>
+              <a:r>
+                <a:rPr lang="en-US" sz="1100" dirty="0" smtClean="0"/>
+                <a:t>Mux</a:t>
+              </a:r>
+              <a:endParaRPr lang="en-US" dirty="0"/>
+            </a:p>
+          </p:txBody>
+        </p:sp>
+        <p:sp>
+          <p:nvSpPr>
+            <p:cNvPr id="255" name="TextBox 254"/>
+            <p:cNvSpPr txBox="1"/>
+            <p:nvPr/>
+          </p:nvSpPr>
+          <p:spPr>
+            <a:xfrm>
+              <a:off x="2503489" y="5069820"/>
+              <a:ext cx="316112" cy="246221"/>
+            </a:xfrm>
+            <a:prstGeom prst="rect">
+              <a:avLst/>
+            </a:prstGeom>
+            <a:noFill/>
+          </p:spPr>
+          <p:txBody>
+            <a:bodyPr wrap="none" rtlCol="0">
+              <a:spAutoFit/>
+            </a:bodyPr>
+            <a:lstStyle/>
+            <a:p>
+              <a:r>
+                <a:rPr lang="en-US" sz="1000" dirty="0" smtClean="0"/>
+                <a:t>00</a:t>
+              </a:r>
+              <a:endParaRPr lang="en-US" sz="1000" dirty="0"/>
+            </a:p>
+          </p:txBody>
+        </p:sp>
+        <p:sp>
+          <p:nvSpPr>
+            <p:cNvPr id="213" name="TextBox 212"/>
+            <p:cNvSpPr txBox="1"/>
+            <p:nvPr/>
+          </p:nvSpPr>
+          <p:spPr>
+            <a:xfrm>
+              <a:off x="2503489" y="5209258"/>
+              <a:ext cx="316112" cy="246221"/>
+            </a:xfrm>
+            <a:prstGeom prst="rect">
+              <a:avLst/>
+            </a:prstGeom>
+            <a:noFill/>
+          </p:spPr>
+          <p:txBody>
+            <a:bodyPr wrap="none" rtlCol="0">
+              <a:spAutoFit/>
+            </a:bodyPr>
+            <a:lstStyle/>
+            <a:p>
+              <a:r>
+                <a:rPr lang="en-US" sz="1000" dirty="0" smtClean="0"/>
+                <a:t>01</a:t>
+              </a:r>
+              <a:endParaRPr lang="en-US" sz="1000" dirty="0"/>
+            </a:p>
+          </p:txBody>
+        </p:sp>
+        <p:sp>
+          <p:nvSpPr>
+            <p:cNvPr id="214" name="TextBox 213"/>
+            <p:cNvSpPr txBox="1"/>
+            <p:nvPr/>
+          </p:nvSpPr>
+          <p:spPr>
+            <a:xfrm>
+              <a:off x="2489579" y="5551111"/>
+              <a:ext cx="316112" cy="246221"/>
+            </a:xfrm>
+            <a:prstGeom prst="rect">
+              <a:avLst/>
+            </a:prstGeom>
+            <a:noFill/>
+          </p:spPr>
+          <p:txBody>
+            <a:bodyPr wrap="none" rtlCol="0">
+              <a:spAutoFit/>
+            </a:bodyPr>
+            <a:lstStyle/>
+            <a:p>
+              <a:r>
+                <a:rPr lang="en-US" sz="1000" dirty="0"/>
+                <a:t>1</a:t>
+              </a:r>
+              <a:r>
+                <a:rPr lang="en-US" sz="1000" dirty="0" smtClean="0"/>
+                <a:t>0</a:t>
+              </a:r>
+              <a:endParaRPr lang="en-US" sz="1000" dirty="0"/>
+            </a:p>
+          </p:txBody>
+        </p:sp>
+        <p:sp>
+          <p:nvSpPr>
+            <p:cNvPr id="215" name="TextBox 214"/>
+            <p:cNvSpPr txBox="1"/>
+            <p:nvPr/>
+          </p:nvSpPr>
+          <p:spPr>
+            <a:xfrm>
+              <a:off x="2493833" y="5684128"/>
+              <a:ext cx="316112" cy="246221"/>
+            </a:xfrm>
+            <a:prstGeom prst="rect">
+              <a:avLst/>
+            </a:prstGeom>
+            <a:noFill/>
+          </p:spPr>
+          <p:txBody>
+            <a:bodyPr wrap="none" rtlCol="0">
+              <a:spAutoFit/>
+            </a:bodyPr>
+            <a:lstStyle/>
+            <a:p>
+              <a:r>
+                <a:rPr lang="en-US" sz="1000" dirty="0" smtClean="0"/>
+                <a:t>11</a:t>
+              </a:r>
+              <a:endParaRPr lang="en-US" sz="1000" dirty="0"/>
+            </a:p>
+          </p:txBody>
+        </p:sp>
+      </p:grpSp>
+      <p:grpSp>
+        <p:nvGrpSpPr>
+          <p:cNvPr id="288" name="Group 287"/>
+          <p:cNvGrpSpPr/>
+          <p:nvPr/>
+        </p:nvGrpSpPr>
+        <p:grpSpPr>
+          <a:xfrm>
+            <a:off x="207033" y="5347043"/>
+            <a:ext cx="1173584" cy="1278181"/>
+            <a:chOff x="138021" y="5317673"/>
+            <a:chExt cx="1300160" cy="1416039"/>
+          </a:xfrm>
+        </p:grpSpPr>
+        <p:sp>
+          <p:nvSpPr>
+            <p:cNvPr id="289" name="Rectangle 288"/>
+            <p:cNvSpPr/>
+            <p:nvPr/>
+          </p:nvSpPr>
+          <p:spPr>
+            <a:xfrm>
+              <a:off x="138021" y="5317673"/>
+              <a:ext cx="1300160" cy="1416039"/>
+            </a:xfrm>
+            <a:prstGeom prst="rect">
+              <a:avLst/>
+            </a:prstGeom>
+            <a:noFill/>
+            <a:ln>
+              <a:solidFill>
+                <a:schemeClr val="tx1"/>
+              </a:solidFill>
+            </a:ln>
+          </p:spPr>
+          <p:style>
+            <a:lnRef idx="2">
+              <a:schemeClr val="accent1">
+                <a:shade val="50000"/>
+              </a:schemeClr>
+            </a:lnRef>
+            <a:fillRef idx="1">
+              <a:schemeClr val="accent1"/>
+            </a:fillRef>
+            <a:effectRef idx="0">
+              <a:schemeClr val="accent1"/>
+            </a:effectRef>
+            <a:fontRef idx="minor">
+              <a:schemeClr val="lt1"/>
+            </a:fontRef>
+          </p:style>
+          <p:txBody>
+            <a:bodyPr rtlCol="0" anchor="ctr"/>
+            <a:lstStyle/>
+            <a:p>
+              <a:pPr algn="ctr"/>
+              <a:endParaRPr lang="en-US"/>
+            </a:p>
+          </p:txBody>
+        </p:sp>
+        <p:grpSp>
+          <p:nvGrpSpPr>
+            <p:cNvPr id="290" name="Group 289"/>
+            <p:cNvGrpSpPr/>
+            <p:nvPr/>
+          </p:nvGrpSpPr>
+          <p:grpSpPr>
+            <a:xfrm>
+              <a:off x="232911" y="5421541"/>
+              <a:ext cx="1108879" cy="307777"/>
+              <a:chOff x="638353" y="4675868"/>
+              <a:chExt cx="1108879" cy="307777"/>
+            </a:xfrm>
+          </p:grpSpPr>
+          <p:sp>
+            <p:nvSpPr>
+              <p:cNvPr id="312" name="Rectangle 311"/>
+              <p:cNvSpPr/>
+              <p:nvPr/>
+            </p:nvSpPr>
+            <p:spPr>
+              <a:xfrm>
+                <a:off x="638353" y="4734867"/>
+                <a:ext cx="189781" cy="189781"/>
+              </a:xfrm>
+              <a:prstGeom prst="rect">
+                <a:avLst/>
+              </a:prstGeom>
+              <a:solidFill>
+                <a:srgbClr val="385723"/>
+              </a:solidFill>
+              <a:ln>
+                <a:solidFill>
+                  <a:schemeClr val="tx1"/>
+                </a:solidFill>
+              </a:ln>
+            </p:spPr>
+            <p:style>
+              <a:lnRef idx="2">
+                <a:schemeClr val="accent1">
+                  <a:shade val="50000"/>
+                </a:schemeClr>
+              </a:lnRef>
+              <a:fillRef idx="1">
+                <a:schemeClr val="accent1"/>
+              </a:fillRef>
+              <a:effectRef idx="0">
+                <a:schemeClr val="accent1"/>
+              </a:effectRef>
+              <a:fontRef idx="minor">
+                <a:schemeClr val="lt1"/>
+              </a:fontRef>
+            </p:style>
+            <p:txBody>
+              <a:bodyPr rtlCol="0" anchor="ctr"/>
+              <a:lstStyle/>
+              <a:p>
+                <a:pPr algn="ctr"/>
+                <a:endParaRPr lang="en-US"/>
+              </a:p>
+            </p:txBody>
+          </p:sp>
+          <p:sp>
+            <p:nvSpPr>
+              <p:cNvPr id="313" name="TextBox 312"/>
+              <p:cNvSpPr txBox="1"/>
+              <p:nvPr/>
+            </p:nvSpPr>
+            <p:spPr>
+              <a:xfrm>
+                <a:off x="828134" y="4675868"/>
+                <a:ext cx="919098" cy="307777"/>
+              </a:xfrm>
+              <a:prstGeom prst="rect">
+                <a:avLst/>
+              </a:prstGeom>
+              <a:noFill/>
+            </p:spPr>
+            <p:txBody>
+              <a:bodyPr wrap="none" rtlCol="0">
+                <a:spAutoFit/>
+              </a:bodyPr>
+              <a:lstStyle/>
+              <a:p>
+                <a:r>
+                  <a:rPr lang="en-US" sz="1400" dirty="0" smtClean="0"/>
+                  <a:t>Controller</a:t>
+                </a:r>
+                <a:endParaRPr lang="en-US" sz="1400" dirty="0"/>
+              </a:p>
+            </p:txBody>
+          </p:sp>
+        </p:grpSp>
+        <p:grpSp>
+          <p:nvGrpSpPr>
+            <p:cNvPr id="291" name="Group 290"/>
+            <p:cNvGrpSpPr/>
+            <p:nvPr/>
+          </p:nvGrpSpPr>
+          <p:grpSpPr>
+            <a:xfrm>
+              <a:off x="241717" y="5735129"/>
+              <a:ext cx="1113432" cy="307777"/>
+              <a:chOff x="638353" y="4675868"/>
+              <a:chExt cx="1113432" cy="307777"/>
+            </a:xfrm>
+          </p:grpSpPr>
+          <p:sp>
+            <p:nvSpPr>
+              <p:cNvPr id="310" name="Rectangle 309"/>
+              <p:cNvSpPr/>
+              <p:nvPr/>
+            </p:nvSpPr>
+            <p:spPr>
+              <a:xfrm>
+                <a:off x="638353" y="4734867"/>
+                <a:ext cx="189781" cy="189781"/>
+              </a:xfrm>
+              <a:prstGeom prst="rect">
+                <a:avLst/>
+              </a:prstGeom>
+              <a:solidFill>
+                <a:srgbClr val="5B9BD5"/>
+              </a:solidFill>
+              <a:ln>
+                <a:solidFill>
+                  <a:schemeClr val="tx1"/>
+                </a:solidFill>
+              </a:ln>
+            </p:spPr>
+            <p:style>
+              <a:lnRef idx="2">
+                <a:schemeClr val="accent1">
+                  <a:shade val="50000"/>
+                </a:schemeClr>
+              </a:lnRef>
+              <a:fillRef idx="1">
+                <a:schemeClr val="accent1"/>
+              </a:fillRef>
+              <a:effectRef idx="0">
+                <a:schemeClr val="accent1"/>
+              </a:effectRef>
+              <a:fontRef idx="minor">
+                <a:schemeClr val="lt1"/>
+              </a:fontRef>
+            </p:style>
+            <p:txBody>
+              <a:bodyPr rtlCol="0" anchor="ctr"/>
+              <a:lstStyle/>
+              <a:p>
+                <a:pPr algn="ctr"/>
+                <a:endParaRPr lang="en-US"/>
+              </a:p>
+            </p:txBody>
+          </p:sp>
+          <p:sp>
+            <p:nvSpPr>
+              <p:cNvPr id="311" name="TextBox 310"/>
+              <p:cNvSpPr txBox="1"/>
+              <p:nvPr/>
+            </p:nvSpPr>
+            <p:spPr>
+              <a:xfrm>
+                <a:off x="828134" y="4675868"/>
+                <a:ext cx="923651" cy="307777"/>
+              </a:xfrm>
+              <a:prstGeom prst="rect">
+                <a:avLst/>
+              </a:prstGeom>
+              <a:noFill/>
+            </p:spPr>
+            <p:txBody>
+              <a:bodyPr wrap="none" rtlCol="0">
+                <a:spAutoFit/>
+              </a:bodyPr>
+              <a:lstStyle/>
+              <a:p>
+                <a:r>
+                  <a:rPr lang="en-US" sz="1400" dirty="0" smtClean="0"/>
+                  <a:t>Misc. Unit</a:t>
+                </a:r>
+                <a:endParaRPr lang="en-US" sz="1400" dirty="0"/>
+              </a:p>
+            </p:txBody>
+          </p:sp>
+        </p:grpSp>
+        <p:grpSp>
+          <p:nvGrpSpPr>
+            <p:cNvPr id="293" name="Group 292"/>
+            <p:cNvGrpSpPr/>
+            <p:nvPr/>
+          </p:nvGrpSpPr>
+          <p:grpSpPr>
+            <a:xfrm>
+              <a:off x="251888" y="6045241"/>
+              <a:ext cx="965314" cy="307777"/>
+              <a:chOff x="638353" y="4675868"/>
+              <a:chExt cx="965314" cy="307777"/>
+            </a:xfrm>
+            <a:solidFill>
+              <a:srgbClr val="FFC000"/>
+            </a:solidFill>
+          </p:grpSpPr>
+          <p:sp>
+            <p:nvSpPr>
+              <p:cNvPr id="298" name="Rectangle 297"/>
+              <p:cNvSpPr/>
+              <p:nvPr/>
+            </p:nvSpPr>
+            <p:spPr>
+              <a:xfrm>
+                <a:off x="638353" y="4734867"/>
+                <a:ext cx="189781" cy="189781"/>
+              </a:xfrm>
+              <a:prstGeom prst="rect">
+                <a:avLst/>
+              </a:prstGeom>
+              <a:grpFill/>
+              <a:ln>
+                <a:solidFill>
+                  <a:schemeClr val="tx1"/>
+                </a:solidFill>
+              </a:ln>
+            </p:spPr>
+            <p:style>
+              <a:lnRef idx="2">
+                <a:schemeClr val="accent1">
+                  <a:shade val="50000"/>
+                </a:schemeClr>
+              </a:lnRef>
+              <a:fillRef idx="1">
+                <a:schemeClr val="accent1"/>
+              </a:fillRef>
+              <a:effectRef idx="0">
+                <a:schemeClr val="accent1"/>
+              </a:effectRef>
+              <a:fontRef idx="minor">
+                <a:schemeClr val="lt1"/>
+              </a:fontRef>
+            </p:style>
+            <p:txBody>
+              <a:bodyPr rtlCol="0" anchor="ctr"/>
+              <a:lstStyle/>
+              <a:p>
+                <a:pPr algn="ctr"/>
+                <a:endParaRPr lang="en-US"/>
+              </a:p>
+            </p:txBody>
+          </p:sp>
+          <p:sp>
+            <p:nvSpPr>
+              <p:cNvPr id="299" name="TextBox 298"/>
+              <p:cNvSpPr txBox="1"/>
+              <p:nvPr/>
+            </p:nvSpPr>
+            <p:spPr>
+              <a:xfrm>
+                <a:off x="828134" y="4675868"/>
+                <a:ext cx="775533" cy="307777"/>
+              </a:xfrm>
+              <a:prstGeom prst="rect">
+                <a:avLst/>
+              </a:prstGeom>
+              <a:noFill/>
+            </p:spPr>
+            <p:txBody>
+              <a:bodyPr wrap="none" rtlCol="0">
+                <a:spAutoFit/>
+              </a:bodyPr>
+              <a:lstStyle/>
+              <a:p>
+                <a:r>
+                  <a:rPr lang="en-US" sz="1400" dirty="0" smtClean="0"/>
+                  <a:t>Register</a:t>
+                </a:r>
+                <a:endParaRPr lang="en-US" sz="1400" dirty="0"/>
+              </a:p>
+            </p:txBody>
+          </p:sp>
+        </p:grpSp>
+        <p:grpSp>
+          <p:nvGrpSpPr>
+            <p:cNvPr id="295" name="Group 294"/>
+            <p:cNvGrpSpPr/>
+            <p:nvPr/>
+          </p:nvGrpSpPr>
+          <p:grpSpPr>
+            <a:xfrm>
+              <a:off x="261651" y="6347941"/>
+              <a:ext cx="1132090" cy="307777"/>
+              <a:chOff x="638353" y="4675868"/>
+              <a:chExt cx="1132090" cy="307777"/>
+            </a:xfrm>
+            <a:solidFill>
+              <a:srgbClr val="FFC000"/>
+            </a:solidFill>
+          </p:grpSpPr>
+          <p:sp>
+            <p:nvSpPr>
+              <p:cNvPr id="296" name="Rectangle 295"/>
+              <p:cNvSpPr/>
+              <p:nvPr/>
+            </p:nvSpPr>
+            <p:spPr>
+              <a:xfrm>
+                <a:off x="638353" y="4734867"/>
+                <a:ext cx="189781" cy="189781"/>
+              </a:xfrm>
+              <a:prstGeom prst="rect">
+                <a:avLst/>
+              </a:prstGeom>
+              <a:solidFill>
+                <a:srgbClr val="C00000"/>
+              </a:solidFill>
+              <a:ln>
+                <a:solidFill>
+                  <a:schemeClr val="tx1"/>
+                </a:solidFill>
+              </a:ln>
+            </p:spPr>
+            <p:style>
+              <a:lnRef idx="2">
+                <a:schemeClr val="accent1">
+                  <a:shade val="50000"/>
+                </a:schemeClr>
+              </a:lnRef>
+              <a:fillRef idx="1">
+                <a:schemeClr val="accent1"/>
+              </a:fillRef>
+              <a:effectRef idx="0">
+                <a:schemeClr val="accent1"/>
+              </a:effectRef>
+              <a:fontRef idx="minor">
+                <a:schemeClr val="lt1"/>
+              </a:fontRef>
+            </p:style>
+            <p:txBody>
+              <a:bodyPr rtlCol="0" anchor="ctr"/>
+              <a:lstStyle/>
+              <a:p>
+                <a:pPr algn="ctr"/>
+                <a:endParaRPr lang="en-US"/>
+              </a:p>
+            </p:txBody>
+          </p:sp>
+          <p:sp>
+            <p:nvSpPr>
+              <p:cNvPr id="297" name="TextBox 296"/>
+              <p:cNvSpPr txBox="1"/>
+              <p:nvPr/>
+            </p:nvSpPr>
+            <p:spPr>
+              <a:xfrm>
+                <a:off x="828134" y="4675868"/>
+                <a:ext cx="942309" cy="307777"/>
+              </a:xfrm>
+              <a:prstGeom prst="rect">
+                <a:avLst/>
+              </a:prstGeom>
+              <a:noFill/>
+            </p:spPr>
+            <p:txBody>
+              <a:bodyPr wrap="none" rtlCol="0">
+                <a:spAutoFit/>
+              </a:bodyPr>
+              <a:lstStyle/>
+              <a:p>
+                <a:r>
+                  <a:rPr lang="en-US" sz="1400" dirty="0" smtClean="0"/>
+                  <a:t>Static. </a:t>
+                </a:r>
+                <a:r>
+                  <a:rPr lang="en-US" sz="1400" dirty="0" err="1" smtClean="0"/>
+                  <a:t>Reg</a:t>
+                </a:r>
+                <a:endParaRPr lang="en-US" sz="1400" dirty="0"/>
+              </a:p>
+            </p:txBody>
+          </p:sp>
+        </p:grpSp>
+      </p:grpSp>
+      <p:sp>
+        <p:nvSpPr>
+          <p:cNvPr id="314" name="TextBox 313"/>
+          <p:cNvSpPr txBox="1"/>
+          <p:nvPr/>
+        </p:nvSpPr>
+        <p:spPr>
+          <a:xfrm>
+            <a:off x="152247" y="4933604"/>
+            <a:ext cx="942887" cy="253916"/>
+          </a:xfrm>
+          <a:prstGeom prst="rect">
+            <a:avLst/>
+          </a:prstGeom>
+          <a:noFill/>
+          <a:ln w="38100">
+            <a:solidFill>
+              <a:srgbClr val="385723"/>
+            </a:solidFill>
+          </a:ln>
+        </p:spPr>
+        <p:txBody>
+          <a:bodyPr wrap="none" rtlCol="0">
+            <a:spAutoFit/>
+          </a:bodyPr>
+          <a:lstStyle/>
+          <a:p>
+            <a:r>
+              <a:rPr lang="en-US" sz="1000" dirty="0" smtClean="0"/>
+              <a:t>Control Signal</a:t>
+            </a:r>
+            <a:endParaRPr lang="en-US" sz="1000" dirty="0"/>
+          </a:p>
+        </p:txBody>
+      </p:sp>
+      <p:cxnSp>
+        <p:nvCxnSpPr>
+          <p:cNvPr id="315" name="Straight Connector 314"/>
+          <p:cNvCxnSpPr>
+            <a:stCxn id="314" idx="2"/>
+            <a:endCxn id="289" idx="0"/>
+          </p:cNvCxnSpPr>
+          <p:nvPr/>
+        </p:nvCxnSpPr>
+        <p:spPr>
+          <a:xfrm>
+            <a:off x="623691" y="5187520"/>
+            <a:ext cx="170134" cy="159523"/>
+          </a:xfrm>
+          <a:prstGeom prst="line">
+            <a:avLst/>
+          </a:prstGeom>
+          <a:ln w="28575">
+            <a:solidFill>
+              <a:srgbClr val="385723"/>
+            </a:solidFill>
+          </a:ln>
+        </p:spPr>
+        <p:style>
+          <a:lnRef idx="1">
+            <a:schemeClr val="accent1"/>
+          </a:lnRef>
+          <a:fillRef idx="0">
+            <a:schemeClr val="accent1"/>
+          </a:fillRef>
+          <a:effectRef idx="0">
+            <a:schemeClr val="accent1"/>
+          </a:effectRef>
+          <a:fontRef idx="minor">
+            <a:schemeClr val="tx1"/>
+          </a:fontRef>
+        </p:style>
+      </p:cxnSp>
+      <p:grpSp>
+        <p:nvGrpSpPr>
+          <p:cNvPr id="316" name="Group 315"/>
+          <p:cNvGrpSpPr/>
+          <p:nvPr/>
+        </p:nvGrpSpPr>
+        <p:grpSpPr>
+          <a:xfrm>
+            <a:off x="112931" y="2910836"/>
+            <a:ext cx="334398" cy="860529"/>
+            <a:chOff x="2489579" y="5069820"/>
+            <a:chExt cx="334398" cy="860529"/>
+          </a:xfrm>
+        </p:grpSpPr>
+        <p:sp>
+          <p:nvSpPr>
+            <p:cNvPr id="317" name="Rounded Rectangle 316"/>
+            <p:cNvSpPr/>
+            <p:nvPr/>
+          </p:nvSpPr>
+          <p:spPr>
+            <a:xfrm rot="16200000">
+              <a:off x="2345130" y="5383917"/>
+              <a:ext cx="700967" cy="256727"/>
+            </a:xfrm>
+            <a:prstGeom prst="roundRect">
+              <a:avLst/>
+            </a:prstGeom>
+          </p:spPr>
+          <p:style>
+            <a:lnRef idx="2">
+              <a:schemeClr val="accent1">
+                <a:shade val="50000"/>
+              </a:schemeClr>
+            </a:lnRef>
+            <a:fillRef idx="1">
+              <a:schemeClr val="accent1"/>
+            </a:fillRef>
+            <a:effectRef idx="0">
+              <a:schemeClr val="accent1"/>
+            </a:effectRef>
+            <a:fontRef idx="minor">
+              <a:schemeClr val="lt1"/>
+            </a:fontRef>
+          </p:style>
+          <p:txBody>
+            <a:bodyPr rtlCol="0" anchor="ctr"/>
+            <a:lstStyle/>
+            <a:p>
+              <a:pPr algn="ctr"/>
+              <a:r>
+                <a:rPr lang="en-US" sz="1100" dirty="0" smtClean="0"/>
+                <a:t>Mux</a:t>
+              </a:r>
+              <a:endParaRPr lang="en-US" dirty="0"/>
+            </a:p>
+          </p:txBody>
+        </p:sp>
+        <p:sp>
+          <p:nvSpPr>
+            <p:cNvPr id="318" name="TextBox 317"/>
+            <p:cNvSpPr txBox="1"/>
+            <p:nvPr/>
+          </p:nvSpPr>
+          <p:spPr>
+            <a:xfrm>
+              <a:off x="2503489" y="5069820"/>
+              <a:ext cx="316112" cy="246221"/>
+            </a:xfrm>
+            <a:prstGeom prst="rect">
+              <a:avLst/>
+            </a:prstGeom>
+            <a:noFill/>
+          </p:spPr>
+          <p:txBody>
+            <a:bodyPr wrap="none" rtlCol="0">
+              <a:spAutoFit/>
+            </a:bodyPr>
+            <a:lstStyle/>
+            <a:p>
+              <a:r>
+                <a:rPr lang="en-US" sz="1000" dirty="0" smtClean="0"/>
+                <a:t>00</a:t>
+              </a:r>
+              <a:endParaRPr lang="en-US" sz="1000" dirty="0"/>
+            </a:p>
+          </p:txBody>
+        </p:sp>
+        <p:sp>
+          <p:nvSpPr>
+            <p:cNvPr id="320" name="TextBox 319"/>
+            <p:cNvSpPr txBox="1"/>
+            <p:nvPr/>
+          </p:nvSpPr>
+          <p:spPr>
+            <a:xfrm>
+              <a:off x="2503489" y="5209258"/>
+              <a:ext cx="316112" cy="246221"/>
+            </a:xfrm>
+            <a:prstGeom prst="rect">
+              <a:avLst/>
+            </a:prstGeom>
+            <a:noFill/>
+          </p:spPr>
+          <p:txBody>
+            <a:bodyPr wrap="none" rtlCol="0">
+              <a:spAutoFit/>
+            </a:bodyPr>
+            <a:lstStyle/>
+            <a:p>
+              <a:r>
+                <a:rPr lang="en-US" sz="1000" dirty="0" smtClean="0"/>
+                <a:t>01</a:t>
+              </a:r>
+              <a:endParaRPr lang="en-US" sz="1000" dirty="0"/>
+            </a:p>
+          </p:txBody>
+        </p:sp>
+        <p:sp>
+          <p:nvSpPr>
+            <p:cNvPr id="321" name="TextBox 320"/>
+            <p:cNvSpPr txBox="1"/>
+            <p:nvPr/>
+          </p:nvSpPr>
+          <p:spPr>
+            <a:xfrm>
+              <a:off x="2489579" y="5551111"/>
+              <a:ext cx="316112" cy="246221"/>
+            </a:xfrm>
+            <a:prstGeom prst="rect">
+              <a:avLst/>
+            </a:prstGeom>
+            <a:noFill/>
+          </p:spPr>
+          <p:txBody>
+            <a:bodyPr wrap="none" rtlCol="0">
+              <a:spAutoFit/>
+            </a:bodyPr>
+            <a:lstStyle/>
+            <a:p>
+              <a:r>
+                <a:rPr lang="en-US" sz="1000" dirty="0"/>
+                <a:t>1</a:t>
+              </a:r>
+              <a:r>
+                <a:rPr lang="en-US" sz="1000" dirty="0" smtClean="0"/>
+                <a:t>0</a:t>
+              </a:r>
+              <a:endParaRPr lang="en-US" sz="1000" dirty="0"/>
+            </a:p>
+          </p:txBody>
+        </p:sp>
+        <p:sp>
+          <p:nvSpPr>
+            <p:cNvPr id="322" name="TextBox 321"/>
+            <p:cNvSpPr txBox="1"/>
+            <p:nvPr/>
+          </p:nvSpPr>
+          <p:spPr>
+            <a:xfrm>
+              <a:off x="2493833" y="5684128"/>
+              <a:ext cx="316112" cy="246221"/>
+            </a:xfrm>
+            <a:prstGeom prst="rect">
+              <a:avLst/>
+            </a:prstGeom>
+            <a:noFill/>
+          </p:spPr>
+          <p:txBody>
+            <a:bodyPr wrap="none" rtlCol="0">
+              <a:spAutoFit/>
+            </a:bodyPr>
+            <a:lstStyle/>
+            <a:p>
+              <a:r>
+                <a:rPr lang="en-US" sz="1000" dirty="0" smtClean="0"/>
+                <a:t>11</a:t>
+              </a:r>
+              <a:endParaRPr lang="en-US" sz="1000" dirty="0"/>
+            </a:p>
+          </p:txBody>
+        </p:sp>
+      </p:grpSp>
     </p:spTree>
     <p:extLst>
       <p:ext uri="{BB962C8B-B14F-4D97-AF65-F5344CB8AC3E}">
@@ -10638,6 +10984,7687 @@
       </p:grpSpPr>
       <p:sp>
         <p:nvSpPr>
+          <p:cNvPr id="87" name="TextBox 86"/>
+          <p:cNvSpPr txBox="1"/>
+          <p:nvPr/>
+        </p:nvSpPr>
+        <p:spPr>
+          <a:xfrm>
+            <a:off x="603450" y="296279"/>
+            <a:ext cx="1222487" cy="954107"/>
+          </a:xfrm>
+          <a:prstGeom prst="rect">
+            <a:avLst/>
+          </a:prstGeom>
+          <a:noFill/>
+          <a:ln w="76200">
+            <a:solidFill>
+              <a:schemeClr val="tx1"/>
+            </a:solidFill>
+          </a:ln>
+        </p:spPr>
+        <p:txBody>
+          <a:bodyPr wrap="square" rtlCol="0">
+            <a:spAutoFit/>
+          </a:bodyPr>
+          <a:lstStyle/>
+          <a:p>
+            <a:r>
+              <a:rPr lang="en-US" sz="1400" dirty="0" smtClean="0"/>
+              <a:t>TODO</a:t>
+            </a:r>
+          </a:p>
+          <a:p>
+            <a:r>
+              <a:rPr lang="en-US" sz="1400" dirty="0" smtClean="0"/>
+              <a:t>Implement </a:t>
+            </a:r>
+            <a:r>
+              <a:rPr lang="en-US" sz="1400" dirty="0" err="1" smtClean="0"/>
+              <a:t>func</a:t>
+            </a:r>
+            <a:r>
+              <a:rPr lang="en-US" sz="1400" dirty="0" smtClean="0"/>
+              <a:t> code moved to end</a:t>
+            </a:r>
+            <a:endParaRPr lang="en-US" sz="1400" dirty="0"/>
+          </a:p>
+        </p:txBody>
+      </p:sp>
+      <p:grpSp>
+        <p:nvGrpSpPr>
+          <p:cNvPr id="111" name="Group 110"/>
+          <p:cNvGrpSpPr/>
+          <p:nvPr/>
+        </p:nvGrpSpPr>
+        <p:grpSpPr>
+          <a:xfrm>
+            <a:off x="207033" y="5347043"/>
+            <a:ext cx="1173584" cy="1278181"/>
+            <a:chOff x="138021" y="5317673"/>
+            <a:chExt cx="1300160" cy="1416039"/>
+          </a:xfrm>
+        </p:grpSpPr>
+        <p:sp>
+          <p:nvSpPr>
+            <p:cNvPr id="112" name="Rectangle 111"/>
+            <p:cNvSpPr/>
+            <p:nvPr/>
+          </p:nvSpPr>
+          <p:spPr>
+            <a:xfrm>
+              <a:off x="138021" y="5317673"/>
+              <a:ext cx="1300160" cy="1416039"/>
+            </a:xfrm>
+            <a:prstGeom prst="rect">
+              <a:avLst/>
+            </a:prstGeom>
+            <a:noFill/>
+            <a:ln>
+              <a:solidFill>
+                <a:schemeClr val="tx1"/>
+              </a:solidFill>
+            </a:ln>
+          </p:spPr>
+          <p:style>
+            <a:lnRef idx="2">
+              <a:schemeClr val="accent1">
+                <a:shade val="50000"/>
+              </a:schemeClr>
+            </a:lnRef>
+            <a:fillRef idx="1">
+              <a:schemeClr val="accent1"/>
+            </a:fillRef>
+            <a:effectRef idx="0">
+              <a:schemeClr val="accent1"/>
+            </a:effectRef>
+            <a:fontRef idx="minor">
+              <a:schemeClr val="lt1"/>
+            </a:fontRef>
+          </p:style>
+          <p:txBody>
+            <a:bodyPr rtlCol="0" anchor="ctr"/>
+            <a:lstStyle/>
+            <a:p>
+              <a:pPr algn="ctr"/>
+              <a:endParaRPr lang="en-US"/>
+            </a:p>
+          </p:txBody>
+        </p:sp>
+        <p:grpSp>
+          <p:nvGrpSpPr>
+            <p:cNvPr id="113" name="Group 112"/>
+            <p:cNvGrpSpPr/>
+            <p:nvPr/>
+          </p:nvGrpSpPr>
+          <p:grpSpPr>
+            <a:xfrm>
+              <a:off x="232911" y="5421541"/>
+              <a:ext cx="1108879" cy="307777"/>
+              <a:chOff x="638353" y="4675868"/>
+              <a:chExt cx="1108879" cy="307777"/>
+            </a:xfrm>
+          </p:grpSpPr>
+          <p:sp>
+            <p:nvSpPr>
+              <p:cNvPr id="123" name="Rectangle 122"/>
+              <p:cNvSpPr/>
+              <p:nvPr/>
+            </p:nvSpPr>
+            <p:spPr>
+              <a:xfrm>
+                <a:off x="638353" y="4734867"/>
+                <a:ext cx="189781" cy="189781"/>
+              </a:xfrm>
+              <a:prstGeom prst="rect">
+                <a:avLst/>
+              </a:prstGeom>
+              <a:solidFill>
+                <a:srgbClr val="385723"/>
+              </a:solidFill>
+              <a:ln>
+                <a:solidFill>
+                  <a:schemeClr val="tx1"/>
+                </a:solidFill>
+              </a:ln>
+            </p:spPr>
+            <p:style>
+              <a:lnRef idx="2">
+                <a:schemeClr val="accent1">
+                  <a:shade val="50000"/>
+                </a:schemeClr>
+              </a:lnRef>
+              <a:fillRef idx="1">
+                <a:schemeClr val="accent1"/>
+              </a:fillRef>
+              <a:effectRef idx="0">
+                <a:schemeClr val="accent1"/>
+              </a:effectRef>
+              <a:fontRef idx="minor">
+                <a:schemeClr val="lt1"/>
+              </a:fontRef>
+            </p:style>
+            <p:txBody>
+              <a:bodyPr rtlCol="0" anchor="ctr"/>
+              <a:lstStyle/>
+              <a:p>
+                <a:pPr algn="ctr"/>
+                <a:endParaRPr lang="en-US"/>
+              </a:p>
+            </p:txBody>
+          </p:sp>
+          <p:sp>
+            <p:nvSpPr>
+              <p:cNvPr id="124" name="TextBox 123"/>
+              <p:cNvSpPr txBox="1"/>
+              <p:nvPr/>
+            </p:nvSpPr>
+            <p:spPr>
+              <a:xfrm>
+                <a:off x="828134" y="4675868"/>
+                <a:ext cx="919098" cy="307777"/>
+              </a:xfrm>
+              <a:prstGeom prst="rect">
+                <a:avLst/>
+              </a:prstGeom>
+              <a:noFill/>
+            </p:spPr>
+            <p:txBody>
+              <a:bodyPr wrap="none" rtlCol="0">
+                <a:spAutoFit/>
+              </a:bodyPr>
+              <a:lstStyle/>
+              <a:p>
+                <a:r>
+                  <a:rPr lang="en-US" sz="1400" dirty="0" smtClean="0"/>
+                  <a:t>Controller</a:t>
+                </a:r>
+                <a:endParaRPr lang="en-US" sz="1400" dirty="0"/>
+              </a:p>
+            </p:txBody>
+          </p:sp>
+        </p:grpSp>
+        <p:grpSp>
+          <p:nvGrpSpPr>
+            <p:cNvPr id="114" name="Group 113"/>
+            <p:cNvGrpSpPr/>
+            <p:nvPr/>
+          </p:nvGrpSpPr>
+          <p:grpSpPr>
+            <a:xfrm>
+              <a:off x="241717" y="5735129"/>
+              <a:ext cx="1113432" cy="307777"/>
+              <a:chOff x="638353" y="4675868"/>
+              <a:chExt cx="1113432" cy="307777"/>
+            </a:xfrm>
+          </p:grpSpPr>
+          <p:sp>
+            <p:nvSpPr>
+              <p:cNvPr id="121" name="Rectangle 120"/>
+              <p:cNvSpPr/>
+              <p:nvPr/>
+            </p:nvSpPr>
+            <p:spPr>
+              <a:xfrm>
+                <a:off x="638353" y="4734867"/>
+                <a:ext cx="189781" cy="189781"/>
+              </a:xfrm>
+              <a:prstGeom prst="rect">
+                <a:avLst/>
+              </a:prstGeom>
+              <a:solidFill>
+                <a:srgbClr val="5B9BD5"/>
+              </a:solidFill>
+              <a:ln>
+                <a:solidFill>
+                  <a:schemeClr val="tx1"/>
+                </a:solidFill>
+              </a:ln>
+            </p:spPr>
+            <p:style>
+              <a:lnRef idx="2">
+                <a:schemeClr val="accent1">
+                  <a:shade val="50000"/>
+                </a:schemeClr>
+              </a:lnRef>
+              <a:fillRef idx="1">
+                <a:schemeClr val="accent1"/>
+              </a:fillRef>
+              <a:effectRef idx="0">
+                <a:schemeClr val="accent1"/>
+              </a:effectRef>
+              <a:fontRef idx="minor">
+                <a:schemeClr val="lt1"/>
+              </a:fontRef>
+            </p:style>
+            <p:txBody>
+              <a:bodyPr rtlCol="0" anchor="ctr"/>
+              <a:lstStyle/>
+              <a:p>
+                <a:pPr algn="ctr"/>
+                <a:endParaRPr lang="en-US"/>
+              </a:p>
+            </p:txBody>
+          </p:sp>
+          <p:sp>
+            <p:nvSpPr>
+              <p:cNvPr id="122" name="TextBox 121"/>
+              <p:cNvSpPr txBox="1"/>
+              <p:nvPr/>
+            </p:nvSpPr>
+            <p:spPr>
+              <a:xfrm>
+                <a:off x="828134" y="4675868"/>
+                <a:ext cx="923651" cy="307777"/>
+              </a:xfrm>
+              <a:prstGeom prst="rect">
+                <a:avLst/>
+              </a:prstGeom>
+              <a:noFill/>
+            </p:spPr>
+            <p:txBody>
+              <a:bodyPr wrap="none" rtlCol="0">
+                <a:spAutoFit/>
+              </a:bodyPr>
+              <a:lstStyle/>
+              <a:p>
+                <a:r>
+                  <a:rPr lang="en-US" sz="1400" dirty="0" smtClean="0"/>
+                  <a:t>Misc. Unit</a:t>
+                </a:r>
+                <a:endParaRPr lang="en-US" sz="1400" dirty="0"/>
+              </a:p>
+            </p:txBody>
+          </p:sp>
+        </p:grpSp>
+        <p:grpSp>
+          <p:nvGrpSpPr>
+            <p:cNvPr id="115" name="Group 114"/>
+            <p:cNvGrpSpPr/>
+            <p:nvPr/>
+          </p:nvGrpSpPr>
+          <p:grpSpPr>
+            <a:xfrm>
+              <a:off x="251888" y="6045241"/>
+              <a:ext cx="965314" cy="307777"/>
+              <a:chOff x="638353" y="4675868"/>
+              <a:chExt cx="965314" cy="307777"/>
+            </a:xfrm>
+            <a:solidFill>
+              <a:srgbClr val="FFC000"/>
+            </a:solidFill>
+          </p:grpSpPr>
+          <p:sp>
+            <p:nvSpPr>
+              <p:cNvPr id="119" name="Rectangle 118"/>
+              <p:cNvSpPr/>
+              <p:nvPr/>
+            </p:nvSpPr>
+            <p:spPr>
+              <a:xfrm>
+                <a:off x="638353" y="4734867"/>
+                <a:ext cx="189781" cy="189781"/>
+              </a:xfrm>
+              <a:prstGeom prst="rect">
+                <a:avLst/>
+              </a:prstGeom>
+              <a:grpFill/>
+              <a:ln>
+                <a:solidFill>
+                  <a:schemeClr val="tx1"/>
+                </a:solidFill>
+              </a:ln>
+            </p:spPr>
+            <p:style>
+              <a:lnRef idx="2">
+                <a:schemeClr val="accent1">
+                  <a:shade val="50000"/>
+                </a:schemeClr>
+              </a:lnRef>
+              <a:fillRef idx="1">
+                <a:schemeClr val="accent1"/>
+              </a:fillRef>
+              <a:effectRef idx="0">
+                <a:schemeClr val="accent1"/>
+              </a:effectRef>
+              <a:fontRef idx="minor">
+                <a:schemeClr val="lt1"/>
+              </a:fontRef>
+            </p:style>
+            <p:txBody>
+              <a:bodyPr rtlCol="0" anchor="ctr"/>
+              <a:lstStyle/>
+              <a:p>
+                <a:pPr algn="ctr"/>
+                <a:endParaRPr lang="en-US"/>
+              </a:p>
+            </p:txBody>
+          </p:sp>
+          <p:sp>
+            <p:nvSpPr>
+              <p:cNvPr id="120" name="TextBox 119"/>
+              <p:cNvSpPr txBox="1"/>
+              <p:nvPr/>
+            </p:nvSpPr>
+            <p:spPr>
+              <a:xfrm>
+                <a:off x="828134" y="4675868"/>
+                <a:ext cx="775533" cy="307777"/>
+              </a:xfrm>
+              <a:prstGeom prst="rect">
+                <a:avLst/>
+              </a:prstGeom>
+              <a:noFill/>
+            </p:spPr>
+            <p:txBody>
+              <a:bodyPr wrap="none" rtlCol="0">
+                <a:spAutoFit/>
+              </a:bodyPr>
+              <a:lstStyle/>
+              <a:p>
+                <a:r>
+                  <a:rPr lang="en-US" sz="1400" dirty="0" smtClean="0"/>
+                  <a:t>Register</a:t>
+                </a:r>
+                <a:endParaRPr lang="en-US" sz="1400" dirty="0"/>
+              </a:p>
+            </p:txBody>
+          </p:sp>
+        </p:grpSp>
+        <p:grpSp>
+          <p:nvGrpSpPr>
+            <p:cNvPr id="116" name="Group 115"/>
+            <p:cNvGrpSpPr/>
+            <p:nvPr/>
+          </p:nvGrpSpPr>
+          <p:grpSpPr>
+            <a:xfrm>
+              <a:off x="261651" y="6347941"/>
+              <a:ext cx="1132090" cy="307777"/>
+              <a:chOff x="638353" y="4675868"/>
+              <a:chExt cx="1132090" cy="307777"/>
+            </a:xfrm>
+            <a:solidFill>
+              <a:srgbClr val="FFC000"/>
+            </a:solidFill>
+          </p:grpSpPr>
+          <p:sp>
+            <p:nvSpPr>
+              <p:cNvPr id="117" name="Rectangle 116"/>
+              <p:cNvSpPr/>
+              <p:nvPr/>
+            </p:nvSpPr>
+            <p:spPr>
+              <a:xfrm>
+                <a:off x="638353" y="4734867"/>
+                <a:ext cx="189781" cy="189781"/>
+              </a:xfrm>
+              <a:prstGeom prst="rect">
+                <a:avLst/>
+              </a:prstGeom>
+              <a:solidFill>
+                <a:srgbClr val="C00000"/>
+              </a:solidFill>
+              <a:ln>
+                <a:solidFill>
+                  <a:schemeClr val="tx1"/>
+                </a:solidFill>
+              </a:ln>
+            </p:spPr>
+            <p:style>
+              <a:lnRef idx="2">
+                <a:schemeClr val="accent1">
+                  <a:shade val="50000"/>
+                </a:schemeClr>
+              </a:lnRef>
+              <a:fillRef idx="1">
+                <a:schemeClr val="accent1"/>
+              </a:fillRef>
+              <a:effectRef idx="0">
+                <a:schemeClr val="accent1"/>
+              </a:effectRef>
+              <a:fontRef idx="minor">
+                <a:schemeClr val="lt1"/>
+              </a:fontRef>
+            </p:style>
+            <p:txBody>
+              <a:bodyPr rtlCol="0" anchor="ctr"/>
+              <a:lstStyle/>
+              <a:p>
+                <a:pPr algn="ctr"/>
+                <a:endParaRPr lang="en-US"/>
+              </a:p>
+            </p:txBody>
+          </p:sp>
+          <p:sp>
+            <p:nvSpPr>
+              <p:cNvPr id="118" name="TextBox 117"/>
+              <p:cNvSpPr txBox="1"/>
+              <p:nvPr/>
+            </p:nvSpPr>
+            <p:spPr>
+              <a:xfrm>
+                <a:off x="828134" y="4675868"/>
+                <a:ext cx="942309" cy="307777"/>
+              </a:xfrm>
+              <a:prstGeom prst="rect">
+                <a:avLst/>
+              </a:prstGeom>
+              <a:noFill/>
+            </p:spPr>
+            <p:txBody>
+              <a:bodyPr wrap="none" rtlCol="0">
+                <a:spAutoFit/>
+              </a:bodyPr>
+              <a:lstStyle/>
+              <a:p>
+                <a:r>
+                  <a:rPr lang="en-US" sz="1400" dirty="0" smtClean="0"/>
+                  <a:t>Static. </a:t>
+                </a:r>
+                <a:r>
+                  <a:rPr lang="en-US" sz="1400" dirty="0" err="1" smtClean="0"/>
+                  <a:t>Reg</a:t>
+                </a:r>
+                <a:endParaRPr lang="en-US" sz="1400" dirty="0"/>
+              </a:p>
+            </p:txBody>
+          </p:sp>
+        </p:grpSp>
+      </p:grpSp>
+      <p:sp>
+        <p:nvSpPr>
+          <p:cNvPr id="125" name="TextBox 124"/>
+          <p:cNvSpPr txBox="1"/>
+          <p:nvPr/>
+        </p:nvSpPr>
+        <p:spPr>
+          <a:xfrm>
+            <a:off x="152247" y="4933604"/>
+            <a:ext cx="942887" cy="253916"/>
+          </a:xfrm>
+          <a:prstGeom prst="rect">
+            <a:avLst/>
+          </a:prstGeom>
+          <a:noFill/>
+          <a:ln w="38100">
+            <a:solidFill>
+              <a:srgbClr val="385723"/>
+            </a:solidFill>
+          </a:ln>
+        </p:spPr>
+        <p:txBody>
+          <a:bodyPr wrap="none" rtlCol="0">
+            <a:spAutoFit/>
+          </a:bodyPr>
+          <a:lstStyle/>
+          <a:p>
+            <a:r>
+              <a:rPr lang="en-US" sz="1000" dirty="0" smtClean="0"/>
+              <a:t>Control Signal</a:t>
+            </a:r>
+            <a:endParaRPr lang="en-US" sz="1000" dirty="0"/>
+          </a:p>
+        </p:txBody>
+      </p:sp>
+      <p:cxnSp>
+        <p:nvCxnSpPr>
+          <p:cNvPr id="126" name="Straight Connector 125"/>
+          <p:cNvCxnSpPr>
+            <a:stCxn id="125" idx="2"/>
+            <a:endCxn id="112" idx="0"/>
+          </p:cNvCxnSpPr>
+          <p:nvPr/>
+        </p:nvCxnSpPr>
+        <p:spPr>
+          <a:xfrm>
+            <a:off x="623691" y="5187520"/>
+            <a:ext cx="170134" cy="159523"/>
+          </a:xfrm>
+          <a:prstGeom prst="line">
+            <a:avLst/>
+          </a:prstGeom>
+          <a:ln w="28575">
+            <a:solidFill>
+              <a:srgbClr val="385723"/>
+            </a:solidFill>
+          </a:ln>
+        </p:spPr>
+        <p:style>
+          <a:lnRef idx="1">
+            <a:schemeClr val="accent1"/>
+          </a:lnRef>
+          <a:fillRef idx="0">
+            <a:schemeClr val="accent1"/>
+          </a:fillRef>
+          <a:effectRef idx="0">
+            <a:schemeClr val="accent1"/>
+          </a:effectRef>
+          <a:fontRef idx="minor">
+            <a:schemeClr val="tx1"/>
+          </a:fontRef>
+        </p:style>
+      </p:cxnSp>
+      <p:cxnSp>
+        <p:nvCxnSpPr>
+          <p:cNvPr id="89" name="Straight Connector 88"/>
+          <p:cNvCxnSpPr>
+            <a:stCxn id="53" idx="1"/>
+            <a:endCxn id="49" idx="2"/>
+          </p:cNvCxnSpPr>
+          <p:nvPr/>
+        </p:nvCxnSpPr>
+        <p:spPr>
+          <a:xfrm flipH="1">
+            <a:off x="8975276" y="264563"/>
+            <a:ext cx="555745" cy="607924"/>
+          </a:xfrm>
+          <a:prstGeom prst="line">
+            <a:avLst/>
+          </a:prstGeom>
+          <a:ln w="28575">
+            <a:solidFill>
+              <a:srgbClr val="385723"/>
+            </a:solidFill>
+          </a:ln>
+        </p:spPr>
+        <p:style>
+          <a:lnRef idx="1">
+            <a:schemeClr val="accent1"/>
+          </a:lnRef>
+          <a:fillRef idx="0">
+            <a:schemeClr val="accent1"/>
+          </a:fillRef>
+          <a:effectRef idx="0">
+            <a:schemeClr val="accent1"/>
+          </a:effectRef>
+          <a:fontRef idx="minor">
+            <a:schemeClr val="tx1"/>
+          </a:fontRef>
+        </p:style>
+      </p:cxnSp>
+      <p:cxnSp>
+        <p:nvCxnSpPr>
+          <p:cNvPr id="90" name="Straight Connector 89"/>
+          <p:cNvCxnSpPr>
+            <a:stCxn id="54" idx="1"/>
+            <a:endCxn id="8" idx="2"/>
+          </p:cNvCxnSpPr>
+          <p:nvPr/>
+        </p:nvCxnSpPr>
+        <p:spPr>
+          <a:xfrm flipH="1">
+            <a:off x="4493073" y="393387"/>
+            <a:ext cx="541008" cy="248066"/>
+          </a:xfrm>
+          <a:prstGeom prst="line">
+            <a:avLst/>
+          </a:prstGeom>
+          <a:ln w="28575">
+            <a:solidFill>
+              <a:srgbClr val="385723"/>
+            </a:solidFill>
+          </a:ln>
+        </p:spPr>
+        <p:style>
+          <a:lnRef idx="1">
+            <a:schemeClr val="accent1"/>
+          </a:lnRef>
+          <a:fillRef idx="0">
+            <a:schemeClr val="accent1"/>
+          </a:fillRef>
+          <a:effectRef idx="0">
+            <a:schemeClr val="accent1"/>
+          </a:effectRef>
+          <a:fontRef idx="minor">
+            <a:schemeClr val="tx1"/>
+          </a:fontRef>
+        </p:style>
+      </p:cxnSp>
+      <p:cxnSp>
+        <p:nvCxnSpPr>
+          <p:cNvPr id="4" name="Elbow Connector 3"/>
+          <p:cNvCxnSpPr>
+            <a:stCxn id="57" idx="3"/>
+            <a:endCxn id="68" idx="1"/>
+          </p:cNvCxnSpPr>
+          <p:nvPr/>
+        </p:nvCxnSpPr>
+        <p:spPr>
+          <a:xfrm>
+            <a:off x="6936451" y="3161041"/>
+            <a:ext cx="1008497" cy="3124277"/>
+          </a:xfrm>
+          <a:prstGeom prst="bentConnector3">
+            <a:avLst>
+              <a:gd name="adj1" fmla="val 50000"/>
+            </a:avLst>
+          </a:prstGeom>
+          <a:ln>
+            <a:solidFill>
+              <a:schemeClr val="tx1"/>
+            </a:solidFill>
+            <a:tailEnd type="triangle"/>
+          </a:ln>
+        </p:spPr>
+        <p:style>
+          <a:lnRef idx="1">
+            <a:schemeClr val="accent1"/>
+          </a:lnRef>
+          <a:fillRef idx="0">
+            <a:schemeClr val="accent1"/>
+          </a:fillRef>
+          <a:effectRef idx="0">
+            <a:schemeClr val="accent1"/>
+          </a:effectRef>
+          <a:fontRef idx="minor">
+            <a:schemeClr val="tx1"/>
+          </a:fontRef>
+        </p:style>
+      </p:cxnSp>
+      <p:grpSp>
+        <p:nvGrpSpPr>
+          <p:cNvPr id="5" name="Group 4"/>
+          <p:cNvGrpSpPr/>
+          <p:nvPr/>
+        </p:nvGrpSpPr>
+        <p:grpSpPr>
+          <a:xfrm>
+            <a:off x="4328179" y="123140"/>
+            <a:ext cx="394612" cy="1298657"/>
+            <a:chOff x="194423" y="4581193"/>
+            <a:chExt cx="284416" cy="936006"/>
+          </a:xfrm>
+        </p:grpSpPr>
+        <p:sp>
+          <p:nvSpPr>
+            <p:cNvPr id="6" name="Rounded Rectangle 5"/>
+            <p:cNvSpPr/>
+            <p:nvPr/>
+          </p:nvSpPr>
+          <p:spPr>
+            <a:xfrm rot="16200000">
+              <a:off x="-51654" y="4899604"/>
+              <a:ext cx="776570" cy="284416"/>
+            </a:xfrm>
+            <a:prstGeom prst="roundRect">
+              <a:avLst/>
+            </a:prstGeom>
+          </p:spPr>
+          <p:style>
+            <a:lnRef idx="2">
+              <a:schemeClr val="accent1">
+                <a:shade val="50000"/>
+              </a:schemeClr>
+            </a:lnRef>
+            <a:fillRef idx="1">
+              <a:schemeClr val="accent1"/>
+            </a:fillRef>
+            <a:effectRef idx="0">
+              <a:schemeClr val="accent1"/>
+            </a:effectRef>
+            <a:fontRef idx="minor">
+              <a:schemeClr val="lt1"/>
+            </a:fontRef>
+          </p:style>
+          <p:txBody>
+            <a:bodyPr rtlCol="0" anchor="ctr"/>
+            <a:lstStyle/>
+            <a:p>
+              <a:pPr algn="ctr"/>
+              <a:r>
+                <a:rPr lang="en-US" sz="1100" dirty="0" smtClean="0"/>
+                <a:t>Mux</a:t>
+              </a:r>
+              <a:endParaRPr lang="en-US" dirty="0"/>
+            </a:p>
+          </p:txBody>
+        </p:sp>
+        <p:sp>
+          <p:nvSpPr>
+            <p:cNvPr id="7" name="TextBox 6"/>
+            <p:cNvSpPr txBox="1"/>
+            <p:nvPr/>
+          </p:nvSpPr>
+          <p:spPr>
+            <a:xfrm>
+              <a:off x="230590" y="5143625"/>
+              <a:ext cx="211681" cy="373574"/>
+            </a:xfrm>
+            <a:prstGeom prst="rect">
+              <a:avLst/>
+            </a:prstGeom>
+            <a:noFill/>
+          </p:spPr>
+          <p:txBody>
+            <a:bodyPr wrap="none" rtlCol="0">
+              <a:spAutoFit/>
+            </a:bodyPr>
+            <a:lstStyle/>
+            <a:p>
+              <a:r>
+                <a:rPr lang="en-US" dirty="0" smtClean="0"/>
+                <a:t>1</a:t>
+              </a:r>
+              <a:endParaRPr lang="en-US" dirty="0"/>
+            </a:p>
+          </p:txBody>
+        </p:sp>
+        <p:sp>
+          <p:nvSpPr>
+            <p:cNvPr id="8" name="TextBox 7"/>
+            <p:cNvSpPr txBox="1"/>
+            <p:nvPr/>
+          </p:nvSpPr>
+          <p:spPr>
+            <a:xfrm>
+              <a:off x="207429" y="4581193"/>
+              <a:ext cx="211681" cy="373574"/>
+            </a:xfrm>
+            <a:prstGeom prst="rect">
+              <a:avLst/>
+            </a:prstGeom>
+            <a:noFill/>
+          </p:spPr>
+          <p:txBody>
+            <a:bodyPr wrap="none" rtlCol="0">
+              <a:spAutoFit/>
+            </a:bodyPr>
+            <a:lstStyle/>
+            <a:p>
+              <a:r>
+                <a:rPr lang="en-US" dirty="0"/>
+                <a:t>0</a:t>
+              </a:r>
+            </a:p>
+          </p:txBody>
+        </p:sp>
+      </p:grpSp>
+      <p:sp>
+        <p:nvSpPr>
+          <p:cNvPr id="11" name="Rectangle 10"/>
+          <p:cNvSpPr/>
+          <p:nvPr/>
+        </p:nvSpPr>
+        <p:spPr>
+          <a:xfrm>
+            <a:off x="3265662" y="2750758"/>
+            <a:ext cx="820567" cy="820563"/>
+          </a:xfrm>
+          <a:prstGeom prst="rect">
+            <a:avLst/>
+          </a:prstGeom>
+          <a:solidFill>
+            <a:srgbClr val="FFC000"/>
+          </a:solidFill>
+          <a:ln>
+            <a:solidFill>
+              <a:schemeClr val="tx1"/>
+            </a:solidFill>
+          </a:ln>
+        </p:spPr>
+        <p:style>
+          <a:lnRef idx="2">
+            <a:schemeClr val="accent1">
+              <a:shade val="50000"/>
+            </a:schemeClr>
+          </a:lnRef>
+          <a:fillRef idx="1">
+            <a:schemeClr val="accent1"/>
+          </a:fillRef>
+          <a:effectRef idx="0">
+            <a:schemeClr val="accent1"/>
+          </a:effectRef>
+          <a:fontRef idx="minor">
+            <a:schemeClr val="lt1"/>
+          </a:fontRef>
+        </p:style>
+        <p:txBody>
+          <a:bodyPr rtlCol="0" anchor="ctr"/>
+          <a:lstStyle/>
+          <a:p>
+            <a:pPr algn="ctr"/>
+            <a:r>
+              <a:rPr lang="en-US" sz="1400" dirty="0" smtClean="0">
+                <a:solidFill>
+                  <a:schemeClr val="tx1"/>
+                </a:solidFill>
+              </a:rPr>
+              <a:t>PC</a:t>
+            </a:r>
+            <a:endParaRPr lang="en-US" sz="1400" dirty="0">
+              <a:solidFill>
+                <a:schemeClr val="tx1"/>
+              </a:solidFill>
+            </a:endParaRPr>
+          </a:p>
+        </p:txBody>
+      </p:sp>
+      <p:cxnSp>
+        <p:nvCxnSpPr>
+          <p:cNvPr id="12" name="Elbow Connector 11"/>
+          <p:cNvCxnSpPr>
+            <a:stCxn id="11" idx="3"/>
+            <a:endCxn id="66" idx="1"/>
+          </p:cNvCxnSpPr>
+          <p:nvPr/>
+        </p:nvCxnSpPr>
+        <p:spPr>
+          <a:xfrm>
+            <a:off x="4086229" y="3161040"/>
+            <a:ext cx="926871" cy="455205"/>
+          </a:xfrm>
+          <a:prstGeom prst="bentConnector3">
+            <a:avLst>
+              <a:gd name="adj1" fmla="val 50000"/>
+            </a:avLst>
+          </a:prstGeom>
+          <a:ln>
+            <a:solidFill>
+              <a:schemeClr val="tx1"/>
+            </a:solidFill>
+            <a:tailEnd type="triangle"/>
+          </a:ln>
+        </p:spPr>
+        <p:style>
+          <a:lnRef idx="1">
+            <a:schemeClr val="accent1"/>
+          </a:lnRef>
+          <a:fillRef idx="0">
+            <a:schemeClr val="accent1"/>
+          </a:fillRef>
+          <a:effectRef idx="0">
+            <a:schemeClr val="accent1"/>
+          </a:effectRef>
+          <a:fontRef idx="minor">
+            <a:schemeClr val="tx1"/>
+          </a:fontRef>
+        </p:style>
+      </p:cxnSp>
+      <p:sp>
+        <p:nvSpPr>
+          <p:cNvPr id="13" name="Rectangle 12"/>
+          <p:cNvSpPr/>
+          <p:nvPr/>
+        </p:nvSpPr>
+        <p:spPr>
+          <a:xfrm>
+            <a:off x="8828430" y="3689363"/>
+            <a:ext cx="788598" cy="788596"/>
+          </a:xfrm>
+          <a:prstGeom prst="rect">
+            <a:avLst/>
+          </a:prstGeom>
+          <a:solidFill>
+            <a:srgbClr val="FFC000"/>
+          </a:solidFill>
+          <a:ln>
+            <a:solidFill>
+              <a:schemeClr val="tx1"/>
+            </a:solidFill>
+          </a:ln>
+        </p:spPr>
+        <p:style>
+          <a:lnRef idx="2">
+            <a:schemeClr val="accent1">
+              <a:shade val="50000"/>
+            </a:schemeClr>
+          </a:lnRef>
+          <a:fillRef idx="1">
+            <a:schemeClr val="accent1"/>
+          </a:fillRef>
+          <a:effectRef idx="0">
+            <a:schemeClr val="accent1"/>
+          </a:effectRef>
+          <a:fontRef idx="minor">
+            <a:schemeClr val="lt1"/>
+          </a:fontRef>
+        </p:style>
+        <p:txBody>
+          <a:bodyPr rtlCol="0" anchor="ctr"/>
+          <a:lstStyle/>
+          <a:p>
+            <a:pPr algn="ctr"/>
+            <a:r>
+              <a:rPr lang="en-US" sz="1400" dirty="0" smtClean="0">
+                <a:solidFill>
+                  <a:schemeClr val="tx1"/>
+                </a:solidFill>
+              </a:rPr>
+              <a:t>IR</a:t>
+            </a:r>
+            <a:endParaRPr lang="en-US" sz="1400" dirty="0">
+              <a:solidFill>
+                <a:schemeClr val="tx1"/>
+              </a:solidFill>
+            </a:endParaRPr>
+          </a:p>
+        </p:txBody>
+      </p:sp>
+      <p:sp>
+        <p:nvSpPr>
+          <p:cNvPr id="34" name="Rectangle 33"/>
+          <p:cNvSpPr/>
+          <p:nvPr/>
+        </p:nvSpPr>
+        <p:spPr>
+          <a:xfrm>
+            <a:off x="5538424" y="1030524"/>
+            <a:ext cx="1058860" cy="1058860"/>
+          </a:xfrm>
+          <a:prstGeom prst="rect">
+            <a:avLst/>
+          </a:prstGeom>
+        </p:spPr>
+        <p:style>
+          <a:lnRef idx="2">
+            <a:schemeClr val="accent1">
+              <a:shade val="50000"/>
+            </a:schemeClr>
+          </a:lnRef>
+          <a:fillRef idx="1">
+            <a:schemeClr val="accent1"/>
+          </a:fillRef>
+          <a:effectRef idx="0">
+            <a:schemeClr val="accent1"/>
+          </a:effectRef>
+          <a:fontRef idx="minor">
+            <a:schemeClr val="lt1"/>
+          </a:fontRef>
+        </p:style>
+        <p:txBody>
+          <a:bodyPr rtlCol="0" anchor="ctr"/>
+          <a:lstStyle/>
+          <a:p>
+            <a:pPr algn="ctr"/>
+            <a:r>
+              <a:rPr lang="en-US" sz="5400" dirty="0" smtClean="0">
+                <a:solidFill>
+                  <a:schemeClr val="tx1"/>
+                </a:solidFill>
+              </a:rPr>
+              <a:t>+</a:t>
+            </a:r>
+            <a:endParaRPr lang="en-US" sz="5400" dirty="0">
+              <a:solidFill>
+                <a:schemeClr val="tx1"/>
+              </a:solidFill>
+            </a:endParaRPr>
+          </a:p>
+        </p:txBody>
+      </p:sp>
+      <p:cxnSp>
+        <p:nvCxnSpPr>
+          <p:cNvPr id="35" name="Elbow Connector 34"/>
+          <p:cNvCxnSpPr>
+            <a:stCxn id="11" idx="3"/>
+            <a:endCxn id="156" idx="1"/>
+          </p:cNvCxnSpPr>
+          <p:nvPr/>
+        </p:nvCxnSpPr>
+        <p:spPr>
+          <a:xfrm flipV="1">
+            <a:off x="4086229" y="1879368"/>
+            <a:ext cx="1454747" cy="1281672"/>
+          </a:xfrm>
+          <a:prstGeom prst="bentConnector3">
+            <a:avLst>
+              <a:gd name="adj1" fmla="val 32041"/>
+            </a:avLst>
+          </a:prstGeom>
+          <a:ln>
+            <a:solidFill>
+              <a:schemeClr val="tx1"/>
+            </a:solidFill>
+            <a:tailEnd type="triangle"/>
+          </a:ln>
+        </p:spPr>
+        <p:style>
+          <a:lnRef idx="1">
+            <a:schemeClr val="accent1"/>
+          </a:lnRef>
+          <a:fillRef idx="0">
+            <a:schemeClr val="accent1"/>
+          </a:fillRef>
+          <a:effectRef idx="0">
+            <a:schemeClr val="accent1"/>
+          </a:effectRef>
+          <a:fontRef idx="minor">
+            <a:schemeClr val="tx1"/>
+          </a:fontRef>
+        </p:style>
+      </p:cxnSp>
+      <p:sp>
+        <p:nvSpPr>
+          <p:cNvPr id="36" name="Rectangle 35"/>
+          <p:cNvSpPr/>
+          <p:nvPr/>
+        </p:nvSpPr>
+        <p:spPr>
+          <a:xfrm>
+            <a:off x="2896598" y="307118"/>
+            <a:ext cx="423395" cy="408048"/>
+          </a:xfrm>
+          <a:prstGeom prst="rect">
+            <a:avLst/>
+          </a:prstGeom>
+          <a:solidFill>
+            <a:srgbClr val="C00000"/>
+          </a:solidFill>
+          <a:ln>
+            <a:solidFill>
+              <a:schemeClr val="tx1"/>
+            </a:solidFill>
+          </a:ln>
+        </p:spPr>
+        <p:style>
+          <a:lnRef idx="2">
+            <a:schemeClr val="accent1">
+              <a:shade val="50000"/>
+            </a:schemeClr>
+          </a:lnRef>
+          <a:fillRef idx="1">
+            <a:schemeClr val="accent1"/>
+          </a:fillRef>
+          <a:effectRef idx="0">
+            <a:schemeClr val="accent1"/>
+          </a:effectRef>
+          <a:fontRef idx="minor">
+            <a:schemeClr val="lt1"/>
+          </a:fontRef>
+        </p:style>
+        <p:txBody>
+          <a:bodyPr rtlCol="0" anchor="ctr"/>
+          <a:lstStyle/>
+          <a:p>
+            <a:pPr algn="ctr"/>
+            <a:r>
+              <a:rPr lang="en-US" sz="1100" b="1" dirty="0" smtClean="0">
+                <a:solidFill>
+                  <a:schemeClr val="bg1"/>
+                </a:solidFill>
+              </a:rPr>
+              <a:t>1</a:t>
+            </a:r>
+            <a:endParaRPr lang="en-US" sz="1100" b="1" dirty="0">
+              <a:solidFill>
+                <a:schemeClr val="bg1"/>
+              </a:solidFill>
+            </a:endParaRPr>
+          </a:p>
+        </p:txBody>
+      </p:sp>
+      <p:cxnSp>
+        <p:nvCxnSpPr>
+          <p:cNvPr id="37" name="Elbow Connector 36"/>
+          <p:cNvCxnSpPr>
+            <a:stCxn id="36" idx="3"/>
+            <a:endCxn id="8" idx="1"/>
+          </p:cNvCxnSpPr>
+          <p:nvPr/>
+        </p:nvCxnSpPr>
+        <p:spPr>
+          <a:xfrm flipV="1">
+            <a:off x="3319993" y="382297"/>
+            <a:ext cx="1026232" cy="128846"/>
+          </a:xfrm>
+          <a:prstGeom prst="bentConnector3">
+            <a:avLst>
+              <a:gd name="adj1" fmla="val 50000"/>
+            </a:avLst>
+          </a:prstGeom>
+          <a:ln>
+            <a:solidFill>
+              <a:schemeClr val="tx1"/>
+            </a:solidFill>
+            <a:tailEnd type="triangle"/>
+          </a:ln>
+        </p:spPr>
+        <p:style>
+          <a:lnRef idx="1">
+            <a:schemeClr val="accent1"/>
+          </a:lnRef>
+          <a:fillRef idx="0">
+            <a:schemeClr val="accent1"/>
+          </a:fillRef>
+          <a:effectRef idx="0">
+            <a:schemeClr val="accent1"/>
+          </a:effectRef>
+          <a:fontRef idx="minor">
+            <a:schemeClr val="tx1"/>
+          </a:fontRef>
+        </p:style>
+      </p:cxnSp>
+      <p:cxnSp>
+        <p:nvCxnSpPr>
+          <p:cNvPr id="38" name="Elbow Connector 37"/>
+          <p:cNvCxnSpPr>
+            <a:stCxn id="47" idx="2"/>
+            <a:endCxn id="11" idx="1"/>
+          </p:cNvCxnSpPr>
+          <p:nvPr/>
+        </p:nvCxnSpPr>
+        <p:spPr>
+          <a:xfrm flipH="1">
+            <a:off x="3265662" y="925056"/>
+            <a:ext cx="5911970" cy="2235984"/>
+          </a:xfrm>
+          <a:prstGeom prst="bentConnector5">
+            <a:avLst>
+              <a:gd name="adj1" fmla="val -3867"/>
+              <a:gd name="adj2" fmla="val 55670"/>
+              <a:gd name="adj3" fmla="val 103867"/>
+            </a:avLst>
+          </a:prstGeom>
+          <a:ln w="6350">
+            <a:solidFill>
+              <a:schemeClr val="tx1"/>
+            </a:solidFill>
+            <a:tailEnd type="triangle"/>
+          </a:ln>
+        </p:spPr>
+        <p:style>
+          <a:lnRef idx="1">
+            <a:schemeClr val="accent1"/>
+          </a:lnRef>
+          <a:fillRef idx="0">
+            <a:schemeClr val="accent1"/>
+          </a:fillRef>
+          <a:effectRef idx="0">
+            <a:schemeClr val="accent1"/>
+          </a:effectRef>
+          <a:fontRef idx="minor">
+            <a:schemeClr val="tx1"/>
+          </a:fontRef>
+        </p:style>
+      </p:cxnSp>
+      <p:cxnSp>
+        <p:nvCxnSpPr>
+          <p:cNvPr id="39" name="Elbow Connector 38"/>
+          <p:cNvCxnSpPr>
+            <a:stCxn id="6" idx="2"/>
+            <a:endCxn id="157" idx="1"/>
+          </p:cNvCxnSpPr>
+          <p:nvPr/>
+        </p:nvCxnSpPr>
+        <p:spPr>
+          <a:xfrm>
+            <a:off x="4722791" y="762224"/>
+            <a:ext cx="818185" cy="533015"/>
+          </a:xfrm>
+          <a:prstGeom prst="bentConnector3">
+            <a:avLst>
+              <a:gd name="adj1" fmla="val 50000"/>
+            </a:avLst>
+          </a:prstGeom>
+          <a:ln>
+            <a:solidFill>
+              <a:schemeClr val="tx1"/>
+            </a:solidFill>
+            <a:tailEnd type="triangle"/>
+          </a:ln>
+        </p:spPr>
+        <p:style>
+          <a:lnRef idx="1">
+            <a:schemeClr val="accent1"/>
+          </a:lnRef>
+          <a:fillRef idx="0">
+            <a:schemeClr val="accent1"/>
+          </a:fillRef>
+          <a:effectRef idx="0">
+            <a:schemeClr val="accent1"/>
+          </a:effectRef>
+          <a:fontRef idx="minor">
+            <a:schemeClr val="tx1"/>
+          </a:fontRef>
+        </p:style>
+      </p:cxnSp>
+      <p:sp>
+        <p:nvSpPr>
+          <p:cNvPr id="40" name="TextBox 39"/>
+          <p:cNvSpPr txBox="1"/>
+          <p:nvPr/>
+        </p:nvSpPr>
+        <p:spPr>
+          <a:xfrm>
+            <a:off x="2185667" y="1341258"/>
+            <a:ext cx="1223599" cy="284211"/>
+          </a:xfrm>
+          <a:prstGeom prst="rect">
+            <a:avLst/>
+          </a:prstGeom>
+          <a:noFill/>
+        </p:spPr>
+        <p:txBody>
+          <a:bodyPr wrap="square" rtlCol="0">
+            <a:spAutoFit/>
+          </a:bodyPr>
+          <a:lstStyle/>
+          <a:p>
+            <a:pPr algn="ctr"/>
+            <a:r>
+              <a:rPr lang="en-US" sz="1050" dirty="0" smtClean="0"/>
+              <a:t>SE </a:t>
+            </a:r>
+            <a:r>
+              <a:rPr lang="en-US" sz="1050" dirty="0" err="1" smtClean="0"/>
+              <a:t>Imm</a:t>
+            </a:r>
+            <a:r>
+              <a:rPr lang="en-US" sz="1050" dirty="0" smtClean="0"/>
+              <a:t>. [</a:t>
+            </a:r>
+            <a:r>
+              <a:rPr lang="en-US" sz="1050" dirty="0" smtClean="0"/>
+              <a:t>15:0]</a:t>
+            </a:r>
+          </a:p>
+        </p:txBody>
+      </p:sp>
+      <p:grpSp>
+        <p:nvGrpSpPr>
+          <p:cNvPr id="46" name="Group 45"/>
+          <p:cNvGrpSpPr/>
+          <p:nvPr/>
+        </p:nvGrpSpPr>
+        <p:grpSpPr>
+          <a:xfrm>
+            <a:off x="8783020" y="354174"/>
+            <a:ext cx="394612" cy="1230456"/>
+            <a:chOff x="194423" y="4630348"/>
+            <a:chExt cx="284416" cy="886851"/>
+          </a:xfrm>
+        </p:grpSpPr>
+        <p:sp>
+          <p:nvSpPr>
+            <p:cNvPr id="47" name="Rounded Rectangle 46"/>
+            <p:cNvSpPr/>
+            <p:nvPr/>
+          </p:nvSpPr>
+          <p:spPr>
+            <a:xfrm rot="16200000">
+              <a:off x="-51654" y="4899604"/>
+              <a:ext cx="776570" cy="284416"/>
+            </a:xfrm>
+            <a:prstGeom prst="roundRect">
+              <a:avLst/>
+            </a:prstGeom>
+          </p:spPr>
+          <p:style>
+            <a:lnRef idx="2">
+              <a:schemeClr val="accent1">
+                <a:shade val="50000"/>
+              </a:schemeClr>
+            </a:lnRef>
+            <a:fillRef idx="1">
+              <a:schemeClr val="accent1"/>
+            </a:fillRef>
+            <a:effectRef idx="0">
+              <a:schemeClr val="accent1"/>
+            </a:effectRef>
+            <a:fontRef idx="minor">
+              <a:schemeClr val="lt1"/>
+            </a:fontRef>
+          </p:style>
+          <p:txBody>
+            <a:bodyPr rtlCol="0" anchor="ctr"/>
+            <a:lstStyle/>
+            <a:p>
+              <a:pPr algn="ctr"/>
+              <a:r>
+                <a:rPr lang="en-US" sz="1100" dirty="0" smtClean="0"/>
+                <a:t>Mux</a:t>
+              </a:r>
+              <a:endParaRPr lang="en-US" dirty="0"/>
+            </a:p>
+          </p:txBody>
+        </p:sp>
+        <p:sp>
+          <p:nvSpPr>
+            <p:cNvPr id="48" name="TextBox 47"/>
+            <p:cNvSpPr txBox="1"/>
+            <p:nvPr/>
+          </p:nvSpPr>
+          <p:spPr>
+            <a:xfrm>
+              <a:off x="230590" y="5143625"/>
+              <a:ext cx="211681" cy="373574"/>
+            </a:xfrm>
+            <a:prstGeom prst="rect">
+              <a:avLst/>
+            </a:prstGeom>
+            <a:noFill/>
+          </p:spPr>
+          <p:txBody>
+            <a:bodyPr wrap="none" rtlCol="0">
+              <a:spAutoFit/>
+            </a:bodyPr>
+            <a:lstStyle/>
+            <a:p>
+              <a:r>
+                <a:rPr lang="en-US" dirty="0" smtClean="0"/>
+                <a:t>1</a:t>
+              </a:r>
+              <a:endParaRPr lang="en-US" dirty="0"/>
+            </a:p>
+          </p:txBody>
+        </p:sp>
+        <p:sp>
+          <p:nvSpPr>
+            <p:cNvPr id="49" name="TextBox 48"/>
+            <p:cNvSpPr txBox="1"/>
+            <p:nvPr/>
+          </p:nvSpPr>
+          <p:spPr>
+            <a:xfrm>
+              <a:off x="227151" y="4630348"/>
+              <a:ext cx="211681" cy="373574"/>
+            </a:xfrm>
+            <a:prstGeom prst="rect">
+              <a:avLst/>
+            </a:prstGeom>
+            <a:noFill/>
+          </p:spPr>
+          <p:txBody>
+            <a:bodyPr wrap="none" rtlCol="0">
+              <a:spAutoFit/>
+            </a:bodyPr>
+            <a:lstStyle/>
+            <a:p>
+              <a:r>
+                <a:rPr lang="en-US" dirty="0"/>
+                <a:t>0</a:t>
+              </a:r>
+            </a:p>
+          </p:txBody>
+        </p:sp>
+      </p:grpSp>
+      <p:cxnSp>
+        <p:nvCxnSpPr>
+          <p:cNvPr id="50" name="Elbow Connector 49"/>
+          <p:cNvCxnSpPr>
+            <a:stCxn id="34" idx="3"/>
+            <a:endCxn id="49" idx="1"/>
+          </p:cNvCxnSpPr>
+          <p:nvPr/>
+        </p:nvCxnSpPr>
+        <p:spPr>
+          <a:xfrm flipV="1">
+            <a:off x="6597284" y="613331"/>
+            <a:ext cx="2231144" cy="946623"/>
+          </a:xfrm>
+          <a:prstGeom prst="bentConnector3">
+            <a:avLst>
+              <a:gd name="adj1" fmla="val 50000"/>
+            </a:avLst>
+          </a:prstGeom>
+          <a:ln>
+            <a:solidFill>
+              <a:schemeClr val="tx1"/>
+            </a:solidFill>
+            <a:tailEnd type="triangle"/>
+          </a:ln>
+        </p:spPr>
+        <p:style>
+          <a:lnRef idx="1">
+            <a:schemeClr val="accent1"/>
+          </a:lnRef>
+          <a:fillRef idx="0">
+            <a:schemeClr val="accent1"/>
+          </a:fillRef>
+          <a:effectRef idx="0">
+            <a:schemeClr val="accent1"/>
+          </a:effectRef>
+          <a:fontRef idx="minor">
+            <a:schemeClr val="tx1"/>
+          </a:fontRef>
+        </p:style>
+      </p:cxnSp>
+      <p:sp>
+        <p:nvSpPr>
+          <p:cNvPr id="53" name="TextBox 52"/>
+          <p:cNvSpPr txBox="1"/>
+          <p:nvPr/>
+        </p:nvSpPr>
+        <p:spPr>
+          <a:xfrm>
+            <a:off x="9531021" y="75332"/>
+            <a:ext cx="695329" cy="378463"/>
+          </a:xfrm>
+          <a:prstGeom prst="rect">
+            <a:avLst/>
+          </a:prstGeom>
+          <a:noFill/>
+          <a:ln w="38100">
+            <a:solidFill>
+              <a:srgbClr val="385723"/>
+            </a:solidFill>
+          </a:ln>
+        </p:spPr>
+        <p:txBody>
+          <a:bodyPr wrap="none" rtlCol="0">
+            <a:spAutoFit/>
+          </a:bodyPr>
+          <a:lstStyle/>
+          <a:p>
+            <a:r>
+              <a:rPr lang="en-US" sz="1000" dirty="0" smtClean="0"/>
+              <a:t>jump</a:t>
+            </a:r>
+            <a:endParaRPr lang="en-US" sz="1000" dirty="0"/>
+          </a:p>
+        </p:txBody>
+      </p:sp>
+      <p:sp>
+        <p:nvSpPr>
+          <p:cNvPr id="54" name="TextBox 53"/>
+          <p:cNvSpPr txBox="1"/>
+          <p:nvPr/>
+        </p:nvSpPr>
+        <p:spPr>
+          <a:xfrm>
+            <a:off x="5034081" y="74059"/>
+            <a:ext cx="1119128" cy="638656"/>
+          </a:xfrm>
+          <a:prstGeom prst="rect">
+            <a:avLst/>
+          </a:prstGeom>
+          <a:noFill/>
+          <a:ln w="38100">
+            <a:solidFill>
+              <a:srgbClr val="385723"/>
+            </a:solidFill>
+          </a:ln>
+        </p:spPr>
+        <p:txBody>
+          <a:bodyPr wrap="none" rtlCol="0">
+            <a:spAutoFit/>
+          </a:bodyPr>
+          <a:lstStyle/>
+          <a:p>
+            <a:pPr algn="ctr"/>
+            <a:r>
+              <a:rPr lang="en-US" sz="1000" dirty="0"/>
+              <a:t>b</a:t>
+            </a:r>
+            <a:r>
+              <a:rPr lang="en-US" sz="1000" dirty="0" smtClean="0"/>
+              <a:t>ranch </a:t>
+            </a:r>
+          </a:p>
+          <a:p>
+            <a:pPr algn="ctr"/>
+            <a:r>
+              <a:rPr lang="en-US" sz="1000" dirty="0" smtClean="0"/>
+              <a:t>&amp;&amp; </a:t>
+            </a:r>
+            <a:r>
+              <a:rPr lang="en-US" sz="1000" dirty="0" err="1" smtClean="0"/>
+              <a:t>isZero</a:t>
+            </a:r>
+            <a:endParaRPr lang="en-US" sz="1000" dirty="0"/>
+          </a:p>
+        </p:txBody>
+      </p:sp>
+      <p:sp>
+        <p:nvSpPr>
+          <p:cNvPr id="55" name="TextBox 54"/>
+          <p:cNvSpPr txBox="1"/>
+          <p:nvPr/>
+        </p:nvSpPr>
+        <p:spPr>
+          <a:xfrm>
+            <a:off x="3427897" y="2358104"/>
+            <a:ext cx="766783" cy="378463"/>
+          </a:xfrm>
+          <a:prstGeom prst="rect">
+            <a:avLst/>
+          </a:prstGeom>
+          <a:noFill/>
+          <a:ln w="38100">
+            <a:solidFill>
+              <a:srgbClr val="385723"/>
+            </a:solidFill>
+          </a:ln>
+        </p:spPr>
+        <p:txBody>
+          <a:bodyPr wrap="none" rtlCol="0">
+            <a:spAutoFit/>
+          </a:bodyPr>
+          <a:lstStyle/>
+          <a:p>
+            <a:r>
+              <a:rPr lang="en-US" sz="1000" dirty="0" err="1" smtClean="0"/>
+              <a:t>PCwrt</a:t>
+            </a:r>
+            <a:endParaRPr lang="en-US" sz="1400" dirty="0"/>
+          </a:p>
+        </p:txBody>
+      </p:sp>
+      <p:sp>
+        <p:nvSpPr>
+          <p:cNvPr id="56" name="TextBox 55"/>
+          <p:cNvSpPr txBox="1"/>
+          <p:nvPr/>
+        </p:nvSpPr>
+        <p:spPr>
+          <a:xfrm>
+            <a:off x="9122124" y="4694703"/>
+            <a:ext cx="715041" cy="378463"/>
+          </a:xfrm>
+          <a:prstGeom prst="rect">
+            <a:avLst/>
+          </a:prstGeom>
+          <a:noFill/>
+          <a:ln w="38100">
+            <a:solidFill>
+              <a:srgbClr val="385723"/>
+            </a:solidFill>
+          </a:ln>
+        </p:spPr>
+        <p:txBody>
+          <a:bodyPr wrap="none" rtlCol="0">
+            <a:spAutoFit/>
+          </a:bodyPr>
+          <a:lstStyle/>
+          <a:p>
+            <a:r>
+              <a:rPr lang="en-US" sz="1000" dirty="0" err="1" smtClean="0"/>
+              <a:t>IRwrt</a:t>
+            </a:r>
+            <a:endParaRPr lang="en-US" sz="1000" dirty="0"/>
+          </a:p>
+        </p:txBody>
+      </p:sp>
+      <p:grpSp>
+        <p:nvGrpSpPr>
+          <p:cNvPr id="59" name="Group 58"/>
+          <p:cNvGrpSpPr/>
+          <p:nvPr/>
+        </p:nvGrpSpPr>
+        <p:grpSpPr>
+          <a:xfrm>
+            <a:off x="4372841" y="4718583"/>
+            <a:ext cx="929404" cy="817896"/>
+            <a:chOff x="1616198" y="4848777"/>
+            <a:chExt cx="531802" cy="589498"/>
+          </a:xfrm>
+        </p:grpSpPr>
+        <p:sp>
+          <p:nvSpPr>
+            <p:cNvPr id="60" name="TextBox 59"/>
+            <p:cNvSpPr txBox="1"/>
+            <p:nvPr/>
+          </p:nvSpPr>
+          <p:spPr>
+            <a:xfrm>
+              <a:off x="1616198" y="4848777"/>
+              <a:ext cx="531802" cy="289826"/>
+            </a:xfrm>
+            <a:prstGeom prst="rect">
+              <a:avLst/>
+            </a:prstGeom>
+            <a:noFill/>
+            <a:ln w="38100">
+              <a:solidFill>
+                <a:srgbClr val="385723"/>
+              </a:solidFill>
+            </a:ln>
+          </p:spPr>
+          <p:txBody>
+            <a:bodyPr wrap="none" rtlCol="0">
+              <a:spAutoFit/>
+            </a:bodyPr>
+            <a:lstStyle/>
+            <a:p>
+              <a:r>
+                <a:rPr lang="en-US" sz="1050" dirty="0" err="1" smtClean="0"/>
+                <a:t>memW</a:t>
+              </a:r>
+              <a:endParaRPr lang="en-US" sz="1050" dirty="0"/>
+            </a:p>
+          </p:txBody>
+        </p:sp>
+        <p:sp>
+          <p:nvSpPr>
+            <p:cNvPr id="61" name="TextBox 60"/>
+            <p:cNvSpPr txBox="1"/>
+            <p:nvPr/>
+          </p:nvSpPr>
+          <p:spPr>
+            <a:xfrm>
+              <a:off x="1616198" y="5156973"/>
+              <a:ext cx="523709" cy="281302"/>
+            </a:xfrm>
+            <a:prstGeom prst="rect">
+              <a:avLst/>
+            </a:prstGeom>
+            <a:noFill/>
+            <a:ln w="38100">
+              <a:solidFill>
+                <a:srgbClr val="385723"/>
+              </a:solidFill>
+            </a:ln>
+          </p:spPr>
+          <p:txBody>
+            <a:bodyPr wrap="square" rtlCol="0">
+              <a:spAutoFit/>
+            </a:bodyPr>
+            <a:lstStyle/>
+            <a:p>
+              <a:r>
+                <a:rPr lang="en-US" sz="1050" dirty="0" err="1" smtClean="0"/>
+                <a:t>memR</a:t>
+              </a:r>
+              <a:endParaRPr lang="en-US" sz="1050" dirty="0"/>
+            </a:p>
+          </p:txBody>
+        </p:sp>
+      </p:grpSp>
+      <p:grpSp>
+        <p:nvGrpSpPr>
+          <p:cNvPr id="63" name="Group 62"/>
+          <p:cNvGrpSpPr/>
+          <p:nvPr/>
+        </p:nvGrpSpPr>
+        <p:grpSpPr>
+          <a:xfrm>
+            <a:off x="4992906" y="3357088"/>
+            <a:ext cx="394612" cy="1259485"/>
+            <a:chOff x="194423" y="4609425"/>
+            <a:chExt cx="284416" cy="907774"/>
+          </a:xfrm>
+        </p:grpSpPr>
+        <p:sp>
+          <p:nvSpPr>
+            <p:cNvPr id="64" name="Rounded Rectangle 63"/>
+            <p:cNvSpPr/>
+            <p:nvPr/>
+          </p:nvSpPr>
+          <p:spPr>
+            <a:xfrm rot="16200000">
+              <a:off x="-51654" y="4899604"/>
+              <a:ext cx="776570" cy="284416"/>
+            </a:xfrm>
+            <a:prstGeom prst="roundRect">
+              <a:avLst/>
+            </a:prstGeom>
+          </p:spPr>
+          <p:style>
+            <a:lnRef idx="2">
+              <a:schemeClr val="accent1">
+                <a:shade val="50000"/>
+              </a:schemeClr>
+            </a:lnRef>
+            <a:fillRef idx="1">
+              <a:schemeClr val="accent1"/>
+            </a:fillRef>
+            <a:effectRef idx="0">
+              <a:schemeClr val="accent1"/>
+            </a:effectRef>
+            <a:fontRef idx="minor">
+              <a:schemeClr val="lt1"/>
+            </a:fontRef>
+          </p:style>
+          <p:txBody>
+            <a:bodyPr rtlCol="0" anchor="ctr"/>
+            <a:lstStyle/>
+            <a:p>
+              <a:pPr algn="ctr"/>
+              <a:r>
+                <a:rPr lang="en-US" sz="1100" dirty="0" smtClean="0"/>
+                <a:t>Mux</a:t>
+              </a:r>
+              <a:endParaRPr lang="en-US" dirty="0"/>
+            </a:p>
+          </p:txBody>
+        </p:sp>
+        <p:sp>
+          <p:nvSpPr>
+            <p:cNvPr id="65" name="TextBox 64"/>
+            <p:cNvSpPr txBox="1"/>
+            <p:nvPr/>
+          </p:nvSpPr>
+          <p:spPr>
+            <a:xfrm>
+              <a:off x="197852" y="5143625"/>
+              <a:ext cx="211681" cy="373574"/>
+            </a:xfrm>
+            <a:prstGeom prst="rect">
+              <a:avLst/>
+            </a:prstGeom>
+            <a:noFill/>
+          </p:spPr>
+          <p:txBody>
+            <a:bodyPr wrap="none" rtlCol="0">
+              <a:spAutoFit/>
+            </a:bodyPr>
+            <a:lstStyle/>
+            <a:p>
+              <a:r>
+                <a:rPr lang="en-US" dirty="0" smtClean="0"/>
+                <a:t>1</a:t>
+              </a:r>
+              <a:endParaRPr lang="en-US" dirty="0"/>
+            </a:p>
+          </p:txBody>
+        </p:sp>
+        <p:sp>
+          <p:nvSpPr>
+            <p:cNvPr id="66" name="TextBox 65"/>
+            <p:cNvSpPr txBox="1"/>
+            <p:nvPr/>
+          </p:nvSpPr>
+          <p:spPr>
+            <a:xfrm>
+              <a:off x="208978" y="4609425"/>
+              <a:ext cx="211681" cy="373574"/>
+            </a:xfrm>
+            <a:prstGeom prst="rect">
+              <a:avLst/>
+            </a:prstGeom>
+            <a:noFill/>
+          </p:spPr>
+          <p:txBody>
+            <a:bodyPr wrap="none" rtlCol="0">
+              <a:spAutoFit/>
+            </a:bodyPr>
+            <a:lstStyle/>
+            <a:p>
+              <a:r>
+                <a:rPr lang="en-US" dirty="0"/>
+                <a:t>0</a:t>
+              </a:r>
+            </a:p>
+          </p:txBody>
+        </p:sp>
+      </p:grpSp>
+      <p:sp>
+        <p:nvSpPr>
+          <p:cNvPr id="68" name="Rectangle 67"/>
+          <p:cNvSpPr/>
+          <p:nvPr/>
+        </p:nvSpPr>
+        <p:spPr>
+          <a:xfrm>
+            <a:off x="7944948" y="5829163"/>
+            <a:ext cx="930502" cy="912310"/>
+          </a:xfrm>
+          <a:prstGeom prst="rect">
+            <a:avLst/>
+          </a:prstGeom>
+          <a:solidFill>
+            <a:srgbClr val="FFC000"/>
+          </a:solidFill>
+          <a:ln>
+            <a:solidFill>
+              <a:schemeClr val="tx1"/>
+            </a:solidFill>
+          </a:ln>
+        </p:spPr>
+        <p:style>
+          <a:lnRef idx="2">
+            <a:schemeClr val="accent1">
+              <a:shade val="50000"/>
+            </a:schemeClr>
+          </a:lnRef>
+          <a:fillRef idx="1">
+            <a:schemeClr val="accent1"/>
+          </a:fillRef>
+          <a:effectRef idx="0">
+            <a:schemeClr val="accent1"/>
+          </a:effectRef>
+          <a:fontRef idx="minor">
+            <a:schemeClr val="lt1"/>
+          </a:fontRef>
+        </p:style>
+        <p:txBody>
+          <a:bodyPr rtlCol="0" anchor="ctr"/>
+          <a:lstStyle/>
+          <a:p>
+            <a:pPr algn="ctr"/>
+            <a:r>
+              <a:rPr lang="en-US" sz="1000" dirty="0" err="1" smtClean="0">
+                <a:solidFill>
+                  <a:schemeClr val="tx1"/>
+                </a:solidFill>
+              </a:rPr>
+              <a:t>MemO</a:t>
+            </a:r>
+            <a:endParaRPr lang="en-US" sz="1000" dirty="0">
+              <a:solidFill>
+                <a:schemeClr val="tx1"/>
+              </a:solidFill>
+            </a:endParaRPr>
+          </a:p>
+        </p:txBody>
+      </p:sp>
+      <p:sp>
+        <p:nvSpPr>
+          <p:cNvPr id="70" name="TextBox 69"/>
+          <p:cNvSpPr txBox="1"/>
+          <p:nvPr/>
+        </p:nvSpPr>
+        <p:spPr>
+          <a:xfrm>
+            <a:off x="7736460" y="4830375"/>
+            <a:ext cx="1072313" cy="402118"/>
+          </a:xfrm>
+          <a:prstGeom prst="rect">
+            <a:avLst/>
+          </a:prstGeom>
+          <a:noFill/>
+          <a:ln w="38100">
+            <a:solidFill>
+              <a:srgbClr val="385723"/>
+            </a:solidFill>
+          </a:ln>
+        </p:spPr>
+        <p:txBody>
+          <a:bodyPr wrap="none" rtlCol="0">
+            <a:spAutoFit/>
+          </a:bodyPr>
+          <a:lstStyle/>
+          <a:p>
+            <a:r>
+              <a:rPr lang="en-US" sz="1050" dirty="0" err="1" smtClean="0"/>
+              <a:t>memOW</a:t>
+            </a:r>
+            <a:endParaRPr lang="en-US" sz="1050" dirty="0"/>
+          </a:p>
+        </p:txBody>
+      </p:sp>
+      <p:cxnSp>
+        <p:nvCxnSpPr>
+          <p:cNvPr id="71" name="Elbow Connector 70"/>
+          <p:cNvCxnSpPr>
+            <a:stCxn id="13" idx="3"/>
+            <a:endCxn id="48" idx="1"/>
+          </p:cNvCxnSpPr>
+          <p:nvPr/>
+        </p:nvCxnSpPr>
+        <p:spPr>
+          <a:xfrm flipH="1" flipV="1">
+            <a:off x="8833200" y="1325474"/>
+            <a:ext cx="783828" cy="2758186"/>
+          </a:xfrm>
+          <a:prstGeom prst="bentConnector5">
+            <a:avLst>
+              <a:gd name="adj1" fmla="val -32644"/>
+              <a:gd name="adj2" fmla="val 52450"/>
+              <a:gd name="adj3" fmla="val 132644"/>
+            </a:avLst>
+          </a:prstGeom>
+          <a:ln>
+            <a:solidFill>
+              <a:schemeClr val="tx1"/>
+            </a:solidFill>
+            <a:tailEnd type="triangle"/>
+          </a:ln>
+        </p:spPr>
+        <p:style>
+          <a:lnRef idx="1">
+            <a:schemeClr val="accent1"/>
+          </a:lnRef>
+          <a:fillRef idx="0">
+            <a:schemeClr val="accent1"/>
+          </a:fillRef>
+          <a:effectRef idx="0">
+            <a:schemeClr val="accent1"/>
+          </a:effectRef>
+          <a:fontRef idx="minor">
+            <a:schemeClr val="tx1"/>
+          </a:fontRef>
+        </p:style>
+      </p:cxnSp>
+      <p:sp>
+        <p:nvSpPr>
+          <p:cNvPr id="72" name="TextBox 71"/>
+          <p:cNvSpPr txBox="1"/>
+          <p:nvPr/>
+        </p:nvSpPr>
+        <p:spPr>
+          <a:xfrm>
+            <a:off x="8605500" y="2838291"/>
+            <a:ext cx="725239" cy="284211"/>
+          </a:xfrm>
+          <a:prstGeom prst="rect">
+            <a:avLst/>
+          </a:prstGeom>
+          <a:noFill/>
+        </p:spPr>
+        <p:txBody>
+          <a:bodyPr wrap="none" rtlCol="0">
+            <a:spAutoFit/>
+          </a:bodyPr>
+          <a:lstStyle/>
+          <a:p>
+            <a:r>
+              <a:rPr lang="en-US" sz="1050" dirty="0" smtClean="0"/>
+              <a:t>IR [11:0</a:t>
+            </a:r>
+            <a:r>
+              <a:rPr lang="en-US" sz="1050" dirty="0" smtClean="0"/>
+              <a:t>]</a:t>
+            </a:r>
+            <a:endParaRPr lang="en-US" sz="1050" dirty="0"/>
+          </a:p>
+        </p:txBody>
+      </p:sp>
+      <p:sp>
+        <p:nvSpPr>
+          <p:cNvPr id="73" name="Oval 72"/>
+          <p:cNvSpPr/>
+          <p:nvPr/>
+        </p:nvSpPr>
+        <p:spPr>
+          <a:xfrm>
+            <a:off x="8532081" y="2410065"/>
+            <a:ext cx="107719" cy="107719"/>
+          </a:xfrm>
+          <a:prstGeom prst="ellipse">
+            <a:avLst/>
+          </a:prstGeom>
+          <a:solidFill>
+            <a:schemeClr val="tx1"/>
+          </a:solidFill>
+          <a:ln>
+            <a:solidFill>
+              <a:schemeClr val="tx1"/>
+            </a:solidFill>
+          </a:ln>
+        </p:spPr>
+        <p:style>
+          <a:lnRef idx="2">
+            <a:schemeClr val="accent1">
+              <a:shade val="50000"/>
+            </a:schemeClr>
+          </a:lnRef>
+          <a:fillRef idx="1">
+            <a:schemeClr val="accent1"/>
+          </a:fillRef>
+          <a:effectRef idx="0">
+            <a:schemeClr val="accent1"/>
+          </a:effectRef>
+          <a:fontRef idx="minor">
+            <a:schemeClr val="lt1"/>
+          </a:fontRef>
+        </p:style>
+        <p:txBody>
+          <a:bodyPr rtlCol="0" anchor="ctr"/>
+          <a:lstStyle/>
+          <a:p>
+            <a:pPr algn="ctr"/>
+            <a:endParaRPr lang="en-US"/>
+          </a:p>
+        </p:txBody>
+      </p:sp>
+      <p:cxnSp>
+        <p:nvCxnSpPr>
+          <p:cNvPr id="74" name="Elbow Connector 73"/>
+          <p:cNvCxnSpPr>
+            <a:stCxn id="11" idx="3"/>
+            <a:endCxn id="73" idx="2"/>
+          </p:cNvCxnSpPr>
+          <p:nvPr/>
+        </p:nvCxnSpPr>
+        <p:spPr>
+          <a:xfrm flipV="1">
+            <a:off x="4086229" y="2463925"/>
+            <a:ext cx="4445852" cy="697115"/>
+          </a:xfrm>
+          <a:prstGeom prst="bentConnector3">
+            <a:avLst>
+              <a:gd name="adj1" fmla="val 50000"/>
+            </a:avLst>
+          </a:prstGeom>
+          <a:ln>
+            <a:solidFill>
+              <a:schemeClr val="tx1"/>
+            </a:solidFill>
+          </a:ln>
+        </p:spPr>
+        <p:style>
+          <a:lnRef idx="1">
+            <a:schemeClr val="accent1"/>
+          </a:lnRef>
+          <a:fillRef idx="0">
+            <a:schemeClr val="accent1"/>
+          </a:fillRef>
+          <a:effectRef idx="0">
+            <a:schemeClr val="accent1"/>
+          </a:effectRef>
+          <a:fontRef idx="minor">
+            <a:schemeClr val="tx1"/>
+          </a:fontRef>
+        </p:style>
+      </p:cxnSp>
+      <p:sp>
+        <p:nvSpPr>
+          <p:cNvPr id="75" name="TextBox 74"/>
+          <p:cNvSpPr txBox="1"/>
+          <p:nvPr/>
+        </p:nvSpPr>
+        <p:spPr>
+          <a:xfrm>
+            <a:off x="5034081" y="2223040"/>
+            <a:ext cx="1153623" cy="390291"/>
+          </a:xfrm>
+          <a:prstGeom prst="rect">
+            <a:avLst/>
+          </a:prstGeom>
+          <a:noFill/>
+        </p:spPr>
+        <p:txBody>
+          <a:bodyPr wrap="none" rtlCol="0">
+            <a:spAutoFit/>
+          </a:bodyPr>
+          <a:lstStyle/>
+          <a:p>
+            <a:r>
+              <a:rPr lang="en-US" sz="1050" dirty="0" smtClean="0"/>
+              <a:t>PC [15:12]</a:t>
+            </a:r>
+            <a:endParaRPr lang="en-US" sz="1050" dirty="0"/>
+          </a:p>
+        </p:txBody>
+      </p:sp>
+      <p:sp>
+        <p:nvSpPr>
+          <p:cNvPr id="76" name="TextBox 75"/>
+          <p:cNvSpPr txBox="1"/>
+          <p:nvPr/>
+        </p:nvSpPr>
+        <p:spPr>
+          <a:xfrm>
+            <a:off x="2433058" y="3693369"/>
+            <a:ext cx="1400019" cy="390291"/>
+          </a:xfrm>
+          <a:prstGeom prst="rect">
+            <a:avLst/>
+          </a:prstGeom>
+          <a:noFill/>
+          <a:ln w="38100">
+            <a:solidFill>
+              <a:srgbClr val="385723"/>
+            </a:solidFill>
+          </a:ln>
+        </p:spPr>
+        <p:txBody>
+          <a:bodyPr wrap="none" rtlCol="0">
+            <a:spAutoFit/>
+          </a:bodyPr>
+          <a:lstStyle/>
+          <a:p>
+            <a:r>
+              <a:rPr lang="en-US" sz="1050" dirty="0" err="1" smtClean="0"/>
+              <a:t>memAdrsSlct</a:t>
+            </a:r>
+            <a:endParaRPr lang="en-US" sz="1050" dirty="0"/>
+          </a:p>
+        </p:txBody>
+      </p:sp>
+      <p:grpSp>
+        <p:nvGrpSpPr>
+          <p:cNvPr id="193" name="Group 192"/>
+          <p:cNvGrpSpPr/>
+          <p:nvPr/>
+        </p:nvGrpSpPr>
+        <p:grpSpPr>
+          <a:xfrm>
+            <a:off x="5631953" y="2699860"/>
+            <a:ext cx="1349659" cy="3805673"/>
+            <a:chOff x="5168069" y="2680580"/>
+            <a:chExt cx="1349659" cy="3805673"/>
+          </a:xfrm>
+        </p:grpSpPr>
+        <p:sp>
+          <p:nvSpPr>
+            <p:cNvPr id="10" name="Rectangle 9"/>
+            <p:cNvSpPr/>
+            <p:nvPr/>
+          </p:nvSpPr>
+          <p:spPr>
+            <a:xfrm>
+              <a:off x="5168069" y="2680580"/>
+              <a:ext cx="1349659" cy="3805673"/>
+            </a:xfrm>
+            <a:prstGeom prst="rect">
+              <a:avLst/>
+            </a:prstGeom>
+          </p:spPr>
+          <p:style>
+            <a:lnRef idx="2">
+              <a:schemeClr val="accent1">
+                <a:shade val="50000"/>
+              </a:schemeClr>
+            </a:lnRef>
+            <a:fillRef idx="1">
+              <a:schemeClr val="accent1"/>
+            </a:fillRef>
+            <a:effectRef idx="0">
+              <a:schemeClr val="accent1"/>
+            </a:effectRef>
+            <a:fontRef idx="minor">
+              <a:schemeClr val="lt1"/>
+            </a:fontRef>
+          </p:style>
+          <p:txBody>
+            <a:bodyPr rtlCol="0" anchor="ctr"/>
+            <a:lstStyle/>
+            <a:p>
+              <a:pPr algn="ctr"/>
+              <a:r>
+                <a:rPr lang="en-US" sz="2400" dirty="0" smtClean="0">
+                  <a:solidFill>
+                    <a:schemeClr val="bg1"/>
+                  </a:solidFill>
+                </a:rPr>
+                <a:t>Mem</a:t>
+              </a:r>
+              <a:endParaRPr lang="en-US" sz="2400" dirty="0">
+                <a:solidFill>
+                  <a:schemeClr val="bg1"/>
+                </a:solidFill>
+              </a:endParaRPr>
+            </a:p>
+          </p:txBody>
+        </p:sp>
+        <p:sp>
+          <p:nvSpPr>
+            <p:cNvPr id="57" name="TextBox 56"/>
+            <p:cNvSpPr txBox="1"/>
+            <p:nvPr/>
+          </p:nvSpPr>
+          <p:spPr>
+            <a:xfrm>
+              <a:off x="5928892" y="2987872"/>
+              <a:ext cx="543675" cy="307777"/>
+            </a:xfrm>
+            <a:prstGeom prst="rect">
+              <a:avLst/>
+            </a:prstGeom>
+            <a:noFill/>
+          </p:spPr>
+          <p:txBody>
+            <a:bodyPr wrap="none" rtlCol="0">
+              <a:spAutoFit/>
+            </a:bodyPr>
+            <a:lstStyle/>
+            <a:p>
+              <a:r>
+                <a:rPr lang="en-US" sz="1400" dirty="0" err="1" smtClean="0"/>
+                <a:t>datO</a:t>
+              </a:r>
+              <a:endParaRPr lang="en-US" sz="1400" dirty="0"/>
+            </a:p>
+          </p:txBody>
+        </p:sp>
+        <p:sp>
+          <p:nvSpPr>
+            <p:cNvPr id="58" name="TextBox 57"/>
+            <p:cNvSpPr txBox="1"/>
+            <p:nvPr/>
+          </p:nvSpPr>
+          <p:spPr>
+            <a:xfrm>
+              <a:off x="5308674" y="3659774"/>
+              <a:ext cx="495777" cy="307777"/>
+            </a:xfrm>
+            <a:prstGeom prst="rect">
+              <a:avLst/>
+            </a:prstGeom>
+            <a:noFill/>
+          </p:spPr>
+          <p:txBody>
+            <a:bodyPr wrap="none" rtlCol="0">
+              <a:spAutoFit/>
+            </a:bodyPr>
+            <a:lstStyle/>
+            <a:p>
+              <a:r>
+                <a:rPr lang="en-US" sz="1400" dirty="0" err="1" smtClean="0"/>
+                <a:t>adrs</a:t>
+              </a:r>
+              <a:endParaRPr lang="en-US" sz="1400" dirty="0"/>
+            </a:p>
+          </p:txBody>
+        </p:sp>
+        <p:sp>
+          <p:nvSpPr>
+            <p:cNvPr id="83" name="TextBox 82"/>
+            <p:cNvSpPr txBox="1"/>
+            <p:nvPr/>
+          </p:nvSpPr>
+          <p:spPr>
+            <a:xfrm>
+              <a:off x="5309561" y="5678244"/>
+              <a:ext cx="569323" cy="307777"/>
+            </a:xfrm>
+            <a:prstGeom prst="rect">
+              <a:avLst/>
+            </a:prstGeom>
+            <a:noFill/>
+          </p:spPr>
+          <p:txBody>
+            <a:bodyPr wrap="none" rtlCol="0">
+              <a:spAutoFit/>
+            </a:bodyPr>
+            <a:lstStyle/>
+            <a:p>
+              <a:r>
+                <a:rPr lang="en-US" sz="1400" dirty="0" err="1" smtClean="0"/>
+                <a:t>wDat</a:t>
+              </a:r>
+              <a:endParaRPr lang="en-US" sz="1400" dirty="0"/>
+            </a:p>
+          </p:txBody>
+        </p:sp>
+      </p:grpSp>
+      <p:sp>
+        <p:nvSpPr>
+          <p:cNvPr id="84" name="Oval 83"/>
+          <p:cNvSpPr/>
+          <p:nvPr/>
+        </p:nvSpPr>
+        <p:spPr>
+          <a:xfrm>
+            <a:off x="4501526" y="3115308"/>
+            <a:ext cx="107719" cy="107719"/>
+          </a:xfrm>
+          <a:prstGeom prst="ellipse">
+            <a:avLst/>
+          </a:prstGeom>
+          <a:solidFill>
+            <a:schemeClr val="tx1"/>
+          </a:solidFill>
+          <a:ln>
+            <a:solidFill>
+              <a:schemeClr val="tx1"/>
+            </a:solidFill>
+          </a:ln>
+        </p:spPr>
+        <p:style>
+          <a:lnRef idx="2">
+            <a:schemeClr val="accent1">
+              <a:shade val="50000"/>
+            </a:schemeClr>
+          </a:lnRef>
+          <a:fillRef idx="1">
+            <a:schemeClr val="accent1"/>
+          </a:fillRef>
+          <a:effectRef idx="0">
+            <a:schemeClr val="accent1"/>
+          </a:effectRef>
+          <a:fontRef idx="minor">
+            <a:schemeClr val="lt1"/>
+          </a:fontRef>
+        </p:style>
+        <p:txBody>
+          <a:bodyPr rtlCol="0" anchor="ctr"/>
+          <a:lstStyle/>
+          <a:p>
+            <a:pPr algn="ctr"/>
+            <a:endParaRPr lang="en-US"/>
+          </a:p>
+        </p:txBody>
+      </p:sp>
+      <p:cxnSp>
+        <p:nvCxnSpPr>
+          <p:cNvPr id="91" name="Straight Connector 90"/>
+          <p:cNvCxnSpPr>
+            <a:stCxn id="55" idx="2"/>
+            <a:endCxn id="11" idx="0"/>
+          </p:cNvCxnSpPr>
+          <p:nvPr/>
+        </p:nvCxnSpPr>
+        <p:spPr>
+          <a:xfrm flipH="1">
+            <a:off x="3675946" y="2736567"/>
+            <a:ext cx="135343" cy="14191"/>
+          </a:xfrm>
+          <a:prstGeom prst="line">
+            <a:avLst/>
+          </a:prstGeom>
+          <a:ln w="28575">
+            <a:solidFill>
+              <a:srgbClr val="385723"/>
+            </a:solidFill>
+          </a:ln>
+        </p:spPr>
+        <p:style>
+          <a:lnRef idx="1">
+            <a:schemeClr val="accent1"/>
+          </a:lnRef>
+          <a:fillRef idx="0">
+            <a:schemeClr val="accent1"/>
+          </a:fillRef>
+          <a:effectRef idx="0">
+            <a:schemeClr val="accent1"/>
+          </a:effectRef>
+          <a:fontRef idx="minor">
+            <a:schemeClr val="tx1"/>
+          </a:fontRef>
+        </p:style>
+      </p:cxnSp>
+      <p:cxnSp>
+        <p:nvCxnSpPr>
+          <p:cNvPr id="92" name="Straight Connector 91"/>
+          <p:cNvCxnSpPr>
+            <a:stCxn id="76" idx="3"/>
+            <a:endCxn id="64" idx="0"/>
+          </p:cNvCxnSpPr>
+          <p:nvPr/>
+        </p:nvCxnSpPr>
+        <p:spPr>
+          <a:xfrm>
+            <a:off x="3833077" y="3888515"/>
+            <a:ext cx="1159830" cy="68485"/>
+          </a:xfrm>
+          <a:prstGeom prst="line">
+            <a:avLst/>
+          </a:prstGeom>
+          <a:ln w="28575">
+            <a:solidFill>
+              <a:srgbClr val="385723"/>
+            </a:solidFill>
+          </a:ln>
+        </p:spPr>
+        <p:style>
+          <a:lnRef idx="1">
+            <a:schemeClr val="accent1"/>
+          </a:lnRef>
+          <a:fillRef idx="0">
+            <a:schemeClr val="accent1"/>
+          </a:fillRef>
+          <a:effectRef idx="0">
+            <a:schemeClr val="accent1"/>
+          </a:effectRef>
+          <a:fontRef idx="minor">
+            <a:schemeClr val="tx1"/>
+          </a:fontRef>
+        </p:style>
+      </p:cxnSp>
+      <p:cxnSp>
+        <p:nvCxnSpPr>
+          <p:cNvPr id="93" name="Straight Connector 92"/>
+          <p:cNvCxnSpPr>
+            <a:stCxn id="56" idx="0"/>
+            <a:endCxn id="13" idx="2"/>
+          </p:cNvCxnSpPr>
+          <p:nvPr/>
+        </p:nvCxnSpPr>
+        <p:spPr>
+          <a:xfrm flipH="1" flipV="1">
+            <a:off x="9222729" y="4477959"/>
+            <a:ext cx="256916" cy="216744"/>
+          </a:xfrm>
+          <a:prstGeom prst="line">
+            <a:avLst/>
+          </a:prstGeom>
+          <a:ln w="28575">
+            <a:solidFill>
+              <a:srgbClr val="385723"/>
+            </a:solidFill>
+          </a:ln>
+        </p:spPr>
+        <p:style>
+          <a:lnRef idx="1">
+            <a:schemeClr val="accent1"/>
+          </a:lnRef>
+          <a:fillRef idx="0">
+            <a:schemeClr val="accent1"/>
+          </a:fillRef>
+          <a:effectRef idx="0">
+            <a:schemeClr val="accent1"/>
+          </a:effectRef>
+          <a:fontRef idx="minor">
+            <a:schemeClr val="tx1"/>
+          </a:fontRef>
+        </p:style>
+      </p:cxnSp>
+      <p:cxnSp>
+        <p:nvCxnSpPr>
+          <p:cNvPr id="94" name="Straight Connector 93"/>
+          <p:cNvCxnSpPr>
+            <a:stCxn id="70" idx="2"/>
+            <a:endCxn id="68" idx="0"/>
+          </p:cNvCxnSpPr>
+          <p:nvPr/>
+        </p:nvCxnSpPr>
+        <p:spPr>
+          <a:xfrm>
+            <a:off x="8272617" y="5232493"/>
+            <a:ext cx="137582" cy="596670"/>
+          </a:xfrm>
+          <a:prstGeom prst="line">
+            <a:avLst/>
+          </a:prstGeom>
+          <a:ln w="28575">
+            <a:solidFill>
+              <a:srgbClr val="385723"/>
+            </a:solidFill>
+          </a:ln>
+        </p:spPr>
+        <p:style>
+          <a:lnRef idx="1">
+            <a:schemeClr val="accent1"/>
+          </a:lnRef>
+          <a:fillRef idx="0">
+            <a:schemeClr val="accent1"/>
+          </a:fillRef>
+          <a:effectRef idx="0">
+            <a:schemeClr val="accent1"/>
+          </a:effectRef>
+          <a:fontRef idx="minor">
+            <a:schemeClr val="tx1"/>
+          </a:fontRef>
+        </p:style>
+      </p:cxnSp>
+      <p:cxnSp>
+        <p:nvCxnSpPr>
+          <p:cNvPr id="95" name="Straight Connector 94"/>
+          <p:cNvCxnSpPr>
+            <a:stCxn id="60" idx="3"/>
+            <a:endCxn id="10" idx="1"/>
+          </p:cNvCxnSpPr>
+          <p:nvPr/>
+        </p:nvCxnSpPr>
+        <p:spPr>
+          <a:xfrm flipV="1">
+            <a:off x="5302245" y="4602697"/>
+            <a:ext cx="329708" cy="316945"/>
+          </a:xfrm>
+          <a:prstGeom prst="line">
+            <a:avLst/>
+          </a:prstGeom>
+          <a:ln w="28575">
+            <a:solidFill>
+              <a:srgbClr val="385723"/>
+            </a:solidFill>
+          </a:ln>
+        </p:spPr>
+        <p:style>
+          <a:lnRef idx="1">
+            <a:schemeClr val="accent1"/>
+          </a:lnRef>
+          <a:fillRef idx="0">
+            <a:schemeClr val="accent1"/>
+          </a:fillRef>
+          <a:effectRef idx="0">
+            <a:schemeClr val="accent1"/>
+          </a:effectRef>
+          <a:fontRef idx="minor">
+            <a:schemeClr val="tx1"/>
+          </a:fontRef>
+        </p:style>
+      </p:cxnSp>
+      <p:cxnSp>
+        <p:nvCxnSpPr>
+          <p:cNvPr id="140" name="Elbow Connector 139"/>
+          <p:cNvCxnSpPr>
+            <a:stCxn id="143" idx="0"/>
+            <a:endCxn id="7" idx="1"/>
+          </p:cNvCxnSpPr>
+          <p:nvPr/>
+        </p:nvCxnSpPr>
+        <p:spPr>
+          <a:xfrm rot="5400000" flipH="1" flipV="1">
+            <a:off x="1324627" y="2129025"/>
+            <a:ext cx="4020115" cy="2087348"/>
+          </a:xfrm>
+          <a:prstGeom prst="bentConnector2">
+            <a:avLst/>
+          </a:prstGeom>
+          <a:ln>
+            <a:solidFill>
+              <a:schemeClr val="tx1"/>
+            </a:solidFill>
+            <a:tailEnd type="triangle"/>
+          </a:ln>
+        </p:spPr>
+        <p:style>
+          <a:lnRef idx="1">
+            <a:schemeClr val="accent1"/>
+          </a:lnRef>
+          <a:fillRef idx="0">
+            <a:schemeClr val="accent1"/>
+          </a:fillRef>
+          <a:effectRef idx="0">
+            <a:schemeClr val="accent1"/>
+          </a:effectRef>
+          <a:fontRef idx="minor">
+            <a:schemeClr val="tx1"/>
+          </a:fontRef>
+        </p:style>
+      </p:cxnSp>
+      <p:sp>
+        <p:nvSpPr>
+          <p:cNvPr id="143" name="Oval 142"/>
+          <p:cNvSpPr/>
+          <p:nvPr/>
+        </p:nvSpPr>
+        <p:spPr>
+          <a:xfrm>
+            <a:off x="1617622" y="5182756"/>
+            <a:ext cx="1346778" cy="1346778"/>
+          </a:xfrm>
+          <a:prstGeom prst="ellipse">
+            <a:avLst/>
+          </a:prstGeom>
+        </p:spPr>
+        <p:style>
+          <a:lnRef idx="2">
+            <a:schemeClr val="accent1">
+              <a:shade val="50000"/>
+            </a:schemeClr>
+          </a:lnRef>
+          <a:fillRef idx="1">
+            <a:schemeClr val="accent1"/>
+          </a:fillRef>
+          <a:effectRef idx="0">
+            <a:schemeClr val="accent1"/>
+          </a:effectRef>
+          <a:fontRef idx="minor">
+            <a:schemeClr val="lt1"/>
+          </a:fontRef>
+        </p:style>
+        <p:txBody>
+          <a:bodyPr rtlCol="0" anchor="ctr"/>
+          <a:lstStyle/>
+          <a:p>
+            <a:pPr algn="ctr"/>
+            <a:r>
+              <a:rPr lang="en-US" sz="1100" dirty="0" smtClean="0"/>
+              <a:t>SE immediate</a:t>
+            </a:r>
+            <a:endParaRPr lang="en-US" sz="1100" dirty="0"/>
+          </a:p>
+        </p:txBody>
+      </p:sp>
+      <p:sp>
+        <p:nvSpPr>
+          <p:cNvPr id="156" name="TextBox 155"/>
+          <p:cNvSpPr txBox="1"/>
+          <p:nvPr/>
+        </p:nvSpPr>
+        <p:spPr>
+          <a:xfrm>
+            <a:off x="5540976" y="1724344"/>
+            <a:ext cx="423804" cy="310048"/>
+          </a:xfrm>
+          <a:prstGeom prst="rect">
+            <a:avLst/>
+          </a:prstGeom>
+          <a:noFill/>
+        </p:spPr>
+        <p:txBody>
+          <a:bodyPr wrap="none" rtlCol="0">
+            <a:spAutoFit/>
+          </a:bodyPr>
+          <a:lstStyle/>
+          <a:p>
+            <a:r>
+              <a:rPr lang="en-US" sz="1200" dirty="0" smtClean="0"/>
+              <a:t>in2</a:t>
+            </a:r>
+            <a:endParaRPr lang="en-US" sz="1200" dirty="0"/>
+          </a:p>
+        </p:txBody>
+      </p:sp>
+      <p:sp>
+        <p:nvSpPr>
+          <p:cNvPr id="157" name="TextBox 156"/>
+          <p:cNvSpPr txBox="1"/>
+          <p:nvPr/>
+        </p:nvSpPr>
+        <p:spPr>
+          <a:xfrm>
+            <a:off x="5540976" y="1140215"/>
+            <a:ext cx="423804" cy="310048"/>
+          </a:xfrm>
+          <a:prstGeom prst="rect">
+            <a:avLst/>
+          </a:prstGeom>
+          <a:noFill/>
+        </p:spPr>
+        <p:txBody>
+          <a:bodyPr wrap="none" rtlCol="0">
+            <a:spAutoFit/>
+          </a:bodyPr>
+          <a:lstStyle/>
+          <a:p>
+            <a:r>
+              <a:rPr lang="en-US" sz="1200" dirty="0" smtClean="0"/>
+              <a:t>in1</a:t>
+            </a:r>
+            <a:endParaRPr lang="en-US" sz="1200" dirty="0"/>
+          </a:p>
+        </p:txBody>
+      </p:sp>
+      <p:cxnSp>
+        <p:nvCxnSpPr>
+          <p:cNvPr id="67" name="Elbow Connector 66"/>
+          <p:cNvCxnSpPr>
+            <a:stCxn id="64" idx="2"/>
+            <a:endCxn id="58" idx="1"/>
+          </p:cNvCxnSpPr>
+          <p:nvPr/>
+        </p:nvCxnSpPr>
+        <p:spPr>
+          <a:xfrm flipV="1">
+            <a:off x="5387519" y="3832943"/>
+            <a:ext cx="385039" cy="124057"/>
+          </a:xfrm>
+          <a:prstGeom prst="bentConnector3">
+            <a:avLst>
+              <a:gd name="adj1" fmla="val 50000"/>
+            </a:avLst>
+          </a:prstGeom>
+          <a:ln>
+            <a:solidFill>
+              <a:schemeClr val="tx1"/>
+            </a:solidFill>
+            <a:tailEnd type="triangle"/>
+          </a:ln>
+        </p:spPr>
+        <p:style>
+          <a:lnRef idx="1">
+            <a:schemeClr val="accent1"/>
+          </a:lnRef>
+          <a:fillRef idx="0">
+            <a:schemeClr val="accent1"/>
+          </a:fillRef>
+          <a:effectRef idx="0">
+            <a:schemeClr val="accent1"/>
+          </a:effectRef>
+          <a:fontRef idx="minor">
+            <a:schemeClr val="tx1"/>
+          </a:fontRef>
+        </p:style>
+      </p:cxnSp>
+      <p:cxnSp>
+        <p:nvCxnSpPr>
+          <p:cNvPr id="14" name="Elbow Connector 13"/>
+          <p:cNvCxnSpPr>
+            <a:stCxn id="57" idx="3"/>
+            <a:endCxn id="13" idx="1"/>
+          </p:cNvCxnSpPr>
+          <p:nvPr/>
+        </p:nvCxnSpPr>
+        <p:spPr>
+          <a:xfrm>
+            <a:off x="6936451" y="3161041"/>
+            <a:ext cx="1891979" cy="922620"/>
+          </a:xfrm>
+          <a:prstGeom prst="bentConnector3">
+            <a:avLst>
+              <a:gd name="adj1" fmla="val 50000"/>
+            </a:avLst>
+          </a:prstGeom>
+          <a:ln>
+            <a:solidFill>
+              <a:schemeClr val="tx1"/>
+            </a:solidFill>
+            <a:tailEnd type="triangle"/>
+          </a:ln>
+        </p:spPr>
+        <p:style>
+          <a:lnRef idx="1">
+            <a:schemeClr val="accent1"/>
+          </a:lnRef>
+          <a:fillRef idx="0">
+            <a:schemeClr val="accent1"/>
+          </a:fillRef>
+          <a:effectRef idx="0">
+            <a:schemeClr val="accent1"/>
+          </a:effectRef>
+          <a:fontRef idx="minor">
+            <a:schemeClr val="tx1"/>
+          </a:fontRef>
+        </p:style>
+      </p:cxnSp>
+      <p:sp>
+        <p:nvSpPr>
+          <p:cNvPr id="202" name="Rectangle 201"/>
+          <p:cNvSpPr/>
+          <p:nvPr/>
+        </p:nvSpPr>
+        <p:spPr>
+          <a:xfrm>
+            <a:off x="11262750" y="4095338"/>
+            <a:ext cx="788598" cy="788596"/>
+          </a:xfrm>
+          <a:prstGeom prst="rect">
+            <a:avLst/>
+          </a:prstGeom>
+          <a:solidFill>
+            <a:srgbClr val="FFC000"/>
+          </a:solidFill>
+          <a:ln>
+            <a:solidFill>
+              <a:schemeClr val="tx1"/>
+            </a:solidFill>
+          </a:ln>
+        </p:spPr>
+        <p:style>
+          <a:lnRef idx="2">
+            <a:schemeClr val="accent1">
+              <a:shade val="50000"/>
+            </a:schemeClr>
+          </a:lnRef>
+          <a:fillRef idx="1">
+            <a:schemeClr val="accent1"/>
+          </a:fillRef>
+          <a:effectRef idx="0">
+            <a:schemeClr val="accent1"/>
+          </a:effectRef>
+          <a:fontRef idx="minor">
+            <a:schemeClr val="lt1"/>
+          </a:fontRef>
+        </p:style>
+        <p:txBody>
+          <a:bodyPr rtlCol="0" anchor="ctr"/>
+          <a:lstStyle/>
+          <a:p>
+            <a:pPr algn="ctr"/>
+            <a:r>
+              <a:rPr lang="en-US" sz="1400" dirty="0" err="1" smtClean="0">
+                <a:solidFill>
+                  <a:schemeClr val="tx1"/>
+                </a:solidFill>
+              </a:rPr>
+              <a:t>ALUout</a:t>
+            </a:r>
+            <a:endParaRPr lang="en-US" sz="1400" dirty="0">
+              <a:solidFill>
+                <a:schemeClr val="tx1"/>
+              </a:solidFill>
+            </a:endParaRPr>
+          </a:p>
+        </p:txBody>
+      </p:sp>
+      <p:cxnSp>
+        <p:nvCxnSpPr>
+          <p:cNvPr id="204" name="Elbow Connector 203"/>
+          <p:cNvCxnSpPr>
+            <a:stCxn id="202" idx="2"/>
+            <a:endCxn id="65" idx="1"/>
+          </p:cNvCxnSpPr>
+          <p:nvPr/>
+        </p:nvCxnSpPr>
+        <p:spPr>
+          <a:xfrm rot="5400000" flipH="1">
+            <a:off x="8064098" y="1290984"/>
+            <a:ext cx="526517" cy="6659385"/>
+          </a:xfrm>
+          <a:prstGeom prst="bentConnector4">
+            <a:avLst>
+              <a:gd name="adj1" fmla="val -364174"/>
+              <a:gd name="adj2" fmla="val 112540"/>
+            </a:avLst>
+          </a:prstGeom>
+          <a:ln>
+            <a:solidFill>
+              <a:schemeClr val="tx1"/>
+            </a:solidFill>
+            <a:tailEnd type="triangle"/>
+          </a:ln>
+        </p:spPr>
+        <p:style>
+          <a:lnRef idx="1">
+            <a:schemeClr val="accent1"/>
+          </a:lnRef>
+          <a:fillRef idx="0">
+            <a:schemeClr val="accent1"/>
+          </a:fillRef>
+          <a:effectRef idx="0">
+            <a:schemeClr val="accent1"/>
+          </a:effectRef>
+          <a:fontRef idx="minor">
+            <a:schemeClr val="tx1"/>
+          </a:fontRef>
+        </p:style>
+      </p:cxnSp>
+    </p:spTree>
+    <p:extLst>
+      <p:ext uri="{BB962C8B-B14F-4D97-AF65-F5344CB8AC3E}">
+        <p14:creationId xmlns:p14="http://schemas.microsoft.com/office/powerpoint/2010/main" val="1178805479"/>
+      </p:ext>
+    </p:extLst>
+  </p:cSld>
+  <p:clrMapOvr>
+    <a:masterClrMapping/>
+  </p:clrMapOvr>
+</p:sld>
+</file>
+
+<file path=ppt/slides/slide3.xml><?xml version="1.0" encoding="utf-8"?>
+<p:sld xmlns:a="http://schemas.openxmlformats.org/drawingml/2006/main" xmlns:r="http://schemas.openxmlformats.org/officeDocument/2006/relationships" xmlns:p="http://schemas.openxmlformats.org/presentationml/2006/main">
+  <p:cSld>
+    <p:spTree>
+      <p:nvGrpSpPr>
+        <p:cNvPr id="1" name=""/>
+        <p:cNvGrpSpPr/>
+        <p:nvPr/>
+      </p:nvGrpSpPr>
+      <p:grpSpPr>
+        <a:xfrm>
+          <a:off x="0" y="0"/>
+          <a:ext cx="0" cy="0"/>
+          <a:chOff x="0" y="0"/>
+          <a:chExt cx="0" cy="0"/>
+        </a:xfrm>
+      </p:grpSpPr>
+      <p:cxnSp>
+        <p:nvCxnSpPr>
+          <p:cNvPr id="112" name="Straight Connector 111"/>
+          <p:cNvCxnSpPr>
+            <a:stCxn id="69" idx="2"/>
+            <a:endCxn id="20" idx="2"/>
+          </p:cNvCxnSpPr>
+          <p:nvPr/>
+        </p:nvCxnSpPr>
+        <p:spPr>
+          <a:xfrm flipH="1">
+            <a:off x="3544768" y="3080977"/>
+            <a:ext cx="370808" cy="431606"/>
+          </a:xfrm>
+          <a:prstGeom prst="line">
+            <a:avLst/>
+          </a:prstGeom>
+          <a:ln w="28575">
+            <a:solidFill>
+              <a:srgbClr val="385723"/>
+            </a:solidFill>
+          </a:ln>
+        </p:spPr>
+        <p:style>
+          <a:lnRef idx="1">
+            <a:schemeClr val="accent1"/>
+          </a:lnRef>
+          <a:fillRef idx="0">
+            <a:schemeClr val="accent1"/>
+          </a:fillRef>
+          <a:effectRef idx="0">
+            <a:schemeClr val="accent1"/>
+          </a:effectRef>
+          <a:fontRef idx="minor">
+            <a:schemeClr val="tx1"/>
+          </a:fontRef>
+        </p:style>
+      </p:cxnSp>
+      <p:cxnSp>
+        <p:nvCxnSpPr>
+          <p:cNvPr id="107" name="Straight Connector 106"/>
+          <p:cNvCxnSpPr>
+            <a:stCxn id="78" idx="0"/>
+            <a:endCxn id="52" idx="0"/>
+          </p:cNvCxnSpPr>
+          <p:nvPr/>
+        </p:nvCxnSpPr>
+        <p:spPr>
+          <a:xfrm flipH="1" flipV="1">
+            <a:off x="7400970" y="2292331"/>
+            <a:ext cx="162141" cy="788814"/>
+          </a:xfrm>
+          <a:prstGeom prst="line">
+            <a:avLst/>
+          </a:prstGeom>
+          <a:ln w="28575">
+            <a:solidFill>
+              <a:srgbClr val="385723"/>
+            </a:solidFill>
+          </a:ln>
+        </p:spPr>
+        <p:style>
+          <a:lnRef idx="1">
+            <a:schemeClr val="accent1"/>
+          </a:lnRef>
+          <a:fillRef idx="0">
+            <a:schemeClr val="accent1"/>
+          </a:fillRef>
+          <a:effectRef idx="0">
+            <a:schemeClr val="accent1"/>
+          </a:effectRef>
+          <a:fontRef idx="minor">
+            <a:schemeClr val="tx1"/>
+          </a:fontRef>
+        </p:style>
+      </p:cxnSp>
+      <p:cxnSp>
+        <p:nvCxnSpPr>
+          <p:cNvPr id="113" name="Straight Connector 112"/>
+          <p:cNvCxnSpPr>
+            <a:stCxn id="71" idx="2"/>
+            <a:endCxn id="24" idx="2"/>
+          </p:cNvCxnSpPr>
+          <p:nvPr/>
+        </p:nvCxnSpPr>
+        <p:spPr>
+          <a:xfrm flipH="1">
+            <a:off x="3830940" y="414348"/>
+            <a:ext cx="453693" cy="681500"/>
+          </a:xfrm>
+          <a:prstGeom prst="line">
+            <a:avLst/>
+          </a:prstGeom>
+          <a:ln w="28575">
+            <a:solidFill>
+              <a:srgbClr val="385723"/>
+            </a:solidFill>
+          </a:ln>
+        </p:spPr>
+        <p:style>
+          <a:lnRef idx="1">
+            <a:schemeClr val="accent1"/>
+          </a:lnRef>
+          <a:fillRef idx="0">
+            <a:schemeClr val="accent1"/>
+          </a:fillRef>
+          <a:effectRef idx="0">
+            <a:schemeClr val="accent1"/>
+          </a:effectRef>
+          <a:fontRef idx="minor">
+            <a:schemeClr val="tx1"/>
+          </a:fontRef>
+        </p:style>
+      </p:cxnSp>
+      <p:cxnSp>
+        <p:nvCxnSpPr>
+          <p:cNvPr id="115" name="Straight Connector 114"/>
+          <p:cNvCxnSpPr>
+            <a:stCxn id="92" idx="1"/>
+            <a:endCxn id="89" idx="2"/>
+          </p:cNvCxnSpPr>
+          <p:nvPr/>
+        </p:nvCxnSpPr>
+        <p:spPr>
+          <a:xfrm flipH="1">
+            <a:off x="3857671" y="1856469"/>
+            <a:ext cx="384146" cy="258688"/>
+          </a:xfrm>
+          <a:prstGeom prst="line">
+            <a:avLst/>
+          </a:prstGeom>
+          <a:ln w="28575">
+            <a:solidFill>
+              <a:srgbClr val="385723"/>
+            </a:solidFill>
+          </a:ln>
+        </p:spPr>
+        <p:style>
+          <a:lnRef idx="1">
+            <a:schemeClr val="accent1"/>
+          </a:lnRef>
+          <a:fillRef idx="0">
+            <a:schemeClr val="accent1"/>
+          </a:fillRef>
+          <a:effectRef idx="0">
+            <a:schemeClr val="accent1"/>
+          </a:effectRef>
+          <a:fontRef idx="minor">
+            <a:schemeClr val="tx1"/>
+          </a:fontRef>
+        </p:style>
+      </p:cxnSp>
+      <p:sp>
+        <p:nvSpPr>
+          <p:cNvPr id="5" name="Rectangle 4"/>
+          <p:cNvSpPr/>
+          <p:nvPr/>
+        </p:nvSpPr>
+        <p:spPr>
+          <a:xfrm>
+            <a:off x="2518237" y="1663536"/>
+            <a:ext cx="466162" cy="466159"/>
+          </a:xfrm>
+          <a:prstGeom prst="rect">
+            <a:avLst/>
+          </a:prstGeom>
+          <a:solidFill>
+            <a:srgbClr val="FFC000"/>
+          </a:solidFill>
+          <a:ln>
+            <a:solidFill>
+              <a:schemeClr val="tx1"/>
+            </a:solidFill>
+          </a:ln>
+        </p:spPr>
+        <p:style>
+          <a:lnRef idx="2">
+            <a:schemeClr val="accent1">
+              <a:shade val="50000"/>
+            </a:schemeClr>
+          </a:lnRef>
+          <a:fillRef idx="1">
+            <a:schemeClr val="accent1"/>
+          </a:fillRef>
+          <a:effectRef idx="0">
+            <a:schemeClr val="accent1"/>
+          </a:effectRef>
+          <a:fontRef idx="minor">
+            <a:schemeClr val="lt1"/>
+          </a:fontRef>
+        </p:style>
+        <p:txBody>
+          <a:bodyPr rtlCol="0" anchor="ctr"/>
+          <a:lstStyle/>
+          <a:p>
+            <a:pPr algn="ctr"/>
+            <a:r>
+              <a:rPr lang="en-US" sz="1400" dirty="0" smtClean="0">
+                <a:solidFill>
+                  <a:schemeClr val="tx1"/>
+                </a:solidFill>
+              </a:rPr>
+              <a:t>IR</a:t>
+            </a:r>
+            <a:endParaRPr lang="en-US" sz="1400" dirty="0">
+              <a:solidFill>
+                <a:schemeClr val="tx1"/>
+              </a:solidFill>
+            </a:endParaRPr>
+          </a:p>
+        </p:txBody>
+      </p:sp>
+      <p:sp>
+        <p:nvSpPr>
+          <p:cNvPr id="7" name="Rectangle 6"/>
+          <p:cNvSpPr/>
+          <p:nvPr/>
+        </p:nvSpPr>
+        <p:spPr>
+          <a:xfrm>
+            <a:off x="4302556" y="1001580"/>
+            <a:ext cx="2517251" cy="3936442"/>
+          </a:xfrm>
+          <a:prstGeom prst="rect">
+            <a:avLst/>
+          </a:prstGeom>
+        </p:spPr>
+        <p:style>
+          <a:lnRef idx="2">
+            <a:schemeClr val="accent1">
+              <a:shade val="50000"/>
+            </a:schemeClr>
+          </a:lnRef>
+          <a:fillRef idx="1">
+            <a:schemeClr val="accent1"/>
+          </a:fillRef>
+          <a:effectRef idx="0">
+            <a:schemeClr val="accent1"/>
+          </a:effectRef>
+          <a:fontRef idx="minor">
+            <a:schemeClr val="lt1"/>
+          </a:fontRef>
+        </p:style>
+        <p:txBody>
+          <a:bodyPr rtlCol="0" anchor="ctr"/>
+          <a:lstStyle/>
+          <a:p>
+            <a:pPr algn="ctr"/>
+            <a:r>
+              <a:rPr lang="en-US" sz="2800" dirty="0" smtClean="0"/>
+              <a:t>Reg. File</a:t>
+            </a:r>
+            <a:endParaRPr lang="en-US" sz="2800" dirty="0"/>
+          </a:p>
+        </p:txBody>
+      </p:sp>
+      <p:sp>
+        <p:nvSpPr>
+          <p:cNvPr id="8" name="TextBox 7"/>
+          <p:cNvSpPr txBox="1"/>
+          <p:nvPr/>
+        </p:nvSpPr>
+        <p:spPr>
+          <a:xfrm>
+            <a:off x="4416445" y="1247606"/>
+            <a:ext cx="668350" cy="443514"/>
+          </a:xfrm>
+          <a:prstGeom prst="rect">
+            <a:avLst/>
+          </a:prstGeom>
+          <a:noFill/>
+        </p:spPr>
+        <p:txBody>
+          <a:bodyPr wrap="none" rtlCol="0">
+            <a:spAutoFit/>
+          </a:bodyPr>
+          <a:lstStyle/>
+          <a:p>
+            <a:r>
+              <a:rPr lang="en-US" dirty="0" smtClean="0"/>
+              <a:t>r1in</a:t>
+            </a:r>
+            <a:endParaRPr lang="en-US" dirty="0"/>
+          </a:p>
+        </p:txBody>
+      </p:sp>
+      <p:sp>
+        <p:nvSpPr>
+          <p:cNvPr id="9" name="TextBox 8"/>
+          <p:cNvSpPr txBox="1"/>
+          <p:nvPr/>
+        </p:nvSpPr>
+        <p:spPr>
+          <a:xfrm>
+            <a:off x="4444987" y="1997298"/>
+            <a:ext cx="668350" cy="443514"/>
+          </a:xfrm>
+          <a:prstGeom prst="rect">
+            <a:avLst/>
+          </a:prstGeom>
+          <a:noFill/>
+        </p:spPr>
+        <p:txBody>
+          <a:bodyPr wrap="none" rtlCol="0">
+            <a:spAutoFit/>
+          </a:bodyPr>
+          <a:lstStyle/>
+          <a:p>
+            <a:r>
+              <a:rPr lang="en-US" dirty="0" smtClean="0"/>
+              <a:t>r2in</a:t>
+            </a:r>
+            <a:endParaRPr lang="en-US" dirty="0"/>
+          </a:p>
+        </p:txBody>
+      </p:sp>
+      <p:sp>
+        <p:nvSpPr>
+          <p:cNvPr id="10" name="TextBox 9"/>
+          <p:cNvSpPr txBox="1"/>
+          <p:nvPr/>
+        </p:nvSpPr>
+        <p:spPr>
+          <a:xfrm>
+            <a:off x="4431247" y="3551480"/>
+            <a:ext cx="927066" cy="443514"/>
+          </a:xfrm>
+          <a:prstGeom prst="rect">
+            <a:avLst/>
+          </a:prstGeom>
+          <a:noFill/>
+        </p:spPr>
+        <p:txBody>
+          <a:bodyPr wrap="none" rtlCol="0">
+            <a:spAutoFit/>
+          </a:bodyPr>
+          <a:lstStyle/>
+          <a:p>
+            <a:r>
+              <a:rPr lang="en-US" dirty="0" err="1" smtClean="0"/>
+              <a:t>wDest</a:t>
+            </a:r>
+            <a:endParaRPr lang="en-US" dirty="0"/>
+          </a:p>
+        </p:txBody>
+      </p:sp>
+      <p:sp>
+        <p:nvSpPr>
+          <p:cNvPr id="11" name="TextBox 10"/>
+          <p:cNvSpPr txBox="1"/>
+          <p:nvPr/>
+        </p:nvSpPr>
+        <p:spPr>
+          <a:xfrm>
+            <a:off x="4487764" y="4291009"/>
+            <a:ext cx="814031" cy="443514"/>
+          </a:xfrm>
+          <a:prstGeom prst="rect">
+            <a:avLst/>
+          </a:prstGeom>
+          <a:noFill/>
+        </p:spPr>
+        <p:txBody>
+          <a:bodyPr wrap="none" rtlCol="0">
+            <a:spAutoFit/>
+          </a:bodyPr>
+          <a:lstStyle/>
+          <a:p>
+            <a:r>
+              <a:rPr lang="en-US" dirty="0" err="1" smtClean="0"/>
+              <a:t>wDat</a:t>
+            </a:r>
+            <a:endParaRPr lang="en-US" dirty="0"/>
+          </a:p>
+        </p:txBody>
+      </p:sp>
+      <p:sp>
+        <p:nvSpPr>
+          <p:cNvPr id="12" name="TextBox 11"/>
+          <p:cNvSpPr txBox="1"/>
+          <p:nvPr/>
+        </p:nvSpPr>
+        <p:spPr>
+          <a:xfrm>
+            <a:off x="5880093" y="1264410"/>
+            <a:ext cx="843523" cy="443514"/>
+          </a:xfrm>
+          <a:prstGeom prst="rect">
+            <a:avLst/>
+          </a:prstGeom>
+          <a:noFill/>
+        </p:spPr>
+        <p:txBody>
+          <a:bodyPr wrap="none" rtlCol="0">
+            <a:spAutoFit/>
+          </a:bodyPr>
+          <a:lstStyle/>
+          <a:p>
+            <a:r>
+              <a:rPr lang="en-US" dirty="0" smtClean="0"/>
+              <a:t>r1out</a:t>
+            </a:r>
+            <a:endParaRPr lang="en-US" dirty="0"/>
+          </a:p>
+        </p:txBody>
+      </p:sp>
+      <p:cxnSp>
+        <p:nvCxnSpPr>
+          <p:cNvPr id="13" name="Elbow Connector 12"/>
+          <p:cNvCxnSpPr>
+            <a:stCxn id="5" idx="3"/>
+            <a:endCxn id="88" idx="1"/>
+          </p:cNvCxnSpPr>
+          <p:nvPr/>
+        </p:nvCxnSpPr>
+        <p:spPr>
+          <a:xfrm>
+            <a:off x="2984399" y="1896615"/>
+            <a:ext cx="772126" cy="635735"/>
+          </a:xfrm>
+          <a:prstGeom prst="bentConnector3">
+            <a:avLst>
+              <a:gd name="adj1" fmla="val 18581"/>
+            </a:avLst>
+          </a:prstGeom>
+          <a:ln>
+            <a:solidFill>
+              <a:schemeClr val="tx1"/>
+            </a:solidFill>
+            <a:tailEnd type="triangle"/>
+          </a:ln>
+        </p:spPr>
+        <p:style>
+          <a:lnRef idx="1">
+            <a:schemeClr val="accent1"/>
+          </a:lnRef>
+          <a:fillRef idx="0">
+            <a:schemeClr val="accent1"/>
+          </a:fillRef>
+          <a:effectRef idx="0">
+            <a:schemeClr val="accent1"/>
+          </a:effectRef>
+          <a:fontRef idx="minor">
+            <a:schemeClr val="tx1"/>
+          </a:fontRef>
+        </p:style>
+      </p:cxnSp>
+      <p:cxnSp>
+        <p:nvCxnSpPr>
+          <p:cNvPr id="14" name="Elbow Connector 13"/>
+          <p:cNvCxnSpPr>
+            <a:stCxn id="5" idx="3"/>
+            <a:endCxn id="23" idx="1"/>
+          </p:cNvCxnSpPr>
+          <p:nvPr/>
+        </p:nvCxnSpPr>
+        <p:spPr>
+          <a:xfrm flipV="1">
+            <a:off x="2984399" y="1533722"/>
+            <a:ext cx="750409" cy="362893"/>
+          </a:xfrm>
+          <a:prstGeom prst="bentConnector3">
+            <a:avLst>
+              <a:gd name="adj1" fmla="val 35079"/>
+            </a:avLst>
+          </a:prstGeom>
+          <a:ln>
+            <a:solidFill>
+              <a:schemeClr val="tx1"/>
+            </a:solidFill>
+            <a:tailEnd type="triangle"/>
+          </a:ln>
+        </p:spPr>
+        <p:style>
+          <a:lnRef idx="1">
+            <a:schemeClr val="accent1"/>
+          </a:lnRef>
+          <a:fillRef idx="0">
+            <a:schemeClr val="accent1"/>
+          </a:fillRef>
+          <a:effectRef idx="0">
+            <a:schemeClr val="accent1"/>
+          </a:effectRef>
+          <a:fontRef idx="minor">
+            <a:schemeClr val="tx1"/>
+          </a:fontRef>
+        </p:style>
+      </p:cxnSp>
+      <p:sp>
+        <p:nvSpPr>
+          <p:cNvPr id="15" name="TextBox 14"/>
+          <p:cNvSpPr txBox="1"/>
+          <p:nvPr/>
+        </p:nvSpPr>
+        <p:spPr>
+          <a:xfrm>
+            <a:off x="3162996" y="1324043"/>
+            <a:ext cx="638316" cy="261610"/>
+          </a:xfrm>
+          <a:prstGeom prst="rect">
+            <a:avLst/>
+          </a:prstGeom>
+          <a:noFill/>
+        </p:spPr>
+        <p:txBody>
+          <a:bodyPr wrap="none" rtlCol="0">
+            <a:spAutoFit/>
+          </a:bodyPr>
+          <a:lstStyle/>
+          <a:p>
+            <a:r>
+              <a:rPr lang="en-US" sz="1050" dirty="0" smtClean="0"/>
+              <a:t>IR[11:9]</a:t>
+            </a:r>
+            <a:endParaRPr lang="en-US" sz="1050" dirty="0" smtClean="0"/>
+          </a:p>
+        </p:txBody>
+      </p:sp>
+      <p:sp>
+        <p:nvSpPr>
+          <p:cNvPr id="16" name="TextBox 15"/>
+          <p:cNvSpPr txBox="1"/>
+          <p:nvPr/>
+        </p:nvSpPr>
+        <p:spPr>
+          <a:xfrm>
+            <a:off x="670440" y="2102037"/>
+            <a:ext cx="566181" cy="261610"/>
+          </a:xfrm>
+          <a:prstGeom prst="rect">
+            <a:avLst/>
+          </a:prstGeom>
+          <a:noFill/>
+        </p:spPr>
+        <p:txBody>
+          <a:bodyPr wrap="none" rtlCol="0">
+            <a:spAutoFit/>
+          </a:bodyPr>
+          <a:lstStyle/>
+          <a:p>
+            <a:r>
+              <a:rPr lang="en-US" sz="1050" dirty="0" smtClean="0"/>
+              <a:t>IR[8:6]</a:t>
+            </a:r>
+            <a:endParaRPr lang="en-US" sz="1050" dirty="0" smtClean="0"/>
+          </a:p>
+        </p:txBody>
+      </p:sp>
+      <p:grpSp>
+        <p:nvGrpSpPr>
+          <p:cNvPr id="17" name="Group 16"/>
+          <p:cNvGrpSpPr/>
+          <p:nvPr/>
+        </p:nvGrpSpPr>
+        <p:grpSpPr>
+          <a:xfrm>
+            <a:off x="3417669" y="3063975"/>
+            <a:ext cx="350860" cy="1086445"/>
+            <a:chOff x="11005920" y="326034"/>
+            <a:chExt cx="416408" cy="894454"/>
+          </a:xfrm>
+        </p:grpSpPr>
+        <p:sp>
+          <p:nvSpPr>
+            <p:cNvPr id="18" name="Rounded Rectangle 17"/>
+            <p:cNvSpPr/>
+            <p:nvPr/>
+          </p:nvSpPr>
+          <p:spPr>
+            <a:xfrm rot="16200000">
+              <a:off x="10835778" y="547825"/>
+              <a:ext cx="767752" cy="405348"/>
+            </a:xfrm>
+            <a:prstGeom prst="roundRect">
+              <a:avLst/>
+            </a:prstGeom>
+          </p:spPr>
+          <p:style>
+            <a:lnRef idx="2">
+              <a:schemeClr val="accent1">
+                <a:shade val="50000"/>
+              </a:schemeClr>
+            </a:lnRef>
+            <a:fillRef idx="1">
+              <a:schemeClr val="accent1"/>
+            </a:fillRef>
+            <a:effectRef idx="0">
+              <a:schemeClr val="accent1"/>
+            </a:effectRef>
+            <a:fontRef idx="minor">
+              <a:schemeClr val="lt1"/>
+            </a:fontRef>
+          </p:style>
+          <p:txBody>
+            <a:bodyPr rtlCol="0" anchor="ctr"/>
+            <a:lstStyle/>
+            <a:p>
+              <a:pPr algn="ctr"/>
+              <a:r>
+                <a:rPr lang="en-US" sz="1100" dirty="0" smtClean="0"/>
+                <a:t>Mux</a:t>
+              </a:r>
+              <a:endParaRPr lang="en-US" dirty="0"/>
+            </a:p>
+          </p:txBody>
+        </p:sp>
+        <p:sp>
+          <p:nvSpPr>
+            <p:cNvPr id="19" name="TextBox 18"/>
+            <p:cNvSpPr txBox="1"/>
+            <p:nvPr/>
+          </p:nvSpPr>
+          <p:spPr>
+            <a:xfrm>
+              <a:off x="11068527" y="851156"/>
+              <a:ext cx="301686" cy="369332"/>
+            </a:xfrm>
+            <a:prstGeom prst="rect">
+              <a:avLst/>
+            </a:prstGeom>
+            <a:noFill/>
+          </p:spPr>
+          <p:txBody>
+            <a:bodyPr wrap="none" rtlCol="0">
+              <a:spAutoFit/>
+            </a:bodyPr>
+            <a:lstStyle/>
+            <a:p>
+              <a:r>
+                <a:rPr lang="en-US" dirty="0" smtClean="0"/>
+                <a:t>1</a:t>
+              </a:r>
+              <a:endParaRPr lang="en-US" dirty="0"/>
+            </a:p>
+          </p:txBody>
+        </p:sp>
+        <p:sp>
+          <p:nvSpPr>
+            <p:cNvPr id="20" name="TextBox 19"/>
+            <p:cNvSpPr txBox="1"/>
+            <p:nvPr/>
+          </p:nvSpPr>
+          <p:spPr>
+            <a:xfrm>
+              <a:off x="11005920" y="326034"/>
+              <a:ext cx="301687" cy="369332"/>
+            </a:xfrm>
+            <a:prstGeom prst="rect">
+              <a:avLst/>
+            </a:prstGeom>
+            <a:noFill/>
+          </p:spPr>
+          <p:txBody>
+            <a:bodyPr wrap="none" rtlCol="0">
+              <a:spAutoFit/>
+            </a:bodyPr>
+            <a:lstStyle/>
+            <a:p>
+              <a:r>
+                <a:rPr lang="en-US" dirty="0"/>
+                <a:t>0</a:t>
+              </a:r>
+            </a:p>
+          </p:txBody>
+        </p:sp>
+      </p:grpSp>
+      <p:grpSp>
+        <p:nvGrpSpPr>
+          <p:cNvPr id="21" name="Group 20"/>
+          <p:cNvGrpSpPr/>
+          <p:nvPr/>
+        </p:nvGrpSpPr>
+        <p:grpSpPr>
+          <a:xfrm>
+            <a:off x="3691377" y="647241"/>
+            <a:ext cx="341542" cy="1110785"/>
+            <a:chOff x="11016982" y="305994"/>
+            <a:chExt cx="405348" cy="914494"/>
+          </a:xfrm>
+        </p:grpSpPr>
+        <p:sp>
+          <p:nvSpPr>
+            <p:cNvPr id="22" name="Rounded Rectangle 21"/>
+            <p:cNvSpPr/>
+            <p:nvPr/>
+          </p:nvSpPr>
+          <p:spPr>
+            <a:xfrm rot="16200000">
+              <a:off x="10835780" y="547825"/>
+              <a:ext cx="767752" cy="405348"/>
+            </a:xfrm>
+            <a:prstGeom prst="roundRect">
+              <a:avLst/>
+            </a:prstGeom>
+          </p:spPr>
+          <p:style>
+            <a:lnRef idx="2">
+              <a:schemeClr val="accent1">
+                <a:shade val="50000"/>
+              </a:schemeClr>
+            </a:lnRef>
+            <a:fillRef idx="1">
+              <a:schemeClr val="accent1"/>
+            </a:fillRef>
+            <a:effectRef idx="0">
+              <a:schemeClr val="accent1"/>
+            </a:effectRef>
+            <a:fontRef idx="minor">
+              <a:schemeClr val="lt1"/>
+            </a:fontRef>
+          </p:style>
+          <p:txBody>
+            <a:bodyPr rtlCol="0" anchor="ctr"/>
+            <a:lstStyle/>
+            <a:p>
+              <a:pPr algn="ctr"/>
+              <a:r>
+                <a:rPr lang="en-US" sz="1100" dirty="0" smtClean="0"/>
+                <a:t>Mux</a:t>
+              </a:r>
+              <a:endParaRPr lang="en-US" dirty="0"/>
+            </a:p>
+          </p:txBody>
+        </p:sp>
+        <p:sp>
+          <p:nvSpPr>
+            <p:cNvPr id="23" name="TextBox 22"/>
+            <p:cNvSpPr txBox="1"/>
+            <p:nvPr/>
+          </p:nvSpPr>
+          <p:spPr>
+            <a:xfrm>
+              <a:off x="11068527" y="851156"/>
+              <a:ext cx="301686" cy="369332"/>
+            </a:xfrm>
+            <a:prstGeom prst="rect">
+              <a:avLst/>
+            </a:prstGeom>
+            <a:noFill/>
+          </p:spPr>
+          <p:txBody>
+            <a:bodyPr wrap="none" rtlCol="0">
+              <a:spAutoFit/>
+            </a:bodyPr>
+            <a:lstStyle/>
+            <a:p>
+              <a:r>
+                <a:rPr lang="en-US" dirty="0" smtClean="0"/>
+                <a:t>1</a:t>
+              </a:r>
+              <a:endParaRPr lang="en-US" dirty="0"/>
+            </a:p>
+          </p:txBody>
+        </p:sp>
+        <p:sp>
+          <p:nvSpPr>
+            <p:cNvPr id="24" name="TextBox 23"/>
+            <p:cNvSpPr txBox="1"/>
+            <p:nvPr/>
+          </p:nvSpPr>
+          <p:spPr>
+            <a:xfrm>
+              <a:off x="11031774" y="305994"/>
+              <a:ext cx="301687" cy="369332"/>
+            </a:xfrm>
+            <a:prstGeom prst="rect">
+              <a:avLst/>
+            </a:prstGeom>
+            <a:noFill/>
+          </p:spPr>
+          <p:txBody>
+            <a:bodyPr wrap="none" rtlCol="0">
+              <a:spAutoFit/>
+            </a:bodyPr>
+            <a:lstStyle/>
+            <a:p>
+              <a:r>
+                <a:rPr lang="en-US" dirty="0"/>
+                <a:t>0</a:t>
+              </a:r>
+            </a:p>
+          </p:txBody>
+        </p:sp>
+      </p:grpSp>
+      <p:sp>
+        <p:nvSpPr>
+          <p:cNvPr id="25" name="Rectangle 24"/>
+          <p:cNvSpPr/>
+          <p:nvPr/>
+        </p:nvSpPr>
+        <p:spPr>
+          <a:xfrm>
+            <a:off x="1691218" y="2754312"/>
+            <a:ext cx="537334" cy="479840"/>
+          </a:xfrm>
+          <a:prstGeom prst="rect">
+            <a:avLst/>
+          </a:prstGeom>
+          <a:solidFill>
+            <a:srgbClr val="C00000"/>
+          </a:solidFill>
+          <a:ln>
+            <a:solidFill>
+              <a:schemeClr val="tx1"/>
+            </a:solidFill>
+          </a:ln>
+        </p:spPr>
+        <p:style>
+          <a:lnRef idx="2">
+            <a:schemeClr val="accent1">
+              <a:shade val="50000"/>
+            </a:schemeClr>
+          </a:lnRef>
+          <a:fillRef idx="1">
+            <a:schemeClr val="accent1"/>
+          </a:fillRef>
+          <a:effectRef idx="0">
+            <a:schemeClr val="accent1"/>
+          </a:effectRef>
+          <a:fontRef idx="minor">
+            <a:schemeClr val="lt1"/>
+          </a:fontRef>
+        </p:style>
+        <p:txBody>
+          <a:bodyPr rtlCol="0" anchor="ctr"/>
+          <a:lstStyle/>
+          <a:p>
+            <a:pPr algn="ctr"/>
+            <a:r>
+              <a:rPr lang="en-US" sz="1000" b="1" dirty="0" smtClean="0">
+                <a:solidFill>
+                  <a:schemeClr val="bg1"/>
+                </a:solidFill>
+              </a:rPr>
+              <a:t>000</a:t>
+            </a:r>
+            <a:endParaRPr lang="en-US" sz="1000" b="1" dirty="0">
+              <a:solidFill>
+                <a:schemeClr val="bg1"/>
+              </a:solidFill>
+            </a:endParaRPr>
+          </a:p>
+        </p:txBody>
+      </p:sp>
+      <p:cxnSp>
+        <p:nvCxnSpPr>
+          <p:cNvPr id="26" name="Elbow Connector 25"/>
+          <p:cNvCxnSpPr>
+            <a:stCxn id="25" idx="3"/>
+            <a:endCxn id="20" idx="1"/>
+          </p:cNvCxnSpPr>
+          <p:nvPr/>
+        </p:nvCxnSpPr>
+        <p:spPr>
+          <a:xfrm>
+            <a:off x="2228552" y="2994232"/>
+            <a:ext cx="1189117" cy="294047"/>
+          </a:xfrm>
+          <a:prstGeom prst="bentConnector3">
+            <a:avLst>
+              <a:gd name="adj1" fmla="val 14690"/>
+            </a:avLst>
+          </a:prstGeom>
+          <a:ln>
+            <a:solidFill>
+              <a:schemeClr val="tx1"/>
+            </a:solidFill>
+            <a:tailEnd type="triangle"/>
+          </a:ln>
+        </p:spPr>
+        <p:style>
+          <a:lnRef idx="1">
+            <a:schemeClr val="accent1"/>
+          </a:lnRef>
+          <a:fillRef idx="0">
+            <a:schemeClr val="accent1"/>
+          </a:fillRef>
+          <a:effectRef idx="0">
+            <a:schemeClr val="accent1"/>
+          </a:effectRef>
+          <a:fontRef idx="minor">
+            <a:schemeClr val="tx1"/>
+          </a:fontRef>
+        </p:style>
+      </p:cxnSp>
+      <p:cxnSp>
+        <p:nvCxnSpPr>
+          <p:cNvPr id="27" name="Elbow Connector 26"/>
+          <p:cNvCxnSpPr>
+            <a:stCxn id="5" idx="2"/>
+            <a:endCxn id="19" idx="1"/>
+          </p:cNvCxnSpPr>
+          <p:nvPr/>
+        </p:nvCxnSpPr>
+        <p:spPr>
+          <a:xfrm rot="16200000" flipH="1">
+            <a:off x="2212660" y="2668353"/>
+            <a:ext cx="1796420" cy="719103"/>
+          </a:xfrm>
+          <a:prstGeom prst="bentConnector2">
+            <a:avLst/>
+          </a:prstGeom>
+          <a:ln>
+            <a:solidFill>
+              <a:schemeClr val="tx1"/>
+            </a:solidFill>
+            <a:tailEnd type="triangle"/>
+          </a:ln>
+        </p:spPr>
+        <p:style>
+          <a:lnRef idx="1">
+            <a:schemeClr val="accent1"/>
+          </a:lnRef>
+          <a:fillRef idx="0">
+            <a:schemeClr val="accent1"/>
+          </a:fillRef>
+          <a:effectRef idx="0">
+            <a:schemeClr val="accent1"/>
+          </a:effectRef>
+          <a:fontRef idx="minor">
+            <a:schemeClr val="tx1"/>
+          </a:fontRef>
+        </p:style>
+      </p:cxnSp>
+      <p:sp>
+        <p:nvSpPr>
+          <p:cNvPr id="28" name="TextBox 27"/>
+          <p:cNvSpPr txBox="1"/>
+          <p:nvPr/>
+        </p:nvSpPr>
+        <p:spPr>
+          <a:xfrm>
+            <a:off x="2745616" y="3707717"/>
+            <a:ext cx="566181" cy="261610"/>
+          </a:xfrm>
+          <a:prstGeom prst="rect">
+            <a:avLst/>
+          </a:prstGeom>
+          <a:noFill/>
+        </p:spPr>
+        <p:txBody>
+          <a:bodyPr wrap="none" rtlCol="0">
+            <a:spAutoFit/>
+          </a:bodyPr>
+          <a:lstStyle/>
+          <a:p>
+            <a:r>
+              <a:rPr lang="en-US" sz="1050" dirty="0" smtClean="0"/>
+              <a:t>IR[8:6]</a:t>
+            </a:r>
+            <a:endParaRPr lang="en-US" sz="1050" dirty="0" smtClean="0"/>
+          </a:p>
+        </p:txBody>
+      </p:sp>
+      <p:grpSp>
+        <p:nvGrpSpPr>
+          <p:cNvPr id="29" name="Group 28"/>
+          <p:cNvGrpSpPr/>
+          <p:nvPr/>
+        </p:nvGrpSpPr>
+        <p:grpSpPr>
+          <a:xfrm>
+            <a:off x="4287088" y="5278629"/>
+            <a:ext cx="341542" cy="1171867"/>
+            <a:chOff x="11016982" y="255707"/>
+            <a:chExt cx="405348" cy="964781"/>
+          </a:xfrm>
+        </p:grpSpPr>
+        <p:sp>
+          <p:nvSpPr>
+            <p:cNvPr id="30" name="Rounded Rectangle 29"/>
+            <p:cNvSpPr/>
+            <p:nvPr/>
+          </p:nvSpPr>
+          <p:spPr>
+            <a:xfrm rot="16200000">
+              <a:off x="10835780" y="547825"/>
+              <a:ext cx="767752" cy="405348"/>
+            </a:xfrm>
+            <a:prstGeom prst="roundRect">
+              <a:avLst/>
+            </a:prstGeom>
+          </p:spPr>
+          <p:style>
+            <a:lnRef idx="2">
+              <a:schemeClr val="accent1">
+                <a:shade val="50000"/>
+              </a:schemeClr>
+            </a:lnRef>
+            <a:fillRef idx="1">
+              <a:schemeClr val="accent1"/>
+            </a:fillRef>
+            <a:effectRef idx="0">
+              <a:schemeClr val="accent1"/>
+            </a:effectRef>
+            <a:fontRef idx="minor">
+              <a:schemeClr val="lt1"/>
+            </a:fontRef>
+          </p:style>
+          <p:txBody>
+            <a:bodyPr rtlCol="0" anchor="ctr"/>
+            <a:lstStyle/>
+            <a:p>
+              <a:pPr algn="ctr"/>
+              <a:r>
+                <a:rPr lang="en-US" sz="1100" dirty="0" smtClean="0"/>
+                <a:t>Mux</a:t>
+              </a:r>
+              <a:endParaRPr lang="en-US" dirty="0"/>
+            </a:p>
+          </p:txBody>
+        </p:sp>
+        <p:sp>
+          <p:nvSpPr>
+            <p:cNvPr id="31" name="TextBox 30"/>
+            <p:cNvSpPr txBox="1"/>
+            <p:nvPr/>
+          </p:nvSpPr>
+          <p:spPr>
+            <a:xfrm>
+              <a:off x="11068527" y="851156"/>
+              <a:ext cx="301686" cy="369332"/>
+            </a:xfrm>
+            <a:prstGeom prst="rect">
+              <a:avLst/>
+            </a:prstGeom>
+            <a:noFill/>
+          </p:spPr>
+          <p:txBody>
+            <a:bodyPr wrap="none" rtlCol="0">
+              <a:spAutoFit/>
+            </a:bodyPr>
+            <a:lstStyle/>
+            <a:p>
+              <a:r>
+                <a:rPr lang="en-US" dirty="0" smtClean="0"/>
+                <a:t>1</a:t>
+              </a:r>
+              <a:endParaRPr lang="en-US" dirty="0"/>
+            </a:p>
+          </p:txBody>
+        </p:sp>
+        <p:sp>
+          <p:nvSpPr>
+            <p:cNvPr id="32" name="TextBox 31"/>
+            <p:cNvSpPr txBox="1"/>
+            <p:nvPr/>
+          </p:nvSpPr>
+          <p:spPr>
+            <a:xfrm>
+              <a:off x="11078674" y="255707"/>
+              <a:ext cx="301686" cy="369332"/>
+            </a:xfrm>
+            <a:prstGeom prst="rect">
+              <a:avLst/>
+            </a:prstGeom>
+            <a:noFill/>
+          </p:spPr>
+          <p:txBody>
+            <a:bodyPr wrap="none" rtlCol="0">
+              <a:spAutoFit/>
+            </a:bodyPr>
+            <a:lstStyle/>
+            <a:p>
+              <a:r>
+                <a:rPr lang="en-US" dirty="0"/>
+                <a:t>0</a:t>
+              </a:r>
+            </a:p>
+          </p:txBody>
+        </p:sp>
+      </p:grpSp>
+      <p:cxnSp>
+        <p:nvCxnSpPr>
+          <p:cNvPr id="33" name="Elbow Connector 32"/>
+          <p:cNvCxnSpPr>
+            <a:stCxn id="5" idx="2"/>
+            <a:endCxn id="32" idx="1"/>
+          </p:cNvCxnSpPr>
+          <p:nvPr/>
+        </p:nvCxnSpPr>
+        <p:spPr>
+          <a:xfrm rot="16200000" flipH="1">
+            <a:off x="1858575" y="3022438"/>
+            <a:ext cx="3373237" cy="1587750"/>
+          </a:xfrm>
+          <a:prstGeom prst="bentConnector2">
+            <a:avLst/>
+          </a:prstGeom>
+          <a:ln>
+            <a:solidFill>
+              <a:schemeClr val="tx1"/>
+            </a:solidFill>
+            <a:tailEnd type="triangle"/>
+          </a:ln>
+        </p:spPr>
+        <p:style>
+          <a:lnRef idx="1">
+            <a:schemeClr val="accent1"/>
+          </a:lnRef>
+          <a:fillRef idx="0">
+            <a:schemeClr val="accent1"/>
+          </a:fillRef>
+          <a:effectRef idx="0">
+            <a:schemeClr val="accent1"/>
+          </a:effectRef>
+          <a:fontRef idx="minor">
+            <a:schemeClr val="tx1"/>
+          </a:fontRef>
+        </p:style>
+      </p:cxnSp>
+      <p:cxnSp>
+        <p:nvCxnSpPr>
+          <p:cNvPr id="34" name="Elbow Connector 33"/>
+          <p:cNvCxnSpPr>
+            <a:stCxn id="5" idx="2"/>
+            <a:endCxn id="31" idx="1"/>
+          </p:cNvCxnSpPr>
+          <p:nvPr/>
+        </p:nvCxnSpPr>
+        <p:spPr>
+          <a:xfrm rot="16200000" flipH="1">
+            <a:off x="1492670" y="3388342"/>
+            <a:ext cx="4096496" cy="1579200"/>
+          </a:xfrm>
+          <a:prstGeom prst="bentConnector2">
+            <a:avLst/>
+          </a:prstGeom>
+          <a:ln>
+            <a:solidFill>
+              <a:schemeClr val="tx1"/>
+            </a:solidFill>
+            <a:tailEnd type="triangle"/>
+          </a:ln>
+        </p:spPr>
+        <p:style>
+          <a:lnRef idx="1">
+            <a:schemeClr val="accent1"/>
+          </a:lnRef>
+          <a:fillRef idx="0">
+            <a:schemeClr val="accent1"/>
+          </a:fillRef>
+          <a:effectRef idx="0">
+            <a:schemeClr val="accent1"/>
+          </a:effectRef>
+          <a:fontRef idx="minor">
+            <a:schemeClr val="tx1"/>
+          </a:fontRef>
+        </p:style>
+      </p:cxnSp>
+      <p:sp>
+        <p:nvSpPr>
+          <p:cNvPr id="35" name="Oval 34"/>
+          <p:cNvSpPr/>
+          <p:nvPr/>
+        </p:nvSpPr>
+        <p:spPr>
+          <a:xfrm>
+            <a:off x="3180309" y="6182259"/>
+            <a:ext cx="93232" cy="93232"/>
+          </a:xfrm>
+          <a:prstGeom prst="ellipse">
+            <a:avLst/>
+          </a:prstGeom>
+          <a:solidFill>
+            <a:schemeClr val="tx1"/>
+          </a:solidFill>
+          <a:ln>
+            <a:solidFill>
+              <a:schemeClr val="tx1"/>
+            </a:solidFill>
+          </a:ln>
+        </p:spPr>
+        <p:style>
+          <a:lnRef idx="2">
+            <a:schemeClr val="accent1">
+              <a:shade val="50000"/>
+            </a:schemeClr>
+          </a:lnRef>
+          <a:fillRef idx="1">
+            <a:schemeClr val="accent1"/>
+          </a:fillRef>
+          <a:effectRef idx="0">
+            <a:schemeClr val="accent1"/>
+          </a:effectRef>
+          <a:fontRef idx="minor">
+            <a:schemeClr val="lt1"/>
+          </a:fontRef>
+        </p:style>
+        <p:txBody>
+          <a:bodyPr rtlCol="0" anchor="ctr"/>
+          <a:lstStyle/>
+          <a:p>
+            <a:pPr algn="ctr"/>
+            <a:endParaRPr lang="en-US"/>
+          </a:p>
+        </p:txBody>
+      </p:sp>
+      <p:cxnSp>
+        <p:nvCxnSpPr>
+          <p:cNvPr id="36" name="Elbow Connector 35"/>
+          <p:cNvCxnSpPr>
+            <a:stCxn id="35" idx="4"/>
+            <a:endCxn id="37" idx="3"/>
+          </p:cNvCxnSpPr>
+          <p:nvPr/>
+        </p:nvCxnSpPr>
+        <p:spPr>
+          <a:xfrm rot="5400000">
+            <a:off x="2964537" y="6251284"/>
+            <a:ext cx="238183" cy="286597"/>
+          </a:xfrm>
+          <a:prstGeom prst="bentConnector2">
+            <a:avLst/>
+          </a:prstGeom>
+          <a:ln>
+            <a:solidFill>
+              <a:schemeClr val="tx1"/>
+            </a:solidFill>
+          </a:ln>
+        </p:spPr>
+        <p:style>
+          <a:lnRef idx="1">
+            <a:schemeClr val="accent1"/>
+          </a:lnRef>
+          <a:fillRef idx="0">
+            <a:schemeClr val="accent1"/>
+          </a:fillRef>
+          <a:effectRef idx="0">
+            <a:schemeClr val="accent1"/>
+          </a:effectRef>
+          <a:fontRef idx="minor">
+            <a:schemeClr val="tx1"/>
+          </a:fontRef>
+        </p:style>
+      </p:cxnSp>
+      <p:sp>
+        <p:nvSpPr>
+          <p:cNvPr id="37" name="Rectangle 36"/>
+          <p:cNvSpPr/>
+          <p:nvPr/>
+        </p:nvSpPr>
+        <p:spPr>
+          <a:xfrm>
+            <a:off x="2506056" y="6295656"/>
+            <a:ext cx="434273" cy="436036"/>
+          </a:xfrm>
+          <a:prstGeom prst="rect">
+            <a:avLst/>
+          </a:prstGeom>
+          <a:solidFill>
+            <a:srgbClr val="C00000"/>
+          </a:solidFill>
+          <a:ln>
+            <a:solidFill>
+              <a:schemeClr val="tx1"/>
+            </a:solidFill>
+          </a:ln>
+        </p:spPr>
+        <p:style>
+          <a:lnRef idx="2">
+            <a:schemeClr val="accent1">
+              <a:shade val="50000"/>
+            </a:schemeClr>
+          </a:lnRef>
+          <a:fillRef idx="1">
+            <a:schemeClr val="accent1"/>
+          </a:fillRef>
+          <a:effectRef idx="0">
+            <a:schemeClr val="accent1"/>
+          </a:effectRef>
+          <a:fontRef idx="minor">
+            <a:schemeClr val="lt1"/>
+          </a:fontRef>
+        </p:style>
+        <p:txBody>
+          <a:bodyPr rtlCol="0" anchor="ctr"/>
+          <a:lstStyle/>
+          <a:p>
+            <a:pPr algn="ctr"/>
+            <a:r>
+              <a:rPr lang="en-US" sz="1100" b="1" dirty="0" smtClean="0">
+                <a:solidFill>
+                  <a:schemeClr val="bg1"/>
+                </a:solidFill>
+              </a:rPr>
+              <a:t>00</a:t>
+            </a:r>
+            <a:endParaRPr lang="en-US" sz="1100" b="1" dirty="0">
+              <a:solidFill>
+                <a:schemeClr val="bg1"/>
+              </a:solidFill>
+            </a:endParaRPr>
+          </a:p>
+        </p:txBody>
+      </p:sp>
+      <p:sp>
+        <p:nvSpPr>
+          <p:cNvPr id="38" name="TextBox 37"/>
+          <p:cNvSpPr txBox="1"/>
+          <p:nvPr/>
+        </p:nvSpPr>
+        <p:spPr>
+          <a:xfrm>
+            <a:off x="2702597" y="6033134"/>
+            <a:ext cx="566181" cy="261610"/>
+          </a:xfrm>
+          <a:prstGeom prst="rect">
+            <a:avLst/>
+          </a:prstGeom>
+          <a:noFill/>
+        </p:spPr>
+        <p:txBody>
+          <a:bodyPr wrap="none" rtlCol="0">
+            <a:spAutoFit/>
+          </a:bodyPr>
+          <a:lstStyle/>
+          <a:p>
+            <a:r>
+              <a:rPr lang="en-US" sz="1050" dirty="0" smtClean="0"/>
+              <a:t>IR[9:0]</a:t>
+            </a:r>
+          </a:p>
+        </p:txBody>
+      </p:sp>
+      <p:sp>
+        <p:nvSpPr>
+          <p:cNvPr id="39" name="TextBox 38"/>
+          <p:cNvSpPr txBox="1"/>
+          <p:nvPr/>
+        </p:nvSpPr>
+        <p:spPr>
+          <a:xfrm>
+            <a:off x="3753712" y="5438079"/>
+            <a:ext cx="638316" cy="261610"/>
+          </a:xfrm>
+          <a:prstGeom prst="rect">
+            <a:avLst/>
+          </a:prstGeom>
+          <a:noFill/>
+        </p:spPr>
+        <p:txBody>
+          <a:bodyPr wrap="none" rtlCol="0">
+            <a:spAutoFit/>
+          </a:bodyPr>
+          <a:lstStyle/>
+          <a:p>
+            <a:r>
+              <a:rPr lang="en-US" sz="1050" dirty="0" smtClean="0"/>
+              <a:t>IR[11:0]</a:t>
+            </a:r>
+          </a:p>
+        </p:txBody>
+      </p:sp>
+      <p:cxnSp>
+        <p:nvCxnSpPr>
+          <p:cNvPr id="41" name="Elbow Connector 40"/>
+          <p:cNvCxnSpPr>
+            <a:stCxn id="22" idx="2"/>
+            <a:endCxn id="8" idx="1"/>
+          </p:cNvCxnSpPr>
+          <p:nvPr/>
+        </p:nvCxnSpPr>
+        <p:spPr>
+          <a:xfrm>
+            <a:off x="4032919" y="1187158"/>
+            <a:ext cx="383526" cy="282205"/>
+          </a:xfrm>
+          <a:prstGeom prst="bentConnector3">
+            <a:avLst>
+              <a:gd name="adj1" fmla="val 50000"/>
+            </a:avLst>
+          </a:prstGeom>
+          <a:ln>
+            <a:solidFill>
+              <a:schemeClr val="tx1"/>
+            </a:solidFill>
+            <a:tailEnd type="triangle"/>
+          </a:ln>
+        </p:spPr>
+        <p:style>
+          <a:lnRef idx="1">
+            <a:schemeClr val="accent1"/>
+          </a:lnRef>
+          <a:fillRef idx="0">
+            <a:schemeClr val="accent1"/>
+          </a:fillRef>
+          <a:effectRef idx="0">
+            <a:schemeClr val="accent1"/>
+          </a:effectRef>
+          <a:fontRef idx="minor">
+            <a:schemeClr val="tx1"/>
+          </a:fontRef>
+        </p:style>
+      </p:cxnSp>
+      <p:cxnSp>
+        <p:nvCxnSpPr>
+          <p:cNvPr id="42" name="Elbow Connector 41"/>
+          <p:cNvCxnSpPr>
+            <a:stCxn id="18" idx="2"/>
+            <a:endCxn id="10" idx="1"/>
+          </p:cNvCxnSpPr>
+          <p:nvPr/>
+        </p:nvCxnSpPr>
+        <p:spPr>
+          <a:xfrm>
+            <a:off x="3768544" y="3579549"/>
+            <a:ext cx="662703" cy="193687"/>
+          </a:xfrm>
+          <a:prstGeom prst="bentConnector3">
+            <a:avLst/>
+          </a:prstGeom>
+          <a:ln>
+            <a:solidFill>
+              <a:schemeClr val="tx1"/>
+            </a:solidFill>
+            <a:tailEnd type="triangle"/>
+          </a:ln>
+        </p:spPr>
+        <p:style>
+          <a:lnRef idx="1">
+            <a:schemeClr val="accent1"/>
+          </a:lnRef>
+          <a:fillRef idx="0">
+            <a:schemeClr val="accent1"/>
+          </a:fillRef>
+          <a:effectRef idx="0">
+            <a:schemeClr val="accent1"/>
+          </a:effectRef>
+          <a:fontRef idx="minor">
+            <a:schemeClr val="tx1"/>
+          </a:fontRef>
+        </p:style>
+      </p:cxnSp>
+      <p:sp>
+        <p:nvSpPr>
+          <p:cNvPr id="43" name="Oval 42"/>
+          <p:cNvSpPr/>
+          <p:nvPr/>
+        </p:nvSpPr>
+        <p:spPr>
+          <a:xfrm>
+            <a:off x="5026560" y="5361917"/>
+            <a:ext cx="853533" cy="853533"/>
+          </a:xfrm>
+          <a:prstGeom prst="ellipse">
+            <a:avLst/>
+          </a:prstGeom>
+        </p:spPr>
+        <p:style>
+          <a:lnRef idx="2">
+            <a:schemeClr val="accent1">
+              <a:shade val="50000"/>
+            </a:schemeClr>
+          </a:lnRef>
+          <a:fillRef idx="1">
+            <a:schemeClr val="accent1"/>
+          </a:fillRef>
+          <a:effectRef idx="0">
+            <a:schemeClr val="accent1"/>
+          </a:effectRef>
+          <a:fontRef idx="minor">
+            <a:schemeClr val="lt1"/>
+          </a:fontRef>
+        </p:style>
+        <p:txBody>
+          <a:bodyPr rtlCol="0" anchor="ctr"/>
+          <a:lstStyle/>
+          <a:p>
+            <a:pPr algn="ctr"/>
+            <a:r>
+              <a:rPr lang="en-US" sz="1200" dirty="0" smtClean="0">
+                <a:solidFill>
+                  <a:schemeClr val="bg1"/>
+                </a:solidFill>
+              </a:rPr>
+              <a:t>Sign Ext.</a:t>
+            </a:r>
+            <a:endParaRPr lang="en-US" sz="1200" dirty="0">
+              <a:solidFill>
+                <a:schemeClr val="bg1"/>
+              </a:solidFill>
+            </a:endParaRPr>
+          </a:p>
+        </p:txBody>
+      </p:sp>
+      <p:cxnSp>
+        <p:nvCxnSpPr>
+          <p:cNvPr id="44" name="Elbow Connector 43"/>
+          <p:cNvCxnSpPr>
+            <a:stCxn id="30" idx="2"/>
+            <a:endCxn id="43" idx="2"/>
+          </p:cNvCxnSpPr>
+          <p:nvPr/>
+        </p:nvCxnSpPr>
+        <p:spPr>
+          <a:xfrm flipV="1">
+            <a:off x="4628630" y="5788684"/>
+            <a:ext cx="397930" cy="90942"/>
+          </a:xfrm>
+          <a:prstGeom prst="bentConnector3">
+            <a:avLst/>
+          </a:prstGeom>
+          <a:ln>
+            <a:solidFill>
+              <a:schemeClr val="tx1"/>
+            </a:solidFill>
+            <a:tailEnd type="triangle"/>
+          </a:ln>
+        </p:spPr>
+        <p:style>
+          <a:lnRef idx="1">
+            <a:schemeClr val="accent1"/>
+          </a:lnRef>
+          <a:fillRef idx="0">
+            <a:schemeClr val="accent1"/>
+          </a:fillRef>
+          <a:effectRef idx="0">
+            <a:schemeClr val="accent1"/>
+          </a:effectRef>
+          <a:fontRef idx="minor">
+            <a:schemeClr val="tx1"/>
+          </a:fontRef>
+        </p:style>
+      </p:cxnSp>
+      <p:sp>
+        <p:nvSpPr>
+          <p:cNvPr id="45" name="Rectangle 44"/>
+          <p:cNvSpPr/>
+          <p:nvPr/>
+        </p:nvSpPr>
+        <p:spPr>
+          <a:xfrm>
+            <a:off x="7950597" y="1042536"/>
+            <a:ext cx="560660" cy="500669"/>
+          </a:xfrm>
+          <a:prstGeom prst="rect">
+            <a:avLst/>
+          </a:prstGeom>
+          <a:solidFill>
+            <a:srgbClr val="FFC000"/>
+          </a:solidFill>
+          <a:ln>
+            <a:solidFill>
+              <a:schemeClr val="tx1"/>
+            </a:solidFill>
+          </a:ln>
+        </p:spPr>
+        <p:style>
+          <a:lnRef idx="2">
+            <a:schemeClr val="accent1">
+              <a:shade val="50000"/>
+            </a:schemeClr>
+          </a:lnRef>
+          <a:fillRef idx="1">
+            <a:schemeClr val="accent1"/>
+          </a:fillRef>
+          <a:effectRef idx="0">
+            <a:schemeClr val="accent1"/>
+          </a:effectRef>
+          <a:fontRef idx="minor">
+            <a:schemeClr val="lt1"/>
+          </a:fontRef>
+        </p:style>
+        <p:txBody>
+          <a:bodyPr rtlCol="0" anchor="ctr"/>
+          <a:lstStyle/>
+          <a:p>
+            <a:pPr algn="ctr"/>
+            <a:r>
+              <a:rPr lang="en-US" sz="1200" dirty="0" smtClean="0">
+                <a:solidFill>
+                  <a:schemeClr val="tx1"/>
+                </a:solidFill>
+              </a:rPr>
+              <a:t>AiA</a:t>
+            </a:r>
+            <a:endParaRPr lang="en-US" sz="1200" dirty="0">
+              <a:solidFill>
+                <a:schemeClr val="tx1"/>
+              </a:solidFill>
+            </a:endParaRPr>
+          </a:p>
+        </p:txBody>
+      </p:sp>
+      <p:sp>
+        <p:nvSpPr>
+          <p:cNvPr id="46" name="Rectangle 45"/>
+          <p:cNvSpPr/>
+          <p:nvPr/>
+        </p:nvSpPr>
+        <p:spPr>
+          <a:xfrm>
+            <a:off x="7950597" y="2093003"/>
+            <a:ext cx="560660" cy="500669"/>
+          </a:xfrm>
+          <a:prstGeom prst="rect">
+            <a:avLst/>
+          </a:prstGeom>
+          <a:solidFill>
+            <a:srgbClr val="FFC000"/>
+          </a:solidFill>
+          <a:ln>
+            <a:solidFill>
+              <a:schemeClr val="tx1"/>
+            </a:solidFill>
+          </a:ln>
+        </p:spPr>
+        <p:style>
+          <a:lnRef idx="2">
+            <a:schemeClr val="accent1">
+              <a:shade val="50000"/>
+            </a:schemeClr>
+          </a:lnRef>
+          <a:fillRef idx="1">
+            <a:schemeClr val="accent1"/>
+          </a:fillRef>
+          <a:effectRef idx="0">
+            <a:schemeClr val="accent1"/>
+          </a:effectRef>
+          <a:fontRef idx="minor">
+            <a:schemeClr val="lt1"/>
+          </a:fontRef>
+        </p:style>
+        <p:txBody>
+          <a:bodyPr rtlCol="0" anchor="ctr"/>
+          <a:lstStyle/>
+          <a:p>
+            <a:pPr algn="ctr"/>
+            <a:r>
+              <a:rPr lang="en-US" sz="1200" dirty="0" err="1" smtClean="0">
+                <a:solidFill>
+                  <a:schemeClr val="tx1"/>
+                </a:solidFill>
+              </a:rPr>
+              <a:t>AiB</a:t>
+            </a:r>
+            <a:endParaRPr lang="en-US" sz="1200" dirty="0">
+              <a:solidFill>
+                <a:schemeClr val="tx1"/>
+              </a:solidFill>
+            </a:endParaRPr>
+          </a:p>
+        </p:txBody>
+      </p:sp>
+      <p:sp>
+        <p:nvSpPr>
+          <p:cNvPr id="47" name="Rectangle 46"/>
+          <p:cNvSpPr/>
+          <p:nvPr/>
+        </p:nvSpPr>
+        <p:spPr>
+          <a:xfrm>
+            <a:off x="9008556" y="1292870"/>
+            <a:ext cx="1098060" cy="1098060"/>
+          </a:xfrm>
+          <a:prstGeom prst="rect">
+            <a:avLst/>
+          </a:prstGeom>
+        </p:spPr>
+        <p:style>
+          <a:lnRef idx="2">
+            <a:schemeClr val="accent1">
+              <a:shade val="50000"/>
+            </a:schemeClr>
+          </a:lnRef>
+          <a:fillRef idx="1">
+            <a:schemeClr val="accent1"/>
+          </a:fillRef>
+          <a:effectRef idx="0">
+            <a:schemeClr val="accent1"/>
+          </a:effectRef>
+          <a:fontRef idx="minor">
+            <a:schemeClr val="lt1"/>
+          </a:fontRef>
+        </p:style>
+        <p:txBody>
+          <a:bodyPr rtlCol="0" anchor="ctr"/>
+          <a:lstStyle/>
+          <a:p>
+            <a:pPr algn="ctr"/>
+            <a:r>
+              <a:rPr lang="en-US" dirty="0" smtClean="0"/>
+              <a:t>ALU</a:t>
+            </a:r>
+            <a:endParaRPr lang="en-US" dirty="0"/>
+          </a:p>
+        </p:txBody>
+      </p:sp>
+      <p:cxnSp>
+        <p:nvCxnSpPr>
+          <p:cNvPr id="48" name="Elbow Connector 47"/>
+          <p:cNvCxnSpPr>
+            <a:stCxn id="45" idx="3"/>
+            <a:endCxn id="207" idx="1"/>
+          </p:cNvCxnSpPr>
+          <p:nvPr/>
+        </p:nvCxnSpPr>
+        <p:spPr>
+          <a:xfrm>
+            <a:off x="8511257" y="1292871"/>
+            <a:ext cx="498182" cy="190331"/>
+          </a:xfrm>
+          <a:prstGeom prst="bentConnector3">
+            <a:avLst/>
+          </a:prstGeom>
+          <a:ln>
+            <a:solidFill>
+              <a:schemeClr val="tx1"/>
+            </a:solidFill>
+            <a:tailEnd type="triangle"/>
+          </a:ln>
+        </p:spPr>
+        <p:style>
+          <a:lnRef idx="1">
+            <a:schemeClr val="accent1"/>
+          </a:lnRef>
+          <a:fillRef idx="0">
+            <a:schemeClr val="accent1"/>
+          </a:fillRef>
+          <a:effectRef idx="0">
+            <a:schemeClr val="accent1"/>
+          </a:effectRef>
+          <a:fontRef idx="minor">
+            <a:schemeClr val="tx1"/>
+          </a:fontRef>
+        </p:style>
+      </p:cxnSp>
+      <p:cxnSp>
+        <p:nvCxnSpPr>
+          <p:cNvPr id="49" name="Elbow Connector 48"/>
+          <p:cNvCxnSpPr>
+            <a:stCxn id="46" idx="3"/>
+            <a:endCxn id="208" idx="1"/>
+          </p:cNvCxnSpPr>
+          <p:nvPr/>
+        </p:nvCxnSpPr>
+        <p:spPr>
+          <a:xfrm flipV="1">
+            <a:off x="8511257" y="2211109"/>
+            <a:ext cx="486277" cy="132229"/>
+          </a:xfrm>
+          <a:prstGeom prst="bentConnector3">
+            <a:avLst>
+              <a:gd name="adj1" fmla="val 26975"/>
+            </a:avLst>
+          </a:prstGeom>
+          <a:ln>
+            <a:solidFill>
+              <a:schemeClr val="tx1"/>
+            </a:solidFill>
+            <a:tailEnd type="triangle"/>
+          </a:ln>
+        </p:spPr>
+        <p:style>
+          <a:lnRef idx="1">
+            <a:schemeClr val="accent1"/>
+          </a:lnRef>
+          <a:fillRef idx="0">
+            <a:schemeClr val="accent1"/>
+          </a:fillRef>
+          <a:effectRef idx="0">
+            <a:schemeClr val="accent1"/>
+          </a:effectRef>
+          <a:fontRef idx="minor">
+            <a:schemeClr val="tx1"/>
+          </a:fontRef>
+        </p:style>
+      </p:cxnSp>
+      <p:grpSp>
+        <p:nvGrpSpPr>
+          <p:cNvPr id="50" name="Group 49"/>
+          <p:cNvGrpSpPr/>
+          <p:nvPr/>
+        </p:nvGrpSpPr>
+        <p:grpSpPr>
+          <a:xfrm>
+            <a:off x="7223340" y="1653430"/>
+            <a:ext cx="348641" cy="1087508"/>
+            <a:chOff x="11008556" y="325158"/>
+            <a:chExt cx="413774" cy="895330"/>
+          </a:xfrm>
+        </p:grpSpPr>
+        <p:sp>
+          <p:nvSpPr>
+            <p:cNvPr id="51" name="Rounded Rectangle 50"/>
+            <p:cNvSpPr/>
+            <p:nvPr/>
+          </p:nvSpPr>
+          <p:spPr>
+            <a:xfrm rot="16200000">
+              <a:off x="10835780" y="547825"/>
+              <a:ext cx="767752" cy="405348"/>
+            </a:xfrm>
+            <a:prstGeom prst="roundRect">
+              <a:avLst/>
+            </a:prstGeom>
+          </p:spPr>
+          <p:style>
+            <a:lnRef idx="2">
+              <a:schemeClr val="accent1">
+                <a:shade val="50000"/>
+              </a:schemeClr>
+            </a:lnRef>
+            <a:fillRef idx="1">
+              <a:schemeClr val="accent1"/>
+            </a:fillRef>
+            <a:effectRef idx="0">
+              <a:schemeClr val="accent1"/>
+            </a:effectRef>
+            <a:fontRef idx="minor">
+              <a:schemeClr val="lt1"/>
+            </a:fontRef>
+          </p:style>
+          <p:txBody>
+            <a:bodyPr rtlCol="0" anchor="ctr"/>
+            <a:lstStyle/>
+            <a:p>
+              <a:pPr algn="ctr"/>
+              <a:r>
+                <a:rPr lang="en-US" sz="1100" dirty="0" smtClean="0"/>
+                <a:t>Mux</a:t>
+              </a:r>
+              <a:endParaRPr lang="en-US" dirty="0"/>
+            </a:p>
+          </p:txBody>
+        </p:sp>
+        <p:sp>
+          <p:nvSpPr>
+            <p:cNvPr id="52" name="TextBox 51"/>
+            <p:cNvSpPr txBox="1"/>
+            <p:nvPr/>
+          </p:nvSpPr>
+          <p:spPr>
+            <a:xfrm>
+              <a:off x="11068527" y="851156"/>
+              <a:ext cx="301686" cy="369332"/>
+            </a:xfrm>
+            <a:prstGeom prst="rect">
+              <a:avLst/>
+            </a:prstGeom>
+            <a:noFill/>
+          </p:spPr>
+          <p:txBody>
+            <a:bodyPr wrap="none" rtlCol="0">
+              <a:spAutoFit/>
+            </a:bodyPr>
+            <a:lstStyle/>
+            <a:p>
+              <a:r>
+                <a:rPr lang="en-US" dirty="0" smtClean="0"/>
+                <a:t>1</a:t>
+              </a:r>
+              <a:endParaRPr lang="en-US" dirty="0"/>
+            </a:p>
+          </p:txBody>
+        </p:sp>
+        <p:sp>
+          <p:nvSpPr>
+            <p:cNvPr id="53" name="TextBox 52"/>
+            <p:cNvSpPr txBox="1"/>
+            <p:nvPr/>
+          </p:nvSpPr>
+          <p:spPr>
+            <a:xfrm>
+              <a:off x="11008556" y="325158"/>
+              <a:ext cx="301687" cy="369332"/>
+            </a:xfrm>
+            <a:prstGeom prst="rect">
+              <a:avLst/>
+            </a:prstGeom>
+            <a:noFill/>
+          </p:spPr>
+          <p:txBody>
+            <a:bodyPr wrap="none" rtlCol="0">
+              <a:spAutoFit/>
+            </a:bodyPr>
+            <a:lstStyle/>
+            <a:p>
+              <a:r>
+                <a:rPr lang="en-US" dirty="0"/>
+                <a:t>0</a:t>
+              </a:r>
+            </a:p>
+          </p:txBody>
+        </p:sp>
+      </p:grpSp>
+      <p:cxnSp>
+        <p:nvCxnSpPr>
+          <p:cNvPr id="54" name="Elbow Connector 53"/>
+          <p:cNvCxnSpPr>
+            <a:stCxn id="43" idx="6"/>
+            <a:endCxn id="52" idx="1"/>
+          </p:cNvCxnSpPr>
+          <p:nvPr/>
+        </p:nvCxnSpPr>
+        <p:spPr>
+          <a:xfrm flipV="1">
+            <a:off x="5880093" y="2516635"/>
+            <a:ext cx="1393779" cy="3272049"/>
+          </a:xfrm>
+          <a:prstGeom prst="bentConnector3">
+            <a:avLst>
+              <a:gd name="adj1" fmla="val 75615"/>
+            </a:avLst>
+          </a:prstGeom>
+          <a:ln>
+            <a:solidFill>
+              <a:schemeClr val="tx1"/>
+            </a:solidFill>
+            <a:tailEnd type="triangle"/>
+          </a:ln>
+        </p:spPr>
+        <p:style>
+          <a:lnRef idx="1">
+            <a:schemeClr val="accent1"/>
+          </a:lnRef>
+          <a:fillRef idx="0">
+            <a:schemeClr val="accent1"/>
+          </a:fillRef>
+          <a:effectRef idx="0">
+            <a:schemeClr val="accent1"/>
+          </a:effectRef>
+          <a:fontRef idx="minor">
+            <a:schemeClr val="tx1"/>
+          </a:fontRef>
+        </p:style>
+      </p:cxnSp>
+      <p:cxnSp>
+        <p:nvCxnSpPr>
+          <p:cNvPr id="55" name="Elbow Connector 54"/>
+          <p:cNvCxnSpPr>
+            <a:stCxn id="51" idx="2"/>
+            <a:endCxn id="46" idx="1"/>
+          </p:cNvCxnSpPr>
+          <p:nvPr/>
+        </p:nvCxnSpPr>
+        <p:spPr>
+          <a:xfrm>
+            <a:off x="7571981" y="2170068"/>
+            <a:ext cx="378616" cy="173270"/>
+          </a:xfrm>
+          <a:prstGeom prst="bentConnector3">
+            <a:avLst>
+              <a:gd name="adj1" fmla="val 50000"/>
+            </a:avLst>
+          </a:prstGeom>
+          <a:ln>
+            <a:solidFill>
+              <a:schemeClr val="tx1"/>
+            </a:solidFill>
+            <a:tailEnd type="triangle"/>
+          </a:ln>
+        </p:spPr>
+        <p:style>
+          <a:lnRef idx="1">
+            <a:schemeClr val="accent1"/>
+          </a:lnRef>
+          <a:fillRef idx="0">
+            <a:schemeClr val="accent1"/>
+          </a:fillRef>
+          <a:effectRef idx="0">
+            <a:schemeClr val="accent1"/>
+          </a:effectRef>
+          <a:fontRef idx="minor">
+            <a:schemeClr val="tx1"/>
+          </a:fontRef>
+        </p:style>
+      </p:cxnSp>
+      <p:sp>
+        <p:nvSpPr>
+          <p:cNvPr id="56" name="TextBox 55"/>
+          <p:cNvSpPr txBox="1"/>
+          <p:nvPr/>
+        </p:nvSpPr>
+        <p:spPr>
+          <a:xfrm>
+            <a:off x="5885928" y="1951723"/>
+            <a:ext cx="843523" cy="443514"/>
+          </a:xfrm>
+          <a:prstGeom prst="rect">
+            <a:avLst/>
+          </a:prstGeom>
+          <a:noFill/>
+        </p:spPr>
+        <p:txBody>
+          <a:bodyPr wrap="none" rtlCol="0">
+            <a:spAutoFit/>
+          </a:bodyPr>
+          <a:lstStyle/>
+          <a:p>
+            <a:r>
+              <a:rPr lang="en-US" dirty="0" smtClean="0"/>
+              <a:t>r2out</a:t>
+            </a:r>
+            <a:endParaRPr lang="en-US" dirty="0"/>
+          </a:p>
+        </p:txBody>
+      </p:sp>
+      <p:cxnSp>
+        <p:nvCxnSpPr>
+          <p:cNvPr id="57" name="Elbow Connector 56"/>
+          <p:cNvCxnSpPr>
+            <a:stCxn id="56" idx="3"/>
+            <a:endCxn id="53" idx="1"/>
+          </p:cNvCxnSpPr>
+          <p:nvPr/>
+        </p:nvCxnSpPr>
+        <p:spPr>
+          <a:xfrm flipV="1">
+            <a:off x="6729451" y="1877735"/>
+            <a:ext cx="493890" cy="295745"/>
+          </a:xfrm>
+          <a:prstGeom prst="bentConnector3">
+            <a:avLst/>
+          </a:prstGeom>
+          <a:ln>
+            <a:solidFill>
+              <a:schemeClr val="tx1"/>
+            </a:solidFill>
+            <a:tailEnd type="triangle"/>
+          </a:ln>
+        </p:spPr>
+        <p:style>
+          <a:lnRef idx="1">
+            <a:schemeClr val="accent1"/>
+          </a:lnRef>
+          <a:fillRef idx="0">
+            <a:schemeClr val="accent1"/>
+          </a:fillRef>
+          <a:effectRef idx="0">
+            <a:schemeClr val="accent1"/>
+          </a:effectRef>
+          <a:fontRef idx="minor">
+            <a:schemeClr val="tx1"/>
+          </a:fontRef>
+        </p:style>
+      </p:cxnSp>
+      <p:sp>
+        <p:nvSpPr>
+          <p:cNvPr id="58" name="Rectangle 57"/>
+          <p:cNvSpPr/>
+          <p:nvPr/>
+        </p:nvSpPr>
+        <p:spPr>
+          <a:xfrm>
+            <a:off x="10603915" y="2092398"/>
+            <a:ext cx="862871" cy="770543"/>
+          </a:xfrm>
+          <a:prstGeom prst="rect">
+            <a:avLst/>
+          </a:prstGeom>
+          <a:solidFill>
+            <a:srgbClr val="FFC000"/>
+          </a:solidFill>
+          <a:ln>
+            <a:solidFill>
+              <a:schemeClr val="tx1"/>
+            </a:solidFill>
+          </a:ln>
+        </p:spPr>
+        <p:style>
+          <a:lnRef idx="2">
+            <a:schemeClr val="accent1">
+              <a:shade val="50000"/>
+            </a:schemeClr>
+          </a:lnRef>
+          <a:fillRef idx="1">
+            <a:schemeClr val="accent1"/>
+          </a:fillRef>
+          <a:effectRef idx="0">
+            <a:schemeClr val="accent1"/>
+          </a:effectRef>
+          <a:fontRef idx="minor">
+            <a:schemeClr val="lt1"/>
+          </a:fontRef>
+        </p:style>
+        <p:txBody>
+          <a:bodyPr rtlCol="0" anchor="ctr"/>
+          <a:lstStyle/>
+          <a:p>
+            <a:pPr algn="ctr"/>
+            <a:r>
+              <a:rPr lang="en-US" sz="1200" dirty="0" smtClean="0">
+                <a:solidFill>
+                  <a:schemeClr val="tx1"/>
+                </a:solidFill>
+              </a:rPr>
+              <a:t>ALUout</a:t>
+            </a:r>
+            <a:endParaRPr lang="en-US" sz="1200" dirty="0">
+              <a:solidFill>
+                <a:schemeClr val="tx1"/>
+              </a:solidFill>
+            </a:endParaRPr>
+          </a:p>
+        </p:txBody>
+      </p:sp>
+      <p:cxnSp>
+        <p:nvCxnSpPr>
+          <p:cNvPr id="59" name="Elbow Connector 58"/>
+          <p:cNvCxnSpPr>
+            <a:stCxn id="47" idx="3"/>
+            <a:endCxn id="58" idx="0"/>
+          </p:cNvCxnSpPr>
+          <p:nvPr/>
+        </p:nvCxnSpPr>
+        <p:spPr>
+          <a:xfrm>
+            <a:off x="10106616" y="1841901"/>
+            <a:ext cx="928735" cy="250497"/>
+          </a:xfrm>
+          <a:prstGeom prst="bentConnector2">
+            <a:avLst/>
+          </a:prstGeom>
+          <a:ln>
+            <a:solidFill>
+              <a:schemeClr val="tx1"/>
+            </a:solidFill>
+            <a:tailEnd type="triangle"/>
+          </a:ln>
+        </p:spPr>
+        <p:style>
+          <a:lnRef idx="1">
+            <a:schemeClr val="accent1"/>
+          </a:lnRef>
+          <a:fillRef idx="0">
+            <a:schemeClr val="accent1"/>
+          </a:fillRef>
+          <a:effectRef idx="0">
+            <a:schemeClr val="accent1"/>
+          </a:effectRef>
+          <a:fontRef idx="minor">
+            <a:schemeClr val="tx1"/>
+          </a:fontRef>
+        </p:style>
+      </p:cxnSp>
+      <p:cxnSp>
+        <p:nvCxnSpPr>
+          <p:cNvPr id="60" name="Elbow Connector 59"/>
+          <p:cNvCxnSpPr>
+            <a:stCxn id="43" idx="6"/>
+            <a:endCxn id="121" idx="1"/>
+          </p:cNvCxnSpPr>
+          <p:nvPr/>
+        </p:nvCxnSpPr>
+        <p:spPr>
+          <a:xfrm flipH="1" flipV="1">
+            <a:off x="3351883" y="5027450"/>
+            <a:ext cx="2528210" cy="761234"/>
+          </a:xfrm>
+          <a:prstGeom prst="bentConnector5">
+            <a:avLst>
+              <a:gd name="adj1" fmla="val -9042"/>
+              <a:gd name="adj2" fmla="val 67274"/>
+              <a:gd name="adj3" fmla="val 109042"/>
+            </a:avLst>
+          </a:prstGeom>
+          <a:ln>
+            <a:solidFill>
+              <a:schemeClr val="tx1"/>
+            </a:solidFill>
+            <a:tailEnd type="triangle"/>
+          </a:ln>
+        </p:spPr>
+        <p:style>
+          <a:lnRef idx="1">
+            <a:schemeClr val="accent1"/>
+          </a:lnRef>
+          <a:fillRef idx="0">
+            <a:schemeClr val="accent1"/>
+          </a:fillRef>
+          <a:effectRef idx="0">
+            <a:schemeClr val="accent1"/>
+          </a:effectRef>
+          <a:fontRef idx="minor">
+            <a:schemeClr val="tx1"/>
+          </a:fontRef>
+        </p:style>
+      </p:cxnSp>
+      <p:cxnSp>
+        <p:nvCxnSpPr>
+          <p:cNvPr id="61" name="Elbow Connector 60"/>
+          <p:cNvCxnSpPr>
+            <a:stCxn id="45" idx="3"/>
+            <a:endCxn id="120" idx="1"/>
+          </p:cNvCxnSpPr>
+          <p:nvPr/>
+        </p:nvCxnSpPr>
+        <p:spPr>
+          <a:xfrm flipH="1">
+            <a:off x="3346223" y="1292871"/>
+            <a:ext cx="5165034" cy="3557617"/>
+          </a:xfrm>
+          <a:prstGeom prst="bentConnector5">
+            <a:avLst>
+              <a:gd name="adj1" fmla="val -4787"/>
+              <a:gd name="adj2" fmla="val 113637"/>
+              <a:gd name="adj3" fmla="val 109845"/>
+            </a:avLst>
+          </a:prstGeom>
+          <a:ln>
+            <a:solidFill>
+              <a:schemeClr val="tx1"/>
+            </a:solidFill>
+            <a:tailEnd type="triangle"/>
+          </a:ln>
+        </p:spPr>
+        <p:style>
+          <a:lnRef idx="1">
+            <a:schemeClr val="accent1"/>
+          </a:lnRef>
+          <a:fillRef idx="0">
+            <a:schemeClr val="accent1"/>
+          </a:fillRef>
+          <a:effectRef idx="0">
+            <a:schemeClr val="accent1"/>
+          </a:effectRef>
+          <a:fontRef idx="minor">
+            <a:schemeClr val="tx1"/>
+          </a:fontRef>
+        </p:style>
+      </p:cxnSp>
+      <p:cxnSp>
+        <p:nvCxnSpPr>
+          <p:cNvPr id="62" name="Elbow Connector 61"/>
+          <p:cNvCxnSpPr>
+            <a:stCxn id="58" idx="2"/>
+            <a:endCxn id="119" idx="1"/>
+          </p:cNvCxnSpPr>
+          <p:nvPr/>
+        </p:nvCxnSpPr>
+        <p:spPr>
+          <a:xfrm rot="5400000">
+            <a:off x="6433663" y="-205993"/>
+            <a:ext cx="1532755" cy="7670622"/>
+          </a:xfrm>
+          <a:prstGeom prst="bentConnector4">
+            <a:avLst>
+              <a:gd name="adj1" fmla="val 164580"/>
+              <a:gd name="adj2" fmla="val 102615"/>
+            </a:avLst>
+          </a:prstGeom>
+          <a:ln>
+            <a:solidFill>
+              <a:schemeClr val="tx1"/>
+            </a:solidFill>
+            <a:tailEnd type="triangle"/>
+          </a:ln>
+        </p:spPr>
+        <p:style>
+          <a:lnRef idx="1">
+            <a:schemeClr val="accent1"/>
+          </a:lnRef>
+          <a:fillRef idx="0">
+            <a:schemeClr val="accent1"/>
+          </a:fillRef>
+          <a:effectRef idx="0">
+            <a:schemeClr val="accent1"/>
+          </a:effectRef>
+          <a:fontRef idx="minor">
+            <a:schemeClr val="tx1"/>
+          </a:fontRef>
+        </p:style>
+      </p:cxnSp>
+      <p:cxnSp>
+        <p:nvCxnSpPr>
+          <p:cNvPr id="63" name="Elbow Connector 62"/>
+          <p:cNvCxnSpPr>
+            <a:stCxn id="117" idx="2"/>
+            <a:endCxn id="11" idx="1"/>
+          </p:cNvCxnSpPr>
+          <p:nvPr/>
+        </p:nvCxnSpPr>
+        <p:spPr>
+          <a:xfrm flipV="1">
+            <a:off x="3667172" y="4512766"/>
+            <a:ext cx="820592" cy="56271"/>
+          </a:xfrm>
+          <a:prstGeom prst="bentConnector3">
+            <a:avLst/>
+          </a:prstGeom>
+          <a:ln>
+            <a:solidFill>
+              <a:schemeClr val="tx1"/>
+            </a:solidFill>
+            <a:tailEnd type="triangle"/>
+          </a:ln>
+        </p:spPr>
+        <p:style>
+          <a:lnRef idx="1">
+            <a:schemeClr val="accent1"/>
+          </a:lnRef>
+          <a:fillRef idx="0">
+            <a:schemeClr val="accent1"/>
+          </a:fillRef>
+          <a:effectRef idx="0">
+            <a:schemeClr val="accent1"/>
+          </a:effectRef>
+          <a:fontRef idx="minor">
+            <a:schemeClr val="tx1"/>
+          </a:fontRef>
+        </p:style>
+      </p:cxnSp>
+      <p:sp>
+        <p:nvSpPr>
+          <p:cNvPr id="64" name="TextBox 63"/>
+          <p:cNvSpPr txBox="1"/>
+          <p:nvPr/>
+        </p:nvSpPr>
+        <p:spPr>
+          <a:xfrm>
+            <a:off x="9068979" y="5093231"/>
+            <a:ext cx="1491114" cy="261610"/>
+          </a:xfrm>
+          <a:prstGeom prst="rect">
+            <a:avLst/>
+          </a:prstGeom>
+          <a:noFill/>
+        </p:spPr>
+        <p:txBody>
+          <a:bodyPr wrap="none" rtlCol="0">
+            <a:spAutoFit/>
+          </a:bodyPr>
+          <a:lstStyle/>
+          <a:p>
+            <a:r>
+              <a:rPr lang="en-US" sz="1100" dirty="0" err="1"/>
+              <a:t>ALUout</a:t>
+            </a:r>
+            <a:r>
+              <a:rPr lang="en-US" sz="1100" dirty="0"/>
+              <a:t> </a:t>
+            </a:r>
+            <a:r>
+              <a:rPr lang="en-US" sz="1100" dirty="0" smtClean="0"/>
+              <a:t>(R-type/I-type)</a:t>
+            </a:r>
+            <a:endParaRPr lang="en-US" sz="1100" dirty="0"/>
+          </a:p>
+        </p:txBody>
+      </p:sp>
+      <p:sp>
+        <p:nvSpPr>
+          <p:cNvPr id="65" name="TextBox 64"/>
+          <p:cNvSpPr txBox="1"/>
+          <p:nvPr/>
+        </p:nvSpPr>
+        <p:spPr>
+          <a:xfrm>
+            <a:off x="7761289" y="5084757"/>
+            <a:ext cx="785793" cy="261610"/>
+          </a:xfrm>
+          <a:prstGeom prst="rect">
+            <a:avLst/>
+          </a:prstGeom>
+          <a:noFill/>
+        </p:spPr>
+        <p:txBody>
+          <a:bodyPr wrap="none" rtlCol="0">
+            <a:spAutoFit/>
+          </a:bodyPr>
+          <a:lstStyle/>
+          <a:p>
+            <a:r>
+              <a:rPr lang="en-US" sz="1100" dirty="0" smtClean="0"/>
+              <a:t>AiA (Copy)</a:t>
+            </a:r>
+            <a:endParaRPr lang="en-US" sz="1100" dirty="0"/>
+          </a:p>
+        </p:txBody>
+      </p:sp>
+      <p:sp>
+        <p:nvSpPr>
+          <p:cNvPr id="66" name="TextBox 65"/>
+          <p:cNvSpPr txBox="1"/>
+          <p:nvPr/>
+        </p:nvSpPr>
+        <p:spPr>
+          <a:xfrm>
+            <a:off x="4974010" y="5043446"/>
+            <a:ext cx="1524776" cy="261610"/>
+          </a:xfrm>
+          <a:prstGeom prst="rect">
+            <a:avLst/>
+          </a:prstGeom>
+          <a:noFill/>
+        </p:spPr>
+        <p:txBody>
+          <a:bodyPr wrap="none" rtlCol="0">
+            <a:spAutoFit/>
+          </a:bodyPr>
+          <a:lstStyle/>
+          <a:p>
+            <a:r>
+              <a:rPr lang="en-US" sz="1100" dirty="0" smtClean="0"/>
+              <a:t>Imm. (Load Immediate)</a:t>
+            </a:r>
+            <a:endParaRPr lang="en-US" sz="1100" dirty="0"/>
+          </a:p>
+        </p:txBody>
+      </p:sp>
+      <p:sp>
+        <p:nvSpPr>
+          <p:cNvPr id="69" name="TextBox 68"/>
+          <p:cNvSpPr txBox="1"/>
+          <p:nvPr/>
+        </p:nvSpPr>
+        <p:spPr>
+          <a:xfrm>
+            <a:off x="3650920" y="2827061"/>
+            <a:ext cx="529312" cy="253916"/>
+          </a:xfrm>
+          <a:prstGeom prst="rect">
+            <a:avLst/>
+          </a:prstGeom>
+          <a:noFill/>
+          <a:ln w="38100">
+            <a:solidFill>
+              <a:srgbClr val="385723"/>
+            </a:solidFill>
+          </a:ln>
+        </p:spPr>
+        <p:txBody>
+          <a:bodyPr wrap="none" rtlCol="0">
+            <a:spAutoFit/>
+          </a:bodyPr>
+          <a:lstStyle/>
+          <a:p>
+            <a:r>
+              <a:rPr lang="en-US" sz="1000" dirty="0" err="1" smtClean="0"/>
+              <a:t>wAdrs</a:t>
+            </a:r>
+            <a:endParaRPr lang="en-US" sz="1000" dirty="0"/>
+          </a:p>
+        </p:txBody>
+      </p:sp>
+      <p:sp>
+        <p:nvSpPr>
+          <p:cNvPr id="70" name="TextBox 69"/>
+          <p:cNvSpPr txBox="1"/>
+          <p:nvPr/>
+        </p:nvSpPr>
+        <p:spPr>
+          <a:xfrm>
+            <a:off x="3838840" y="4961646"/>
+            <a:ext cx="744910" cy="253916"/>
+          </a:xfrm>
+          <a:prstGeom prst="rect">
+            <a:avLst/>
+          </a:prstGeom>
+          <a:noFill/>
+          <a:ln w="38100">
+            <a:solidFill>
+              <a:srgbClr val="385723"/>
+            </a:solidFill>
+          </a:ln>
+        </p:spPr>
+        <p:txBody>
+          <a:bodyPr wrap="square" rtlCol="0">
+            <a:spAutoFit/>
+          </a:bodyPr>
+          <a:lstStyle/>
+          <a:p>
+            <a:r>
+              <a:rPr lang="en-US" sz="1000" dirty="0" err="1" smtClean="0"/>
+              <a:t>wDat</a:t>
+            </a:r>
+            <a:r>
+              <a:rPr lang="en-US" sz="1000" dirty="0" smtClean="0"/>
+              <a:t>[1:0]</a:t>
+            </a:r>
+            <a:endParaRPr lang="en-US" sz="1000" dirty="0"/>
+          </a:p>
+        </p:txBody>
+      </p:sp>
+      <p:sp>
+        <p:nvSpPr>
+          <p:cNvPr id="71" name="TextBox 70"/>
+          <p:cNvSpPr txBox="1"/>
+          <p:nvPr/>
+        </p:nvSpPr>
+        <p:spPr>
+          <a:xfrm>
+            <a:off x="3994329" y="160432"/>
+            <a:ext cx="580608" cy="253916"/>
+          </a:xfrm>
+          <a:prstGeom prst="rect">
+            <a:avLst/>
+          </a:prstGeom>
+          <a:noFill/>
+          <a:ln w="38100">
+            <a:solidFill>
+              <a:srgbClr val="385723"/>
+            </a:solidFill>
+          </a:ln>
+        </p:spPr>
+        <p:txBody>
+          <a:bodyPr wrap="none" rtlCol="0">
+            <a:spAutoFit/>
+          </a:bodyPr>
+          <a:lstStyle/>
+          <a:p>
+            <a:r>
+              <a:rPr lang="en-US" sz="1000" dirty="0" err="1" smtClean="0"/>
+              <a:t>useReg</a:t>
+            </a:r>
+            <a:endParaRPr lang="en-US" sz="1000" dirty="0"/>
+          </a:p>
+        </p:txBody>
+      </p:sp>
+      <p:sp>
+        <p:nvSpPr>
+          <p:cNvPr id="72" name="TextBox 71"/>
+          <p:cNvSpPr txBox="1"/>
+          <p:nvPr/>
+        </p:nvSpPr>
+        <p:spPr>
+          <a:xfrm>
+            <a:off x="2537462" y="1179006"/>
+            <a:ext cx="479618" cy="253916"/>
+          </a:xfrm>
+          <a:prstGeom prst="rect">
+            <a:avLst/>
+          </a:prstGeom>
+          <a:noFill/>
+          <a:ln w="38100">
+            <a:solidFill>
+              <a:srgbClr val="385723"/>
+            </a:solidFill>
+          </a:ln>
+        </p:spPr>
+        <p:txBody>
+          <a:bodyPr wrap="none" rtlCol="0">
+            <a:spAutoFit/>
+          </a:bodyPr>
+          <a:lstStyle/>
+          <a:p>
+            <a:r>
+              <a:rPr lang="en-US" sz="1000" dirty="0" err="1" smtClean="0"/>
+              <a:t>IRwrt</a:t>
+            </a:r>
+            <a:endParaRPr lang="en-US" sz="1000" dirty="0"/>
+          </a:p>
+        </p:txBody>
+      </p:sp>
+      <p:sp>
+        <p:nvSpPr>
+          <p:cNvPr id="73" name="TextBox 72"/>
+          <p:cNvSpPr txBox="1"/>
+          <p:nvPr/>
+        </p:nvSpPr>
+        <p:spPr>
+          <a:xfrm>
+            <a:off x="8012758" y="541182"/>
+            <a:ext cx="450764" cy="253916"/>
+          </a:xfrm>
+          <a:prstGeom prst="rect">
+            <a:avLst/>
+          </a:prstGeom>
+          <a:noFill/>
+          <a:ln w="38100">
+            <a:solidFill>
+              <a:srgbClr val="385723"/>
+            </a:solidFill>
+          </a:ln>
+        </p:spPr>
+        <p:txBody>
+          <a:bodyPr wrap="none" rtlCol="0">
+            <a:spAutoFit/>
+          </a:bodyPr>
+          <a:lstStyle/>
+          <a:p>
+            <a:r>
+              <a:rPr lang="en-US" sz="1000" dirty="0" err="1"/>
+              <a:t>A</a:t>
+            </a:r>
+            <a:r>
+              <a:rPr lang="en-US" sz="1000" dirty="0" err="1" smtClean="0"/>
+              <a:t>wrt</a:t>
+            </a:r>
+            <a:endParaRPr lang="en-US" sz="1000" dirty="0"/>
+          </a:p>
+        </p:txBody>
+      </p:sp>
+      <p:sp>
+        <p:nvSpPr>
+          <p:cNvPr id="74" name="TextBox 73"/>
+          <p:cNvSpPr txBox="1"/>
+          <p:nvPr/>
+        </p:nvSpPr>
+        <p:spPr>
+          <a:xfrm>
+            <a:off x="7954855" y="2698724"/>
+            <a:ext cx="445956" cy="253916"/>
+          </a:xfrm>
+          <a:prstGeom prst="rect">
+            <a:avLst/>
+          </a:prstGeom>
+          <a:noFill/>
+          <a:ln w="38100">
+            <a:solidFill>
+              <a:srgbClr val="385723"/>
+            </a:solidFill>
+          </a:ln>
+        </p:spPr>
+        <p:txBody>
+          <a:bodyPr wrap="none" rtlCol="0">
+            <a:spAutoFit/>
+          </a:bodyPr>
+          <a:lstStyle/>
+          <a:p>
+            <a:r>
+              <a:rPr lang="en-US" sz="1000" dirty="0" err="1" smtClean="0"/>
+              <a:t>Bwrt</a:t>
+            </a:r>
+            <a:endParaRPr lang="en-US" sz="1000" dirty="0"/>
+          </a:p>
+        </p:txBody>
+      </p:sp>
+      <p:sp>
+        <p:nvSpPr>
+          <p:cNvPr id="75" name="TextBox 74"/>
+          <p:cNvSpPr txBox="1"/>
+          <p:nvPr/>
+        </p:nvSpPr>
+        <p:spPr>
+          <a:xfrm>
+            <a:off x="5196596" y="528103"/>
+            <a:ext cx="601447" cy="253916"/>
+          </a:xfrm>
+          <a:prstGeom prst="rect">
+            <a:avLst/>
+          </a:prstGeom>
+          <a:noFill/>
+          <a:ln w="38100">
+            <a:solidFill>
+              <a:srgbClr val="385723"/>
+            </a:solidFill>
+          </a:ln>
+        </p:spPr>
+        <p:txBody>
+          <a:bodyPr wrap="none" rtlCol="0">
+            <a:spAutoFit/>
+          </a:bodyPr>
+          <a:lstStyle/>
+          <a:p>
+            <a:r>
+              <a:rPr lang="en-US" sz="1000" dirty="0" err="1" smtClean="0"/>
+              <a:t>RegWrt</a:t>
+            </a:r>
+            <a:endParaRPr lang="en-US" sz="1000" dirty="0"/>
+          </a:p>
+        </p:txBody>
+      </p:sp>
+      <p:sp>
+        <p:nvSpPr>
+          <p:cNvPr id="76" name="TextBox 75"/>
+          <p:cNvSpPr txBox="1"/>
+          <p:nvPr/>
+        </p:nvSpPr>
+        <p:spPr>
+          <a:xfrm>
+            <a:off x="3371769" y="5685423"/>
+            <a:ext cx="521297" cy="253916"/>
+          </a:xfrm>
+          <a:prstGeom prst="rect">
+            <a:avLst/>
+          </a:prstGeom>
+          <a:noFill/>
+          <a:ln w="38100">
+            <a:solidFill>
+              <a:srgbClr val="385723"/>
+            </a:solidFill>
+          </a:ln>
+        </p:spPr>
+        <p:txBody>
+          <a:bodyPr wrap="none" rtlCol="0">
+            <a:spAutoFit/>
+          </a:bodyPr>
+          <a:lstStyle/>
+          <a:p>
+            <a:r>
+              <a:rPr lang="en-US" sz="1000" dirty="0" err="1" smtClean="0"/>
+              <a:t>ImSlct</a:t>
+            </a:r>
+            <a:endParaRPr lang="en-US" sz="1000" dirty="0"/>
+          </a:p>
+        </p:txBody>
+      </p:sp>
+      <p:sp>
+        <p:nvSpPr>
+          <p:cNvPr id="77" name="TextBox 76"/>
+          <p:cNvSpPr txBox="1"/>
+          <p:nvPr/>
+        </p:nvSpPr>
+        <p:spPr>
+          <a:xfrm>
+            <a:off x="9612193" y="466271"/>
+            <a:ext cx="546945" cy="253916"/>
+          </a:xfrm>
+          <a:prstGeom prst="rect">
+            <a:avLst/>
+          </a:prstGeom>
+          <a:noFill/>
+          <a:ln w="38100">
+            <a:solidFill>
+              <a:srgbClr val="385723"/>
+            </a:solidFill>
+          </a:ln>
+        </p:spPr>
+        <p:txBody>
+          <a:bodyPr wrap="none" rtlCol="0">
+            <a:spAutoFit/>
+          </a:bodyPr>
+          <a:lstStyle/>
+          <a:p>
+            <a:r>
+              <a:rPr lang="en-US" sz="1000" dirty="0" err="1" smtClean="0"/>
+              <a:t>ALUop</a:t>
+            </a:r>
+            <a:endParaRPr lang="en-US" sz="1000" dirty="0"/>
+          </a:p>
+        </p:txBody>
+      </p:sp>
+      <p:sp>
+        <p:nvSpPr>
+          <p:cNvPr id="78" name="TextBox 77"/>
+          <p:cNvSpPr txBox="1"/>
+          <p:nvPr/>
+        </p:nvSpPr>
+        <p:spPr>
+          <a:xfrm>
+            <a:off x="7397040" y="3081145"/>
+            <a:ext cx="332142" cy="253916"/>
+          </a:xfrm>
+          <a:prstGeom prst="rect">
+            <a:avLst/>
+          </a:prstGeom>
+          <a:noFill/>
+          <a:ln w="38100">
+            <a:solidFill>
+              <a:srgbClr val="385723"/>
+            </a:solidFill>
+          </a:ln>
+        </p:spPr>
+        <p:txBody>
+          <a:bodyPr wrap="none" rtlCol="0">
+            <a:spAutoFit/>
+          </a:bodyPr>
+          <a:lstStyle/>
+          <a:p>
+            <a:r>
+              <a:rPr lang="en-US" sz="1000" dirty="0" err="1" smtClean="0"/>
+              <a:t>ior</a:t>
+            </a:r>
+            <a:endParaRPr lang="en-US" sz="1000" dirty="0"/>
+          </a:p>
+        </p:txBody>
+      </p:sp>
+      <p:cxnSp>
+        <p:nvCxnSpPr>
+          <p:cNvPr id="79" name="Elbow Connector 78"/>
+          <p:cNvCxnSpPr>
+            <a:stCxn id="12" idx="3"/>
+            <a:endCxn id="45" idx="1"/>
+          </p:cNvCxnSpPr>
+          <p:nvPr/>
+        </p:nvCxnSpPr>
+        <p:spPr>
+          <a:xfrm flipV="1">
+            <a:off x="6723616" y="1292870"/>
+            <a:ext cx="1226981" cy="193296"/>
+          </a:xfrm>
+          <a:prstGeom prst="bentConnector3">
+            <a:avLst/>
+          </a:prstGeom>
+          <a:ln>
+            <a:solidFill>
+              <a:schemeClr val="tx1"/>
+            </a:solidFill>
+            <a:tailEnd type="triangle"/>
+          </a:ln>
+        </p:spPr>
+        <p:style>
+          <a:lnRef idx="1">
+            <a:schemeClr val="accent1"/>
+          </a:lnRef>
+          <a:fillRef idx="0">
+            <a:schemeClr val="accent1"/>
+          </a:fillRef>
+          <a:effectRef idx="0">
+            <a:schemeClr val="accent1"/>
+          </a:effectRef>
+          <a:fontRef idx="minor">
+            <a:schemeClr val="tx1"/>
+          </a:fontRef>
+        </p:style>
+      </p:cxnSp>
+      <p:sp>
+        <p:nvSpPr>
+          <p:cNvPr id="81" name="Rectangle 80"/>
+          <p:cNvSpPr/>
+          <p:nvPr/>
+        </p:nvSpPr>
+        <p:spPr>
+          <a:xfrm>
+            <a:off x="1645381" y="3843953"/>
+            <a:ext cx="805364" cy="353038"/>
+          </a:xfrm>
+          <a:prstGeom prst="rect">
+            <a:avLst/>
+          </a:prstGeom>
+          <a:solidFill>
+            <a:srgbClr val="FFC000"/>
+          </a:solidFill>
+          <a:ln>
+            <a:solidFill>
+              <a:schemeClr val="tx1"/>
+            </a:solidFill>
+          </a:ln>
+        </p:spPr>
+        <p:style>
+          <a:lnRef idx="2">
+            <a:schemeClr val="accent1">
+              <a:shade val="50000"/>
+            </a:schemeClr>
+          </a:lnRef>
+          <a:fillRef idx="1">
+            <a:schemeClr val="accent1"/>
+          </a:fillRef>
+          <a:effectRef idx="0">
+            <a:schemeClr val="accent1"/>
+          </a:effectRef>
+          <a:fontRef idx="minor">
+            <a:schemeClr val="lt1"/>
+          </a:fontRef>
+        </p:style>
+        <p:txBody>
+          <a:bodyPr rtlCol="0" anchor="ctr"/>
+          <a:lstStyle/>
+          <a:p>
+            <a:pPr algn="ctr"/>
+            <a:r>
+              <a:rPr lang="en-US" sz="1000" dirty="0" err="1" smtClean="0">
+                <a:solidFill>
+                  <a:schemeClr val="tx1"/>
+                </a:solidFill>
+              </a:rPr>
+              <a:t>MemO</a:t>
+            </a:r>
+            <a:endParaRPr lang="en-US" sz="1000" dirty="0">
+              <a:solidFill>
+                <a:schemeClr val="tx1"/>
+              </a:solidFill>
+            </a:endParaRPr>
+          </a:p>
+        </p:txBody>
+      </p:sp>
+      <p:cxnSp>
+        <p:nvCxnSpPr>
+          <p:cNvPr id="82" name="Elbow Connector 81"/>
+          <p:cNvCxnSpPr>
+            <a:stCxn id="81" idx="3"/>
+            <a:endCxn id="118" idx="1"/>
+          </p:cNvCxnSpPr>
+          <p:nvPr/>
+        </p:nvCxnSpPr>
+        <p:spPr>
+          <a:xfrm>
+            <a:off x="2450745" y="4020472"/>
+            <a:ext cx="913984" cy="189720"/>
+          </a:xfrm>
+          <a:prstGeom prst="bentConnector3">
+            <a:avLst>
+              <a:gd name="adj1" fmla="val 50000"/>
+            </a:avLst>
+          </a:prstGeom>
+          <a:ln>
+            <a:solidFill>
+              <a:schemeClr val="tx1"/>
+            </a:solidFill>
+            <a:tailEnd type="triangle"/>
+          </a:ln>
+        </p:spPr>
+        <p:style>
+          <a:lnRef idx="1">
+            <a:schemeClr val="accent1"/>
+          </a:lnRef>
+          <a:fillRef idx="0">
+            <a:schemeClr val="accent1"/>
+          </a:fillRef>
+          <a:effectRef idx="0">
+            <a:schemeClr val="accent1"/>
+          </a:effectRef>
+          <a:fontRef idx="minor">
+            <a:schemeClr val="tx1"/>
+          </a:fontRef>
+        </p:style>
+      </p:cxnSp>
+      <p:sp>
+        <p:nvSpPr>
+          <p:cNvPr id="83" name="TextBox 82"/>
+          <p:cNvSpPr txBox="1"/>
+          <p:nvPr/>
+        </p:nvSpPr>
+        <p:spPr>
+          <a:xfrm>
+            <a:off x="1527410" y="4389906"/>
+            <a:ext cx="676788" cy="253916"/>
+          </a:xfrm>
+          <a:prstGeom prst="rect">
+            <a:avLst/>
+          </a:prstGeom>
+          <a:noFill/>
+          <a:ln w="38100">
+            <a:solidFill>
+              <a:srgbClr val="385723"/>
+            </a:solidFill>
+          </a:ln>
+        </p:spPr>
+        <p:txBody>
+          <a:bodyPr wrap="none" rtlCol="0">
+            <a:spAutoFit/>
+          </a:bodyPr>
+          <a:lstStyle/>
+          <a:p>
+            <a:r>
+              <a:rPr lang="en-US" sz="1000" dirty="0" err="1" smtClean="0"/>
+              <a:t>memOW</a:t>
+            </a:r>
+            <a:endParaRPr lang="en-US" sz="1000" dirty="0"/>
+          </a:p>
+        </p:txBody>
+      </p:sp>
+      <p:grpSp>
+        <p:nvGrpSpPr>
+          <p:cNvPr id="86" name="Group 85"/>
+          <p:cNvGrpSpPr/>
+          <p:nvPr/>
+        </p:nvGrpSpPr>
+        <p:grpSpPr>
+          <a:xfrm>
+            <a:off x="3713094" y="1666550"/>
+            <a:ext cx="341542" cy="1090103"/>
+            <a:chOff x="194423" y="4609425"/>
+            <a:chExt cx="284416" cy="907774"/>
+          </a:xfrm>
+        </p:grpSpPr>
+        <p:sp>
+          <p:nvSpPr>
+            <p:cNvPr id="87" name="Rounded Rectangle 86"/>
+            <p:cNvSpPr/>
+            <p:nvPr/>
+          </p:nvSpPr>
+          <p:spPr>
+            <a:xfrm rot="16200000">
+              <a:off x="-51654" y="4899604"/>
+              <a:ext cx="776570" cy="284416"/>
+            </a:xfrm>
+            <a:prstGeom prst="roundRect">
+              <a:avLst/>
+            </a:prstGeom>
+          </p:spPr>
+          <p:style>
+            <a:lnRef idx="2">
+              <a:schemeClr val="accent1">
+                <a:shade val="50000"/>
+              </a:schemeClr>
+            </a:lnRef>
+            <a:fillRef idx="1">
+              <a:schemeClr val="accent1"/>
+            </a:fillRef>
+            <a:effectRef idx="0">
+              <a:schemeClr val="accent1"/>
+            </a:effectRef>
+            <a:fontRef idx="minor">
+              <a:schemeClr val="lt1"/>
+            </a:fontRef>
+          </p:style>
+          <p:txBody>
+            <a:bodyPr rtlCol="0" anchor="ctr"/>
+            <a:lstStyle/>
+            <a:p>
+              <a:pPr algn="ctr"/>
+              <a:r>
+                <a:rPr lang="en-US" sz="1100" dirty="0" smtClean="0"/>
+                <a:t>Mux</a:t>
+              </a:r>
+              <a:endParaRPr lang="en-US" dirty="0"/>
+            </a:p>
+          </p:txBody>
+        </p:sp>
+        <p:sp>
+          <p:nvSpPr>
+            <p:cNvPr id="88" name="TextBox 87"/>
+            <p:cNvSpPr txBox="1"/>
+            <p:nvPr/>
+          </p:nvSpPr>
+          <p:spPr>
+            <a:xfrm>
+              <a:off x="230590" y="5143625"/>
+              <a:ext cx="211681" cy="373574"/>
+            </a:xfrm>
+            <a:prstGeom prst="rect">
+              <a:avLst/>
+            </a:prstGeom>
+            <a:noFill/>
+          </p:spPr>
+          <p:txBody>
+            <a:bodyPr wrap="none" rtlCol="0">
+              <a:spAutoFit/>
+            </a:bodyPr>
+            <a:lstStyle/>
+            <a:p>
+              <a:r>
+                <a:rPr lang="en-US" dirty="0" smtClean="0"/>
+                <a:t>1</a:t>
+              </a:r>
+              <a:endParaRPr lang="en-US" dirty="0"/>
+            </a:p>
+          </p:txBody>
+        </p:sp>
+        <p:sp>
+          <p:nvSpPr>
+            <p:cNvPr id="89" name="TextBox 88"/>
+            <p:cNvSpPr txBox="1"/>
+            <p:nvPr/>
+          </p:nvSpPr>
+          <p:spPr>
+            <a:xfrm>
+              <a:off x="208978" y="4609425"/>
+              <a:ext cx="211681" cy="373574"/>
+            </a:xfrm>
+            <a:prstGeom prst="rect">
+              <a:avLst/>
+            </a:prstGeom>
+            <a:noFill/>
+          </p:spPr>
+          <p:txBody>
+            <a:bodyPr wrap="none" rtlCol="0">
+              <a:spAutoFit/>
+            </a:bodyPr>
+            <a:lstStyle/>
+            <a:p>
+              <a:r>
+                <a:rPr lang="en-US" dirty="0"/>
+                <a:t>0</a:t>
+              </a:r>
+            </a:p>
+          </p:txBody>
+        </p:sp>
+      </p:grpSp>
+      <p:cxnSp>
+        <p:nvCxnSpPr>
+          <p:cNvPr id="90" name="Elbow Connector 89"/>
+          <p:cNvCxnSpPr>
+            <a:endCxn id="89" idx="1"/>
+          </p:cNvCxnSpPr>
+          <p:nvPr/>
+        </p:nvCxnSpPr>
+        <p:spPr>
+          <a:xfrm>
+            <a:off x="3259029" y="1782330"/>
+            <a:ext cx="471543" cy="108524"/>
+          </a:xfrm>
+          <a:prstGeom prst="bentConnector3">
+            <a:avLst>
+              <a:gd name="adj1" fmla="val 50000"/>
+            </a:avLst>
+          </a:prstGeom>
+          <a:ln>
+            <a:solidFill>
+              <a:schemeClr val="tx1"/>
+            </a:solidFill>
+            <a:tailEnd type="triangle"/>
+          </a:ln>
+        </p:spPr>
+        <p:style>
+          <a:lnRef idx="1">
+            <a:schemeClr val="accent1"/>
+          </a:lnRef>
+          <a:fillRef idx="0">
+            <a:schemeClr val="accent1"/>
+          </a:fillRef>
+          <a:effectRef idx="0">
+            <a:schemeClr val="accent1"/>
+          </a:effectRef>
+          <a:fontRef idx="minor">
+            <a:schemeClr val="tx1"/>
+          </a:fontRef>
+        </p:style>
+      </p:cxnSp>
+      <p:cxnSp>
+        <p:nvCxnSpPr>
+          <p:cNvPr id="91" name="Elbow Connector 90"/>
+          <p:cNvCxnSpPr>
+            <a:stCxn id="87" idx="2"/>
+            <a:endCxn id="9" idx="1"/>
+          </p:cNvCxnSpPr>
+          <p:nvPr/>
+        </p:nvCxnSpPr>
+        <p:spPr>
+          <a:xfrm>
+            <a:off x="4054636" y="2185784"/>
+            <a:ext cx="390351" cy="33271"/>
+          </a:xfrm>
+          <a:prstGeom prst="bentConnector3">
+            <a:avLst/>
+          </a:prstGeom>
+          <a:ln>
+            <a:solidFill>
+              <a:schemeClr val="tx1"/>
+            </a:solidFill>
+            <a:tailEnd type="triangle"/>
+          </a:ln>
+        </p:spPr>
+        <p:style>
+          <a:lnRef idx="1">
+            <a:schemeClr val="accent1"/>
+          </a:lnRef>
+          <a:fillRef idx="0">
+            <a:schemeClr val="accent1"/>
+          </a:fillRef>
+          <a:effectRef idx="0">
+            <a:schemeClr val="accent1"/>
+          </a:effectRef>
+          <a:fontRef idx="minor">
+            <a:schemeClr val="tx1"/>
+          </a:fontRef>
+        </p:style>
+      </p:cxnSp>
+      <p:sp>
+        <p:nvSpPr>
+          <p:cNvPr id="92" name="TextBox 91"/>
+          <p:cNvSpPr txBox="1"/>
+          <p:nvPr/>
+        </p:nvSpPr>
+        <p:spPr>
+          <a:xfrm>
+            <a:off x="4241817" y="1733358"/>
+            <a:ext cx="785793" cy="246221"/>
+          </a:xfrm>
+          <a:prstGeom prst="rect">
+            <a:avLst/>
+          </a:prstGeom>
+          <a:noFill/>
+          <a:ln w="38100">
+            <a:solidFill>
+              <a:srgbClr val="385723"/>
+            </a:solidFill>
+          </a:ln>
+        </p:spPr>
+        <p:txBody>
+          <a:bodyPr wrap="none" rtlCol="0">
+            <a:spAutoFit/>
+          </a:bodyPr>
+          <a:lstStyle/>
+          <a:p>
+            <a:r>
+              <a:rPr lang="en-US" sz="1000" dirty="0" err="1" smtClean="0"/>
+              <a:t>useFirstReg</a:t>
+            </a:r>
+            <a:endParaRPr lang="en-US" sz="1000" dirty="0"/>
+          </a:p>
+        </p:txBody>
+      </p:sp>
+      <p:sp>
+        <p:nvSpPr>
+          <p:cNvPr id="93" name="TextBox 92"/>
+          <p:cNvSpPr txBox="1"/>
+          <p:nvPr/>
+        </p:nvSpPr>
+        <p:spPr>
+          <a:xfrm>
+            <a:off x="5788930" y="4300611"/>
+            <a:ext cx="1048551" cy="491349"/>
+          </a:xfrm>
+          <a:prstGeom prst="rect">
+            <a:avLst/>
+          </a:prstGeom>
+          <a:noFill/>
+        </p:spPr>
+        <p:txBody>
+          <a:bodyPr wrap="none" rtlCol="0">
+            <a:spAutoFit/>
+          </a:bodyPr>
+          <a:lstStyle/>
+          <a:p>
+            <a:r>
+              <a:rPr lang="en-US" dirty="0" err="1" smtClean="0"/>
+              <a:t>Reg</a:t>
+            </a:r>
+            <a:r>
+              <a:rPr lang="en-US" dirty="0" smtClean="0"/>
+              <a:t>[0]</a:t>
+            </a:r>
+            <a:endParaRPr lang="en-US" dirty="0"/>
+          </a:p>
+        </p:txBody>
+      </p:sp>
+      <p:cxnSp>
+        <p:nvCxnSpPr>
+          <p:cNvPr id="96" name="Elbow Connector 95"/>
+          <p:cNvCxnSpPr>
+            <a:stCxn id="25" idx="3"/>
+            <a:endCxn id="24" idx="1"/>
+          </p:cNvCxnSpPr>
+          <p:nvPr/>
+        </p:nvCxnSpPr>
+        <p:spPr>
+          <a:xfrm flipV="1">
+            <a:off x="2228552" y="871545"/>
+            <a:ext cx="1475289" cy="2122687"/>
+          </a:xfrm>
+          <a:prstGeom prst="bentConnector3">
+            <a:avLst>
+              <a:gd name="adj1" fmla="val 12052"/>
+            </a:avLst>
+          </a:prstGeom>
+          <a:ln>
+            <a:solidFill>
+              <a:schemeClr val="tx1"/>
+            </a:solidFill>
+            <a:tailEnd type="triangle"/>
+          </a:ln>
+        </p:spPr>
+        <p:style>
+          <a:lnRef idx="1">
+            <a:schemeClr val="accent1"/>
+          </a:lnRef>
+          <a:fillRef idx="0">
+            <a:schemeClr val="accent1"/>
+          </a:fillRef>
+          <a:effectRef idx="0">
+            <a:schemeClr val="accent1"/>
+          </a:effectRef>
+          <a:fontRef idx="minor">
+            <a:schemeClr val="tx1"/>
+          </a:fontRef>
+        </p:style>
+      </p:cxnSp>
+      <p:sp>
+        <p:nvSpPr>
+          <p:cNvPr id="97" name="TextBox 96"/>
+          <p:cNvSpPr txBox="1"/>
+          <p:nvPr/>
+        </p:nvSpPr>
+        <p:spPr>
+          <a:xfrm>
+            <a:off x="2473351" y="830141"/>
+            <a:ext cx="713657" cy="261610"/>
+          </a:xfrm>
+          <a:prstGeom prst="rect">
+            <a:avLst/>
+          </a:prstGeom>
+          <a:noFill/>
+        </p:spPr>
+        <p:txBody>
+          <a:bodyPr wrap="none" rtlCol="0">
+            <a:spAutoFit/>
+          </a:bodyPr>
+          <a:lstStyle/>
+          <a:p>
+            <a:r>
+              <a:rPr lang="en-US" sz="1050" dirty="0" smtClean="0"/>
+              <a:t>Zero[2:0]</a:t>
+            </a:r>
+          </a:p>
+        </p:txBody>
+      </p:sp>
+      <p:sp>
+        <p:nvSpPr>
+          <p:cNvPr id="102" name="TextBox 101"/>
+          <p:cNvSpPr txBox="1"/>
+          <p:nvPr/>
+        </p:nvSpPr>
+        <p:spPr>
+          <a:xfrm>
+            <a:off x="2793982" y="3065682"/>
+            <a:ext cx="713657" cy="261610"/>
+          </a:xfrm>
+          <a:prstGeom prst="rect">
+            <a:avLst/>
+          </a:prstGeom>
+          <a:noFill/>
+        </p:spPr>
+        <p:txBody>
+          <a:bodyPr wrap="none" rtlCol="0">
+            <a:spAutoFit/>
+          </a:bodyPr>
+          <a:lstStyle/>
+          <a:p>
+            <a:r>
+              <a:rPr lang="en-US" sz="1050" dirty="0" smtClean="0"/>
+              <a:t>Zero[2:0]</a:t>
+            </a:r>
+          </a:p>
+        </p:txBody>
+      </p:sp>
+      <p:cxnSp>
+        <p:nvCxnSpPr>
+          <p:cNvPr id="103" name="Straight Connector 102"/>
+          <p:cNvCxnSpPr>
+            <a:stCxn id="72" idx="2"/>
+            <a:endCxn id="5" idx="0"/>
+          </p:cNvCxnSpPr>
+          <p:nvPr/>
+        </p:nvCxnSpPr>
+        <p:spPr>
+          <a:xfrm flipH="1">
+            <a:off x="2751318" y="1432922"/>
+            <a:ext cx="25953" cy="230614"/>
+          </a:xfrm>
+          <a:prstGeom prst="line">
+            <a:avLst/>
+          </a:prstGeom>
+          <a:ln w="28575">
+            <a:solidFill>
+              <a:srgbClr val="385723"/>
+            </a:solidFill>
+          </a:ln>
+        </p:spPr>
+        <p:style>
+          <a:lnRef idx="1">
+            <a:schemeClr val="accent1"/>
+          </a:lnRef>
+          <a:fillRef idx="0">
+            <a:schemeClr val="accent1"/>
+          </a:fillRef>
+          <a:effectRef idx="0">
+            <a:schemeClr val="accent1"/>
+          </a:effectRef>
+          <a:fontRef idx="minor">
+            <a:schemeClr val="tx1"/>
+          </a:fontRef>
+        </p:style>
+      </p:cxnSp>
+      <p:cxnSp>
+        <p:nvCxnSpPr>
+          <p:cNvPr id="104" name="Straight Connector 103"/>
+          <p:cNvCxnSpPr>
+            <a:stCxn id="83" idx="0"/>
+            <a:endCxn id="81" idx="2"/>
+          </p:cNvCxnSpPr>
+          <p:nvPr/>
+        </p:nvCxnSpPr>
+        <p:spPr>
+          <a:xfrm flipV="1">
+            <a:off x="1865804" y="4196991"/>
+            <a:ext cx="182259" cy="192915"/>
+          </a:xfrm>
+          <a:prstGeom prst="line">
+            <a:avLst/>
+          </a:prstGeom>
+          <a:ln w="28575">
+            <a:solidFill>
+              <a:srgbClr val="385723"/>
+            </a:solidFill>
+          </a:ln>
+        </p:spPr>
+        <p:style>
+          <a:lnRef idx="1">
+            <a:schemeClr val="accent1"/>
+          </a:lnRef>
+          <a:fillRef idx="0">
+            <a:schemeClr val="accent1"/>
+          </a:fillRef>
+          <a:effectRef idx="0">
+            <a:schemeClr val="accent1"/>
+          </a:effectRef>
+          <a:fontRef idx="minor">
+            <a:schemeClr val="tx1"/>
+          </a:fontRef>
+        </p:style>
+      </p:cxnSp>
+      <p:cxnSp>
+        <p:nvCxnSpPr>
+          <p:cNvPr id="105" name="Straight Connector 104"/>
+          <p:cNvCxnSpPr>
+            <a:stCxn id="73" idx="2"/>
+            <a:endCxn id="45" idx="0"/>
+          </p:cNvCxnSpPr>
+          <p:nvPr/>
+        </p:nvCxnSpPr>
+        <p:spPr>
+          <a:xfrm flipH="1">
+            <a:off x="8230927" y="795098"/>
+            <a:ext cx="7213" cy="247438"/>
+          </a:xfrm>
+          <a:prstGeom prst="line">
+            <a:avLst/>
+          </a:prstGeom>
+          <a:ln w="28575">
+            <a:solidFill>
+              <a:srgbClr val="385723"/>
+            </a:solidFill>
+          </a:ln>
+        </p:spPr>
+        <p:style>
+          <a:lnRef idx="1">
+            <a:schemeClr val="accent1"/>
+          </a:lnRef>
+          <a:fillRef idx="0">
+            <a:schemeClr val="accent1"/>
+          </a:fillRef>
+          <a:effectRef idx="0">
+            <a:schemeClr val="accent1"/>
+          </a:effectRef>
+          <a:fontRef idx="minor">
+            <a:schemeClr val="tx1"/>
+          </a:fontRef>
+        </p:style>
+      </p:cxnSp>
+      <p:cxnSp>
+        <p:nvCxnSpPr>
+          <p:cNvPr id="106" name="Straight Connector 105"/>
+          <p:cNvCxnSpPr>
+            <a:stCxn id="74" idx="0"/>
+            <a:endCxn id="46" idx="2"/>
+          </p:cNvCxnSpPr>
+          <p:nvPr/>
+        </p:nvCxnSpPr>
+        <p:spPr>
+          <a:xfrm flipV="1">
+            <a:off x="8177833" y="2593672"/>
+            <a:ext cx="53094" cy="105052"/>
+          </a:xfrm>
+          <a:prstGeom prst="line">
+            <a:avLst/>
+          </a:prstGeom>
+          <a:ln w="28575">
+            <a:solidFill>
+              <a:srgbClr val="385723"/>
+            </a:solidFill>
+          </a:ln>
+        </p:spPr>
+        <p:style>
+          <a:lnRef idx="1">
+            <a:schemeClr val="accent1"/>
+          </a:lnRef>
+          <a:fillRef idx="0">
+            <a:schemeClr val="accent1"/>
+          </a:fillRef>
+          <a:effectRef idx="0">
+            <a:schemeClr val="accent1"/>
+          </a:effectRef>
+          <a:fontRef idx="minor">
+            <a:schemeClr val="tx1"/>
+          </a:fontRef>
+        </p:style>
+      </p:cxnSp>
+      <p:cxnSp>
+        <p:nvCxnSpPr>
+          <p:cNvPr id="108" name="Straight Connector 107"/>
+          <p:cNvCxnSpPr>
+            <a:stCxn id="77" idx="2"/>
+            <a:endCxn id="47" idx="0"/>
+          </p:cNvCxnSpPr>
+          <p:nvPr/>
+        </p:nvCxnSpPr>
+        <p:spPr>
+          <a:xfrm flipH="1">
+            <a:off x="9557586" y="720187"/>
+            <a:ext cx="328080" cy="572683"/>
+          </a:xfrm>
+          <a:prstGeom prst="line">
+            <a:avLst/>
+          </a:prstGeom>
+          <a:ln w="28575">
+            <a:solidFill>
+              <a:srgbClr val="385723"/>
+            </a:solidFill>
+          </a:ln>
+        </p:spPr>
+        <p:style>
+          <a:lnRef idx="1">
+            <a:schemeClr val="accent1"/>
+          </a:lnRef>
+          <a:fillRef idx="0">
+            <a:schemeClr val="accent1"/>
+          </a:fillRef>
+          <a:effectRef idx="0">
+            <a:schemeClr val="accent1"/>
+          </a:effectRef>
+          <a:fontRef idx="minor">
+            <a:schemeClr val="tx1"/>
+          </a:fontRef>
+        </p:style>
+      </p:cxnSp>
+      <p:cxnSp>
+        <p:nvCxnSpPr>
+          <p:cNvPr id="110" name="Straight Connector 109"/>
+          <p:cNvCxnSpPr>
+            <a:stCxn id="76" idx="3"/>
+            <a:endCxn id="30" idx="0"/>
+          </p:cNvCxnSpPr>
+          <p:nvPr/>
+        </p:nvCxnSpPr>
+        <p:spPr>
+          <a:xfrm>
+            <a:off x="3893066" y="5812381"/>
+            <a:ext cx="394023" cy="67245"/>
+          </a:xfrm>
+          <a:prstGeom prst="line">
+            <a:avLst/>
+          </a:prstGeom>
+          <a:ln w="28575">
+            <a:solidFill>
+              <a:srgbClr val="385723"/>
+            </a:solidFill>
+          </a:ln>
+        </p:spPr>
+        <p:style>
+          <a:lnRef idx="1">
+            <a:schemeClr val="accent1"/>
+          </a:lnRef>
+          <a:fillRef idx="0">
+            <a:schemeClr val="accent1"/>
+          </a:fillRef>
+          <a:effectRef idx="0">
+            <a:schemeClr val="accent1"/>
+          </a:effectRef>
+          <a:fontRef idx="minor">
+            <a:schemeClr val="tx1"/>
+          </a:fontRef>
+        </p:style>
+      </p:cxnSp>
+      <p:cxnSp>
+        <p:nvCxnSpPr>
+          <p:cNvPr id="111" name="Straight Connector 110"/>
+          <p:cNvCxnSpPr>
+            <a:stCxn id="70" idx="0"/>
+            <a:endCxn id="120" idx="0"/>
+          </p:cNvCxnSpPr>
+          <p:nvPr/>
+        </p:nvCxnSpPr>
+        <p:spPr>
+          <a:xfrm flipH="1" flipV="1">
+            <a:off x="3556498" y="4686705"/>
+            <a:ext cx="654797" cy="274941"/>
+          </a:xfrm>
+          <a:prstGeom prst="line">
+            <a:avLst/>
+          </a:prstGeom>
+          <a:ln w="28575">
+            <a:solidFill>
+              <a:srgbClr val="385723"/>
+            </a:solidFill>
+          </a:ln>
+        </p:spPr>
+        <p:style>
+          <a:lnRef idx="1">
+            <a:schemeClr val="accent1"/>
+          </a:lnRef>
+          <a:fillRef idx="0">
+            <a:schemeClr val="accent1"/>
+          </a:fillRef>
+          <a:effectRef idx="0">
+            <a:schemeClr val="accent1"/>
+          </a:effectRef>
+          <a:fontRef idx="minor">
+            <a:schemeClr val="tx1"/>
+          </a:fontRef>
+        </p:style>
+      </p:cxnSp>
+      <p:cxnSp>
+        <p:nvCxnSpPr>
+          <p:cNvPr id="114" name="Straight Connector 113"/>
+          <p:cNvCxnSpPr>
+            <a:stCxn id="75" idx="2"/>
+            <a:endCxn id="7" idx="0"/>
+          </p:cNvCxnSpPr>
+          <p:nvPr/>
+        </p:nvCxnSpPr>
+        <p:spPr>
+          <a:xfrm>
+            <a:off x="5497320" y="782019"/>
+            <a:ext cx="63862" cy="219561"/>
+          </a:xfrm>
+          <a:prstGeom prst="line">
+            <a:avLst/>
+          </a:prstGeom>
+          <a:ln w="28575">
+            <a:solidFill>
+              <a:srgbClr val="385723"/>
+            </a:solidFill>
+          </a:ln>
+        </p:spPr>
+        <p:style>
+          <a:lnRef idx="1">
+            <a:schemeClr val="accent1"/>
+          </a:lnRef>
+          <a:fillRef idx="0">
+            <a:schemeClr val="accent1"/>
+          </a:fillRef>
+          <a:effectRef idx="0">
+            <a:schemeClr val="accent1"/>
+          </a:effectRef>
+          <a:fontRef idx="minor">
+            <a:schemeClr val="tx1"/>
+          </a:fontRef>
+        </p:style>
+      </p:cxnSp>
+      <p:grpSp>
+        <p:nvGrpSpPr>
+          <p:cNvPr id="116" name="Group 115"/>
+          <p:cNvGrpSpPr/>
+          <p:nvPr/>
+        </p:nvGrpSpPr>
+        <p:grpSpPr>
+          <a:xfrm>
+            <a:off x="3335934" y="4046409"/>
+            <a:ext cx="449341" cy="1144823"/>
+            <a:chOff x="2553404" y="5069820"/>
+            <a:chExt cx="337756" cy="860529"/>
+          </a:xfrm>
+        </p:grpSpPr>
+        <p:sp>
+          <p:nvSpPr>
+            <p:cNvPr id="117" name="Rounded Rectangle 116"/>
+            <p:cNvSpPr/>
+            <p:nvPr/>
+          </p:nvSpPr>
+          <p:spPr>
+            <a:xfrm rot="16200000">
+              <a:off x="2327411" y="5338172"/>
+              <a:ext cx="700967" cy="248982"/>
+            </a:xfrm>
+            <a:prstGeom prst="roundRect">
+              <a:avLst/>
+            </a:prstGeom>
+          </p:spPr>
+          <p:style>
+            <a:lnRef idx="2">
+              <a:schemeClr val="accent1">
+                <a:shade val="50000"/>
+              </a:schemeClr>
+            </a:lnRef>
+            <a:fillRef idx="1">
+              <a:schemeClr val="accent1"/>
+            </a:fillRef>
+            <a:effectRef idx="0">
+              <a:schemeClr val="accent1"/>
+            </a:effectRef>
+            <a:fontRef idx="minor">
+              <a:schemeClr val="lt1"/>
+            </a:fontRef>
+          </p:style>
+          <p:txBody>
+            <a:bodyPr rtlCol="0" anchor="ctr"/>
+            <a:lstStyle/>
+            <a:p>
+              <a:pPr algn="ctr"/>
+              <a:r>
+                <a:rPr lang="en-US" sz="1100" dirty="0" smtClean="0"/>
+                <a:t>Mux</a:t>
+              </a:r>
+              <a:endParaRPr lang="en-US" dirty="0"/>
+            </a:p>
+          </p:txBody>
+        </p:sp>
+        <p:sp>
+          <p:nvSpPr>
+            <p:cNvPr id="118" name="TextBox 117"/>
+            <p:cNvSpPr txBox="1"/>
+            <p:nvPr/>
+          </p:nvSpPr>
+          <p:spPr>
+            <a:xfrm>
+              <a:off x="2575048" y="5069820"/>
+              <a:ext cx="316112" cy="246221"/>
+            </a:xfrm>
+            <a:prstGeom prst="rect">
+              <a:avLst/>
+            </a:prstGeom>
+            <a:noFill/>
+          </p:spPr>
+          <p:txBody>
+            <a:bodyPr wrap="none" rtlCol="0">
+              <a:spAutoFit/>
+            </a:bodyPr>
+            <a:lstStyle/>
+            <a:p>
+              <a:r>
+                <a:rPr lang="en-US" sz="1000" dirty="0" smtClean="0"/>
+                <a:t>00</a:t>
+              </a:r>
+              <a:endParaRPr lang="en-US" sz="1000" dirty="0"/>
+            </a:p>
+          </p:txBody>
+        </p:sp>
+        <p:sp>
+          <p:nvSpPr>
+            <p:cNvPr id="119" name="TextBox 118"/>
+            <p:cNvSpPr txBox="1"/>
+            <p:nvPr/>
+          </p:nvSpPr>
+          <p:spPr>
+            <a:xfrm>
+              <a:off x="2575048" y="5209258"/>
+              <a:ext cx="316112" cy="246221"/>
+            </a:xfrm>
+            <a:prstGeom prst="rect">
+              <a:avLst/>
+            </a:prstGeom>
+            <a:noFill/>
+          </p:spPr>
+          <p:txBody>
+            <a:bodyPr wrap="none" rtlCol="0">
+              <a:spAutoFit/>
+            </a:bodyPr>
+            <a:lstStyle/>
+            <a:p>
+              <a:r>
+                <a:rPr lang="en-US" sz="1000" dirty="0" smtClean="0"/>
+                <a:t>01</a:t>
+              </a:r>
+              <a:endParaRPr lang="en-US" sz="1000" dirty="0"/>
+            </a:p>
+          </p:txBody>
+        </p:sp>
+        <p:sp>
+          <p:nvSpPr>
+            <p:cNvPr id="120" name="TextBox 119"/>
+            <p:cNvSpPr txBox="1"/>
+            <p:nvPr/>
+          </p:nvSpPr>
+          <p:spPr>
+            <a:xfrm>
+              <a:off x="2561138" y="5551111"/>
+              <a:ext cx="316112" cy="246221"/>
+            </a:xfrm>
+            <a:prstGeom prst="rect">
+              <a:avLst/>
+            </a:prstGeom>
+            <a:noFill/>
+          </p:spPr>
+          <p:txBody>
+            <a:bodyPr wrap="none" rtlCol="0">
+              <a:spAutoFit/>
+            </a:bodyPr>
+            <a:lstStyle/>
+            <a:p>
+              <a:r>
+                <a:rPr lang="en-US" sz="1000" dirty="0"/>
+                <a:t>1</a:t>
+              </a:r>
+              <a:r>
+                <a:rPr lang="en-US" sz="1000" dirty="0" smtClean="0"/>
+                <a:t>0</a:t>
+              </a:r>
+              <a:endParaRPr lang="en-US" sz="1000" dirty="0"/>
+            </a:p>
+          </p:txBody>
+        </p:sp>
+        <p:sp>
+          <p:nvSpPr>
+            <p:cNvPr id="121" name="TextBox 120"/>
+            <p:cNvSpPr txBox="1"/>
+            <p:nvPr/>
+          </p:nvSpPr>
+          <p:spPr>
+            <a:xfrm>
+              <a:off x="2565392" y="5684128"/>
+              <a:ext cx="316112" cy="246221"/>
+            </a:xfrm>
+            <a:prstGeom prst="rect">
+              <a:avLst/>
+            </a:prstGeom>
+            <a:noFill/>
+          </p:spPr>
+          <p:txBody>
+            <a:bodyPr wrap="none" rtlCol="0">
+              <a:spAutoFit/>
+            </a:bodyPr>
+            <a:lstStyle/>
+            <a:p>
+              <a:r>
+                <a:rPr lang="en-US" sz="1000" dirty="0" smtClean="0"/>
+                <a:t>11</a:t>
+              </a:r>
+              <a:endParaRPr lang="en-US" sz="1000" dirty="0"/>
+            </a:p>
+          </p:txBody>
+        </p:sp>
+      </p:grpSp>
+      <p:sp>
+        <p:nvSpPr>
+          <p:cNvPr id="144" name="TextBox 143"/>
+          <p:cNvSpPr txBox="1"/>
+          <p:nvPr/>
+        </p:nvSpPr>
+        <p:spPr>
+          <a:xfrm>
+            <a:off x="315386" y="207906"/>
+            <a:ext cx="2282741" cy="369332"/>
+          </a:xfrm>
+          <a:prstGeom prst="rect">
+            <a:avLst/>
+          </a:prstGeom>
+          <a:noFill/>
+          <a:ln w="38100">
+            <a:solidFill>
+              <a:schemeClr val="tx1"/>
+            </a:solidFill>
+          </a:ln>
+        </p:spPr>
+        <p:txBody>
+          <a:bodyPr wrap="none" rtlCol="0">
+            <a:spAutoFit/>
+          </a:bodyPr>
+          <a:lstStyle/>
+          <a:p>
+            <a:r>
+              <a:rPr lang="en-US" dirty="0" smtClean="0"/>
+              <a:t>Register File Data Path</a:t>
+            </a:r>
+            <a:endParaRPr lang="en-US" dirty="0"/>
+          </a:p>
+        </p:txBody>
+      </p:sp>
+      <p:grpSp>
+        <p:nvGrpSpPr>
+          <p:cNvPr id="145" name="Group 144"/>
+          <p:cNvGrpSpPr/>
+          <p:nvPr/>
+        </p:nvGrpSpPr>
+        <p:grpSpPr>
+          <a:xfrm>
+            <a:off x="207033" y="5347043"/>
+            <a:ext cx="1173584" cy="1278181"/>
+            <a:chOff x="138021" y="5317673"/>
+            <a:chExt cx="1300160" cy="1416039"/>
+          </a:xfrm>
+        </p:grpSpPr>
+        <p:sp>
+          <p:nvSpPr>
+            <p:cNvPr id="146" name="Rectangle 145"/>
+            <p:cNvSpPr/>
+            <p:nvPr/>
+          </p:nvSpPr>
+          <p:spPr>
+            <a:xfrm>
+              <a:off x="138021" y="5317673"/>
+              <a:ext cx="1300160" cy="1416039"/>
+            </a:xfrm>
+            <a:prstGeom prst="rect">
+              <a:avLst/>
+            </a:prstGeom>
+            <a:noFill/>
+            <a:ln>
+              <a:solidFill>
+                <a:schemeClr val="tx1"/>
+              </a:solidFill>
+            </a:ln>
+          </p:spPr>
+          <p:style>
+            <a:lnRef idx="2">
+              <a:schemeClr val="accent1">
+                <a:shade val="50000"/>
+              </a:schemeClr>
+            </a:lnRef>
+            <a:fillRef idx="1">
+              <a:schemeClr val="accent1"/>
+            </a:fillRef>
+            <a:effectRef idx="0">
+              <a:schemeClr val="accent1"/>
+            </a:effectRef>
+            <a:fontRef idx="minor">
+              <a:schemeClr val="lt1"/>
+            </a:fontRef>
+          </p:style>
+          <p:txBody>
+            <a:bodyPr rtlCol="0" anchor="ctr"/>
+            <a:lstStyle/>
+            <a:p>
+              <a:pPr algn="ctr"/>
+              <a:endParaRPr lang="en-US"/>
+            </a:p>
+          </p:txBody>
+        </p:sp>
+        <p:grpSp>
+          <p:nvGrpSpPr>
+            <p:cNvPr id="147" name="Group 146"/>
+            <p:cNvGrpSpPr/>
+            <p:nvPr/>
+          </p:nvGrpSpPr>
+          <p:grpSpPr>
+            <a:xfrm>
+              <a:off x="232911" y="5421541"/>
+              <a:ext cx="1108879" cy="307777"/>
+              <a:chOff x="638353" y="4675868"/>
+              <a:chExt cx="1108879" cy="307777"/>
+            </a:xfrm>
+          </p:grpSpPr>
+          <p:sp>
+            <p:nvSpPr>
+              <p:cNvPr id="157" name="Rectangle 156"/>
+              <p:cNvSpPr/>
+              <p:nvPr/>
+            </p:nvSpPr>
+            <p:spPr>
+              <a:xfrm>
+                <a:off x="638353" y="4734867"/>
+                <a:ext cx="189781" cy="189781"/>
+              </a:xfrm>
+              <a:prstGeom prst="rect">
+                <a:avLst/>
+              </a:prstGeom>
+              <a:solidFill>
+                <a:srgbClr val="385723"/>
+              </a:solidFill>
+              <a:ln>
+                <a:solidFill>
+                  <a:schemeClr val="tx1"/>
+                </a:solidFill>
+              </a:ln>
+            </p:spPr>
+            <p:style>
+              <a:lnRef idx="2">
+                <a:schemeClr val="accent1">
+                  <a:shade val="50000"/>
+                </a:schemeClr>
+              </a:lnRef>
+              <a:fillRef idx="1">
+                <a:schemeClr val="accent1"/>
+              </a:fillRef>
+              <a:effectRef idx="0">
+                <a:schemeClr val="accent1"/>
+              </a:effectRef>
+              <a:fontRef idx="minor">
+                <a:schemeClr val="lt1"/>
+              </a:fontRef>
+            </p:style>
+            <p:txBody>
+              <a:bodyPr rtlCol="0" anchor="ctr"/>
+              <a:lstStyle/>
+              <a:p>
+                <a:pPr algn="ctr"/>
+                <a:endParaRPr lang="en-US"/>
+              </a:p>
+            </p:txBody>
+          </p:sp>
+          <p:sp>
+            <p:nvSpPr>
+              <p:cNvPr id="158" name="TextBox 157"/>
+              <p:cNvSpPr txBox="1"/>
+              <p:nvPr/>
+            </p:nvSpPr>
+            <p:spPr>
+              <a:xfrm>
+                <a:off x="828134" y="4675868"/>
+                <a:ext cx="919098" cy="307777"/>
+              </a:xfrm>
+              <a:prstGeom prst="rect">
+                <a:avLst/>
+              </a:prstGeom>
+              <a:noFill/>
+            </p:spPr>
+            <p:txBody>
+              <a:bodyPr wrap="none" rtlCol="0">
+                <a:spAutoFit/>
+              </a:bodyPr>
+              <a:lstStyle/>
+              <a:p>
+                <a:r>
+                  <a:rPr lang="en-US" sz="1400" dirty="0" smtClean="0"/>
+                  <a:t>Controller</a:t>
+                </a:r>
+                <a:endParaRPr lang="en-US" sz="1400" dirty="0"/>
+              </a:p>
+            </p:txBody>
+          </p:sp>
+        </p:grpSp>
+        <p:grpSp>
+          <p:nvGrpSpPr>
+            <p:cNvPr id="148" name="Group 147"/>
+            <p:cNvGrpSpPr/>
+            <p:nvPr/>
+          </p:nvGrpSpPr>
+          <p:grpSpPr>
+            <a:xfrm>
+              <a:off x="241717" y="5735129"/>
+              <a:ext cx="1113432" cy="307777"/>
+              <a:chOff x="638353" y="4675868"/>
+              <a:chExt cx="1113432" cy="307777"/>
+            </a:xfrm>
+          </p:grpSpPr>
+          <p:sp>
+            <p:nvSpPr>
+              <p:cNvPr id="155" name="Rectangle 154"/>
+              <p:cNvSpPr/>
+              <p:nvPr/>
+            </p:nvSpPr>
+            <p:spPr>
+              <a:xfrm>
+                <a:off x="638353" y="4734867"/>
+                <a:ext cx="189781" cy="189781"/>
+              </a:xfrm>
+              <a:prstGeom prst="rect">
+                <a:avLst/>
+              </a:prstGeom>
+              <a:solidFill>
+                <a:srgbClr val="5B9BD5"/>
+              </a:solidFill>
+              <a:ln>
+                <a:solidFill>
+                  <a:schemeClr val="tx1"/>
+                </a:solidFill>
+              </a:ln>
+            </p:spPr>
+            <p:style>
+              <a:lnRef idx="2">
+                <a:schemeClr val="accent1">
+                  <a:shade val="50000"/>
+                </a:schemeClr>
+              </a:lnRef>
+              <a:fillRef idx="1">
+                <a:schemeClr val="accent1"/>
+              </a:fillRef>
+              <a:effectRef idx="0">
+                <a:schemeClr val="accent1"/>
+              </a:effectRef>
+              <a:fontRef idx="minor">
+                <a:schemeClr val="lt1"/>
+              </a:fontRef>
+            </p:style>
+            <p:txBody>
+              <a:bodyPr rtlCol="0" anchor="ctr"/>
+              <a:lstStyle/>
+              <a:p>
+                <a:pPr algn="ctr"/>
+                <a:endParaRPr lang="en-US"/>
+              </a:p>
+            </p:txBody>
+          </p:sp>
+          <p:sp>
+            <p:nvSpPr>
+              <p:cNvPr id="156" name="TextBox 155"/>
+              <p:cNvSpPr txBox="1"/>
+              <p:nvPr/>
+            </p:nvSpPr>
+            <p:spPr>
+              <a:xfrm>
+                <a:off x="828134" y="4675868"/>
+                <a:ext cx="923651" cy="307777"/>
+              </a:xfrm>
+              <a:prstGeom prst="rect">
+                <a:avLst/>
+              </a:prstGeom>
+              <a:noFill/>
+            </p:spPr>
+            <p:txBody>
+              <a:bodyPr wrap="none" rtlCol="0">
+                <a:spAutoFit/>
+              </a:bodyPr>
+              <a:lstStyle/>
+              <a:p>
+                <a:r>
+                  <a:rPr lang="en-US" sz="1400" dirty="0" smtClean="0"/>
+                  <a:t>Misc. Unit</a:t>
+                </a:r>
+                <a:endParaRPr lang="en-US" sz="1400" dirty="0"/>
+              </a:p>
+            </p:txBody>
+          </p:sp>
+        </p:grpSp>
+        <p:grpSp>
+          <p:nvGrpSpPr>
+            <p:cNvPr id="149" name="Group 148"/>
+            <p:cNvGrpSpPr/>
+            <p:nvPr/>
+          </p:nvGrpSpPr>
+          <p:grpSpPr>
+            <a:xfrm>
+              <a:off x="251888" y="6045241"/>
+              <a:ext cx="965314" cy="307777"/>
+              <a:chOff x="638353" y="4675868"/>
+              <a:chExt cx="965314" cy="307777"/>
+            </a:xfrm>
+            <a:solidFill>
+              <a:srgbClr val="FFC000"/>
+            </a:solidFill>
+          </p:grpSpPr>
+          <p:sp>
+            <p:nvSpPr>
+              <p:cNvPr id="153" name="Rectangle 152"/>
+              <p:cNvSpPr/>
+              <p:nvPr/>
+            </p:nvSpPr>
+            <p:spPr>
+              <a:xfrm>
+                <a:off x="638353" y="4734867"/>
+                <a:ext cx="189781" cy="189781"/>
+              </a:xfrm>
+              <a:prstGeom prst="rect">
+                <a:avLst/>
+              </a:prstGeom>
+              <a:grpFill/>
+              <a:ln>
+                <a:solidFill>
+                  <a:schemeClr val="tx1"/>
+                </a:solidFill>
+              </a:ln>
+            </p:spPr>
+            <p:style>
+              <a:lnRef idx="2">
+                <a:schemeClr val="accent1">
+                  <a:shade val="50000"/>
+                </a:schemeClr>
+              </a:lnRef>
+              <a:fillRef idx="1">
+                <a:schemeClr val="accent1"/>
+              </a:fillRef>
+              <a:effectRef idx="0">
+                <a:schemeClr val="accent1"/>
+              </a:effectRef>
+              <a:fontRef idx="minor">
+                <a:schemeClr val="lt1"/>
+              </a:fontRef>
+            </p:style>
+            <p:txBody>
+              <a:bodyPr rtlCol="0" anchor="ctr"/>
+              <a:lstStyle/>
+              <a:p>
+                <a:pPr algn="ctr"/>
+                <a:endParaRPr lang="en-US"/>
+              </a:p>
+            </p:txBody>
+          </p:sp>
+          <p:sp>
+            <p:nvSpPr>
+              <p:cNvPr id="154" name="TextBox 153"/>
+              <p:cNvSpPr txBox="1"/>
+              <p:nvPr/>
+            </p:nvSpPr>
+            <p:spPr>
+              <a:xfrm>
+                <a:off x="828134" y="4675868"/>
+                <a:ext cx="775533" cy="307777"/>
+              </a:xfrm>
+              <a:prstGeom prst="rect">
+                <a:avLst/>
+              </a:prstGeom>
+              <a:noFill/>
+            </p:spPr>
+            <p:txBody>
+              <a:bodyPr wrap="none" rtlCol="0">
+                <a:spAutoFit/>
+              </a:bodyPr>
+              <a:lstStyle/>
+              <a:p>
+                <a:r>
+                  <a:rPr lang="en-US" sz="1400" dirty="0" smtClean="0"/>
+                  <a:t>Register</a:t>
+                </a:r>
+                <a:endParaRPr lang="en-US" sz="1400" dirty="0"/>
+              </a:p>
+            </p:txBody>
+          </p:sp>
+        </p:grpSp>
+        <p:grpSp>
+          <p:nvGrpSpPr>
+            <p:cNvPr id="150" name="Group 149"/>
+            <p:cNvGrpSpPr/>
+            <p:nvPr/>
+          </p:nvGrpSpPr>
+          <p:grpSpPr>
+            <a:xfrm>
+              <a:off x="261651" y="6347941"/>
+              <a:ext cx="1132090" cy="307777"/>
+              <a:chOff x="638353" y="4675868"/>
+              <a:chExt cx="1132090" cy="307777"/>
+            </a:xfrm>
+            <a:solidFill>
+              <a:srgbClr val="FFC000"/>
+            </a:solidFill>
+          </p:grpSpPr>
+          <p:sp>
+            <p:nvSpPr>
+              <p:cNvPr id="151" name="Rectangle 150"/>
+              <p:cNvSpPr/>
+              <p:nvPr/>
+            </p:nvSpPr>
+            <p:spPr>
+              <a:xfrm>
+                <a:off x="638353" y="4734867"/>
+                <a:ext cx="189781" cy="189781"/>
+              </a:xfrm>
+              <a:prstGeom prst="rect">
+                <a:avLst/>
+              </a:prstGeom>
+              <a:solidFill>
+                <a:srgbClr val="C00000"/>
+              </a:solidFill>
+              <a:ln>
+                <a:solidFill>
+                  <a:schemeClr val="tx1"/>
+                </a:solidFill>
+              </a:ln>
+            </p:spPr>
+            <p:style>
+              <a:lnRef idx="2">
+                <a:schemeClr val="accent1">
+                  <a:shade val="50000"/>
+                </a:schemeClr>
+              </a:lnRef>
+              <a:fillRef idx="1">
+                <a:schemeClr val="accent1"/>
+              </a:fillRef>
+              <a:effectRef idx="0">
+                <a:schemeClr val="accent1"/>
+              </a:effectRef>
+              <a:fontRef idx="minor">
+                <a:schemeClr val="lt1"/>
+              </a:fontRef>
+            </p:style>
+            <p:txBody>
+              <a:bodyPr rtlCol="0" anchor="ctr"/>
+              <a:lstStyle/>
+              <a:p>
+                <a:pPr algn="ctr"/>
+                <a:endParaRPr lang="en-US"/>
+              </a:p>
+            </p:txBody>
+          </p:sp>
+          <p:sp>
+            <p:nvSpPr>
+              <p:cNvPr id="152" name="TextBox 151"/>
+              <p:cNvSpPr txBox="1"/>
+              <p:nvPr/>
+            </p:nvSpPr>
+            <p:spPr>
+              <a:xfrm>
+                <a:off x="828134" y="4675868"/>
+                <a:ext cx="942309" cy="307777"/>
+              </a:xfrm>
+              <a:prstGeom prst="rect">
+                <a:avLst/>
+              </a:prstGeom>
+              <a:noFill/>
+            </p:spPr>
+            <p:txBody>
+              <a:bodyPr wrap="none" rtlCol="0">
+                <a:spAutoFit/>
+              </a:bodyPr>
+              <a:lstStyle/>
+              <a:p>
+                <a:r>
+                  <a:rPr lang="en-US" sz="1400" dirty="0" smtClean="0"/>
+                  <a:t>Static. </a:t>
+                </a:r>
+                <a:r>
+                  <a:rPr lang="en-US" sz="1400" dirty="0" err="1" smtClean="0"/>
+                  <a:t>Reg</a:t>
+                </a:r>
+                <a:endParaRPr lang="en-US" sz="1400" dirty="0"/>
+              </a:p>
+            </p:txBody>
+          </p:sp>
+        </p:grpSp>
+      </p:grpSp>
+      <p:sp>
+        <p:nvSpPr>
+          <p:cNvPr id="160" name="TextBox 159"/>
+          <p:cNvSpPr txBox="1"/>
+          <p:nvPr/>
+        </p:nvSpPr>
+        <p:spPr>
+          <a:xfrm>
+            <a:off x="152247" y="4933604"/>
+            <a:ext cx="942887" cy="253916"/>
+          </a:xfrm>
+          <a:prstGeom prst="rect">
+            <a:avLst/>
+          </a:prstGeom>
+          <a:noFill/>
+          <a:ln w="38100">
+            <a:solidFill>
+              <a:srgbClr val="385723"/>
+            </a:solidFill>
+          </a:ln>
+        </p:spPr>
+        <p:txBody>
+          <a:bodyPr wrap="none" rtlCol="0">
+            <a:spAutoFit/>
+          </a:bodyPr>
+          <a:lstStyle/>
+          <a:p>
+            <a:r>
+              <a:rPr lang="en-US" sz="1000" dirty="0" smtClean="0"/>
+              <a:t>Control Signal</a:t>
+            </a:r>
+            <a:endParaRPr lang="en-US" sz="1000" dirty="0"/>
+          </a:p>
+        </p:txBody>
+      </p:sp>
+      <p:cxnSp>
+        <p:nvCxnSpPr>
+          <p:cNvPr id="161" name="Straight Connector 160"/>
+          <p:cNvCxnSpPr>
+            <a:stCxn id="160" idx="2"/>
+            <a:endCxn id="146" idx="0"/>
+          </p:cNvCxnSpPr>
+          <p:nvPr/>
+        </p:nvCxnSpPr>
+        <p:spPr>
+          <a:xfrm>
+            <a:off x="623691" y="5187520"/>
+            <a:ext cx="170134" cy="159523"/>
+          </a:xfrm>
+          <a:prstGeom prst="line">
+            <a:avLst/>
+          </a:prstGeom>
+          <a:ln w="28575">
+            <a:solidFill>
+              <a:srgbClr val="385723"/>
+            </a:solidFill>
+          </a:ln>
+        </p:spPr>
+        <p:style>
+          <a:lnRef idx="1">
+            <a:schemeClr val="accent1"/>
+          </a:lnRef>
+          <a:fillRef idx="0">
+            <a:schemeClr val="accent1"/>
+          </a:fillRef>
+          <a:effectRef idx="0">
+            <a:schemeClr val="accent1"/>
+          </a:effectRef>
+          <a:fontRef idx="minor">
+            <a:schemeClr val="tx1"/>
+          </a:fontRef>
+        </p:style>
+      </p:cxnSp>
+      <p:sp>
+        <p:nvSpPr>
+          <p:cNvPr id="178" name="TextBox 177"/>
+          <p:cNvSpPr txBox="1"/>
+          <p:nvPr/>
+        </p:nvSpPr>
+        <p:spPr>
+          <a:xfrm>
+            <a:off x="3175321" y="2325750"/>
+            <a:ext cx="566181" cy="261610"/>
+          </a:xfrm>
+          <a:prstGeom prst="rect">
+            <a:avLst/>
+          </a:prstGeom>
+          <a:noFill/>
+        </p:spPr>
+        <p:txBody>
+          <a:bodyPr wrap="none" rtlCol="0">
+            <a:spAutoFit/>
+          </a:bodyPr>
+          <a:lstStyle/>
+          <a:p>
+            <a:r>
+              <a:rPr lang="en-US" sz="1050" dirty="0" smtClean="0"/>
+              <a:t>IR[8:6]</a:t>
+            </a:r>
+            <a:endParaRPr lang="en-US" sz="1050" dirty="0" smtClean="0"/>
+          </a:p>
+        </p:txBody>
+      </p:sp>
+      <p:sp>
+        <p:nvSpPr>
+          <p:cNvPr id="191" name="TextBox 190"/>
+          <p:cNvSpPr txBox="1"/>
+          <p:nvPr/>
+        </p:nvSpPr>
+        <p:spPr>
+          <a:xfrm>
+            <a:off x="3162573" y="1575524"/>
+            <a:ext cx="638316" cy="261610"/>
+          </a:xfrm>
+          <a:prstGeom prst="rect">
+            <a:avLst/>
+          </a:prstGeom>
+          <a:noFill/>
+        </p:spPr>
+        <p:txBody>
+          <a:bodyPr wrap="none" rtlCol="0">
+            <a:spAutoFit/>
+          </a:bodyPr>
+          <a:lstStyle/>
+          <a:p>
+            <a:r>
+              <a:rPr lang="en-US" sz="1050" dirty="0" smtClean="0"/>
+              <a:t>IR[11:9]</a:t>
+            </a:r>
+            <a:endParaRPr lang="en-US" sz="1050" dirty="0" smtClean="0"/>
+          </a:p>
+        </p:txBody>
+      </p:sp>
+      <p:sp>
+        <p:nvSpPr>
+          <p:cNvPr id="207" name="TextBox 206"/>
+          <p:cNvSpPr txBox="1"/>
+          <p:nvPr/>
+        </p:nvSpPr>
+        <p:spPr>
+          <a:xfrm>
+            <a:off x="9009439" y="1298536"/>
+            <a:ext cx="476412" cy="369332"/>
+          </a:xfrm>
+          <a:prstGeom prst="rect">
+            <a:avLst/>
+          </a:prstGeom>
+          <a:noFill/>
+        </p:spPr>
+        <p:txBody>
+          <a:bodyPr wrap="none" rtlCol="0">
+            <a:spAutoFit/>
+          </a:bodyPr>
+          <a:lstStyle/>
+          <a:p>
+            <a:r>
+              <a:rPr lang="en-US" dirty="0" smtClean="0"/>
+              <a:t>in1</a:t>
+            </a:r>
+            <a:endParaRPr lang="en-US" dirty="0"/>
+          </a:p>
+        </p:txBody>
+      </p:sp>
+      <p:sp>
+        <p:nvSpPr>
+          <p:cNvPr id="208" name="TextBox 207"/>
+          <p:cNvSpPr txBox="1"/>
+          <p:nvPr/>
+        </p:nvSpPr>
+        <p:spPr>
+          <a:xfrm>
+            <a:off x="8997534" y="2026443"/>
+            <a:ext cx="476412" cy="369332"/>
+          </a:xfrm>
+          <a:prstGeom prst="rect">
+            <a:avLst/>
+          </a:prstGeom>
+          <a:noFill/>
+        </p:spPr>
+        <p:txBody>
+          <a:bodyPr wrap="none" rtlCol="0">
+            <a:spAutoFit/>
+          </a:bodyPr>
+          <a:lstStyle/>
+          <a:p>
+            <a:r>
+              <a:rPr lang="en-US" dirty="0" smtClean="0"/>
+              <a:t>in2</a:t>
+            </a:r>
+            <a:endParaRPr lang="en-US" dirty="0"/>
+          </a:p>
+        </p:txBody>
+      </p:sp>
+      <p:sp>
+        <p:nvSpPr>
+          <p:cNvPr id="215" name="TextBox 214"/>
+          <p:cNvSpPr txBox="1"/>
+          <p:nvPr/>
+        </p:nvSpPr>
+        <p:spPr>
+          <a:xfrm>
+            <a:off x="11618375" y="2023307"/>
+            <a:ext cx="574196" cy="246221"/>
+          </a:xfrm>
+          <a:prstGeom prst="rect">
+            <a:avLst/>
+          </a:prstGeom>
+          <a:noFill/>
+          <a:ln w="38100">
+            <a:solidFill>
+              <a:srgbClr val="385723"/>
+            </a:solidFill>
+          </a:ln>
+        </p:spPr>
+        <p:txBody>
+          <a:bodyPr wrap="none" rtlCol="0">
+            <a:spAutoFit/>
+          </a:bodyPr>
+          <a:lstStyle/>
+          <a:p>
+            <a:r>
+              <a:rPr lang="en-US" sz="1000" dirty="0" err="1" smtClean="0"/>
+              <a:t>ALUwrt</a:t>
+            </a:r>
+            <a:endParaRPr lang="en-US" sz="1000" dirty="0"/>
+          </a:p>
+        </p:txBody>
+      </p:sp>
+      <p:cxnSp>
+        <p:nvCxnSpPr>
+          <p:cNvPr id="216" name="Straight Connector 215"/>
+          <p:cNvCxnSpPr>
+            <a:stCxn id="215" idx="2"/>
+            <a:endCxn id="58" idx="3"/>
+          </p:cNvCxnSpPr>
+          <p:nvPr/>
+        </p:nvCxnSpPr>
+        <p:spPr>
+          <a:xfrm flipH="1">
+            <a:off x="11466786" y="2269528"/>
+            <a:ext cx="438687" cy="208142"/>
+          </a:xfrm>
+          <a:prstGeom prst="line">
+            <a:avLst/>
+          </a:prstGeom>
+          <a:ln w="28575">
+            <a:solidFill>
+              <a:srgbClr val="385723"/>
+            </a:solidFill>
+          </a:ln>
+        </p:spPr>
+        <p:style>
+          <a:lnRef idx="1">
+            <a:schemeClr val="accent1"/>
+          </a:lnRef>
+          <a:fillRef idx="0">
+            <a:schemeClr val="accent1"/>
+          </a:fillRef>
+          <a:effectRef idx="0">
+            <a:schemeClr val="accent1"/>
+          </a:effectRef>
+          <a:fontRef idx="minor">
+            <a:schemeClr val="tx1"/>
+          </a:fontRef>
+        </p:style>
+      </p:cxnSp>
+      <p:sp>
+        <p:nvSpPr>
+          <p:cNvPr id="229" name="Rectangle 228"/>
+          <p:cNvSpPr/>
+          <p:nvPr/>
+        </p:nvSpPr>
+        <p:spPr>
+          <a:xfrm>
+            <a:off x="2699142" y="4270818"/>
+            <a:ext cx="572593" cy="246221"/>
+          </a:xfrm>
+          <a:prstGeom prst="rect">
+            <a:avLst/>
+          </a:prstGeom>
+        </p:spPr>
+        <p:txBody>
+          <a:bodyPr wrap="none">
+            <a:spAutoFit/>
+          </a:bodyPr>
+          <a:lstStyle/>
+          <a:p>
+            <a:r>
+              <a:rPr lang="en-US" sz="1000" dirty="0" err="1"/>
+              <a:t>ALUout</a:t>
+            </a:r>
+            <a:endParaRPr lang="en-US" sz="1000" dirty="0"/>
+          </a:p>
+        </p:txBody>
+      </p:sp>
+      <p:sp>
+        <p:nvSpPr>
+          <p:cNvPr id="232" name="Rectangle 231"/>
+          <p:cNvSpPr/>
+          <p:nvPr/>
+        </p:nvSpPr>
+        <p:spPr>
+          <a:xfrm>
+            <a:off x="2865259" y="3990646"/>
+            <a:ext cx="538930" cy="246221"/>
+          </a:xfrm>
+          <a:prstGeom prst="rect">
+            <a:avLst/>
+          </a:prstGeom>
+        </p:spPr>
+        <p:txBody>
+          <a:bodyPr wrap="none">
+            <a:spAutoFit/>
+          </a:bodyPr>
+          <a:lstStyle/>
+          <a:p>
+            <a:r>
+              <a:rPr lang="en-US" sz="1000" dirty="0" err="1" smtClean="0"/>
+              <a:t>memO</a:t>
+            </a:r>
+            <a:endParaRPr lang="en-US" sz="1000" dirty="0"/>
+          </a:p>
+        </p:txBody>
+      </p:sp>
+      <p:sp>
+        <p:nvSpPr>
+          <p:cNvPr id="233" name="Rectangle 232"/>
+          <p:cNvSpPr/>
+          <p:nvPr/>
+        </p:nvSpPr>
+        <p:spPr>
+          <a:xfrm>
+            <a:off x="2883438" y="4643822"/>
+            <a:ext cx="360996" cy="246221"/>
+          </a:xfrm>
+          <a:prstGeom prst="rect">
+            <a:avLst/>
+          </a:prstGeom>
+        </p:spPr>
+        <p:txBody>
+          <a:bodyPr wrap="none">
+            <a:spAutoFit/>
+          </a:bodyPr>
+          <a:lstStyle/>
+          <a:p>
+            <a:r>
+              <a:rPr lang="en-US" sz="1000" dirty="0" err="1" smtClean="0"/>
+              <a:t>AiA</a:t>
+            </a:r>
+            <a:endParaRPr lang="en-US" sz="1000" dirty="0"/>
+          </a:p>
+        </p:txBody>
+      </p:sp>
+      <p:sp>
+        <p:nvSpPr>
+          <p:cNvPr id="244" name="Rectangle 243"/>
+          <p:cNvSpPr/>
+          <p:nvPr/>
+        </p:nvSpPr>
+        <p:spPr>
+          <a:xfrm>
+            <a:off x="3153893" y="4979388"/>
+            <a:ext cx="453970" cy="246221"/>
+          </a:xfrm>
+          <a:prstGeom prst="rect">
+            <a:avLst/>
+          </a:prstGeom>
+        </p:spPr>
+        <p:txBody>
+          <a:bodyPr wrap="none">
+            <a:spAutoFit/>
+          </a:bodyPr>
+          <a:lstStyle/>
+          <a:p>
+            <a:r>
+              <a:rPr lang="en-US" sz="1000" dirty="0" err="1" smtClean="0"/>
+              <a:t>Imm</a:t>
+            </a:r>
+            <a:r>
+              <a:rPr lang="en-US" sz="1000" dirty="0" smtClean="0"/>
+              <a:t>.</a:t>
+            </a:r>
+            <a:endParaRPr lang="en-US" sz="1000" dirty="0"/>
+          </a:p>
+        </p:txBody>
+      </p:sp>
+      <p:sp>
+        <p:nvSpPr>
+          <p:cNvPr id="245" name="TextBox 244"/>
+          <p:cNvSpPr txBox="1"/>
+          <p:nvPr/>
+        </p:nvSpPr>
+        <p:spPr>
+          <a:xfrm>
+            <a:off x="3485993" y="6039863"/>
+            <a:ext cx="893193" cy="261610"/>
+          </a:xfrm>
+          <a:prstGeom prst="rect">
+            <a:avLst/>
+          </a:prstGeom>
+          <a:noFill/>
+        </p:spPr>
+        <p:txBody>
+          <a:bodyPr wrap="none" rtlCol="0">
+            <a:spAutoFit/>
+          </a:bodyPr>
+          <a:lstStyle/>
+          <a:p>
+            <a:r>
+              <a:rPr lang="en-US" sz="1050" dirty="0" smtClean="0"/>
+              <a:t>Imm.[11:10]</a:t>
+            </a:r>
+          </a:p>
+        </p:txBody>
+      </p:sp>
+      <p:sp>
+        <p:nvSpPr>
+          <p:cNvPr id="246" name="TextBox 245"/>
+          <p:cNvSpPr txBox="1"/>
+          <p:nvPr/>
+        </p:nvSpPr>
+        <p:spPr>
+          <a:xfrm>
+            <a:off x="3169967" y="6386427"/>
+            <a:ext cx="688009" cy="253916"/>
+          </a:xfrm>
+          <a:prstGeom prst="rect">
+            <a:avLst/>
+          </a:prstGeom>
+          <a:noFill/>
+        </p:spPr>
+        <p:txBody>
+          <a:bodyPr wrap="none" rtlCol="0">
+            <a:spAutoFit/>
+          </a:bodyPr>
+          <a:lstStyle/>
+          <a:p>
+            <a:r>
+              <a:rPr lang="en-US" sz="1050" dirty="0" smtClean="0"/>
+              <a:t>Zero[1:0</a:t>
+            </a:r>
+            <a:r>
+              <a:rPr lang="en-US" sz="1050" dirty="0" smtClean="0"/>
+              <a:t>]</a:t>
+            </a:r>
+          </a:p>
+        </p:txBody>
+      </p:sp>
+      <p:sp>
+        <p:nvSpPr>
+          <p:cNvPr id="247" name="TextBox 246"/>
+          <p:cNvSpPr txBox="1"/>
+          <p:nvPr/>
+        </p:nvSpPr>
+        <p:spPr>
+          <a:xfrm>
+            <a:off x="6273727" y="5763303"/>
+            <a:ext cx="707245" cy="253916"/>
+          </a:xfrm>
+          <a:prstGeom prst="rect">
+            <a:avLst/>
+          </a:prstGeom>
+          <a:noFill/>
+        </p:spPr>
+        <p:txBody>
+          <a:bodyPr wrap="none" rtlCol="0">
+            <a:spAutoFit/>
+          </a:bodyPr>
+          <a:lstStyle/>
+          <a:p>
+            <a:r>
+              <a:rPr lang="en-US" sz="1050" dirty="0" smtClean="0"/>
+              <a:t>SE[15:10</a:t>
+            </a:r>
+            <a:r>
+              <a:rPr lang="en-US" sz="1050" dirty="0" smtClean="0"/>
+              <a:t>]</a:t>
+            </a:r>
+          </a:p>
+        </p:txBody>
+      </p:sp>
+      <p:sp>
+        <p:nvSpPr>
+          <p:cNvPr id="248" name="TextBox 247"/>
+          <p:cNvSpPr txBox="1"/>
+          <p:nvPr/>
+        </p:nvSpPr>
+        <p:spPr>
+          <a:xfrm>
+            <a:off x="6840845" y="2636342"/>
+            <a:ext cx="707245" cy="253916"/>
+          </a:xfrm>
+          <a:prstGeom prst="rect">
+            <a:avLst/>
+          </a:prstGeom>
+          <a:noFill/>
+        </p:spPr>
+        <p:txBody>
+          <a:bodyPr wrap="none" rtlCol="0">
+            <a:spAutoFit/>
+          </a:bodyPr>
+          <a:lstStyle/>
+          <a:p>
+            <a:r>
+              <a:rPr lang="en-US" sz="1050" dirty="0" smtClean="0"/>
+              <a:t>SE[15:10</a:t>
+            </a:r>
+            <a:r>
+              <a:rPr lang="en-US" sz="1050" dirty="0" smtClean="0"/>
+              <a:t>]</a:t>
+            </a:r>
+          </a:p>
+        </p:txBody>
+      </p:sp>
+    </p:spTree>
+    <p:extLst>
+      <p:ext uri="{BB962C8B-B14F-4D97-AF65-F5344CB8AC3E}">
+        <p14:creationId xmlns:p14="http://schemas.microsoft.com/office/powerpoint/2010/main" val="970621146"/>
+      </p:ext>
+    </p:extLst>
+  </p:cSld>
+  <p:clrMapOvr>
+    <a:masterClrMapping/>
+  </p:clrMapOvr>
+</p:sld>
+</file>
+
+<file path=ppt/slides/slide4.xml><?xml version="1.0" encoding="utf-8"?>
+<p:sld xmlns:a="http://schemas.openxmlformats.org/drawingml/2006/main" xmlns:r="http://schemas.openxmlformats.org/officeDocument/2006/relationships" xmlns:p="http://schemas.openxmlformats.org/presentationml/2006/main">
+  <p:cSld>
+    <p:spTree>
+      <p:nvGrpSpPr>
+        <p:cNvPr id="1" name=""/>
+        <p:cNvGrpSpPr/>
+        <p:nvPr/>
+      </p:nvGrpSpPr>
+      <p:grpSpPr>
+        <a:xfrm>
+          <a:off x="0" y="0"/>
+          <a:ext cx="0" cy="0"/>
+          <a:chOff x="0" y="0"/>
+          <a:chExt cx="0" cy="0"/>
+        </a:xfrm>
+      </p:grpSpPr>
+      <p:sp>
+        <p:nvSpPr>
           <p:cNvPr id="359" name="Rectangle 358"/>
           <p:cNvSpPr/>
           <p:nvPr/>
@@ -11732,7 +19759,7 @@
 </p:sld>
 </file>
 
-<file path=ppt/slides/slide3.xml><?xml version="1.0" encoding="utf-8"?>
+<file path=ppt/slides/slide5.xml><?xml version="1.0" encoding="utf-8"?>
 <p:sld xmlns:a="http://schemas.openxmlformats.org/drawingml/2006/main" xmlns:r="http://schemas.openxmlformats.org/officeDocument/2006/relationships" xmlns:p="http://schemas.openxmlformats.org/presentationml/2006/main">
   <p:cSld>
     <p:spTree>

--- a/Datapath.pptx
+++ b/Datapath.pptx
@@ -201,7 +201,7 @@
           <a:p>
             <a:fld id="{631C766A-3B72-4D88-9BA8-D886AD3D465D}" type="datetimeFigureOut">
               <a:rPr lang="en-US" smtClean="0"/>
-              <a:t>1/28/2015</a:t>
+              <a:t>2/5/2015</a:t>
             </a:fld>
             <a:endParaRPr lang="en-US"/>
           </a:p>
@@ -768,7 +768,7 @@
           <a:p>
             <a:fld id="{ECD777CA-A7A1-4380-A570-7BE1625326AC}" type="datetimeFigureOut">
               <a:rPr lang="en-US" smtClean="0"/>
-              <a:t>1/28/2015</a:t>
+              <a:t>2/5/2015</a:t>
             </a:fld>
             <a:endParaRPr lang="en-US"/>
           </a:p>
@@ -938,7 +938,7 @@
           <a:p>
             <a:fld id="{ECD777CA-A7A1-4380-A570-7BE1625326AC}" type="datetimeFigureOut">
               <a:rPr lang="en-US" smtClean="0"/>
-              <a:t>1/28/2015</a:t>
+              <a:t>2/5/2015</a:t>
             </a:fld>
             <a:endParaRPr lang="en-US"/>
           </a:p>
@@ -1118,7 +1118,7 @@
           <a:p>
             <a:fld id="{ECD777CA-A7A1-4380-A570-7BE1625326AC}" type="datetimeFigureOut">
               <a:rPr lang="en-US" smtClean="0"/>
-              <a:t>1/28/2015</a:t>
+              <a:t>2/5/2015</a:t>
             </a:fld>
             <a:endParaRPr lang="en-US"/>
           </a:p>
@@ -1288,7 +1288,7 @@
           <a:p>
             <a:fld id="{ECD777CA-A7A1-4380-A570-7BE1625326AC}" type="datetimeFigureOut">
               <a:rPr lang="en-US" smtClean="0"/>
-              <a:t>1/28/2015</a:t>
+              <a:t>2/5/2015</a:t>
             </a:fld>
             <a:endParaRPr lang="en-US"/>
           </a:p>
@@ -1534,7 +1534,7 @@
           <a:p>
             <a:fld id="{ECD777CA-A7A1-4380-A570-7BE1625326AC}" type="datetimeFigureOut">
               <a:rPr lang="en-US" smtClean="0"/>
-              <a:t>1/28/2015</a:t>
+              <a:t>2/5/2015</a:t>
             </a:fld>
             <a:endParaRPr lang="en-US"/>
           </a:p>
@@ -1766,7 +1766,7 @@
           <a:p>
             <a:fld id="{ECD777CA-A7A1-4380-A570-7BE1625326AC}" type="datetimeFigureOut">
               <a:rPr lang="en-US" smtClean="0"/>
-              <a:t>1/28/2015</a:t>
+              <a:t>2/5/2015</a:t>
             </a:fld>
             <a:endParaRPr lang="en-US"/>
           </a:p>
@@ -2133,7 +2133,7 @@
           <a:p>
             <a:fld id="{ECD777CA-A7A1-4380-A570-7BE1625326AC}" type="datetimeFigureOut">
               <a:rPr lang="en-US" smtClean="0"/>
-              <a:t>1/28/2015</a:t>
+              <a:t>2/5/2015</a:t>
             </a:fld>
             <a:endParaRPr lang="en-US"/>
           </a:p>
@@ -2251,7 +2251,7 @@
           <a:p>
             <a:fld id="{ECD777CA-A7A1-4380-A570-7BE1625326AC}" type="datetimeFigureOut">
               <a:rPr lang="en-US" smtClean="0"/>
-              <a:t>1/28/2015</a:t>
+              <a:t>2/5/2015</a:t>
             </a:fld>
             <a:endParaRPr lang="en-US"/>
           </a:p>
@@ -2346,7 +2346,7 @@
           <a:p>
             <a:fld id="{ECD777CA-A7A1-4380-A570-7BE1625326AC}" type="datetimeFigureOut">
               <a:rPr lang="en-US" smtClean="0"/>
-              <a:t>1/28/2015</a:t>
+              <a:t>2/5/2015</a:t>
             </a:fld>
             <a:endParaRPr lang="en-US"/>
           </a:p>
@@ -2623,7 +2623,7 @@
           <a:p>
             <a:fld id="{ECD777CA-A7A1-4380-A570-7BE1625326AC}" type="datetimeFigureOut">
               <a:rPr lang="en-US" smtClean="0"/>
-              <a:t>1/28/2015</a:t>
+              <a:t>2/5/2015</a:t>
             </a:fld>
             <a:endParaRPr lang="en-US"/>
           </a:p>
@@ -2876,7 +2876,7 @@
           <a:p>
             <a:fld id="{ECD777CA-A7A1-4380-A570-7BE1625326AC}" type="datetimeFigureOut">
               <a:rPr lang="en-US" smtClean="0"/>
-              <a:t>1/28/2015</a:t>
+              <a:t>2/5/2015</a:t>
             </a:fld>
             <a:endParaRPr lang="en-US"/>
           </a:p>
@@ -3089,7 +3089,7 @@
           <a:p>
             <a:fld id="{ECD777CA-A7A1-4380-A570-7BE1625326AC}" type="datetimeFigureOut">
               <a:rPr lang="en-US" smtClean="0"/>
-              <a:t>1/28/2015</a:t>
+              <a:t>2/5/2015</a:t>
             </a:fld>
             <a:endParaRPr lang="en-US"/>
           </a:p>
@@ -3496,6 +3496,724 @@
       </p:grpSpPr>
       <p:cxnSp>
         <p:nvCxnSpPr>
+          <p:cNvPr id="278" name="Straight Connector 277"/>
+          <p:cNvCxnSpPr>
+            <a:stCxn id="334" idx="3"/>
+            <a:endCxn id="65" idx="2"/>
+          </p:cNvCxnSpPr>
+          <p:nvPr/>
+        </p:nvCxnSpPr>
+        <p:spPr>
+          <a:xfrm>
+            <a:off x="3924021" y="3870976"/>
+            <a:ext cx="1136058" cy="36663"/>
+          </a:xfrm>
+          <a:prstGeom prst="line">
+            <a:avLst/>
+          </a:prstGeom>
+          <a:ln w="28575">
+            <a:solidFill>
+              <a:srgbClr val="385723"/>
+            </a:solidFill>
+          </a:ln>
+        </p:spPr>
+        <p:style>
+          <a:lnRef idx="1">
+            <a:schemeClr val="accent1"/>
+          </a:lnRef>
+          <a:fillRef idx="0">
+            <a:schemeClr val="accent1"/>
+          </a:fillRef>
+          <a:effectRef idx="0">
+            <a:schemeClr val="accent1"/>
+          </a:effectRef>
+          <a:fontRef idx="minor">
+            <a:schemeClr val="tx1"/>
+          </a:fontRef>
+        </p:style>
+      </p:cxnSp>
+      <p:grpSp>
+        <p:nvGrpSpPr>
+          <p:cNvPr id="348" name="Group 347"/>
+          <p:cNvGrpSpPr/>
+          <p:nvPr/>
+        </p:nvGrpSpPr>
+        <p:grpSpPr>
+          <a:xfrm>
+            <a:off x="4973103" y="3581192"/>
+            <a:ext cx="283370" cy="595274"/>
+            <a:chOff x="194424" y="4857722"/>
+            <a:chExt cx="313933" cy="659477"/>
+          </a:xfrm>
+        </p:grpSpPr>
+        <p:sp>
+          <p:nvSpPr>
+            <p:cNvPr id="349" name="Rounded Rectangle 348"/>
+            <p:cNvSpPr/>
+            <p:nvPr/>
+          </p:nvSpPr>
+          <p:spPr>
+            <a:xfrm rot="16200000">
+              <a:off x="95851" y="5017591"/>
+              <a:ext cx="511079" cy="313933"/>
+            </a:xfrm>
+            <a:prstGeom prst="roundRect">
+              <a:avLst/>
+            </a:prstGeom>
+          </p:spPr>
+          <p:style>
+            <a:lnRef idx="2">
+              <a:schemeClr val="accent1">
+                <a:shade val="50000"/>
+              </a:schemeClr>
+            </a:lnRef>
+            <a:fillRef idx="1">
+              <a:schemeClr val="accent1"/>
+            </a:fillRef>
+            <a:effectRef idx="0">
+              <a:schemeClr val="accent1"/>
+            </a:effectRef>
+            <a:fontRef idx="minor">
+              <a:schemeClr val="lt1"/>
+            </a:fontRef>
+          </p:style>
+          <p:txBody>
+            <a:bodyPr rtlCol="0" anchor="ctr"/>
+            <a:lstStyle/>
+            <a:p>
+              <a:pPr algn="ctr"/>
+              <a:endParaRPr lang="en-US" dirty="0"/>
+            </a:p>
+          </p:txBody>
+        </p:sp>
+        <p:sp>
+          <p:nvSpPr>
+            <p:cNvPr id="350" name="TextBox 349"/>
+            <p:cNvSpPr txBox="1"/>
+            <p:nvPr/>
+          </p:nvSpPr>
+          <p:spPr>
+            <a:xfrm>
+              <a:off x="230590" y="5143625"/>
+              <a:ext cx="211681" cy="373574"/>
+            </a:xfrm>
+            <a:prstGeom prst="rect">
+              <a:avLst/>
+            </a:prstGeom>
+            <a:noFill/>
+          </p:spPr>
+          <p:txBody>
+            <a:bodyPr wrap="none" rtlCol="0">
+              <a:spAutoFit/>
+            </a:bodyPr>
+            <a:lstStyle/>
+            <a:p>
+              <a:r>
+                <a:rPr lang="en-US" dirty="0" smtClean="0"/>
+                <a:t>1</a:t>
+              </a:r>
+              <a:endParaRPr lang="en-US" dirty="0"/>
+            </a:p>
+          </p:txBody>
+        </p:sp>
+        <p:sp>
+          <p:nvSpPr>
+            <p:cNvPr id="351" name="TextBox 350"/>
+            <p:cNvSpPr txBox="1"/>
+            <p:nvPr/>
+          </p:nvSpPr>
+          <p:spPr>
+            <a:xfrm>
+              <a:off x="247249" y="4857722"/>
+              <a:ext cx="211681" cy="373574"/>
+            </a:xfrm>
+            <a:prstGeom prst="rect">
+              <a:avLst/>
+            </a:prstGeom>
+            <a:noFill/>
+          </p:spPr>
+          <p:txBody>
+            <a:bodyPr wrap="none" rtlCol="0">
+              <a:spAutoFit/>
+            </a:bodyPr>
+            <a:lstStyle/>
+            <a:p>
+              <a:r>
+                <a:rPr lang="en-US" dirty="0"/>
+                <a:t>0</a:t>
+              </a:r>
+            </a:p>
+          </p:txBody>
+        </p:sp>
+      </p:grpSp>
+      <p:grpSp>
+        <p:nvGrpSpPr>
+          <p:cNvPr id="116" name="Group 115"/>
+          <p:cNvGrpSpPr/>
+          <p:nvPr/>
+        </p:nvGrpSpPr>
+        <p:grpSpPr>
+          <a:xfrm>
+            <a:off x="5461492" y="1969857"/>
+            <a:ext cx="1345961" cy="2748970"/>
+            <a:chOff x="5461492" y="1969857"/>
+            <a:chExt cx="1345961" cy="2748970"/>
+          </a:xfrm>
+        </p:grpSpPr>
+        <p:sp>
+          <p:nvSpPr>
+            <p:cNvPr id="25" name="Rectangle 24"/>
+            <p:cNvSpPr/>
+            <p:nvPr/>
+          </p:nvSpPr>
+          <p:spPr>
+            <a:xfrm>
+              <a:off x="5461492" y="1969857"/>
+              <a:ext cx="1311034" cy="2739915"/>
+            </a:xfrm>
+            <a:prstGeom prst="rect">
+              <a:avLst/>
+            </a:prstGeom>
+          </p:spPr>
+          <p:style>
+            <a:lnRef idx="2">
+              <a:schemeClr val="accent1">
+                <a:shade val="50000"/>
+              </a:schemeClr>
+            </a:lnRef>
+            <a:fillRef idx="1">
+              <a:schemeClr val="accent1"/>
+            </a:fillRef>
+            <a:effectRef idx="0">
+              <a:schemeClr val="accent1"/>
+            </a:effectRef>
+            <a:fontRef idx="minor">
+              <a:schemeClr val="lt1"/>
+            </a:fontRef>
+          </p:style>
+          <p:txBody>
+            <a:bodyPr rtlCol="0" anchor="ctr"/>
+            <a:lstStyle/>
+            <a:p>
+              <a:pPr algn="ctr"/>
+              <a:r>
+                <a:rPr lang="en-US" sz="2800" dirty="0" smtClean="0"/>
+                <a:t>Reg. File</a:t>
+              </a:r>
+              <a:endParaRPr lang="en-US" sz="2800" dirty="0"/>
+            </a:p>
+          </p:txBody>
+        </p:sp>
+        <p:sp>
+          <p:nvSpPr>
+            <p:cNvPr id="26" name="TextBox 25"/>
+            <p:cNvSpPr txBox="1"/>
+            <p:nvPr/>
+          </p:nvSpPr>
+          <p:spPr>
+            <a:xfrm>
+              <a:off x="5494476" y="2153254"/>
+              <a:ext cx="431528" cy="276999"/>
+            </a:xfrm>
+            <a:prstGeom prst="rect">
+              <a:avLst/>
+            </a:prstGeom>
+            <a:noFill/>
+          </p:spPr>
+          <p:txBody>
+            <a:bodyPr wrap="none" rtlCol="0">
+              <a:spAutoFit/>
+            </a:bodyPr>
+            <a:lstStyle/>
+            <a:p>
+              <a:r>
+                <a:rPr lang="en-US" sz="1200" dirty="0" smtClean="0"/>
+                <a:t>r1in</a:t>
+              </a:r>
+              <a:endParaRPr lang="en-US" sz="1200" dirty="0"/>
+            </a:p>
+          </p:txBody>
+        </p:sp>
+        <p:sp>
+          <p:nvSpPr>
+            <p:cNvPr id="28" name="TextBox 27"/>
+            <p:cNvSpPr txBox="1"/>
+            <p:nvPr/>
+          </p:nvSpPr>
+          <p:spPr>
+            <a:xfrm>
+              <a:off x="5508196" y="2726892"/>
+              <a:ext cx="431528" cy="276999"/>
+            </a:xfrm>
+            <a:prstGeom prst="rect">
+              <a:avLst/>
+            </a:prstGeom>
+            <a:noFill/>
+          </p:spPr>
+          <p:txBody>
+            <a:bodyPr wrap="none" rtlCol="0">
+              <a:spAutoFit/>
+            </a:bodyPr>
+            <a:lstStyle/>
+            <a:p>
+              <a:r>
+                <a:rPr lang="en-US" sz="1200" dirty="0" smtClean="0"/>
+                <a:t>r2in</a:t>
+              </a:r>
+              <a:endParaRPr lang="en-US" sz="1200" dirty="0"/>
+            </a:p>
+          </p:txBody>
+        </p:sp>
+        <p:sp>
+          <p:nvSpPr>
+            <p:cNvPr id="29" name="TextBox 28"/>
+            <p:cNvSpPr txBox="1"/>
+            <p:nvPr/>
+          </p:nvSpPr>
+          <p:spPr>
+            <a:xfrm>
+              <a:off x="5461902" y="3887228"/>
+              <a:ext cx="577274" cy="276999"/>
+            </a:xfrm>
+            <a:prstGeom prst="rect">
+              <a:avLst/>
+            </a:prstGeom>
+            <a:noFill/>
+          </p:spPr>
+          <p:txBody>
+            <a:bodyPr wrap="none" rtlCol="0">
+              <a:spAutoFit/>
+            </a:bodyPr>
+            <a:lstStyle/>
+            <a:p>
+              <a:r>
+                <a:rPr lang="en-US" sz="1200" dirty="0" err="1" smtClean="0"/>
+                <a:t>wDest</a:t>
+              </a:r>
+              <a:endParaRPr lang="en-US" sz="1200" dirty="0"/>
+            </a:p>
+          </p:txBody>
+        </p:sp>
+        <p:sp>
+          <p:nvSpPr>
+            <p:cNvPr id="30" name="TextBox 29"/>
+            <p:cNvSpPr txBox="1"/>
+            <p:nvPr/>
+          </p:nvSpPr>
+          <p:spPr>
+            <a:xfrm>
+              <a:off x="5479585" y="4441828"/>
+              <a:ext cx="513474" cy="276999"/>
+            </a:xfrm>
+            <a:prstGeom prst="rect">
+              <a:avLst/>
+            </a:prstGeom>
+            <a:noFill/>
+          </p:spPr>
+          <p:txBody>
+            <a:bodyPr wrap="none" rtlCol="0">
+              <a:spAutoFit/>
+            </a:bodyPr>
+            <a:lstStyle/>
+            <a:p>
+              <a:r>
+                <a:rPr lang="en-US" sz="1200" dirty="0" err="1" smtClean="0"/>
+                <a:t>wDat</a:t>
+              </a:r>
+              <a:endParaRPr lang="en-US" sz="1200" dirty="0"/>
+            </a:p>
+          </p:txBody>
+        </p:sp>
+        <p:sp>
+          <p:nvSpPr>
+            <p:cNvPr id="31" name="TextBox 30"/>
+            <p:cNvSpPr txBox="1"/>
+            <p:nvPr/>
+          </p:nvSpPr>
+          <p:spPr>
+            <a:xfrm>
+              <a:off x="6247531" y="2168745"/>
+              <a:ext cx="529312" cy="276999"/>
+            </a:xfrm>
+            <a:prstGeom prst="rect">
+              <a:avLst/>
+            </a:prstGeom>
+            <a:noFill/>
+          </p:spPr>
+          <p:txBody>
+            <a:bodyPr wrap="none" rtlCol="0">
+              <a:spAutoFit/>
+            </a:bodyPr>
+            <a:lstStyle/>
+            <a:p>
+              <a:r>
+                <a:rPr lang="en-US" sz="1200" dirty="0" smtClean="0"/>
+                <a:t>r1out</a:t>
+              </a:r>
+              <a:endParaRPr lang="en-US" sz="1200" dirty="0"/>
+            </a:p>
+          </p:txBody>
+        </p:sp>
+        <p:sp>
+          <p:nvSpPr>
+            <p:cNvPr id="156" name="TextBox 155"/>
+            <p:cNvSpPr txBox="1"/>
+            <p:nvPr/>
+          </p:nvSpPr>
+          <p:spPr>
+            <a:xfrm>
+              <a:off x="6247451" y="2771096"/>
+              <a:ext cx="529312" cy="276999"/>
+            </a:xfrm>
+            <a:prstGeom prst="rect">
+              <a:avLst/>
+            </a:prstGeom>
+            <a:noFill/>
+          </p:spPr>
+          <p:txBody>
+            <a:bodyPr wrap="none" rtlCol="0">
+              <a:spAutoFit/>
+            </a:bodyPr>
+            <a:lstStyle/>
+            <a:p>
+              <a:r>
+                <a:rPr lang="en-US" sz="1200" dirty="0" smtClean="0"/>
+                <a:t>r2out</a:t>
+              </a:r>
+              <a:endParaRPr lang="en-US" sz="1200" dirty="0"/>
+            </a:p>
+          </p:txBody>
+        </p:sp>
+        <p:sp>
+          <p:nvSpPr>
+            <p:cNvPr id="27" name="TextBox 26"/>
+            <p:cNvSpPr txBox="1"/>
+            <p:nvPr/>
+          </p:nvSpPr>
+          <p:spPr>
+            <a:xfrm>
+              <a:off x="6221523" y="4431824"/>
+              <a:ext cx="585930" cy="276999"/>
+            </a:xfrm>
+            <a:prstGeom prst="rect">
+              <a:avLst/>
+            </a:prstGeom>
+            <a:noFill/>
+          </p:spPr>
+          <p:txBody>
+            <a:bodyPr wrap="none" rtlCol="0">
+              <a:spAutoFit/>
+            </a:bodyPr>
+            <a:lstStyle/>
+            <a:p>
+              <a:r>
+                <a:rPr lang="en-US" sz="1200" dirty="0" err="1" smtClean="0"/>
+                <a:t>Reg</a:t>
+              </a:r>
+              <a:r>
+                <a:rPr lang="en-US" sz="1200" dirty="0" smtClean="0"/>
+                <a:t>[0]</a:t>
+              </a:r>
+              <a:endParaRPr lang="en-US" sz="1200" dirty="0"/>
+            </a:p>
+          </p:txBody>
+        </p:sp>
+      </p:grpSp>
+      <p:cxnSp>
+        <p:nvCxnSpPr>
+          <p:cNvPr id="34" name="Straight Connector 33"/>
+          <p:cNvCxnSpPr>
+            <a:stCxn id="165" idx="3"/>
+            <a:endCxn id="160" idx="2"/>
+          </p:cNvCxnSpPr>
+          <p:nvPr/>
+        </p:nvCxnSpPr>
+        <p:spPr>
+          <a:xfrm>
+            <a:off x="4141103" y="3000971"/>
+            <a:ext cx="1020527" cy="30054"/>
+          </a:xfrm>
+          <a:prstGeom prst="line">
+            <a:avLst/>
+          </a:prstGeom>
+          <a:ln w="28575">
+            <a:solidFill>
+              <a:srgbClr val="385723"/>
+            </a:solidFill>
+          </a:ln>
+        </p:spPr>
+        <p:style>
+          <a:lnRef idx="1">
+            <a:schemeClr val="accent1"/>
+          </a:lnRef>
+          <a:fillRef idx="0">
+            <a:schemeClr val="accent1"/>
+          </a:fillRef>
+          <a:effectRef idx="0">
+            <a:schemeClr val="accent1"/>
+          </a:effectRef>
+          <a:fontRef idx="minor">
+            <a:schemeClr val="tx1"/>
+          </a:fontRef>
+        </p:style>
+      </p:cxnSp>
+      <p:cxnSp>
+        <p:nvCxnSpPr>
+          <p:cNvPr id="250" name="Straight Connector 249"/>
+          <p:cNvCxnSpPr>
+            <a:stCxn id="150" idx="0"/>
+            <a:endCxn id="146" idx="2"/>
+          </p:cNvCxnSpPr>
+          <p:nvPr/>
+        </p:nvCxnSpPr>
+        <p:spPr>
+          <a:xfrm flipH="1" flipV="1">
+            <a:off x="7752494" y="2797038"/>
+            <a:ext cx="224919" cy="740550"/>
+          </a:xfrm>
+          <a:prstGeom prst="line">
+            <a:avLst/>
+          </a:prstGeom>
+          <a:ln w="28575">
+            <a:solidFill>
+              <a:srgbClr val="385723"/>
+            </a:solidFill>
+          </a:ln>
+        </p:spPr>
+        <p:style>
+          <a:lnRef idx="1">
+            <a:schemeClr val="accent1"/>
+          </a:lnRef>
+          <a:fillRef idx="0">
+            <a:schemeClr val="accent1"/>
+          </a:fillRef>
+          <a:effectRef idx="0">
+            <a:schemeClr val="accent1"/>
+          </a:effectRef>
+          <a:fontRef idx="minor">
+            <a:schemeClr val="tx1"/>
+          </a:fontRef>
+        </p:style>
+      </p:cxnSp>
+      <p:cxnSp>
+        <p:nvCxnSpPr>
+          <p:cNvPr id="275" name="Straight Connector 274"/>
+          <p:cNvCxnSpPr>
+            <a:stCxn id="335" idx="0"/>
+            <a:endCxn id="215" idx="0"/>
+          </p:cNvCxnSpPr>
+          <p:nvPr/>
+        </p:nvCxnSpPr>
+        <p:spPr>
+          <a:xfrm flipV="1">
+            <a:off x="3692473" y="4665460"/>
+            <a:ext cx="1333651" cy="896288"/>
+          </a:xfrm>
+          <a:prstGeom prst="line">
+            <a:avLst/>
+          </a:prstGeom>
+          <a:ln w="28575">
+            <a:solidFill>
+              <a:srgbClr val="385723"/>
+            </a:solidFill>
+          </a:ln>
+        </p:spPr>
+        <p:style>
+          <a:lnRef idx="1">
+            <a:schemeClr val="accent1"/>
+          </a:lnRef>
+          <a:fillRef idx="0">
+            <a:schemeClr val="accent1"/>
+          </a:fillRef>
+          <a:effectRef idx="0">
+            <a:schemeClr val="accent1"/>
+          </a:effectRef>
+          <a:fontRef idx="minor">
+            <a:schemeClr val="tx1"/>
+          </a:fontRef>
+        </p:style>
+      </p:cxnSp>
+      <p:grpSp>
+        <p:nvGrpSpPr>
+          <p:cNvPr id="261" name="Group 260"/>
+          <p:cNvGrpSpPr/>
+          <p:nvPr/>
+        </p:nvGrpSpPr>
+        <p:grpSpPr>
+          <a:xfrm>
+            <a:off x="4852316" y="4302857"/>
+            <a:ext cx="333203" cy="555658"/>
+            <a:chOff x="2567251" y="5134612"/>
+            <a:chExt cx="333203" cy="708683"/>
+          </a:xfrm>
+        </p:grpSpPr>
+        <p:sp>
+          <p:nvSpPr>
+            <p:cNvPr id="210" name="Rounded Rectangle 209"/>
+            <p:cNvSpPr/>
+            <p:nvPr/>
+          </p:nvSpPr>
+          <p:spPr>
+            <a:xfrm rot="16200000">
+              <a:off x="2393641" y="5388155"/>
+              <a:ext cx="603947" cy="256727"/>
+            </a:xfrm>
+            <a:prstGeom prst="roundRect">
+              <a:avLst/>
+            </a:prstGeom>
+          </p:spPr>
+          <p:style>
+            <a:lnRef idx="2">
+              <a:schemeClr val="accent1">
+                <a:shade val="50000"/>
+              </a:schemeClr>
+            </a:lnRef>
+            <a:fillRef idx="1">
+              <a:schemeClr val="accent1"/>
+            </a:fillRef>
+            <a:effectRef idx="0">
+              <a:schemeClr val="accent1"/>
+            </a:effectRef>
+            <a:fontRef idx="minor">
+              <a:schemeClr val="lt1"/>
+            </a:fontRef>
+          </p:style>
+          <p:txBody>
+            <a:bodyPr rtlCol="0" anchor="ctr"/>
+            <a:lstStyle/>
+            <a:p>
+              <a:pPr algn="ctr"/>
+              <a:endParaRPr lang="en-US" dirty="0"/>
+            </a:p>
+          </p:txBody>
+        </p:sp>
+        <p:sp>
+          <p:nvSpPr>
+            <p:cNvPr id="255" name="TextBox 254"/>
+            <p:cNvSpPr txBox="1"/>
+            <p:nvPr/>
+          </p:nvSpPr>
+          <p:spPr>
+            <a:xfrm>
+              <a:off x="2576363" y="5134612"/>
+              <a:ext cx="316112" cy="246221"/>
+            </a:xfrm>
+            <a:prstGeom prst="rect">
+              <a:avLst/>
+            </a:prstGeom>
+            <a:noFill/>
+          </p:spPr>
+          <p:txBody>
+            <a:bodyPr wrap="none" rtlCol="0">
+              <a:spAutoFit/>
+            </a:bodyPr>
+            <a:lstStyle/>
+            <a:p>
+              <a:r>
+                <a:rPr lang="en-US" sz="1000" dirty="0" smtClean="0"/>
+                <a:t>00</a:t>
+              </a:r>
+              <a:endParaRPr lang="en-US" sz="1000" dirty="0"/>
+            </a:p>
+          </p:txBody>
+        </p:sp>
+        <p:sp>
+          <p:nvSpPr>
+            <p:cNvPr id="213" name="TextBox 212"/>
+            <p:cNvSpPr txBox="1"/>
+            <p:nvPr/>
+          </p:nvSpPr>
+          <p:spPr>
+            <a:xfrm>
+              <a:off x="2584342" y="5280509"/>
+              <a:ext cx="316112" cy="246221"/>
+            </a:xfrm>
+            <a:prstGeom prst="rect">
+              <a:avLst/>
+            </a:prstGeom>
+            <a:noFill/>
+          </p:spPr>
+          <p:txBody>
+            <a:bodyPr wrap="none" rtlCol="0">
+              <a:spAutoFit/>
+            </a:bodyPr>
+            <a:lstStyle/>
+            <a:p>
+              <a:r>
+                <a:rPr lang="en-US" sz="1000" dirty="0" smtClean="0"/>
+                <a:t>01</a:t>
+              </a:r>
+              <a:endParaRPr lang="en-US" sz="1000" dirty="0"/>
+            </a:p>
+          </p:txBody>
+        </p:sp>
+        <p:sp>
+          <p:nvSpPr>
+            <p:cNvPr id="214" name="TextBox 213"/>
+            <p:cNvSpPr txBox="1"/>
+            <p:nvPr/>
+          </p:nvSpPr>
+          <p:spPr>
+            <a:xfrm>
+              <a:off x="2583068" y="5441306"/>
+              <a:ext cx="316112" cy="246221"/>
+            </a:xfrm>
+            <a:prstGeom prst="rect">
+              <a:avLst/>
+            </a:prstGeom>
+            <a:noFill/>
+          </p:spPr>
+          <p:txBody>
+            <a:bodyPr wrap="none" rtlCol="0">
+              <a:spAutoFit/>
+            </a:bodyPr>
+            <a:lstStyle/>
+            <a:p>
+              <a:r>
+                <a:rPr lang="en-US" sz="1000" dirty="0"/>
+                <a:t>1</a:t>
+              </a:r>
+              <a:r>
+                <a:rPr lang="en-US" sz="1000" dirty="0" smtClean="0"/>
+                <a:t>0</a:t>
+              </a:r>
+              <a:endParaRPr lang="en-US" sz="1000" dirty="0"/>
+            </a:p>
+          </p:txBody>
+        </p:sp>
+        <p:sp>
+          <p:nvSpPr>
+            <p:cNvPr id="215" name="TextBox 214"/>
+            <p:cNvSpPr txBox="1"/>
+            <p:nvPr/>
+          </p:nvSpPr>
+          <p:spPr>
+            <a:xfrm>
+              <a:off x="2583003" y="5597074"/>
+              <a:ext cx="316112" cy="246221"/>
+            </a:xfrm>
+            <a:prstGeom prst="rect">
+              <a:avLst/>
+            </a:prstGeom>
+            <a:noFill/>
+          </p:spPr>
+          <p:txBody>
+            <a:bodyPr wrap="none" rtlCol="0">
+              <a:spAutoFit/>
+            </a:bodyPr>
+            <a:lstStyle/>
+            <a:p>
+              <a:r>
+                <a:rPr lang="en-US" sz="1000" dirty="0" smtClean="0"/>
+                <a:t>11</a:t>
+              </a:r>
+              <a:endParaRPr lang="en-US" sz="1000" dirty="0"/>
+            </a:p>
+          </p:txBody>
+        </p:sp>
+      </p:grpSp>
+      <p:cxnSp>
+        <p:nvCxnSpPr>
           <p:cNvPr id="319" name="Elbow Connector 318"/>
           <p:cNvCxnSpPr>
             <a:stCxn id="33" idx="3"/>
@@ -3662,7 +4380,7 @@
         <p:spPr>
           <a:xfrm>
             <a:off x="2240336" y="1702124"/>
-            <a:ext cx="878063" cy="2475901"/>
+            <a:ext cx="878063" cy="2462103"/>
           </a:xfrm>
           <a:prstGeom prst="rect">
             <a:avLst/>
@@ -3882,7 +4600,7 @@
           </a:xfrm>
           <a:prstGeom prst="bentConnector3">
             <a:avLst>
-              <a:gd name="adj1" fmla="val 50000"/>
+              <a:gd name="adj1" fmla="val 17756"/>
             </a:avLst>
           </a:prstGeom>
           <a:ln>
@@ -3926,6 +4644,11 @@
               <a:lumMod val="50000"/>
             </a:schemeClr>
           </a:solidFill>
+          <a:ln>
+            <a:solidFill>
+              <a:schemeClr val="tx1"/>
+            </a:solidFill>
+          </a:ln>
         </p:spPr>
         <p:style>
           <a:lnRef idx="2">
@@ -3956,47 +4679,6 @@
           </a:p>
         </p:txBody>
       </p:sp>
-      <p:cxnSp>
-        <p:nvCxnSpPr>
-          <p:cNvPr id="16" name="Elbow Connector 15"/>
-          <p:cNvCxnSpPr>
-            <a:stCxn id="33" idx="3"/>
-            <a:endCxn id="14" idx="2"/>
-          </p:cNvCxnSpPr>
-          <p:nvPr/>
-        </p:nvCxnSpPr>
-        <p:spPr>
-          <a:xfrm flipV="1">
-            <a:off x="3103635" y="1061477"/>
-            <a:ext cx="3326449" cy="985494"/>
-          </a:xfrm>
-          <a:prstGeom prst="bentConnector3">
-            <a:avLst>
-              <a:gd name="adj1" fmla="val 40924"/>
-            </a:avLst>
-          </a:prstGeom>
-          <a:ln>
-            <a:solidFill>
-              <a:schemeClr val="tx1"/>
-            </a:solidFill>
-            <a:tailEnd type="triangle"/>
-          </a:ln>
-        </p:spPr>
-        <p:style>
-          <a:lnRef idx="1">
-            <a:schemeClr val="accent1"/>
-          </a:lnRef>
-          <a:fillRef idx="0">
-            <a:schemeClr val="accent1"/>
-          </a:fillRef>
-          <a:effectRef idx="0">
-            <a:schemeClr val="accent1"/>
-          </a:effectRef>
-          <a:fontRef idx="minor">
-            <a:schemeClr val="tx1"/>
-          </a:fontRef>
-        </p:style>
-      </p:cxnSp>
       <p:sp>
         <p:nvSpPr>
           <p:cNvPr id="18" name="TextBox 17"/>
@@ -4005,7 +4687,7 @@
         </p:nvSpPr>
         <p:spPr>
           <a:xfrm>
-            <a:off x="5055042" y="660167"/>
+            <a:off x="5565828" y="677913"/>
             <a:ext cx="912429" cy="415498"/>
           </a:xfrm>
           <a:prstGeom prst="rect">
@@ -4037,47 +4719,6 @@
           </a:p>
         </p:txBody>
       </p:sp>
-      <p:cxnSp>
-        <p:nvCxnSpPr>
-          <p:cNvPr id="20" name="Elbow Connector 19"/>
-          <p:cNvCxnSpPr>
-            <a:stCxn id="33" idx="3"/>
-            <a:endCxn id="22" idx="2"/>
-          </p:cNvCxnSpPr>
-          <p:nvPr/>
-        </p:nvCxnSpPr>
-        <p:spPr>
-          <a:xfrm flipV="1">
-            <a:off x="3103635" y="392258"/>
-            <a:ext cx="3358569" cy="1654713"/>
-          </a:xfrm>
-          <a:prstGeom prst="bentConnector3">
-            <a:avLst>
-              <a:gd name="adj1" fmla="val 50000"/>
-            </a:avLst>
-          </a:prstGeom>
-          <a:ln>
-            <a:solidFill>
-              <a:schemeClr val="tx1"/>
-            </a:solidFill>
-            <a:tailEnd type="triangle"/>
-          </a:ln>
-        </p:spPr>
-        <p:style>
-          <a:lnRef idx="1">
-            <a:schemeClr val="accent1"/>
-          </a:lnRef>
-          <a:fillRef idx="0">
-            <a:schemeClr val="accent1"/>
-          </a:fillRef>
-          <a:effectRef idx="0">
-            <a:schemeClr val="accent1"/>
-          </a:effectRef>
-          <a:fontRef idx="minor">
-            <a:schemeClr val="tx1"/>
-          </a:fontRef>
-        </p:style>
-      </p:cxnSp>
       <p:sp>
         <p:nvSpPr>
           <p:cNvPr id="22" name="Oval 21"/>
@@ -4097,6 +4738,11 @@
               <a:lumMod val="50000"/>
             </a:schemeClr>
           </a:solidFill>
+          <a:ln>
+            <a:solidFill>
+              <a:schemeClr val="tx1"/>
+            </a:solidFill>
+          </a:ln>
         </p:spPr>
         <p:style>
           <a:lnRef idx="2">
@@ -4127,218 +4773,22 @@
           </a:p>
         </p:txBody>
       </p:sp>
-      <p:sp>
-        <p:nvSpPr>
-          <p:cNvPr id="25" name="Rectangle 24"/>
-          <p:cNvSpPr/>
-          <p:nvPr/>
-        </p:nvSpPr>
-        <p:spPr>
-          <a:xfrm>
-            <a:off x="5461491" y="1969857"/>
-            <a:ext cx="1892142" cy="2958905"/>
-          </a:xfrm>
-          <a:prstGeom prst="rect">
-            <a:avLst/>
-          </a:prstGeom>
-        </p:spPr>
-        <p:style>
-          <a:lnRef idx="2">
-            <a:schemeClr val="accent1">
-              <a:shade val="50000"/>
-            </a:schemeClr>
-          </a:lnRef>
-          <a:fillRef idx="1">
-            <a:schemeClr val="accent1"/>
-          </a:fillRef>
-          <a:effectRef idx="0">
-            <a:schemeClr val="accent1"/>
-          </a:effectRef>
-          <a:fontRef idx="minor">
-            <a:schemeClr val="lt1"/>
-          </a:fontRef>
-        </p:style>
-        <p:txBody>
-          <a:bodyPr rtlCol="0" anchor="ctr"/>
-          <a:lstStyle/>
-          <a:p>
-            <a:pPr algn="ctr"/>
-            <a:r>
-              <a:rPr lang="en-US" sz="2800" dirty="0" smtClean="0"/>
-              <a:t>Reg. File</a:t>
-            </a:r>
-            <a:endParaRPr lang="en-US" sz="2800" dirty="0"/>
-          </a:p>
-        </p:txBody>
-      </p:sp>
-      <p:sp>
-        <p:nvSpPr>
-          <p:cNvPr id="26" name="TextBox 25"/>
-          <p:cNvSpPr txBox="1"/>
-          <p:nvPr/>
-        </p:nvSpPr>
-        <p:spPr>
-          <a:xfrm>
-            <a:off x="5547098" y="2154787"/>
-            <a:ext cx="502379" cy="333376"/>
-          </a:xfrm>
-          <a:prstGeom prst="rect">
-            <a:avLst/>
-          </a:prstGeom>
-          <a:noFill/>
-        </p:spPr>
-        <p:txBody>
-          <a:bodyPr wrap="none" rtlCol="0">
-            <a:spAutoFit/>
-          </a:bodyPr>
-          <a:lstStyle/>
-          <a:p>
-            <a:r>
-              <a:rPr lang="en-US" dirty="0" smtClean="0"/>
-              <a:t>r1in</a:t>
-            </a:r>
-            <a:endParaRPr lang="en-US" dirty="0"/>
-          </a:p>
-        </p:txBody>
-      </p:sp>
-      <p:sp>
-        <p:nvSpPr>
-          <p:cNvPr id="28" name="TextBox 27"/>
-          <p:cNvSpPr txBox="1"/>
-          <p:nvPr/>
-        </p:nvSpPr>
-        <p:spPr>
-          <a:xfrm>
-            <a:off x="5568552" y="2718308"/>
-            <a:ext cx="502379" cy="333376"/>
-          </a:xfrm>
-          <a:prstGeom prst="rect">
-            <a:avLst/>
-          </a:prstGeom>
-          <a:noFill/>
-        </p:spPr>
-        <p:txBody>
-          <a:bodyPr wrap="none" rtlCol="0">
-            <a:spAutoFit/>
-          </a:bodyPr>
-          <a:lstStyle/>
-          <a:p>
-            <a:r>
-              <a:rPr lang="en-US" dirty="0" smtClean="0"/>
-              <a:t>r2in</a:t>
-            </a:r>
-            <a:endParaRPr lang="en-US" dirty="0"/>
-          </a:p>
-        </p:txBody>
-      </p:sp>
-      <p:sp>
-        <p:nvSpPr>
-          <p:cNvPr id="29" name="TextBox 28"/>
-          <p:cNvSpPr txBox="1"/>
-          <p:nvPr/>
-        </p:nvSpPr>
-        <p:spPr>
-          <a:xfrm>
-            <a:off x="5558224" y="3886540"/>
-            <a:ext cx="696848" cy="333376"/>
-          </a:xfrm>
-          <a:prstGeom prst="rect">
-            <a:avLst/>
-          </a:prstGeom>
-          <a:noFill/>
-        </p:spPr>
-        <p:txBody>
-          <a:bodyPr wrap="none" rtlCol="0">
-            <a:spAutoFit/>
-          </a:bodyPr>
-          <a:lstStyle/>
-          <a:p>
-            <a:r>
-              <a:rPr lang="en-US" dirty="0" err="1" smtClean="0"/>
-              <a:t>wDest</a:t>
-            </a:r>
-            <a:endParaRPr lang="en-US" dirty="0"/>
-          </a:p>
-        </p:txBody>
-      </p:sp>
-      <p:sp>
-        <p:nvSpPr>
-          <p:cNvPr id="30" name="TextBox 29"/>
-          <p:cNvSpPr txBox="1"/>
-          <p:nvPr/>
-        </p:nvSpPr>
-        <p:spPr>
-          <a:xfrm>
-            <a:off x="5600706" y="4442422"/>
-            <a:ext cx="611883" cy="333376"/>
-          </a:xfrm>
-          <a:prstGeom prst="rect">
-            <a:avLst/>
-          </a:prstGeom>
-          <a:noFill/>
-        </p:spPr>
-        <p:txBody>
-          <a:bodyPr wrap="none" rtlCol="0">
-            <a:spAutoFit/>
-          </a:bodyPr>
-          <a:lstStyle/>
-          <a:p>
-            <a:r>
-              <a:rPr lang="en-US" dirty="0" err="1" smtClean="0"/>
-              <a:t>wDat</a:t>
-            </a:r>
-            <a:endParaRPr lang="en-US" dirty="0"/>
-          </a:p>
-        </p:txBody>
-      </p:sp>
-      <p:sp>
-        <p:nvSpPr>
-          <p:cNvPr id="31" name="TextBox 30"/>
-          <p:cNvSpPr txBox="1"/>
-          <p:nvPr/>
-        </p:nvSpPr>
-        <p:spPr>
-          <a:xfrm>
-            <a:off x="6647278" y="2167418"/>
-            <a:ext cx="634051" cy="333376"/>
-          </a:xfrm>
-          <a:prstGeom prst="rect">
-            <a:avLst/>
-          </a:prstGeom>
-          <a:noFill/>
-        </p:spPr>
-        <p:txBody>
-          <a:bodyPr wrap="none" rtlCol="0">
-            <a:spAutoFit/>
-          </a:bodyPr>
-          <a:lstStyle/>
-          <a:p>
-            <a:r>
-              <a:rPr lang="en-US" dirty="0" smtClean="0"/>
-              <a:t>r1out</a:t>
-            </a:r>
-            <a:endParaRPr lang="en-US" dirty="0"/>
-          </a:p>
-        </p:txBody>
-      </p:sp>
       <p:cxnSp>
         <p:nvCxnSpPr>
           <p:cNvPr id="37" name="Elbow Connector 36"/>
           <p:cNvCxnSpPr>
-            <a:stCxn id="10" idx="3"/>
+            <a:stCxn id="10" idx="2"/>
             <a:endCxn id="159" idx="1"/>
           </p:cNvCxnSpPr>
           <p:nvPr/>
         </p:nvCxnSpPr>
         <p:spPr>
-          <a:xfrm>
-            <a:off x="4470672" y="2642628"/>
-            <a:ext cx="580384" cy="477863"/>
-          </a:xfrm>
-          <a:prstGeom prst="bentConnector3">
-            <a:avLst>
-              <a:gd name="adj1" fmla="val 50000"/>
-            </a:avLst>
+          <a:xfrm rot="16200000" flipH="1">
+            <a:off x="4521932" y="2591367"/>
+            <a:ext cx="302665" cy="755584"/>
+          </a:xfrm>
+          <a:prstGeom prst="bentConnector2">
+            <a:avLst/>
           </a:prstGeom>
           <a:ln>
             <a:solidFill>
@@ -4367,14 +4817,14 @@
           <p:cNvPr id="59" name="Elbow Connector 58"/>
           <p:cNvCxnSpPr>
             <a:stCxn id="10" idx="3"/>
-            <a:endCxn id="74" idx="1"/>
+            <a:endCxn id="333" idx="1"/>
           </p:cNvCxnSpPr>
           <p:nvPr/>
         </p:nvCxnSpPr>
         <p:spPr>
           <a:xfrm flipV="1">
-            <a:off x="4470672" y="2369852"/>
-            <a:ext cx="564060" cy="272776"/>
+            <a:off x="4470672" y="2231483"/>
+            <a:ext cx="545553" cy="411145"/>
           </a:xfrm>
           <a:prstGeom prst="bentConnector3">
             <a:avLst>
@@ -4411,7 +4861,7 @@
         </p:nvSpPr>
         <p:spPr>
           <a:xfrm>
-            <a:off x="4499088" y="2134725"/>
+            <a:off x="4465484" y="2029843"/>
             <a:ext cx="617477" cy="253916"/>
           </a:xfrm>
           <a:prstGeom prst="rect">
@@ -4429,276 +4879,9 @@
               <a:rPr lang="en-US" sz="1050" dirty="0" smtClean="0"/>
               <a:t>IR[11:9]</a:t>
             </a:r>
-            <a:endParaRPr lang="en-US" sz="1050" dirty="0" smtClean="0"/>
-          </a:p>
-        </p:txBody>
-      </p:sp>
-      <p:sp>
-        <p:nvSpPr>
-          <p:cNvPr id="63" name="TextBox 62"/>
-          <p:cNvSpPr txBox="1"/>
-          <p:nvPr/>
-        </p:nvSpPr>
-        <p:spPr>
-          <a:xfrm>
-            <a:off x="4309796" y="2933959"/>
-            <a:ext cx="548548" cy="253916"/>
-          </a:xfrm>
-          <a:prstGeom prst="rect">
-            <a:avLst/>
-          </a:prstGeom>
-          <a:noFill/>
-        </p:spPr>
-        <p:txBody>
-          <a:bodyPr wrap="none" rtlCol="0">
-            <a:spAutoFit/>
-          </a:bodyPr>
-          <a:lstStyle/>
-          <a:p>
-            <a:r>
-              <a:rPr lang="en-US" sz="1050" dirty="0" smtClean="0"/>
-              <a:t>IR[8:6]</a:t>
-            </a:r>
-            <a:endParaRPr lang="en-US" sz="1050" dirty="0" smtClean="0"/>
-          </a:p>
-        </p:txBody>
-      </p:sp>
-      <p:grpSp>
-        <p:nvGrpSpPr>
-          <p:cNvPr id="64" name="Group 63"/>
-          <p:cNvGrpSpPr/>
-          <p:nvPr/>
-        </p:nvGrpSpPr>
-        <p:grpSpPr>
-          <a:xfrm>
-            <a:off x="4796348" y="3520097"/>
-            <a:ext cx="263731" cy="816648"/>
-            <a:chOff x="11005920" y="326034"/>
-            <a:chExt cx="416408" cy="894454"/>
-          </a:xfrm>
-        </p:grpSpPr>
-        <p:sp>
-          <p:nvSpPr>
-            <p:cNvPr id="65" name="Rounded Rectangle 64"/>
-            <p:cNvSpPr/>
-            <p:nvPr/>
-          </p:nvSpPr>
-          <p:spPr>
-            <a:xfrm rot="16200000">
-              <a:off x="10835778" y="547825"/>
-              <a:ext cx="767752" cy="405348"/>
-            </a:xfrm>
-            <a:prstGeom prst="roundRect">
-              <a:avLst/>
-            </a:prstGeom>
-          </p:spPr>
-          <p:style>
-            <a:lnRef idx="2">
-              <a:schemeClr val="accent1">
-                <a:shade val="50000"/>
-              </a:schemeClr>
-            </a:lnRef>
-            <a:fillRef idx="1">
-              <a:schemeClr val="accent1"/>
-            </a:fillRef>
-            <a:effectRef idx="0">
-              <a:schemeClr val="accent1"/>
-            </a:effectRef>
-            <a:fontRef idx="minor">
-              <a:schemeClr val="lt1"/>
-            </a:fontRef>
-          </p:style>
-          <p:txBody>
-            <a:bodyPr rtlCol="0" anchor="ctr"/>
-            <a:lstStyle/>
-            <a:p>
-              <a:pPr algn="ctr"/>
-              <a:r>
-                <a:rPr lang="en-US" sz="1100" dirty="0" smtClean="0"/>
-                <a:t>Mux</a:t>
-              </a:r>
-              <a:endParaRPr lang="en-US" dirty="0"/>
-            </a:p>
-          </p:txBody>
-        </p:sp>
-        <p:sp>
-          <p:nvSpPr>
-            <p:cNvPr id="66" name="TextBox 65"/>
-            <p:cNvSpPr txBox="1"/>
-            <p:nvPr/>
-          </p:nvSpPr>
-          <p:spPr>
-            <a:xfrm>
-              <a:off x="11068527" y="851156"/>
-              <a:ext cx="301686" cy="369332"/>
-            </a:xfrm>
-            <a:prstGeom prst="rect">
-              <a:avLst/>
-            </a:prstGeom>
-            <a:noFill/>
-          </p:spPr>
-          <p:txBody>
-            <a:bodyPr wrap="none" rtlCol="0">
-              <a:spAutoFit/>
-            </a:bodyPr>
-            <a:lstStyle/>
-            <a:p>
-              <a:r>
-                <a:rPr lang="en-US" dirty="0" smtClean="0"/>
-                <a:t>1</a:t>
-              </a:r>
-              <a:endParaRPr lang="en-US" dirty="0"/>
-            </a:p>
-          </p:txBody>
-        </p:sp>
-        <p:sp>
-          <p:nvSpPr>
-            <p:cNvPr id="67" name="TextBox 66"/>
-            <p:cNvSpPr txBox="1"/>
-            <p:nvPr/>
-          </p:nvSpPr>
-          <p:spPr>
-            <a:xfrm>
-              <a:off x="11005920" y="326034"/>
-              <a:ext cx="301687" cy="369332"/>
-            </a:xfrm>
-            <a:prstGeom prst="rect">
-              <a:avLst/>
-            </a:prstGeom>
-            <a:noFill/>
-          </p:spPr>
-          <p:txBody>
-            <a:bodyPr wrap="none" rtlCol="0">
-              <a:spAutoFit/>
-            </a:bodyPr>
-            <a:lstStyle/>
-            <a:p>
-              <a:r>
-                <a:rPr lang="en-US" dirty="0"/>
-                <a:t>0</a:t>
-              </a:r>
-            </a:p>
-          </p:txBody>
-        </p:sp>
-      </p:grpSp>
-      <p:grpSp>
-        <p:nvGrpSpPr>
-          <p:cNvPr id="72" name="Group 71"/>
-          <p:cNvGrpSpPr/>
-          <p:nvPr/>
-        </p:nvGrpSpPr>
-        <p:grpSpPr>
-          <a:xfrm>
-            <a:off x="5002086" y="1703511"/>
-            <a:ext cx="256727" cy="834944"/>
-            <a:chOff x="11016982" y="305994"/>
-            <a:chExt cx="405348" cy="914494"/>
-          </a:xfrm>
-        </p:grpSpPr>
-        <p:sp>
-          <p:nvSpPr>
-            <p:cNvPr id="73" name="Rounded Rectangle 72"/>
-            <p:cNvSpPr/>
-            <p:nvPr/>
-          </p:nvSpPr>
-          <p:spPr>
-            <a:xfrm rot="16200000">
-              <a:off x="10835780" y="547825"/>
-              <a:ext cx="767752" cy="405348"/>
-            </a:xfrm>
-            <a:prstGeom prst="roundRect">
-              <a:avLst/>
-            </a:prstGeom>
-          </p:spPr>
-          <p:style>
-            <a:lnRef idx="2">
-              <a:schemeClr val="accent1">
-                <a:shade val="50000"/>
-              </a:schemeClr>
-            </a:lnRef>
-            <a:fillRef idx="1">
-              <a:schemeClr val="accent1"/>
-            </a:fillRef>
-            <a:effectRef idx="0">
-              <a:schemeClr val="accent1"/>
-            </a:effectRef>
-            <a:fontRef idx="minor">
-              <a:schemeClr val="lt1"/>
-            </a:fontRef>
-          </p:style>
-          <p:txBody>
-            <a:bodyPr rtlCol="0" anchor="ctr"/>
-            <a:lstStyle/>
-            <a:p>
-              <a:pPr algn="ctr"/>
-              <a:r>
-                <a:rPr lang="en-US" sz="1100" dirty="0" smtClean="0"/>
-                <a:t>Mux</a:t>
-              </a:r>
-              <a:endParaRPr lang="en-US" dirty="0"/>
-            </a:p>
-          </p:txBody>
-        </p:sp>
-        <p:sp>
-          <p:nvSpPr>
-            <p:cNvPr id="74" name="TextBox 73"/>
-            <p:cNvSpPr txBox="1"/>
-            <p:nvPr/>
-          </p:nvSpPr>
-          <p:spPr>
-            <a:xfrm>
-              <a:off x="11068527" y="851156"/>
-              <a:ext cx="301686" cy="369332"/>
-            </a:xfrm>
-            <a:prstGeom prst="rect">
-              <a:avLst/>
-            </a:prstGeom>
-            <a:noFill/>
-          </p:spPr>
-          <p:txBody>
-            <a:bodyPr wrap="none" rtlCol="0">
-              <a:spAutoFit/>
-            </a:bodyPr>
-            <a:lstStyle/>
-            <a:p>
-              <a:r>
-                <a:rPr lang="en-US" dirty="0" smtClean="0"/>
-                <a:t>1</a:t>
-              </a:r>
-              <a:endParaRPr lang="en-US" dirty="0"/>
-            </a:p>
-          </p:txBody>
-        </p:sp>
-        <p:sp>
-          <p:nvSpPr>
-            <p:cNvPr id="75" name="TextBox 74"/>
-            <p:cNvSpPr txBox="1"/>
-            <p:nvPr/>
-          </p:nvSpPr>
-          <p:spPr>
-            <a:xfrm>
-              <a:off x="11031774" y="305994"/>
-              <a:ext cx="301687" cy="369332"/>
-            </a:xfrm>
-            <a:prstGeom prst="rect">
-              <a:avLst/>
-            </a:prstGeom>
-            <a:noFill/>
-          </p:spPr>
-          <p:txBody>
-            <a:bodyPr wrap="none" rtlCol="0">
-              <a:spAutoFit/>
-            </a:bodyPr>
-            <a:lstStyle/>
-            <a:p>
-              <a:r>
-                <a:rPr lang="en-US" dirty="0"/>
-                <a:t>0</a:t>
-              </a:r>
-            </a:p>
-          </p:txBody>
-        </p:sp>
-      </p:grpSp>
+          </a:p>
+        </p:txBody>
+      </p:sp>
       <p:sp>
         <p:nvSpPr>
           <p:cNvPr id="78" name="Rectangle 77"/>
@@ -4764,18 +4947,18 @@
           <p:cNvPr id="80" name="Elbow Connector 79"/>
           <p:cNvCxnSpPr>
             <a:stCxn id="78" idx="3"/>
-            <a:endCxn id="67" idx="1"/>
+            <a:endCxn id="351" idx="1"/>
           </p:cNvCxnSpPr>
           <p:nvPr/>
         </p:nvCxnSpPr>
         <p:spPr>
           <a:xfrm>
             <a:off x="4246983" y="3475825"/>
-            <a:ext cx="549365" cy="212875"/>
+            <a:ext cx="773802" cy="273970"/>
           </a:xfrm>
           <a:prstGeom prst="bentConnector3">
             <a:avLst>
-              <a:gd name="adj1" fmla="val 67273"/>
+              <a:gd name="adj1" fmla="val 35508"/>
             </a:avLst>
           </a:prstGeom>
           <a:ln>
@@ -4805,14 +4988,14 @@
           <p:cNvPr id="83" name="Elbow Connector 82"/>
           <p:cNvCxnSpPr>
             <a:stCxn id="10" idx="2"/>
-            <a:endCxn id="66" idx="1"/>
+            <a:endCxn id="350" idx="1"/>
           </p:cNvCxnSpPr>
           <p:nvPr/>
         </p:nvCxnSpPr>
         <p:spPr>
           <a:xfrm rot="16200000" flipH="1">
-            <a:off x="3890579" y="3222720"/>
-            <a:ext cx="1350315" cy="540528"/>
+            <a:off x="4055592" y="3057707"/>
+            <a:ext cx="1190037" cy="710276"/>
           </a:xfrm>
           <a:prstGeom prst="bentConnector2">
             <a:avLst/>
@@ -4847,7 +5030,7 @@
         </p:nvSpPr>
         <p:spPr>
           <a:xfrm>
-            <a:off x="4187080" y="3969040"/>
+            <a:off x="4334818" y="3849605"/>
             <a:ext cx="548548" cy="253916"/>
           </a:xfrm>
           <a:prstGeom prst="rect">
@@ -4865,7 +5048,6 @@
               <a:rPr lang="en-US" sz="1050" dirty="0" smtClean="0"/>
               <a:t>IR[8:6]</a:t>
             </a:r>
-            <a:endParaRPr lang="en-US" sz="1050" dirty="0" smtClean="0"/>
           </a:p>
         </p:txBody>
       </p:sp>
@@ -5073,7 +5255,7 @@
         </p:nvSpPr>
         <p:spPr>
           <a:xfrm>
-            <a:off x="4617932" y="5864018"/>
+            <a:off x="4868068" y="5862000"/>
             <a:ext cx="70080" cy="70080"/>
           </a:xfrm>
           <a:prstGeom prst="ellipse">
@@ -5124,8 +5306,8 @@
         </p:nvCxnSpPr>
         <p:spPr>
           <a:xfrm rot="5400000">
-            <a:off x="4455742" y="5915902"/>
-            <a:ext cx="179035" cy="215426"/>
+            <a:off x="4579801" y="5789825"/>
+            <a:ext cx="181053" cy="465562"/>
           </a:xfrm>
           <a:prstGeom prst="bentConnector2">
             <a:avLst/>
@@ -5219,7 +5401,7 @@
         </p:nvSpPr>
         <p:spPr>
           <a:xfrm>
-            <a:off x="4216255" y="5695430"/>
+            <a:off x="4266701" y="5720706"/>
             <a:ext cx="495144" cy="229196"/>
           </a:xfrm>
           <a:prstGeom prst="rect">
@@ -5248,7 +5430,7 @@
         </p:nvSpPr>
         <p:spPr>
           <a:xfrm>
-            <a:off x="4208009" y="5282409"/>
+            <a:off x="4952314" y="5153183"/>
             <a:ext cx="557363" cy="229196"/>
           </a:xfrm>
           <a:prstGeom prst="rect">
@@ -5277,7 +5459,7 @@
         </p:nvSpPr>
         <p:spPr>
           <a:xfrm>
-            <a:off x="4608946" y="5987021"/>
+            <a:off x="4757237" y="5693167"/>
             <a:ext cx="804791" cy="229196"/>
           </a:xfrm>
           <a:prstGeom prst="rect">
@@ -5309,8 +5491,8 @@
         </p:nvCxnSpPr>
         <p:spPr>
           <a:xfrm>
-            <a:off x="5258813" y="2109350"/>
-            <a:ext cx="288285" cy="212125"/>
+            <a:off x="5258813" y="2109349"/>
+            <a:ext cx="235663" cy="182405"/>
           </a:xfrm>
           <a:prstGeom prst="bentConnector3">
             <a:avLst>
@@ -5343,15 +5525,15 @@
         <p:nvCxnSpPr>
           <p:cNvPr id="128" name="Elbow Connector 127"/>
           <p:cNvCxnSpPr>
-            <a:stCxn id="65" idx="2"/>
+            <a:stCxn id="349" idx="2"/>
             <a:endCxn id="29" idx="1"/>
           </p:cNvCxnSpPr>
           <p:nvPr/>
         </p:nvCxnSpPr>
         <p:spPr>
           <a:xfrm>
-            <a:off x="5060090" y="3907639"/>
-            <a:ext cx="498134" cy="145589"/>
+            <a:off x="5256473" y="3867182"/>
+            <a:ext cx="205429" cy="158546"/>
           </a:xfrm>
           <a:prstGeom prst="bentConnector3">
             <a:avLst/>
@@ -5638,17 +5820,19 @@
           <p:cNvPr id="138" name="Elbow Connector 137"/>
           <p:cNvCxnSpPr>
             <a:stCxn id="134" idx="3"/>
-            <a:endCxn id="136" idx="1"/>
+            <a:endCxn id="228" idx="1"/>
           </p:cNvCxnSpPr>
           <p:nvPr/>
         </p:nvCxnSpPr>
         <p:spPr>
           <a:xfrm>
             <a:off x="8625045" y="2188811"/>
-            <a:ext cx="373805" cy="412689"/>
+            <a:ext cx="388948" cy="132664"/>
           </a:xfrm>
           <a:prstGeom prst="bentConnector3">
-            <a:avLst/>
+            <a:avLst>
+              <a:gd name="adj1" fmla="val 63307"/>
+            </a:avLst>
           </a:prstGeom>
           <a:ln>
             <a:solidFill>
@@ -5677,17 +5861,19 @@
           <p:cNvPr id="140" name="Elbow Connector 139"/>
           <p:cNvCxnSpPr>
             <a:stCxn id="135" idx="3"/>
-            <a:endCxn id="136" idx="1"/>
+            <a:endCxn id="222" idx="1"/>
           </p:cNvCxnSpPr>
           <p:nvPr/>
         </p:nvCxnSpPr>
         <p:spPr>
           <a:xfrm flipV="1">
-            <a:off x="8625045" y="2601500"/>
-            <a:ext cx="373805" cy="376916"/>
+            <a:off x="8625045" y="2865381"/>
+            <a:ext cx="387117" cy="113035"/>
           </a:xfrm>
           <a:prstGeom prst="bentConnector3">
-            <a:avLst/>
+            <a:avLst>
+              <a:gd name="adj1" fmla="val 63371"/>
+            </a:avLst>
           </a:prstGeom>
           <a:ln>
             <a:solidFill>
@@ -5950,36 +6136,6 @@
           </a:fontRef>
         </p:style>
       </p:cxnSp>
-      <p:sp>
-        <p:nvSpPr>
-          <p:cNvPr id="156" name="TextBox 155"/>
-          <p:cNvSpPr txBox="1"/>
-          <p:nvPr/>
-        </p:nvSpPr>
-        <p:spPr>
-          <a:xfrm>
-            <a:off x="6651664" y="2684051"/>
-            <a:ext cx="634051" cy="333376"/>
-          </a:xfrm>
-          <a:prstGeom prst="rect">
-            <a:avLst/>
-          </a:prstGeom>
-          <a:noFill/>
-        </p:spPr>
-        <p:txBody>
-          <a:bodyPr wrap="none" rtlCol="0">
-            <a:spAutoFit/>
-          </a:bodyPr>
-          <a:lstStyle/>
-          <a:p>
-            <a:r>
-              <a:rPr lang="en-US" dirty="0" smtClean="0"/>
-              <a:t>r2out</a:t>
-            </a:r>
-            <a:endParaRPr lang="en-US" dirty="0"/>
-          </a:p>
-        </p:txBody>
-      </p:sp>
       <p:cxnSp>
         <p:nvCxnSpPr>
           <p:cNvPr id="158" name="Elbow Connector 157"/>
@@ -5991,8 +6147,8 @@
         </p:nvCxnSpPr>
         <p:spPr>
           <a:xfrm flipV="1">
-            <a:off x="7285715" y="2628436"/>
-            <a:ext cx="371242" cy="222303"/>
+            <a:off x="6776763" y="2628436"/>
+            <a:ext cx="880194" cy="281160"/>
           </a:xfrm>
           <a:prstGeom prst="bentConnector3">
             <a:avLst/>
@@ -6129,14 +6285,14 @@
         </p:nvCxnSpPr>
         <p:spPr>
           <a:xfrm flipH="1" flipV="1">
-            <a:off x="4783264" y="4964444"/>
-            <a:ext cx="1864014" cy="603735"/>
+            <a:off x="4868068" y="4761988"/>
+            <a:ext cx="1779210" cy="806191"/>
           </a:xfrm>
           <a:prstGeom prst="bentConnector5">
             <a:avLst>
-              <a:gd name="adj1" fmla="val -12264"/>
-              <a:gd name="adj2" fmla="val 66371"/>
-              <a:gd name="adj3" fmla="val 117383"/>
+              <a:gd name="adj1" fmla="val -12848"/>
+              <a:gd name="adj2" fmla="val 58559"/>
+              <a:gd name="adj3" fmla="val 116332"/>
             </a:avLst>
           </a:prstGeom>
           <a:ln>
@@ -6172,14 +6328,14 @@
         </p:nvCxnSpPr>
         <p:spPr>
           <a:xfrm flipH="1">
-            <a:off x="4779010" y="2188811"/>
-            <a:ext cx="3846035" cy="2642616"/>
+            <a:off x="4868133" y="2188811"/>
+            <a:ext cx="3756912" cy="2451045"/>
           </a:xfrm>
           <a:prstGeom prst="bentConnector5">
             <a:avLst>
-              <a:gd name="adj1" fmla="val -5944"/>
-              <a:gd name="adj2" fmla="val 109603"/>
-              <a:gd name="adj3" fmla="val 106151"/>
+              <a:gd name="adj1" fmla="val -3330"/>
+              <a:gd name="adj2" fmla="val 120147"/>
+              <a:gd name="adj3" fmla="val 110907"/>
             </a:avLst>
           </a:prstGeom>
           <a:ln>
@@ -6215,13 +6371,13 @@
         </p:nvCxnSpPr>
         <p:spPr>
           <a:xfrm rot="5400000">
-            <a:off x="7097332" y="1064575"/>
-            <a:ext cx="1120588" cy="5729411"/>
+            <a:off x="7123473" y="1114920"/>
+            <a:ext cx="1144792" cy="5652924"/>
           </a:xfrm>
           <a:prstGeom prst="bentConnector4">
             <a:avLst>
-              <a:gd name="adj1" fmla="val 155199"/>
-              <a:gd name="adj2" fmla="val 105100"/>
+              <a:gd name="adj1" fmla="val 156273"/>
+              <a:gd name="adj2" fmla="val 108431"/>
             </a:avLst>
           </a:prstGeom>
           <a:ln>
@@ -6256,8 +6412,8 @@
         </p:nvCxnSpPr>
         <p:spPr>
           <a:xfrm flipV="1">
-            <a:off x="5066359" y="4609110"/>
-            <a:ext cx="534346" cy="27471"/>
+            <a:off x="4945238" y="4580328"/>
+            <a:ext cx="534347" cy="55660"/>
           </a:xfrm>
           <a:prstGeom prst="bentConnector3">
             <a:avLst/>
@@ -6322,8 +6478,8 @@
         </p:nvSpPr>
         <p:spPr>
           <a:xfrm>
-            <a:off x="7886012" y="4876940"/>
-            <a:ext cx="709292" cy="236141"/>
+            <a:off x="4341766" y="4471213"/>
+            <a:ext cx="620683" cy="215444"/>
           </a:xfrm>
           <a:prstGeom prst="rect">
             <a:avLst/>
@@ -6337,10 +6493,10 @@
           <a:lstStyle/>
           <a:p>
             <a:r>
-              <a:rPr lang="en-US" sz="1100" dirty="0" smtClean="0"/>
+              <a:rPr lang="en-US" sz="800" dirty="0" smtClean="0"/>
               <a:t>AiA (Copy)</a:t>
             </a:r>
-            <a:endParaRPr lang="en-US" sz="1100" dirty="0"/>
+            <a:endParaRPr lang="en-US" sz="800" dirty="0"/>
           </a:p>
         </p:txBody>
       </p:sp>
@@ -6352,8 +6508,8 @@
         </p:nvSpPr>
         <p:spPr>
           <a:xfrm>
-            <a:off x="4915020" y="5084381"/>
-            <a:ext cx="1405271" cy="236141"/>
+            <a:off x="4389021" y="4592524"/>
+            <a:ext cx="516488" cy="215444"/>
           </a:xfrm>
           <a:prstGeom prst="rect">
             <a:avLst/>
@@ -6367,10 +6523,18 @@
           <a:lstStyle/>
           <a:p>
             <a:r>
-              <a:rPr lang="en-US" sz="1100" dirty="0" smtClean="0"/>
-              <a:t>Imm. (Load Immediate)</a:t>
-            </a:r>
-            <a:endParaRPr lang="en-US" sz="1100" dirty="0"/>
+              <a:rPr lang="en-US" sz="800" dirty="0" smtClean="0"/>
+              <a:t>SE </a:t>
+            </a:r>
+            <a:r>
+              <a:rPr lang="en-US" sz="800" dirty="0" err="1" smtClean="0"/>
+              <a:t>imm</a:t>
+            </a:r>
+            <a:r>
+              <a:rPr lang="en-US" sz="800" dirty="0" smtClean="0"/>
+              <a:t>.</a:t>
+            </a:r>
+            <a:endParaRPr lang="en-US" sz="800" dirty="0"/>
           </a:p>
         </p:txBody>
       </p:sp>
@@ -6663,7 +6827,7 @@
           <a:prstGeom prst="bentConnector5">
             <a:avLst>
               <a:gd name="adj1" fmla="val -5166"/>
-              <a:gd name="adj2" fmla="val -19858"/>
+              <a:gd name="adj2" fmla="val -21739"/>
               <a:gd name="adj3" fmla="val 113476"/>
             </a:avLst>
           </a:prstGeom>
@@ -6736,8 +6900,8 @@
         </p:nvSpPr>
         <p:spPr>
           <a:xfrm>
-            <a:off x="1662414" y="602394"/>
-            <a:ext cx="564597" cy="375047"/>
+            <a:off x="1694600" y="689941"/>
+            <a:ext cx="518091" cy="338554"/>
           </a:xfrm>
           <a:prstGeom prst="rect">
             <a:avLst/>
@@ -6752,14 +6916,14 @@
           <a:p>
             <a:pPr algn="ctr"/>
             <a:r>
-              <a:rPr lang="en-US" sz="1050" dirty="0" smtClean="0"/>
+              <a:rPr lang="en-US" sz="800" dirty="0" smtClean="0"/>
               <a:t>SE Imm.</a:t>
             </a:r>
           </a:p>
           <a:p>
             <a:pPr algn="ctr"/>
             <a:r>
-              <a:rPr lang="en-US" sz="1050" dirty="0" smtClean="0"/>
+              <a:rPr lang="en-US" sz="800" dirty="0" smtClean="0"/>
               <a:t>[15:0]</a:t>
             </a:r>
           </a:p>
@@ -7118,7 +7282,7 @@
         </p:nvSpPr>
         <p:spPr>
           <a:xfrm>
-            <a:off x="4880561" y="3292018"/>
+            <a:off x="3344838" y="3732069"/>
             <a:ext cx="579183" cy="277813"/>
           </a:xfrm>
           <a:prstGeom prst="rect">
@@ -7153,7 +7317,7 @@
         </p:nvSpPr>
         <p:spPr>
           <a:xfrm>
-            <a:off x="5144014" y="4810413"/>
+            <a:off x="3435524" y="5561748"/>
             <a:ext cx="513897" cy="277813"/>
           </a:xfrm>
           <a:prstGeom prst="rect">
@@ -7344,7 +7508,7 @@
         </p:nvSpPr>
         <p:spPr>
           <a:xfrm>
-            <a:off x="3952155" y="2131457"/>
+            <a:off x="3686396" y="2182946"/>
             <a:ext cx="465192" cy="246221"/>
           </a:xfrm>
           <a:prstGeom prst="rect">
@@ -7558,7 +7722,7 @@
         </p:nvSpPr>
         <p:spPr>
           <a:xfrm>
-            <a:off x="9452586" y="1567481"/>
+            <a:off x="9443660" y="1499194"/>
             <a:ext cx="529312" cy="246221"/>
           </a:xfrm>
           <a:prstGeom prst="rect">
@@ -7593,7 +7757,7 @@
         </p:nvSpPr>
         <p:spPr>
           <a:xfrm>
-            <a:off x="7358274" y="3521792"/>
+            <a:off x="7804358" y="3537588"/>
             <a:ext cx="346109" cy="277813"/>
           </a:xfrm>
           <a:prstGeom prst="rect">
@@ -7643,10 +7807,10 @@
           <a:lstStyle/>
           <a:p>
             <a:r>
-              <a:rPr lang="en-US" sz="1400" dirty="0" err="1" smtClean="0"/>
+              <a:rPr lang="en-US" sz="1200" dirty="0" err="1" smtClean="0"/>
               <a:t>datO</a:t>
             </a:r>
-            <a:endParaRPr lang="en-US" sz="1400" dirty="0"/>
+            <a:endParaRPr lang="en-US" sz="1200" dirty="0"/>
           </a:p>
         </p:txBody>
       </p:sp>
@@ -7673,10 +7837,10 @@
           <a:lstStyle/>
           <a:p>
             <a:r>
-              <a:rPr lang="en-US" sz="1400" dirty="0" err="1" smtClean="0"/>
+              <a:rPr lang="en-US" sz="1200" dirty="0" err="1" smtClean="0"/>
               <a:t>adrs</a:t>
             </a:r>
-            <a:endParaRPr lang="en-US" sz="1400" dirty="0"/>
+            <a:endParaRPr lang="en-US" sz="1200" dirty="0"/>
           </a:p>
         </p:txBody>
       </p:sp>
@@ -7688,10 +7852,10 @@
         </p:nvGrpSpPr>
         <p:grpSpPr>
           <a:xfrm>
-            <a:off x="2251474" y="4280913"/>
-            <a:ext cx="604653" cy="532108"/>
+            <a:off x="2276226" y="4410690"/>
+            <a:ext cx="604653" cy="542072"/>
             <a:chOff x="1616198" y="4848777"/>
-            <a:chExt cx="531802" cy="589498"/>
+            <a:chExt cx="531802" cy="600537"/>
           </a:xfrm>
         </p:grpSpPr>
         <p:sp>
@@ -7738,7 +7902,7 @@
           <p:spPr>
             <a:xfrm>
               <a:off x="1616198" y="5156973"/>
-              <a:ext cx="523709" cy="281302"/>
+              <a:ext cx="531802" cy="292341"/>
             </a:xfrm>
             <a:prstGeom prst="rect">
               <a:avLst/>
@@ -7806,8 +7970,8 @@
         </p:nvCxnSpPr>
         <p:spPr>
           <a:xfrm flipV="1">
-            <a:off x="7281329" y="2188811"/>
-            <a:ext cx="922285" cy="145295"/>
+            <a:off x="6776843" y="2188811"/>
+            <a:ext cx="1426771" cy="118434"/>
           </a:xfrm>
           <a:prstGeom prst="bentConnector3">
             <a:avLst/>
@@ -7969,7 +8133,7 @@
           <a:prstGeom prst="bentConnector4">
             <a:avLst>
               <a:gd name="adj1" fmla="val -591129"/>
-              <a:gd name="adj2" fmla="val 102627"/>
+              <a:gd name="adj2" fmla="val 106314"/>
             </a:avLst>
           </a:prstGeom>
           <a:ln>
@@ -8107,7 +8271,7 @@
         <p:spPr>
           <a:xfrm>
             <a:off x="4069540" y="4239067"/>
-            <a:ext cx="723380" cy="111069"/>
+            <a:ext cx="791888" cy="160319"/>
           </a:xfrm>
           <a:prstGeom prst="bentConnector3">
             <a:avLst/>
@@ -8173,21 +8337,20 @@
         <p:nvCxnSpPr>
           <p:cNvPr id="231" name="Elbow Connector 230"/>
           <p:cNvCxnSpPr>
-            <a:stCxn id="10" idx="3"/>
+            <a:stCxn id="10" idx="0"/>
             <a:endCxn id="308" idx="1"/>
           </p:cNvCxnSpPr>
           <p:nvPr/>
         </p:nvCxnSpPr>
         <p:spPr>
-          <a:xfrm flipH="1" flipV="1">
-            <a:off x="4042052" y="848203"/>
-            <a:ext cx="428620" cy="1794425"/>
-          </a:xfrm>
-          <a:prstGeom prst="bentConnector5">
+          <a:xfrm rot="16200000" flipV="1">
+            <a:off x="3359149" y="1531106"/>
+            <a:ext cx="1619226" cy="253420"/>
+          </a:xfrm>
+          <a:prstGeom prst="bentConnector4">
             <a:avLst>
-              <a:gd name="adj1" fmla="val -18551"/>
-              <a:gd name="adj2" fmla="val 35783"/>
-              <a:gd name="adj3" fmla="val 153334"/>
+              <a:gd name="adj1" fmla="val 44794"/>
+              <a:gd name="adj2" fmla="val 190206"/>
             </a:avLst>
           </a:prstGeom>
           <a:ln>
@@ -8219,9 +8382,9 @@
           <p:nvPr/>
         </p:nvSpPr>
         <p:spPr>
-          <a:xfrm>
-            <a:off x="3345041" y="1641751"/>
-            <a:ext cx="788999" cy="253916"/>
+          <a:xfrm rot="16200000">
+            <a:off x="3426027" y="1704768"/>
+            <a:ext cx="641522" cy="215444"/>
           </a:xfrm>
           <a:prstGeom prst="rect">
             <a:avLst/>
@@ -8235,14 +8398,14 @@
           <a:lstStyle/>
           <a:p>
             <a:r>
-              <a:rPr lang="en-US" sz="1050" dirty="0" err="1" smtClean="0"/>
+              <a:rPr lang="en-US" sz="800" dirty="0" err="1" smtClean="0"/>
               <a:t>Imm</a:t>
             </a:r>
             <a:r>
-              <a:rPr lang="en-US" sz="1050" dirty="0" smtClean="0"/>
+              <a:rPr lang="en-US" sz="800" dirty="0" smtClean="0"/>
               <a:t> [11:0]</a:t>
             </a:r>
-            <a:endParaRPr lang="en-US" sz="1050" dirty="0"/>
+            <a:endParaRPr lang="en-US" sz="800" dirty="0"/>
           </a:p>
         </p:txBody>
       </p:sp>
@@ -8342,7 +8505,7 @@
         </p:nvSpPr>
         <p:spPr>
           <a:xfrm>
-            <a:off x="2153166" y="1404457"/>
+            <a:off x="3076140" y="1379243"/>
             <a:ext cx="750526" cy="253916"/>
           </a:xfrm>
           <a:prstGeom prst="rect">
@@ -8372,7 +8535,7 @@
         </p:nvSpPr>
         <p:spPr>
           <a:xfrm>
-            <a:off x="659996" y="2487985"/>
+            <a:off x="340232" y="2323029"/>
             <a:ext cx="910827" cy="253916"/>
           </a:xfrm>
           <a:prstGeom prst="rect">
@@ -8407,10 +8570,10 @@
         </p:nvGrpSpPr>
         <p:grpSpPr>
           <a:xfrm>
-            <a:off x="5018410" y="2469695"/>
-            <a:ext cx="256727" cy="819398"/>
-            <a:chOff x="194423" y="4609425"/>
-            <a:chExt cx="284416" cy="907774"/>
+            <a:off x="5018411" y="2693820"/>
+            <a:ext cx="283370" cy="595274"/>
+            <a:chOff x="194424" y="4857722"/>
+            <a:chExt cx="313933" cy="659477"/>
           </a:xfrm>
         </p:grpSpPr>
         <p:sp>
@@ -8421,8 +8584,8 @@
           </p:nvSpPr>
           <p:spPr>
             <a:xfrm rot="16200000">
-              <a:off x="-51654" y="4899604"/>
-              <a:ext cx="776570" cy="284416"/>
+              <a:off x="95851" y="5017591"/>
+              <a:ext cx="511079" cy="313933"/>
             </a:xfrm>
             <a:prstGeom prst="roundRect">
               <a:avLst/>
@@ -8449,10 +8612,6 @@
             <a:lstStyle/>
             <a:p>
               <a:pPr algn="ctr"/>
-              <a:r>
-                <a:rPr lang="en-US" sz="1100" dirty="0" smtClean="0"/>
-                <a:t>Mux</a:t>
-              </a:r>
               <a:endParaRPr lang="en-US" dirty="0"/>
             </a:p>
           </p:txBody>
@@ -8495,7 +8654,7 @@
           </p:nvSpPr>
           <p:spPr>
             <a:xfrm>
-              <a:off x="208978" y="4609425"/>
+              <a:off x="247249" y="4857722"/>
               <a:ext cx="211681" cy="373574"/>
             </a:xfrm>
             <a:prstGeom prst="rect">
@@ -8521,18 +8680,19 @@
         <p:nvCxnSpPr>
           <p:cNvPr id="9" name="Elbow Connector 8"/>
           <p:cNvCxnSpPr>
-            <a:stCxn id="60" idx="2"/>
-            <a:endCxn id="160" idx="1"/>
+            <a:stCxn id="10" idx="3"/>
           </p:cNvCxnSpPr>
           <p:nvPr/>
         </p:nvCxnSpPr>
         <p:spPr>
-          <a:xfrm rot="16200000" flipH="1">
-            <a:off x="4794859" y="2401608"/>
-            <a:ext cx="249657" cy="223721"/>
-          </a:xfrm>
-          <a:prstGeom prst="bentConnector2">
-            <a:avLst/>
+          <a:xfrm>
+            <a:off x="4470672" y="2642628"/>
+            <a:ext cx="569230" cy="220313"/>
+          </a:xfrm>
+          <a:prstGeom prst="bentConnector3">
+            <a:avLst>
+              <a:gd name="adj1" fmla="val 48484"/>
+            </a:avLst>
           </a:prstGeom>
           <a:ln>
             <a:solidFill>
@@ -8566,9 +8726,9 @@
           <p:nvPr/>
         </p:nvCxnSpPr>
         <p:spPr>
-          <a:xfrm>
-            <a:off x="5275137" y="2859987"/>
-            <a:ext cx="293415" cy="25009"/>
+          <a:xfrm flipV="1">
+            <a:off x="5301781" y="2865392"/>
+            <a:ext cx="206415" cy="114418"/>
           </a:xfrm>
           <a:prstGeom prst="bentConnector3">
             <a:avLst/>
@@ -8603,7 +8763,7 @@
         </p:nvSpPr>
         <p:spPr>
           <a:xfrm>
-            <a:off x="5456850" y="2544183"/>
+            <a:off x="3119861" y="2847082"/>
             <a:ext cx="1021242" cy="307777"/>
           </a:xfrm>
           <a:prstGeom prst="rect">
@@ -8639,7 +8799,7 @@
         <p:spPr>
           <a:xfrm>
             <a:off x="2229192" y="3652349"/>
-            <a:ext cx="569323" cy="307777"/>
+            <a:ext cx="513474" cy="276999"/>
           </a:xfrm>
           <a:prstGeom prst="rect">
             <a:avLst/>
@@ -8653,44 +8813,10 @@
           <a:lstStyle/>
           <a:p>
             <a:r>
-              <a:rPr lang="en-US" sz="1400" dirty="0" err="1" smtClean="0"/>
+              <a:rPr lang="en-US" sz="1200" dirty="0" err="1" smtClean="0"/>
               <a:t>wDat</a:t>
             </a:r>
-            <a:endParaRPr lang="en-US" sz="1400" dirty="0"/>
-          </a:p>
-        </p:txBody>
-      </p:sp>
-      <p:sp>
-        <p:nvSpPr>
-          <p:cNvPr id="27" name="TextBox 26"/>
-          <p:cNvSpPr txBox="1"/>
-          <p:nvPr/>
-        </p:nvSpPr>
-        <p:spPr>
-          <a:xfrm>
-            <a:off x="6578754" y="4449639"/>
-            <a:ext cx="788164" cy="369332"/>
-          </a:xfrm>
-          <a:prstGeom prst="rect">
-            <a:avLst/>
-          </a:prstGeom>
-          <a:noFill/>
-        </p:spPr>
-        <p:txBody>
-          <a:bodyPr wrap="none" rtlCol="0">
-            <a:spAutoFit/>
-          </a:bodyPr>
-          <a:lstStyle/>
-          <a:p>
-            <a:r>
-              <a:rPr lang="en-US" dirty="0" err="1" smtClean="0"/>
-              <a:t>Reg</a:t>
-            </a:r>
-            <a:r>
-              <a:rPr lang="en-US" dirty="0" smtClean="0"/>
-              <a:t>[0]</a:t>
-            </a:r>
-            <a:endParaRPr lang="en-US" dirty="0"/>
+            <a:endParaRPr lang="en-US" sz="1200" dirty="0"/>
           </a:p>
         </p:txBody>
       </p:sp>
@@ -8705,13 +8831,13 @@
         </p:nvCxnSpPr>
         <p:spPr>
           <a:xfrm rot="5400000" flipH="1">
-            <a:off x="4094647" y="1940783"/>
-            <a:ext cx="1012733" cy="4743644"/>
+            <a:off x="3912853" y="2107188"/>
+            <a:ext cx="917974" cy="4285296"/>
           </a:xfrm>
           <a:prstGeom prst="bentConnector4">
             <a:avLst>
-              <a:gd name="adj1" fmla="val -158860"/>
-              <a:gd name="adj2" fmla="val 104819"/>
+              <a:gd name="adj1" fmla="val -24903"/>
+              <a:gd name="adj2" fmla="val 105335"/>
             </a:avLst>
           </a:prstGeom>
           <a:ln>
@@ -8744,7 +8870,7 @@
         </p:nvSpPr>
         <p:spPr>
           <a:xfrm>
-            <a:off x="10487291" y="5238218"/>
+            <a:off x="10487291" y="5104602"/>
             <a:ext cx="70080" cy="70080"/>
           </a:xfrm>
           <a:prstGeom prst="ellipse">
@@ -8848,7 +8974,7 @@
           </a:xfrm>
           <a:prstGeom prst="bentConnector3">
             <a:avLst>
-              <a:gd name="adj1" fmla="val 48872"/>
+              <a:gd name="adj1" fmla="val 35790"/>
             </a:avLst>
           </a:prstGeom>
           <a:ln>
@@ -8881,7 +9007,7 @@
         </p:nvSpPr>
         <p:spPr>
           <a:xfrm>
-            <a:off x="4429931" y="1652295"/>
+            <a:off x="4455774" y="1661267"/>
             <a:ext cx="688009" cy="253916"/>
           </a:xfrm>
           <a:prstGeom prst="rect">
@@ -9220,55 +9346,6 @@
       </p:cxnSp>
       <p:sp>
         <p:nvSpPr>
-          <p:cNvPr id="2" name="TextBox 1"/>
-          <p:cNvSpPr txBox="1"/>
-          <p:nvPr/>
-        </p:nvSpPr>
-        <p:spPr>
-          <a:xfrm>
-            <a:off x="24952" y="29668"/>
-            <a:ext cx="1222487" cy="954107"/>
-          </a:xfrm>
-          <a:prstGeom prst="rect">
-            <a:avLst/>
-          </a:prstGeom>
-          <a:noFill/>
-          <a:ln w="76200">
-            <a:solidFill>
-              <a:schemeClr val="tx1"/>
-            </a:solidFill>
-          </a:ln>
-        </p:spPr>
-        <p:txBody>
-          <a:bodyPr wrap="square" rtlCol="0">
-            <a:spAutoFit/>
-          </a:bodyPr>
-          <a:lstStyle/>
-          <a:p>
-            <a:r>
-              <a:rPr lang="en-US" sz="1400" dirty="0" smtClean="0"/>
-              <a:t>TODO</a:t>
-            </a:r>
-          </a:p>
-          <a:p>
-            <a:r>
-              <a:rPr lang="en-US" sz="1400" dirty="0" smtClean="0"/>
-              <a:t>Implement </a:t>
-            </a:r>
-            <a:r>
-              <a:rPr lang="en-US" sz="1400" dirty="0" err="1" smtClean="0"/>
-              <a:t>func</a:t>
-            </a:r>
-            <a:r>
-              <a:rPr lang="en-US" sz="1400" dirty="0" smtClean="0"/>
-              <a:t> code moved to end</a:t>
-            </a:r>
-            <a:endParaRPr lang="en-US" sz="1400" dirty="0"/>
-          </a:p>
-        </p:txBody>
-      </p:sp>
-      <p:sp>
-        <p:nvSpPr>
           <p:cNvPr id="178" name="Oval 177"/>
           <p:cNvSpPr/>
           <p:nvPr/>
@@ -9312,35 +9389,6 @@
           <a:p>
             <a:pPr algn="ctr"/>
             <a:endParaRPr lang="en-US"/>
-          </a:p>
-        </p:txBody>
-      </p:sp>
-      <p:sp>
-        <p:nvSpPr>
-          <p:cNvPr id="180" name="TextBox 179"/>
-          <p:cNvSpPr txBox="1"/>
-          <p:nvPr/>
-        </p:nvSpPr>
-        <p:spPr>
-          <a:xfrm>
-            <a:off x="4222941" y="3671047"/>
-            <a:ext cx="688009" cy="253916"/>
-          </a:xfrm>
-          <a:prstGeom prst="rect">
-            <a:avLst/>
-          </a:prstGeom>
-          <a:noFill/>
-        </p:spPr>
-        <p:txBody>
-          <a:bodyPr wrap="none" rtlCol="0">
-            <a:spAutoFit/>
-          </a:bodyPr>
-          <a:lstStyle/>
-          <a:p>
-            <a:r>
-              <a:rPr lang="en-US" sz="1050" dirty="0" smtClean="0"/>
-              <a:t>Zero[2:0]</a:t>
-            </a:r>
           </a:p>
         </p:txBody>
       </p:sp>
@@ -9468,9 +9516,9 @@
           <p:nvPr/>
         </p:nvCxnSpPr>
         <p:spPr>
-          <a:xfrm flipV="1">
-            <a:off x="1570823" y="2560352"/>
-            <a:ext cx="246533" cy="54591"/>
+          <a:xfrm>
+            <a:off x="1251059" y="2449987"/>
+            <a:ext cx="566297" cy="110365"/>
           </a:xfrm>
           <a:prstGeom prst="line">
             <a:avLst/>
@@ -9507,8 +9555,8 @@
         </p:nvCxnSpPr>
         <p:spPr>
           <a:xfrm>
-            <a:off x="4184751" y="2377678"/>
-            <a:ext cx="110721" cy="89751"/>
+            <a:off x="3918992" y="2429167"/>
+            <a:ext cx="376480" cy="38262"/>
           </a:xfrm>
           <a:prstGeom prst="line">
             <a:avLst/>
@@ -9583,8 +9631,8 @@
         </p:nvCxnSpPr>
         <p:spPr>
           <a:xfrm flipV="1">
-            <a:off x="2553801" y="4178025"/>
-            <a:ext cx="125567" cy="102888"/>
+            <a:off x="2578553" y="4164227"/>
+            <a:ext cx="100815" cy="246463"/>
           </a:xfrm>
           <a:prstGeom prst="line">
             <a:avLst/>
@@ -9688,44 +9736,6 @@
       </p:cxnSp>
       <p:cxnSp>
         <p:nvCxnSpPr>
-          <p:cNvPr id="250" name="Straight Connector 249"/>
-          <p:cNvCxnSpPr>
-            <a:stCxn id="150" idx="0"/>
-            <a:endCxn id="144" idx="0"/>
-          </p:cNvCxnSpPr>
-          <p:nvPr/>
-        </p:nvCxnSpPr>
-        <p:spPr>
-          <a:xfrm flipV="1">
-            <a:off x="7531329" y="2848174"/>
-            <a:ext cx="130965" cy="673618"/>
-          </a:xfrm>
-          <a:prstGeom prst="line">
-            <a:avLst/>
-          </a:prstGeom>
-          <a:ln w="28575">
-            <a:solidFill>
-              <a:srgbClr val="385723"/>
-            </a:solidFill>
-          </a:ln>
-        </p:spPr>
-        <p:style>
-          <a:lnRef idx="1">
-            <a:schemeClr val="accent1"/>
-          </a:lnRef>
-          <a:fillRef idx="0">
-            <a:schemeClr val="accent1"/>
-          </a:fillRef>
-          <a:effectRef idx="0">
-            <a:schemeClr val="accent1"/>
-          </a:effectRef>
-          <a:fontRef idx="minor">
-            <a:schemeClr val="tx1"/>
-          </a:fontRef>
-        </p:style>
-      </p:cxnSp>
-      <p:cxnSp>
-        <p:nvCxnSpPr>
           <p:cNvPr id="254" name="Straight Connector 253"/>
           <p:cNvCxnSpPr>
             <a:stCxn id="344" idx="1"/>
@@ -9773,8 +9783,8 @@
         </p:nvCxnSpPr>
         <p:spPr>
           <a:xfrm flipH="1">
-            <a:off x="9411540" y="1813702"/>
-            <a:ext cx="305702" cy="375109"/>
+            <a:off x="9411540" y="1745415"/>
+            <a:ext cx="296776" cy="443396"/>
           </a:xfrm>
           <a:prstGeom prst="line">
             <a:avLst/>
@@ -9878,81 +9888,6 @@
       </p:cxnSp>
       <p:cxnSp>
         <p:nvCxnSpPr>
-          <p:cNvPr id="275" name="Straight Connector 274"/>
-          <p:cNvCxnSpPr>
-            <a:stCxn id="335" idx="0"/>
-          </p:cNvCxnSpPr>
-          <p:nvPr/>
-        </p:nvCxnSpPr>
-        <p:spPr>
-          <a:xfrm flipH="1" flipV="1">
-            <a:off x="5014246" y="4723119"/>
-            <a:ext cx="386717" cy="87294"/>
-          </a:xfrm>
-          <a:prstGeom prst="line">
-            <a:avLst/>
-          </a:prstGeom>
-          <a:ln w="28575">
-            <a:solidFill>
-              <a:srgbClr val="385723"/>
-            </a:solidFill>
-          </a:ln>
-        </p:spPr>
-        <p:style>
-          <a:lnRef idx="1">
-            <a:schemeClr val="accent1"/>
-          </a:lnRef>
-          <a:fillRef idx="0">
-            <a:schemeClr val="accent1"/>
-          </a:fillRef>
-          <a:effectRef idx="0">
-            <a:schemeClr val="accent1"/>
-          </a:effectRef>
-          <a:fontRef idx="minor">
-            <a:schemeClr val="tx1"/>
-          </a:fontRef>
-        </p:style>
-      </p:cxnSp>
-      <p:cxnSp>
-        <p:nvCxnSpPr>
-          <p:cNvPr id="278" name="Straight Connector 277"/>
-          <p:cNvCxnSpPr>
-            <a:stCxn id="334" idx="2"/>
-            <a:endCxn id="65" idx="2"/>
-          </p:cNvCxnSpPr>
-          <p:nvPr/>
-        </p:nvCxnSpPr>
-        <p:spPr>
-          <a:xfrm flipH="1">
-            <a:off x="5060079" y="3569831"/>
-            <a:ext cx="110074" cy="337808"/>
-          </a:xfrm>
-          <a:prstGeom prst="line">
-            <a:avLst/>
-          </a:prstGeom>
-          <a:ln w="28575">
-            <a:solidFill>
-              <a:srgbClr val="385723"/>
-            </a:solidFill>
-          </a:ln>
-        </p:spPr>
-        <p:style>
-          <a:lnRef idx="1">
-            <a:schemeClr val="accent1"/>
-          </a:lnRef>
-          <a:fillRef idx="0">
-            <a:schemeClr val="accent1"/>
-          </a:fillRef>
-          <a:effectRef idx="0">
-            <a:schemeClr val="accent1"/>
-          </a:effectRef>
-          <a:fontRef idx="minor">
-            <a:schemeClr val="tx1"/>
-          </a:fontRef>
-        </p:style>
-      </p:cxnSp>
-      <p:cxnSp>
-        <p:nvCxnSpPr>
           <p:cNvPr id="281" name="Straight Connector 280"/>
           <p:cNvCxnSpPr>
             <a:stCxn id="336" idx="2"/>
@@ -10000,46 +9935,8 @@
         </p:nvCxnSpPr>
         <p:spPr>
           <a:xfrm flipH="1">
-            <a:off x="6407562" y="1860179"/>
-            <a:ext cx="16256" cy="109678"/>
-          </a:xfrm>
-          <a:prstGeom prst="line">
-            <a:avLst/>
-          </a:prstGeom>
-          <a:ln w="28575">
-            <a:solidFill>
-              <a:srgbClr val="385723"/>
-            </a:solidFill>
-          </a:ln>
-        </p:spPr>
-        <p:style>
-          <a:lnRef idx="1">
-            <a:schemeClr val="accent1"/>
-          </a:lnRef>
-          <a:fillRef idx="0">
-            <a:schemeClr val="accent1"/>
-          </a:fillRef>
-          <a:effectRef idx="0">
-            <a:schemeClr val="accent1"/>
-          </a:effectRef>
-          <a:fontRef idx="minor">
-            <a:schemeClr val="tx1"/>
-          </a:fontRef>
-        </p:style>
-      </p:cxnSp>
-      <p:cxnSp>
-        <p:nvCxnSpPr>
-          <p:cNvPr id="34" name="Straight Connector 33"/>
-          <p:cNvCxnSpPr>
-            <a:stCxn id="165" idx="1"/>
-            <a:endCxn id="157" idx="2"/>
-          </p:cNvCxnSpPr>
-          <p:nvPr/>
-        </p:nvCxnSpPr>
-        <p:spPr>
-          <a:xfrm flipH="1">
-            <a:off x="5275137" y="2698072"/>
-            <a:ext cx="181713" cy="161915"/>
+            <a:off x="6117009" y="1860179"/>
+            <a:ext cx="306809" cy="109678"/>
           </a:xfrm>
           <a:prstGeom prst="line">
             <a:avLst/>
@@ -10067,196 +9964,13 @@
       </p:cxnSp>
       <p:grpSp>
         <p:nvGrpSpPr>
-          <p:cNvPr id="261" name="Group 260"/>
+          <p:cNvPr id="288" name="Group 287"/>
           <p:cNvGrpSpPr/>
           <p:nvPr/>
         </p:nvGrpSpPr>
         <p:grpSpPr>
           <a:xfrm>
-            <a:off x="4779010" y="4227025"/>
-            <a:ext cx="334398" cy="860529"/>
-            <a:chOff x="2489579" y="5069820"/>
-            <a:chExt cx="334398" cy="860529"/>
-          </a:xfrm>
-        </p:grpSpPr>
-        <p:sp>
-          <p:nvSpPr>
-            <p:cNvPr id="210" name="Rounded Rectangle 209"/>
-            <p:cNvSpPr/>
-            <p:nvPr/>
-          </p:nvSpPr>
-          <p:spPr>
-            <a:xfrm rot="16200000">
-              <a:off x="2345130" y="5383917"/>
-              <a:ext cx="700967" cy="256727"/>
-            </a:xfrm>
-            <a:prstGeom prst="roundRect">
-              <a:avLst/>
-            </a:prstGeom>
-          </p:spPr>
-          <p:style>
-            <a:lnRef idx="2">
-              <a:schemeClr val="accent1">
-                <a:shade val="50000"/>
-              </a:schemeClr>
-            </a:lnRef>
-            <a:fillRef idx="1">
-              <a:schemeClr val="accent1"/>
-            </a:fillRef>
-            <a:effectRef idx="0">
-              <a:schemeClr val="accent1"/>
-            </a:effectRef>
-            <a:fontRef idx="minor">
-              <a:schemeClr val="lt1"/>
-            </a:fontRef>
-          </p:style>
-          <p:txBody>
-            <a:bodyPr rtlCol="0" anchor="ctr"/>
-            <a:lstStyle/>
-            <a:p>
-              <a:pPr algn="ctr"/>
-              <a:r>
-                <a:rPr lang="en-US" sz="1100" dirty="0" smtClean="0"/>
-                <a:t>Mux</a:t>
-              </a:r>
-              <a:endParaRPr lang="en-US" dirty="0"/>
-            </a:p>
-          </p:txBody>
-        </p:sp>
-        <p:sp>
-          <p:nvSpPr>
-            <p:cNvPr id="255" name="TextBox 254"/>
-            <p:cNvSpPr txBox="1"/>
-            <p:nvPr/>
-          </p:nvSpPr>
-          <p:spPr>
-            <a:xfrm>
-              <a:off x="2503489" y="5069820"/>
-              <a:ext cx="316112" cy="246221"/>
-            </a:xfrm>
-            <a:prstGeom prst="rect">
-              <a:avLst/>
-            </a:prstGeom>
-            <a:noFill/>
-          </p:spPr>
-          <p:txBody>
-            <a:bodyPr wrap="none" rtlCol="0">
-              <a:spAutoFit/>
-            </a:bodyPr>
-            <a:lstStyle/>
-            <a:p>
-              <a:r>
-                <a:rPr lang="en-US" sz="1000" dirty="0" smtClean="0"/>
-                <a:t>00</a:t>
-              </a:r>
-              <a:endParaRPr lang="en-US" sz="1000" dirty="0"/>
-            </a:p>
-          </p:txBody>
-        </p:sp>
-        <p:sp>
-          <p:nvSpPr>
-            <p:cNvPr id="213" name="TextBox 212"/>
-            <p:cNvSpPr txBox="1"/>
-            <p:nvPr/>
-          </p:nvSpPr>
-          <p:spPr>
-            <a:xfrm>
-              <a:off x="2503489" y="5209258"/>
-              <a:ext cx="316112" cy="246221"/>
-            </a:xfrm>
-            <a:prstGeom prst="rect">
-              <a:avLst/>
-            </a:prstGeom>
-            <a:noFill/>
-          </p:spPr>
-          <p:txBody>
-            <a:bodyPr wrap="none" rtlCol="0">
-              <a:spAutoFit/>
-            </a:bodyPr>
-            <a:lstStyle/>
-            <a:p>
-              <a:r>
-                <a:rPr lang="en-US" sz="1000" dirty="0" smtClean="0"/>
-                <a:t>01</a:t>
-              </a:r>
-              <a:endParaRPr lang="en-US" sz="1000" dirty="0"/>
-            </a:p>
-          </p:txBody>
-        </p:sp>
-        <p:sp>
-          <p:nvSpPr>
-            <p:cNvPr id="214" name="TextBox 213"/>
-            <p:cNvSpPr txBox="1"/>
-            <p:nvPr/>
-          </p:nvSpPr>
-          <p:spPr>
-            <a:xfrm>
-              <a:off x="2489579" y="5551111"/>
-              <a:ext cx="316112" cy="246221"/>
-            </a:xfrm>
-            <a:prstGeom prst="rect">
-              <a:avLst/>
-            </a:prstGeom>
-            <a:noFill/>
-          </p:spPr>
-          <p:txBody>
-            <a:bodyPr wrap="none" rtlCol="0">
-              <a:spAutoFit/>
-            </a:bodyPr>
-            <a:lstStyle/>
-            <a:p>
-              <a:r>
-                <a:rPr lang="en-US" sz="1000" dirty="0"/>
-                <a:t>1</a:t>
-              </a:r>
-              <a:r>
-                <a:rPr lang="en-US" sz="1000" dirty="0" smtClean="0"/>
-                <a:t>0</a:t>
-              </a:r>
-              <a:endParaRPr lang="en-US" sz="1000" dirty="0"/>
-            </a:p>
-          </p:txBody>
-        </p:sp>
-        <p:sp>
-          <p:nvSpPr>
-            <p:cNvPr id="215" name="TextBox 214"/>
-            <p:cNvSpPr txBox="1"/>
-            <p:nvPr/>
-          </p:nvSpPr>
-          <p:spPr>
-            <a:xfrm>
-              <a:off x="2493833" y="5684128"/>
-              <a:ext cx="316112" cy="246221"/>
-            </a:xfrm>
-            <a:prstGeom prst="rect">
-              <a:avLst/>
-            </a:prstGeom>
-            <a:noFill/>
-          </p:spPr>
-          <p:txBody>
-            <a:bodyPr wrap="none" rtlCol="0">
-              <a:spAutoFit/>
-            </a:bodyPr>
-            <a:lstStyle/>
-            <a:p>
-              <a:r>
-                <a:rPr lang="en-US" sz="1000" dirty="0" smtClean="0"/>
-                <a:t>11</a:t>
-              </a:r>
-              <a:endParaRPr lang="en-US" sz="1000" dirty="0"/>
-            </a:p>
-          </p:txBody>
-        </p:sp>
-      </p:grpSp>
-      <p:grpSp>
-        <p:nvGrpSpPr>
-          <p:cNvPr id="288" name="Group 287"/>
-          <p:cNvGrpSpPr/>
-          <p:nvPr/>
-        </p:nvGrpSpPr>
-        <p:grpSpPr>
-          <a:xfrm>
-            <a:off x="207033" y="5347043"/>
+            <a:off x="68287" y="5347930"/>
             <a:ext cx="1173584" cy="1278181"/>
             <a:chOff x="138021" y="5317673"/>
             <a:chExt cx="1300160" cy="1416039"/>
@@ -10736,7 +10450,7 @@
         <p:spPr>
           <a:xfrm>
             <a:off x="623691" y="5187520"/>
-            <a:ext cx="170134" cy="159523"/>
+            <a:ext cx="31388" cy="160410"/>
           </a:xfrm>
           <a:prstGeom prst="line">
             <a:avLst/>
@@ -10945,6 +10659,920 @@
           </p:txBody>
         </p:sp>
       </p:grpSp>
+      <p:sp>
+        <p:nvSpPr>
+          <p:cNvPr id="228" name="TextBox 227"/>
+          <p:cNvSpPr txBox="1"/>
+          <p:nvPr/>
+        </p:nvSpPr>
+        <p:spPr>
+          <a:xfrm>
+            <a:off x="9013993" y="2190670"/>
+            <a:ext cx="112394" cy="261610"/>
+          </a:xfrm>
+          <a:prstGeom prst="rect">
+            <a:avLst/>
+          </a:prstGeom>
+          <a:noFill/>
+        </p:spPr>
+        <p:txBody>
+          <a:bodyPr wrap="square" rtlCol="0">
+            <a:spAutoFit/>
+          </a:bodyPr>
+          <a:lstStyle/>
+          <a:p>
+            <a:pPr algn="ctr"/>
+            <a:r>
+              <a:rPr lang="en-US" sz="1050" dirty="0" smtClean="0"/>
+              <a:t>a</a:t>
+            </a:r>
+            <a:endParaRPr lang="en-US" sz="1050" dirty="0"/>
+          </a:p>
+        </p:txBody>
+      </p:sp>
+      <p:sp>
+        <p:nvSpPr>
+          <p:cNvPr id="222" name="TextBox 221"/>
+          <p:cNvSpPr txBox="1"/>
+          <p:nvPr/>
+        </p:nvSpPr>
+        <p:spPr>
+          <a:xfrm>
+            <a:off x="9012162" y="2734576"/>
+            <a:ext cx="112394" cy="261610"/>
+          </a:xfrm>
+          <a:prstGeom prst="rect">
+            <a:avLst/>
+          </a:prstGeom>
+          <a:noFill/>
+        </p:spPr>
+        <p:txBody>
+          <a:bodyPr wrap="square" rtlCol="0">
+            <a:spAutoFit/>
+          </a:bodyPr>
+          <a:lstStyle/>
+          <a:p>
+            <a:pPr algn="ctr"/>
+            <a:r>
+              <a:rPr lang="en-US" sz="1050" dirty="0"/>
+              <a:t>b</a:t>
+            </a:r>
+          </a:p>
+        </p:txBody>
+      </p:sp>
+      <p:sp>
+        <p:nvSpPr>
+          <p:cNvPr id="257" name="Oval 256"/>
+          <p:cNvSpPr/>
+          <p:nvPr/>
+        </p:nvSpPr>
+        <p:spPr>
+          <a:xfrm>
+            <a:off x="6838351" y="5536470"/>
+            <a:ext cx="70080" cy="70080"/>
+          </a:xfrm>
+          <a:prstGeom prst="ellipse">
+            <a:avLst/>
+          </a:prstGeom>
+          <a:solidFill>
+            <a:schemeClr val="tx1"/>
+          </a:solidFill>
+          <a:ln>
+            <a:solidFill>
+              <a:schemeClr val="tx1"/>
+            </a:solidFill>
+          </a:ln>
+        </p:spPr>
+        <p:style>
+          <a:lnRef idx="2">
+            <a:schemeClr val="accent1">
+              <a:shade val="50000"/>
+            </a:schemeClr>
+          </a:lnRef>
+          <a:fillRef idx="1">
+            <a:schemeClr val="accent1"/>
+          </a:fillRef>
+          <a:effectRef idx="0">
+            <a:schemeClr val="accent1"/>
+          </a:effectRef>
+          <a:fontRef idx="minor">
+            <a:schemeClr val="lt1"/>
+          </a:fontRef>
+        </p:style>
+        <p:txBody>
+          <a:bodyPr rtlCol="0" anchor="ctr"/>
+          <a:lstStyle/>
+          <a:p>
+            <a:pPr algn="ctr"/>
+            <a:endParaRPr lang="en-US"/>
+          </a:p>
+        </p:txBody>
+      </p:sp>
+      <p:sp>
+        <p:nvSpPr>
+          <p:cNvPr id="258" name="Oval 257"/>
+          <p:cNvSpPr/>
+          <p:nvPr/>
+        </p:nvSpPr>
+        <p:spPr>
+          <a:xfrm>
+            <a:off x="4706107" y="2609288"/>
+            <a:ext cx="70080" cy="70080"/>
+          </a:xfrm>
+          <a:prstGeom prst="ellipse">
+            <a:avLst/>
+          </a:prstGeom>
+          <a:solidFill>
+            <a:schemeClr val="tx1"/>
+          </a:solidFill>
+          <a:ln>
+            <a:solidFill>
+              <a:schemeClr val="tx1"/>
+            </a:solidFill>
+          </a:ln>
+        </p:spPr>
+        <p:style>
+          <a:lnRef idx="2">
+            <a:schemeClr val="accent1">
+              <a:shade val="50000"/>
+            </a:schemeClr>
+          </a:lnRef>
+          <a:fillRef idx="1">
+            <a:schemeClr val="accent1"/>
+          </a:fillRef>
+          <a:effectRef idx="0">
+            <a:schemeClr val="accent1"/>
+          </a:effectRef>
+          <a:fontRef idx="minor">
+            <a:schemeClr val="lt1"/>
+          </a:fontRef>
+        </p:style>
+        <p:txBody>
+          <a:bodyPr rtlCol="0" anchor="ctr"/>
+          <a:lstStyle/>
+          <a:p>
+            <a:pPr algn="ctr"/>
+            <a:endParaRPr lang="en-US"/>
+          </a:p>
+        </p:txBody>
+      </p:sp>
+      <p:sp>
+        <p:nvSpPr>
+          <p:cNvPr id="223" name="TextBox 222"/>
+          <p:cNvSpPr txBox="1"/>
+          <p:nvPr/>
+        </p:nvSpPr>
+        <p:spPr>
+          <a:xfrm>
+            <a:off x="4397318" y="4349397"/>
+            <a:ext cx="495649" cy="215444"/>
+          </a:xfrm>
+          <a:prstGeom prst="rect">
+            <a:avLst/>
+          </a:prstGeom>
+          <a:noFill/>
+        </p:spPr>
+        <p:txBody>
+          <a:bodyPr wrap="none" rtlCol="0">
+            <a:spAutoFit/>
+          </a:bodyPr>
+          <a:lstStyle/>
+          <a:p>
+            <a:r>
+              <a:rPr lang="en-US" sz="800" dirty="0" err="1" smtClean="0"/>
+              <a:t>ALUout</a:t>
+            </a:r>
+            <a:endParaRPr lang="en-US" sz="800" dirty="0"/>
+          </a:p>
+        </p:txBody>
+      </p:sp>
+      <p:sp>
+        <p:nvSpPr>
+          <p:cNvPr id="262" name="TextBox 261"/>
+          <p:cNvSpPr txBox="1"/>
+          <p:nvPr/>
+        </p:nvSpPr>
+        <p:spPr>
+          <a:xfrm>
+            <a:off x="4423562" y="4213152"/>
+            <a:ext cx="473206" cy="215444"/>
+          </a:xfrm>
+          <a:prstGeom prst="rect">
+            <a:avLst/>
+          </a:prstGeom>
+          <a:noFill/>
+        </p:spPr>
+        <p:txBody>
+          <a:bodyPr wrap="none" rtlCol="0">
+            <a:spAutoFit/>
+          </a:bodyPr>
+          <a:lstStyle/>
+          <a:p>
+            <a:r>
+              <a:rPr lang="en-US" sz="800" dirty="0" err="1" smtClean="0"/>
+              <a:t>MemO</a:t>
+            </a:r>
+            <a:endParaRPr lang="en-US" sz="800" dirty="0"/>
+          </a:p>
+        </p:txBody>
+      </p:sp>
+      <p:sp>
+        <p:nvSpPr>
+          <p:cNvPr id="272" name="TextBox 271"/>
+          <p:cNvSpPr txBox="1"/>
+          <p:nvPr/>
+        </p:nvSpPr>
+        <p:spPr>
+          <a:xfrm>
+            <a:off x="1764276" y="3581500"/>
+            <a:ext cx="542136" cy="253916"/>
+          </a:xfrm>
+          <a:prstGeom prst="rect">
+            <a:avLst/>
+          </a:prstGeom>
+          <a:noFill/>
+        </p:spPr>
+        <p:txBody>
+          <a:bodyPr wrap="none" rtlCol="0">
+            <a:spAutoFit/>
+          </a:bodyPr>
+          <a:lstStyle/>
+          <a:p>
+            <a:r>
+              <a:rPr lang="en-US" sz="1050" dirty="0" err="1" smtClean="0"/>
+              <a:t>Reg</a:t>
+            </a:r>
+            <a:r>
+              <a:rPr lang="en-US" sz="1050" dirty="0" smtClean="0"/>
+              <a:t>[0]</a:t>
+            </a:r>
+          </a:p>
+        </p:txBody>
+      </p:sp>
+      <p:sp>
+        <p:nvSpPr>
+          <p:cNvPr id="276" name="TextBox 275"/>
+          <p:cNvSpPr txBox="1"/>
+          <p:nvPr/>
+        </p:nvSpPr>
+        <p:spPr>
+          <a:xfrm>
+            <a:off x="1195912" y="2642628"/>
+            <a:ext cx="495649" cy="215444"/>
+          </a:xfrm>
+          <a:prstGeom prst="rect">
+            <a:avLst/>
+          </a:prstGeom>
+          <a:noFill/>
+        </p:spPr>
+        <p:txBody>
+          <a:bodyPr wrap="none" rtlCol="0">
+            <a:spAutoFit/>
+          </a:bodyPr>
+          <a:lstStyle/>
+          <a:p>
+            <a:r>
+              <a:rPr lang="en-US" sz="800" dirty="0" err="1" smtClean="0"/>
+              <a:t>ALUout</a:t>
+            </a:r>
+            <a:endParaRPr lang="en-US" sz="800" dirty="0"/>
+          </a:p>
+        </p:txBody>
+      </p:sp>
+      <p:sp>
+        <p:nvSpPr>
+          <p:cNvPr id="279" name="TextBox 278"/>
+          <p:cNvSpPr txBox="1"/>
+          <p:nvPr/>
+        </p:nvSpPr>
+        <p:spPr>
+          <a:xfrm>
+            <a:off x="5024860" y="4458577"/>
+            <a:ext cx="429926" cy="215444"/>
+          </a:xfrm>
+          <a:prstGeom prst="rect">
+            <a:avLst/>
+          </a:prstGeom>
+          <a:noFill/>
+        </p:spPr>
+        <p:txBody>
+          <a:bodyPr wrap="none" rtlCol="0">
+            <a:spAutoFit/>
+          </a:bodyPr>
+          <a:lstStyle/>
+          <a:p>
+            <a:pPr algn="ctr"/>
+            <a:r>
+              <a:rPr lang="en-US" sz="800" dirty="0" smtClean="0"/>
+              <a:t>[15:0]</a:t>
+            </a:r>
+          </a:p>
+        </p:txBody>
+      </p:sp>
+      <p:sp>
+        <p:nvSpPr>
+          <p:cNvPr id="280" name="TextBox 279"/>
+          <p:cNvSpPr txBox="1"/>
+          <p:nvPr/>
+        </p:nvSpPr>
+        <p:spPr>
+          <a:xfrm>
+            <a:off x="10066408" y="2026196"/>
+            <a:ext cx="518091" cy="215444"/>
+          </a:xfrm>
+          <a:prstGeom prst="rect">
+            <a:avLst/>
+          </a:prstGeom>
+          <a:noFill/>
+        </p:spPr>
+        <p:txBody>
+          <a:bodyPr wrap="none" rtlCol="0">
+            <a:spAutoFit/>
+          </a:bodyPr>
+          <a:lstStyle/>
+          <a:p>
+            <a:r>
+              <a:rPr lang="en-US" sz="800" dirty="0" smtClean="0"/>
+              <a:t>Inverter</a:t>
+            </a:r>
+            <a:endParaRPr lang="en-US" sz="800" dirty="0"/>
+          </a:p>
+        </p:txBody>
+      </p:sp>
+      <p:sp>
+        <p:nvSpPr>
+          <p:cNvPr id="282" name="TextBox 281"/>
+          <p:cNvSpPr txBox="1"/>
+          <p:nvPr/>
+        </p:nvSpPr>
+        <p:spPr>
+          <a:xfrm>
+            <a:off x="7244429" y="2909596"/>
+            <a:ext cx="516488" cy="215444"/>
+          </a:xfrm>
+          <a:prstGeom prst="rect">
+            <a:avLst/>
+          </a:prstGeom>
+          <a:noFill/>
+        </p:spPr>
+        <p:txBody>
+          <a:bodyPr wrap="none" rtlCol="0">
+            <a:spAutoFit/>
+          </a:bodyPr>
+          <a:lstStyle/>
+          <a:p>
+            <a:r>
+              <a:rPr lang="en-US" sz="800" dirty="0" smtClean="0"/>
+              <a:t>SE </a:t>
+            </a:r>
+            <a:r>
+              <a:rPr lang="en-US" sz="800" dirty="0" err="1" smtClean="0"/>
+              <a:t>imm</a:t>
+            </a:r>
+            <a:r>
+              <a:rPr lang="en-US" sz="800" dirty="0" smtClean="0"/>
+              <a:t>.</a:t>
+            </a:r>
+            <a:endParaRPr lang="en-US" sz="800" dirty="0"/>
+          </a:p>
+        </p:txBody>
+      </p:sp>
+      <p:sp>
+        <p:nvSpPr>
+          <p:cNvPr id="330" name="TextBox 329"/>
+          <p:cNvSpPr txBox="1"/>
+          <p:nvPr/>
+        </p:nvSpPr>
+        <p:spPr>
+          <a:xfrm>
+            <a:off x="5614269" y="13980"/>
+            <a:ext cx="912429" cy="415498"/>
+          </a:xfrm>
+          <a:prstGeom prst="rect">
+            <a:avLst/>
+          </a:prstGeom>
+          <a:noFill/>
+        </p:spPr>
+        <p:txBody>
+          <a:bodyPr wrap="none" rtlCol="0">
+            <a:spAutoFit/>
+          </a:bodyPr>
+          <a:lstStyle/>
+          <a:p>
+            <a:r>
+              <a:rPr lang="en-US" sz="1050" dirty="0" smtClean="0"/>
+              <a:t>Op: IR[15:12]</a:t>
+            </a:r>
+          </a:p>
+          <a:p>
+            <a:r>
+              <a:rPr lang="en-US" sz="1050" dirty="0" err="1" smtClean="0"/>
+              <a:t>Func</a:t>
+            </a:r>
+            <a:r>
+              <a:rPr lang="en-US" sz="1050" dirty="0" smtClean="0"/>
+              <a:t>: IR[5:2]</a:t>
+            </a:r>
+            <a:endParaRPr lang="en-US" sz="1050" dirty="0"/>
+          </a:p>
+        </p:txBody>
+      </p:sp>
+      <p:sp>
+        <p:nvSpPr>
+          <p:cNvPr id="76" name="TextBox 75"/>
+          <p:cNvSpPr txBox="1"/>
+          <p:nvPr/>
+        </p:nvSpPr>
+        <p:spPr>
+          <a:xfrm rot="5400000">
+            <a:off x="8923752" y="1606057"/>
+            <a:ext cx="596510" cy="276999"/>
+          </a:xfrm>
+          <a:prstGeom prst="rect">
+            <a:avLst/>
+          </a:prstGeom>
+          <a:noFill/>
+        </p:spPr>
+        <p:txBody>
+          <a:bodyPr wrap="none" rtlCol="0">
+            <a:spAutoFit/>
+          </a:bodyPr>
+          <a:lstStyle/>
+          <a:p>
+            <a:r>
+              <a:rPr lang="en-US" sz="1200" dirty="0" err="1" smtClean="0"/>
+              <a:t>ALUop</a:t>
+            </a:r>
+            <a:endParaRPr lang="en-US" sz="1200" dirty="0"/>
+          </a:p>
+        </p:txBody>
+      </p:sp>
+      <p:grpSp>
+        <p:nvGrpSpPr>
+          <p:cNvPr id="331" name="Group 330"/>
+          <p:cNvGrpSpPr/>
+          <p:nvPr/>
+        </p:nvGrpSpPr>
+        <p:grpSpPr>
+          <a:xfrm>
+            <a:off x="4983580" y="1804811"/>
+            <a:ext cx="283370" cy="595274"/>
+            <a:chOff x="194424" y="4857722"/>
+            <a:chExt cx="313933" cy="659477"/>
+          </a:xfrm>
+        </p:grpSpPr>
+        <p:sp>
+          <p:nvSpPr>
+            <p:cNvPr id="332" name="Rounded Rectangle 331"/>
+            <p:cNvSpPr/>
+            <p:nvPr/>
+          </p:nvSpPr>
+          <p:spPr>
+            <a:xfrm rot="16200000">
+              <a:off x="95851" y="5017591"/>
+              <a:ext cx="511079" cy="313933"/>
+            </a:xfrm>
+            <a:prstGeom prst="roundRect">
+              <a:avLst/>
+            </a:prstGeom>
+          </p:spPr>
+          <p:style>
+            <a:lnRef idx="2">
+              <a:schemeClr val="accent1">
+                <a:shade val="50000"/>
+              </a:schemeClr>
+            </a:lnRef>
+            <a:fillRef idx="1">
+              <a:schemeClr val="accent1"/>
+            </a:fillRef>
+            <a:effectRef idx="0">
+              <a:schemeClr val="accent1"/>
+            </a:effectRef>
+            <a:fontRef idx="minor">
+              <a:schemeClr val="lt1"/>
+            </a:fontRef>
+          </p:style>
+          <p:txBody>
+            <a:bodyPr rtlCol="0" anchor="ctr"/>
+            <a:lstStyle/>
+            <a:p>
+              <a:pPr algn="ctr"/>
+              <a:endParaRPr lang="en-US" dirty="0"/>
+            </a:p>
+          </p:txBody>
+        </p:sp>
+        <p:sp>
+          <p:nvSpPr>
+            <p:cNvPr id="333" name="TextBox 332"/>
+            <p:cNvSpPr txBox="1"/>
+            <p:nvPr/>
+          </p:nvSpPr>
+          <p:spPr>
+            <a:xfrm>
+              <a:off x="230590" y="5143625"/>
+              <a:ext cx="211681" cy="373574"/>
+            </a:xfrm>
+            <a:prstGeom prst="rect">
+              <a:avLst/>
+            </a:prstGeom>
+            <a:noFill/>
+          </p:spPr>
+          <p:txBody>
+            <a:bodyPr wrap="none" rtlCol="0">
+              <a:spAutoFit/>
+            </a:bodyPr>
+            <a:lstStyle/>
+            <a:p>
+              <a:r>
+                <a:rPr lang="en-US" dirty="0" smtClean="0"/>
+                <a:t>1</a:t>
+              </a:r>
+              <a:endParaRPr lang="en-US" dirty="0"/>
+            </a:p>
+          </p:txBody>
+        </p:sp>
+        <p:sp>
+          <p:nvSpPr>
+            <p:cNvPr id="339" name="TextBox 338"/>
+            <p:cNvSpPr txBox="1"/>
+            <p:nvPr/>
+          </p:nvSpPr>
+          <p:spPr>
+            <a:xfrm>
+              <a:off x="247249" y="4857722"/>
+              <a:ext cx="211681" cy="373574"/>
+            </a:xfrm>
+            <a:prstGeom prst="rect">
+              <a:avLst/>
+            </a:prstGeom>
+            <a:noFill/>
+          </p:spPr>
+          <p:txBody>
+            <a:bodyPr wrap="none" rtlCol="0">
+              <a:spAutoFit/>
+            </a:bodyPr>
+            <a:lstStyle/>
+            <a:p>
+              <a:r>
+                <a:rPr lang="en-US" dirty="0"/>
+                <a:t>0</a:t>
+              </a:r>
+            </a:p>
+          </p:txBody>
+        </p:sp>
+      </p:grpSp>
+      <p:sp>
+        <p:nvSpPr>
+          <p:cNvPr id="354" name="TextBox 353"/>
+          <p:cNvSpPr txBox="1"/>
+          <p:nvPr/>
+        </p:nvSpPr>
+        <p:spPr>
+          <a:xfrm>
+            <a:off x="4592260" y="3056629"/>
+            <a:ext cx="548548" cy="253916"/>
+          </a:xfrm>
+          <a:prstGeom prst="rect">
+            <a:avLst/>
+          </a:prstGeom>
+          <a:noFill/>
+        </p:spPr>
+        <p:txBody>
+          <a:bodyPr wrap="none" rtlCol="0">
+            <a:spAutoFit/>
+          </a:bodyPr>
+          <a:lstStyle/>
+          <a:p>
+            <a:r>
+              <a:rPr lang="en-US" sz="1050" dirty="0" smtClean="0"/>
+              <a:t>IR[8:6]</a:t>
+            </a:r>
+          </a:p>
+        </p:txBody>
+      </p:sp>
+      <p:sp>
+        <p:nvSpPr>
+          <p:cNvPr id="355" name="TextBox 354"/>
+          <p:cNvSpPr txBox="1"/>
+          <p:nvPr/>
+        </p:nvSpPr>
+        <p:spPr>
+          <a:xfrm>
+            <a:off x="4472467" y="3567526"/>
+            <a:ext cx="567784" cy="215444"/>
+          </a:xfrm>
+          <a:prstGeom prst="rect">
+            <a:avLst/>
+          </a:prstGeom>
+          <a:noFill/>
+        </p:spPr>
+        <p:txBody>
+          <a:bodyPr wrap="none" rtlCol="0">
+            <a:spAutoFit/>
+          </a:bodyPr>
+          <a:lstStyle/>
+          <a:p>
+            <a:r>
+              <a:rPr lang="en-US" sz="800" dirty="0" smtClean="0"/>
+              <a:t>Zero[2:0]</a:t>
+            </a:r>
+          </a:p>
+        </p:txBody>
+      </p:sp>
+      <p:sp>
+        <p:nvSpPr>
+          <p:cNvPr id="356" name="TextBox 355"/>
+          <p:cNvSpPr txBox="1"/>
+          <p:nvPr/>
+        </p:nvSpPr>
+        <p:spPr>
+          <a:xfrm>
+            <a:off x="4698397" y="2572529"/>
+            <a:ext cx="617477" cy="253916"/>
+          </a:xfrm>
+          <a:prstGeom prst="rect">
+            <a:avLst/>
+          </a:prstGeom>
+          <a:noFill/>
+        </p:spPr>
+        <p:txBody>
+          <a:bodyPr wrap="none" rtlCol="0">
+            <a:spAutoFit/>
+          </a:bodyPr>
+          <a:lstStyle/>
+          <a:p>
+            <a:r>
+              <a:rPr lang="en-US" sz="1050" dirty="0" smtClean="0"/>
+              <a:t>IR[11:9]</a:t>
+            </a:r>
+          </a:p>
+        </p:txBody>
+      </p:sp>
+      <p:sp>
+        <p:nvSpPr>
+          <p:cNvPr id="359" name="Oval 358"/>
+          <p:cNvSpPr/>
+          <p:nvPr/>
+        </p:nvSpPr>
+        <p:spPr>
+          <a:xfrm>
+            <a:off x="3251310" y="2012535"/>
+            <a:ext cx="70080" cy="70080"/>
+          </a:xfrm>
+          <a:prstGeom prst="ellipse">
+            <a:avLst/>
+          </a:prstGeom>
+          <a:solidFill>
+            <a:schemeClr val="tx1"/>
+          </a:solidFill>
+          <a:ln>
+            <a:solidFill>
+              <a:schemeClr val="tx1"/>
+            </a:solidFill>
+          </a:ln>
+        </p:spPr>
+        <p:style>
+          <a:lnRef idx="2">
+            <a:schemeClr val="accent1">
+              <a:shade val="50000"/>
+            </a:schemeClr>
+          </a:lnRef>
+          <a:fillRef idx="1">
+            <a:schemeClr val="accent1"/>
+          </a:fillRef>
+          <a:effectRef idx="0">
+            <a:schemeClr val="accent1"/>
+          </a:effectRef>
+          <a:fontRef idx="minor">
+            <a:schemeClr val="lt1"/>
+          </a:fontRef>
+        </p:style>
+        <p:txBody>
+          <a:bodyPr rtlCol="0" anchor="ctr"/>
+          <a:lstStyle/>
+          <a:p>
+            <a:pPr algn="ctr"/>
+            <a:endParaRPr lang="en-US"/>
+          </a:p>
+        </p:txBody>
+      </p:sp>
+      <p:sp>
+        <p:nvSpPr>
+          <p:cNvPr id="360" name="Oval 359"/>
+          <p:cNvSpPr/>
+          <p:nvPr/>
+        </p:nvSpPr>
+        <p:spPr>
+          <a:xfrm>
+            <a:off x="3251310" y="2609288"/>
+            <a:ext cx="70080" cy="70080"/>
+          </a:xfrm>
+          <a:prstGeom prst="ellipse">
+            <a:avLst/>
+          </a:prstGeom>
+          <a:solidFill>
+            <a:schemeClr val="tx1"/>
+          </a:solidFill>
+          <a:ln>
+            <a:solidFill>
+              <a:schemeClr val="tx1"/>
+            </a:solidFill>
+          </a:ln>
+        </p:spPr>
+        <p:style>
+          <a:lnRef idx="2">
+            <a:schemeClr val="accent1">
+              <a:shade val="50000"/>
+            </a:schemeClr>
+          </a:lnRef>
+          <a:fillRef idx="1">
+            <a:schemeClr val="accent1"/>
+          </a:fillRef>
+          <a:effectRef idx="0">
+            <a:schemeClr val="accent1"/>
+          </a:effectRef>
+          <a:fontRef idx="minor">
+            <a:schemeClr val="lt1"/>
+          </a:fontRef>
+        </p:style>
+        <p:txBody>
+          <a:bodyPr rtlCol="0" anchor="ctr"/>
+          <a:lstStyle/>
+          <a:p>
+            <a:pPr algn="ctr"/>
+            <a:endParaRPr lang="en-US"/>
+          </a:p>
+        </p:txBody>
+      </p:sp>
+      <p:sp>
+        <p:nvSpPr>
+          <p:cNvPr id="363" name="Oval 362"/>
+          <p:cNvSpPr/>
+          <p:nvPr/>
+        </p:nvSpPr>
+        <p:spPr>
+          <a:xfrm>
+            <a:off x="4667661" y="953879"/>
+            <a:ext cx="70080" cy="70080"/>
+          </a:xfrm>
+          <a:prstGeom prst="ellipse">
+            <a:avLst/>
+          </a:prstGeom>
+          <a:solidFill>
+            <a:schemeClr val="tx1"/>
+          </a:solidFill>
+          <a:ln>
+            <a:solidFill>
+              <a:schemeClr val="tx1"/>
+            </a:solidFill>
+          </a:ln>
+        </p:spPr>
+        <p:style>
+          <a:lnRef idx="2">
+            <a:schemeClr val="accent1">
+              <a:shade val="50000"/>
+            </a:schemeClr>
+          </a:lnRef>
+          <a:fillRef idx="1">
+            <a:schemeClr val="accent1"/>
+          </a:fillRef>
+          <a:effectRef idx="0">
+            <a:schemeClr val="accent1"/>
+          </a:effectRef>
+          <a:fontRef idx="minor">
+            <a:schemeClr val="lt1"/>
+          </a:fontRef>
+        </p:style>
+        <p:txBody>
+          <a:bodyPr rtlCol="0" anchor="ctr"/>
+          <a:lstStyle/>
+          <a:p>
+            <a:pPr algn="ctr"/>
+            <a:endParaRPr lang="en-US"/>
+          </a:p>
+        </p:txBody>
+      </p:sp>
+      <p:cxnSp>
+        <p:nvCxnSpPr>
+          <p:cNvPr id="365" name="Elbow Connector 364"/>
+          <p:cNvCxnSpPr>
+            <a:stCxn id="33" idx="3"/>
+            <a:endCxn id="363" idx="7"/>
+          </p:cNvCxnSpPr>
+          <p:nvPr/>
+        </p:nvCxnSpPr>
+        <p:spPr>
+          <a:xfrm flipV="1">
+            <a:off x="3103635" y="964142"/>
+            <a:ext cx="1623843" cy="1082829"/>
+          </a:xfrm>
+          <a:prstGeom prst="bentConnector4">
+            <a:avLst>
+              <a:gd name="adj1" fmla="val 84813"/>
+              <a:gd name="adj2" fmla="val 98159"/>
+            </a:avLst>
+          </a:prstGeom>
+          <a:ln>
+            <a:solidFill>
+              <a:schemeClr val="tx1"/>
+            </a:solidFill>
+          </a:ln>
+        </p:spPr>
+        <p:style>
+          <a:lnRef idx="1">
+            <a:schemeClr val="accent1"/>
+          </a:lnRef>
+          <a:fillRef idx="0">
+            <a:schemeClr val="accent1"/>
+          </a:fillRef>
+          <a:effectRef idx="0">
+            <a:schemeClr val="accent1"/>
+          </a:effectRef>
+          <a:fontRef idx="minor">
+            <a:schemeClr val="tx1"/>
+          </a:fontRef>
+        </p:style>
+      </p:cxnSp>
+      <p:cxnSp>
+        <p:nvCxnSpPr>
+          <p:cNvPr id="370" name="Elbow Connector 369"/>
+          <p:cNvCxnSpPr>
+            <a:stCxn id="363" idx="0"/>
+            <a:endCxn id="22" idx="2"/>
+          </p:cNvCxnSpPr>
+          <p:nvPr/>
+        </p:nvCxnSpPr>
+        <p:spPr>
+          <a:xfrm rot="5400000" flipH="1" flipV="1">
+            <a:off x="5301642" y="-206682"/>
+            <a:ext cx="561621" cy="1759503"/>
+          </a:xfrm>
+          <a:prstGeom prst="bentConnector2">
+            <a:avLst/>
+          </a:prstGeom>
+          <a:ln>
+            <a:solidFill>
+              <a:schemeClr val="tx1"/>
+            </a:solidFill>
+            <a:tailEnd type="triangle"/>
+          </a:ln>
+        </p:spPr>
+        <p:style>
+          <a:lnRef idx="1">
+            <a:schemeClr val="accent1"/>
+          </a:lnRef>
+          <a:fillRef idx="0">
+            <a:schemeClr val="accent1"/>
+          </a:fillRef>
+          <a:effectRef idx="0">
+            <a:schemeClr val="accent1"/>
+          </a:effectRef>
+          <a:fontRef idx="minor">
+            <a:schemeClr val="tx1"/>
+          </a:fontRef>
+        </p:style>
+      </p:cxnSp>
+      <p:cxnSp>
+        <p:nvCxnSpPr>
+          <p:cNvPr id="372" name="Elbow Connector 371"/>
+          <p:cNvCxnSpPr>
+            <a:stCxn id="363" idx="6"/>
+            <a:endCxn id="14" idx="2"/>
+          </p:cNvCxnSpPr>
+          <p:nvPr/>
+        </p:nvCxnSpPr>
+        <p:spPr>
+          <a:xfrm>
+            <a:off x="4737741" y="988919"/>
+            <a:ext cx="1692343" cy="72558"/>
+          </a:xfrm>
+          <a:prstGeom prst="bentConnector3">
+            <a:avLst>
+              <a:gd name="adj1" fmla="val 50000"/>
+            </a:avLst>
+          </a:prstGeom>
+          <a:ln>
+            <a:solidFill>
+              <a:schemeClr val="tx1"/>
+            </a:solidFill>
+            <a:tailEnd type="triangle"/>
+          </a:ln>
+        </p:spPr>
+        <p:style>
+          <a:lnRef idx="1">
+            <a:schemeClr val="accent1"/>
+          </a:lnRef>
+          <a:fillRef idx="0">
+            <a:schemeClr val="accent1"/>
+          </a:fillRef>
+          <a:effectRef idx="0">
+            <a:schemeClr val="accent1"/>
+          </a:effectRef>
+          <a:fontRef idx="minor">
+            <a:schemeClr val="tx1"/>
+          </a:fontRef>
+        </p:style>
+      </p:cxnSp>
     </p:spTree>
     <p:extLst>
       <p:ext uri="{BB962C8B-B14F-4D97-AF65-F5344CB8AC3E}">
@@ -12252,11 +12880,7 @@
             </a:r>
             <a:r>
               <a:rPr lang="en-US" sz="1050" dirty="0" smtClean="0"/>
-              <a:t>. [</a:t>
-            </a:r>
-            <a:r>
-              <a:rPr lang="en-US" sz="1050" dirty="0" smtClean="0"/>
-              <a:t>15:0]</a:t>
+              <a:t>. [15:0]</a:t>
             </a:r>
           </a:p>
         </p:txBody>
@@ -12941,11 +13565,7 @@
           <a:p>
             <a:r>
               <a:rPr lang="en-US" sz="1050" dirty="0" smtClean="0"/>
-              <a:t>IR [11:0</a:t>
-            </a:r>
-            <a:r>
-              <a:rPr lang="en-US" sz="1050" dirty="0" smtClean="0"/>
-              <a:t>]</a:t>
+              <a:t>IR [11:0]</a:t>
             </a:r>
             <a:endParaRPr lang="en-US" sz="1050" dirty="0"/>
           </a:p>
@@ -13836,6 +14456,13 @@
   <p:clrMapOvr>
     <a:masterClrMapping/>
   </p:clrMapOvr>
+  <p:timing>
+    <p:tnLst>
+      <p:par>
+        <p:cTn id="1" dur="indefinite" restart="never" nodeType="tmRoot"/>
+      </p:par>
+    </p:tnLst>
+  </p:timing>
 </p:sld>
 </file>
 
@@ -14370,7 +14997,6 @@
               <a:rPr lang="en-US" sz="1050" dirty="0" smtClean="0"/>
               <a:t>IR[11:9]</a:t>
             </a:r>
-            <a:endParaRPr lang="en-US" sz="1050" dirty="0" smtClean="0"/>
           </a:p>
         </p:txBody>
       </p:sp>
@@ -14400,7 +15026,6 @@
               <a:rPr lang="en-US" sz="1050" dirty="0" smtClean="0"/>
               <a:t>IR[8:6]</a:t>
             </a:r>
-            <a:endParaRPr lang="en-US" sz="1050" dirty="0" smtClean="0"/>
           </a:p>
         </p:txBody>
       </p:sp>
@@ -14806,7 +15431,6 @@
               <a:rPr lang="en-US" sz="1050" dirty="0" smtClean="0"/>
               <a:t>IR[8:6]</a:t>
             </a:r>
-            <a:endParaRPr lang="en-US" sz="1050" dirty="0" smtClean="0"/>
           </a:p>
         </p:txBody>
       </p:sp>
@@ -18218,7 +18842,6 @@
               <a:rPr lang="en-US" sz="1050" dirty="0" smtClean="0"/>
               <a:t>IR[8:6]</a:t>
             </a:r>
-            <a:endParaRPr lang="en-US" sz="1050" dirty="0" smtClean="0"/>
           </a:p>
         </p:txBody>
       </p:sp>
@@ -18248,7 +18871,6 @@
               <a:rPr lang="en-US" sz="1050" dirty="0" smtClean="0"/>
               <a:t>IR[11:9]</a:t>
             </a:r>
-            <a:endParaRPr lang="en-US" sz="1050" dirty="0" smtClean="0"/>
           </a:p>
         </p:txBody>
       </p:sp>
@@ -18558,11 +19180,7 @@
           <a:p>
             <a:r>
               <a:rPr lang="en-US" sz="1050" dirty="0" smtClean="0"/>
-              <a:t>Zero[1:0</a:t>
-            </a:r>
-            <a:r>
-              <a:rPr lang="en-US" sz="1050" dirty="0" smtClean="0"/>
-              <a:t>]</a:t>
+              <a:t>Zero[1:0]</a:t>
             </a:r>
           </a:p>
         </p:txBody>
@@ -18591,11 +19209,7 @@
           <a:p>
             <a:r>
               <a:rPr lang="en-US" sz="1050" dirty="0" smtClean="0"/>
-              <a:t>SE[15:10</a:t>
-            </a:r>
-            <a:r>
-              <a:rPr lang="en-US" sz="1050" dirty="0" smtClean="0"/>
-              <a:t>]</a:t>
+              <a:t>SE[15:10]</a:t>
             </a:r>
           </a:p>
         </p:txBody>
@@ -18624,11 +19238,7 @@
           <a:p>
             <a:r>
               <a:rPr lang="en-US" sz="1050" dirty="0" smtClean="0"/>
-              <a:t>SE[15:10</a:t>
-            </a:r>
-            <a:r>
-              <a:rPr lang="en-US" sz="1050" dirty="0" smtClean="0"/>
-              <a:t>]</a:t>
+              <a:t>SE[15:10]</a:t>
             </a:r>
           </a:p>
         </p:txBody>
